--- a/Useful/UML/Presentation/useful_ppt_초안.pptx
+++ b/Useful/UML/Presentation/useful_ppt_초안.pptx
@@ -5,18 +5,20 @@
     <p:sldMasterId id="2147483648" r:id="rId1"/>
   </p:sldMasterIdLst>
   <p:notesMasterIdLst>
-    <p:notesMasterId r:id="rId11"/>
+    <p:notesMasterId r:id="rId13"/>
   </p:notesMasterIdLst>
   <p:sldIdLst>
     <p:sldId id="266" r:id="rId2"/>
     <p:sldId id="258" r:id="rId3"/>
-    <p:sldId id="259" r:id="rId4"/>
-    <p:sldId id="260" r:id="rId5"/>
-    <p:sldId id="261" r:id="rId6"/>
-    <p:sldId id="262" r:id="rId7"/>
-    <p:sldId id="263" r:id="rId8"/>
-    <p:sldId id="264" r:id="rId9"/>
-    <p:sldId id="267" r:id="rId10"/>
+    <p:sldId id="268" r:id="rId4"/>
+    <p:sldId id="269" r:id="rId5"/>
+    <p:sldId id="259" r:id="rId6"/>
+    <p:sldId id="260" r:id="rId7"/>
+    <p:sldId id="261" r:id="rId8"/>
+    <p:sldId id="262" r:id="rId9"/>
+    <p:sldId id="263" r:id="rId10"/>
+    <p:sldId id="264" r:id="rId11"/>
+    <p:sldId id="267" r:id="rId12"/>
   </p:sldIdLst>
   <p:sldSz cx="9144000" cy="6858000" type="screen4x3"/>
   <p:notesSz cx="6858000" cy="9144000"/>
@@ -949,6 +951,384 @@
 </p:notes>
 </file>
 
+<file path=ppt/notesSlides/notesSlide10.xml><?xml version="1.0" encoding="utf-8"?>
+<p:notes xmlns:a="http://schemas.openxmlformats.org/drawingml/2006/main" xmlns:r="http://schemas.openxmlformats.org/officeDocument/2006/relationships" xmlns:p="http://schemas.openxmlformats.org/presentationml/2006/main">
+  <p:cSld>
+    <p:spTree>
+      <p:nvGrpSpPr>
+        <p:cNvPr id="1" name=""/>
+        <p:cNvGrpSpPr/>
+        <p:nvPr/>
+      </p:nvGrpSpPr>
+      <p:grpSpPr>
+        <a:xfrm>
+          <a:off x="0" y="0"/>
+          <a:ext cx="0" cy="0"/>
+          <a:chOff x="0" y="0"/>
+          <a:chExt cx="0" cy="0"/>
+        </a:xfrm>
+      </p:grpSpPr>
+      <p:sp>
+        <p:nvSpPr>
+          <p:cNvPr id="19458" name="Rectangle 7"/>
+          <p:cNvSpPr>
+            <a:spLocks noGrp="1" noChangeArrowheads="1"/>
+          </p:cNvSpPr>
+          <p:nvPr>
+            <p:ph type="sldNum" sz="quarter" idx="5"/>
+          </p:nvPr>
+        </p:nvSpPr>
+        <p:spPr>
+          <a:noFill/>
+        </p:spPr>
+        <p:txBody>
+          <a:bodyPr/>
+          <a:lstStyle>
+            <a:lvl1pPr>
+              <a:defRPr sz="2400">
+                <a:solidFill>
+                  <a:schemeClr val="tx1"/>
+                </a:solidFill>
+                <a:latin typeface="Times New Roman" panose="02020603050405020304" pitchFamily="18" charset="0"/>
+              </a:defRPr>
+            </a:lvl1pPr>
+            <a:lvl2pPr marL="742950" indent="-285750">
+              <a:defRPr sz="2400">
+                <a:solidFill>
+                  <a:schemeClr val="tx1"/>
+                </a:solidFill>
+                <a:latin typeface="Times New Roman" panose="02020603050405020304" pitchFamily="18" charset="0"/>
+              </a:defRPr>
+            </a:lvl2pPr>
+            <a:lvl3pPr marL="1143000" indent="-228600">
+              <a:defRPr sz="2400">
+                <a:solidFill>
+                  <a:schemeClr val="tx1"/>
+                </a:solidFill>
+                <a:latin typeface="Times New Roman" panose="02020603050405020304" pitchFamily="18" charset="0"/>
+              </a:defRPr>
+            </a:lvl3pPr>
+            <a:lvl4pPr marL="1600200" indent="-228600">
+              <a:defRPr sz="2400">
+                <a:solidFill>
+                  <a:schemeClr val="tx1"/>
+                </a:solidFill>
+                <a:latin typeface="Times New Roman" panose="02020603050405020304" pitchFamily="18" charset="0"/>
+              </a:defRPr>
+            </a:lvl4pPr>
+            <a:lvl5pPr marL="2057400" indent="-228600">
+              <a:defRPr sz="2400">
+                <a:solidFill>
+                  <a:schemeClr val="tx1"/>
+                </a:solidFill>
+                <a:latin typeface="Times New Roman" panose="02020603050405020304" pitchFamily="18" charset="0"/>
+              </a:defRPr>
+            </a:lvl5pPr>
+            <a:lvl6pPr marL="2514600" indent="-228600" eaLnBrk="0" fontAlgn="base" hangingPunct="0">
+              <a:spcBef>
+                <a:spcPct val="0"/>
+              </a:spcBef>
+              <a:spcAft>
+                <a:spcPct val="0"/>
+              </a:spcAft>
+              <a:defRPr sz="2400">
+                <a:solidFill>
+                  <a:schemeClr val="tx1"/>
+                </a:solidFill>
+                <a:latin typeface="Times New Roman" panose="02020603050405020304" pitchFamily="18" charset="0"/>
+              </a:defRPr>
+            </a:lvl6pPr>
+            <a:lvl7pPr marL="2971800" indent="-228600" eaLnBrk="0" fontAlgn="base" hangingPunct="0">
+              <a:spcBef>
+                <a:spcPct val="0"/>
+              </a:spcBef>
+              <a:spcAft>
+                <a:spcPct val="0"/>
+              </a:spcAft>
+              <a:defRPr sz="2400">
+                <a:solidFill>
+                  <a:schemeClr val="tx1"/>
+                </a:solidFill>
+                <a:latin typeface="Times New Roman" panose="02020603050405020304" pitchFamily="18" charset="0"/>
+              </a:defRPr>
+            </a:lvl7pPr>
+            <a:lvl8pPr marL="3429000" indent="-228600" eaLnBrk="0" fontAlgn="base" hangingPunct="0">
+              <a:spcBef>
+                <a:spcPct val="0"/>
+              </a:spcBef>
+              <a:spcAft>
+                <a:spcPct val="0"/>
+              </a:spcAft>
+              <a:defRPr sz="2400">
+                <a:solidFill>
+                  <a:schemeClr val="tx1"/>
+                </a:solidFill>
+                <a:latin typeface="Times New Roman" panose="02020603050405020304" pitchFamily="18" charset="0"/>
+              </a:defRPr>
+            </a:lvl8pPr>
+            <a:lvl9pPr marL="3886200" indent="-228600" eaLnBrk="0" fontAlgn="base" hangingPunct="0">
+              <a:spcBef>
+                <a:spcPct val="0"/>
+              </a:spcBef>
+              <a:spcAft>
+                <a:spcPct val="0"/>
+              </a:spcAft>
+              <a:defRPr sz="2400">
+                <a:solidFill>
+                  <a:schemeClr val="tx1"/>
+                </a:solidFill>
+                <a:latin typeface="Times New Roman" panose="02020603050405020304" pitchFamily="18" charset="0"/>
+              </a:defRPr>
+            </a:lvl9pPr>
+          </a:lstStyle>
+          <a:p>
+            <a:fld id="{1DCF7481-C510-4DA7-8856-C235BB044AA0}" type="slidenum">
+              <a:rPr lang="en-US" altLang="en-US" sz="1200"/>
+              <a:pPr/>
+              <a:t>10</a:t>
+            </a:fld>
+            <a:endParaRPr lang="en-US" altLang="en-US" sz="1200"/>
+          </a:p>
+        </p:txBody>
+      </p:sp>
+      <p:sp>
+        <p:nvSpPr>
+          <p:cNvPr id="19459" name="Rectangle 2"/>
+          <p:cNvSpPr>
+            <a:spLocks noGrp="1" noRot="1" noChangeAspect="1" noChangeArrowheads="1" noTextEdit="1"/>
+          </p:cNvSpPr>
+          <p:nvPr>
+            <p:ph type="sldImg"/>
+          </p:nvPr>
+        </p:nvSpPr>
+        <p:spPr>
+          <a:ln/>
+        </p:spPr>
+      </p:sp>
+      <p:sp>
+        <p:nvSpPr>
+          <p:cNvPr id="19460" name="Rectangle 3"/>
+          <p:cNvSpPr>
+            <a:spLocks noGrp="1" noChangeArrowheads="1"/>
+          </p:cNvSpPr>
+          <p:nvPr>
+            <p:ph type="body" idx="1"/>
+          </p:nvPr>
+        </p:nvSpPr>
+        <p:spPr>
+          <a:noFill/>
+        </p:spPr>
+        <p:txBody>
+          <a:bodyPr/>
+          <a:lstStyle/>
+          <a:p>
+            <a:pPr eaLnBrk="1" hangingPunct="1"/>
+            <a:endParaRPr lang="en-GB" altLang="en-US" smtClean="0"/>
+          </a:p>
+        </p:txBody>
+      </p:sp>
+    </p:spTree>
+    <p:extLst>
+      <p:ext uri="{BB962C8B-B14F-4D97-AF65-F5344CB8AC3E}">
+        <p14:creationId xmlns:p14="http://schemas.microsoft.com/office/powerpoint/2010/main" val="3469476500"/>
+      </p:ext>
+    </p:extLst>
+  </p:cSld>
+  <p:clrMapOvr>
+    <a:masterClrMapping/>
+  </p:clrMapOvr>
+</p:notes>
+</file>
+
+<file path=ppt/notesSlides/notesSlide11.xml><?xml version="1.0" encoding="utf-8"?>
+<p:notes xmlns:a="http://schemas.openxmlformats.org/drawingml/2006/main" xmlns:r="http://schemas.openxmlformats.org/officeDocument/2006/relationships" xmlns:p="http://schemas.openxmlformats.org/presentationml/2006/main">
+  <p:cSld>
+    <p:spTree>
+      <p:nvGrpSpPr>
+        <p:cNvPr id="1" name=""/>
+        <p:cNvGrpSpPr/>
+        <p:nvPr/>
+      </p:nvGrpSpPr>
+      <p:grpSpPr>
+        <a:xfrm>
+          <a:off x="0" y="0"/>
+          <a:ext cx="0" cy="0"/>
+          <a:chOff x="0" y="0"/>
+          <a:chExt cx="0" cy="0"/>
+        </a:xfrm>
+      </p:grpSpPr>
+      <p:sp>
+        <p:nvSpPr>
+          <p:cNvPr id="21506" name="Rectangle 7"/>
+          <p:cNvSpPr>
+            <a:spLocks noGrp="1" noChangeArrowheads="1"/>
+          </p:cNvSpPr>
+          <p:nvPr>
+            <p:ph type="sldNum" sz="quarter" idx="5"/>
+          </p:nvPr>
+        </p:nvSpPr>
+        <p:spPr>
+          <a:noFill/>
+        </p:spPr>
+        <p:txBody>
+          <a:bodyPr/>
+          <a:lstStyle>
+            <a:lvl1pPr>
+              <a:defRPr sz="2400">
+                <a:solidFill>
+                  <a:schemeClr val="tx1"/>
+                </a:solidFill>
+                <a:latin typeface="Times New Roman" panose="02020603050405020304" pitchFamily="18" charset="0"/>
+              </a:defRPr>
+            </a:lvl1pPr>
+            <a:lvl2pPr marL="742950" indent="-285750">
+              <a:defRPr sz="2400">
+                <a:solidFill>
+                  <a:schemeClr val="tx1"/>
+                </a:solidFill>
+                <a:latin typeface="Times New Roman" panose="02020603050405020304" pitchFamily="18" charset="0"/>
+              </a:defRPr>
+            </a:lvl2pPr>
+            <a:lvl3pPr marL="1143000" indent="-228600">
+              <a:defRPr sz="2400">
+                <a:solidFill>
+                  <a:schemeClr val="tx1"/>
+                </a:solidFill>
+                <a:latin typeface="Times New Roman" panose="02020603050405020304" pitchFamily="18" charset="0"/>
+              </a:defRPr>
+            </a:lvl3pPr>
+            <a:lvl4pPr marL="1600200" indent="-228600">
+              <a:defRPr sz="2400">
+                <a:solidFill>
+                  <a:schemeClr val="tx1"/>
+                </a:solidFill>
+                <a:latin typeface="Times New Roman" panose="02020603050405020304" pitchFamily="18" charset="0"/>
+              </a:defRPr>
+            </a:lvl4pPr>
+            <a:lvl5pPr marL="2057400" indent="-228600">
+              <a:defRPr sz="2400">
+                <a:solidFill>
+                  <a:schemeClr val="tx1"/>
+                </a:solidFill>
+                <a:latin typeface="Times New Roman" panose="02020603050405020304" pitchFamily="18" charset="0"/>
+              </a:defRPr>
+            </a:lvl5pPr>
+            <a:lvl6pPr marL="2514600" indent="-228600" eaLnBrk="0" fontAlgn="base" hangingPunct="0">
+              <a:spcBef>
+                <a:spcPct val="0"/>
+              </a:spcBef>
+              <a:spcAft>
+                <a:spcPct val="0"/>
+              </a:spcAft>
+              <a:defRPr sz="2400">
+                <a:solidFill>
+                  <a:schemeClr val="tx1"/>
+                </a:solidFill>
+                <a:latin typeface="Times New Roman" panose="02020603050405020304" pitchFamily="18" charset="0"/>
+              </a:defRPr>
+            </a:lvl6pPr>
+            <a:lvl7pPr marL="2971800" indent="-228600" eaLnBrk="0" fontAlgn="base" hangingPunct="0">
+              <a:spcBef>
+                <a:spcPct val="0"/>
+              </a:spcBef>
+              <a:spcAft>
+                <a:spcPct val="0"/>
+              </a:spcAft>
+              <a:defRPr sz="2400">
+                <a:solidFill>
+                  <a:schemeClr val="tx1"/>
+                </a:solidFill>
+                <a:latin typeface="Times New Roman" panose="02020603050405020304" pitchFamily="18" charset="0"/>
+              </a:defRPr>
+            </a:lvl7pPr>
+            <a:lvl8pPr marL="3429000" indent="-228600" eaLnBrk="0" fontAlgn="base" hangingPunct="0">
+              <a:spcBef>
+                <a:spcPct val="0"/>
+              </a:spcBef>
+              <a:spcAft>
+                <a:spcPct val="0"/>
+              </a:spcAft>
+              <a:defRPr sz="2400">
+                <a:solidFill>
+                  <a:schemeClr val="tx1"/>
+                </a:solidFill>
+                <a:latin typeface="Times New Roman" panose="02020603050405020304" pitchFamily="18" charset="0"/>
+              </a:defRPr>
+            </a:lvl8pPr>
+            <a:lvl9pPr marL="3886200" indent="-228600" eaLnBrk="0" fontAlgn="base" hangingPunct="0">
+              <a:spcBef>
+                <a:spcPct val="0"/>
+              </a:spcBef>
+              <a:spcAft>
+                <a:spcPct val="0"/>
+              </a:spcAft>
+              <a:defRPr sz="2400">
+                <a:solidFill>
+                  <a:schemeClr val="tx1"/>
+                </a:solidFill>
+                <a:latin typeface="Times New Roman" panose="02020603050405020304" pitchFamily="18" charset="0"/>
+              </a:defRPr>
+            </a:lvl9pPr>
+          </a:lstStyle>
+          <a:p>
+            <a:fld id="{D084F87C-EEC2-4DDB-9372-8EB9FFAA9EB6}" type="slidenum">
+              <a:rPr lang="en-US" altLang="en-US" sz="1200"/>
+              <a:pPr/>
+              <a:t>11</a:t>
+            </a:fld>
+            <a:endParaRPr lang="en-US" altLang="en-US" sz="1200"/>
+          </a:p>
+        </p:txBody>
+      </p:sp>
+      <p:sp>
+        <p:nvSpPr>
+          <p:cNvPr id="21507" name="Rectangle 2"/>
+          <p:cNvSpPr>
+            <a:spLocks noGrp="1" noRot="1" noChangeAspect="1" noChangeArrowheads="1" noTextEdit="1"/>
+          </p:cNvSpPr>
+          <p:nvPr>
+            <p:ph type="sldImg"/>
+          </p:nvPr>
+        </p:nvSpPr>
+        <p:spPr>
+          <a:ln/>
+        </p:spPr>
+      </p:sp>
+      <p:sp>
+        <p:nvSpPr>
+          <p:cNvPr id="21508" name="Rectangle 3"/>
+          <p:cNvSpPr>
+            <a:spLocks noGrp="1" noChangeArrowheads="1"/>
+          </p:cNvSpPr>
+          <p:nvPr>
+            <p:ph type="body" idx="1"/>
+          </p:nvPr>
+        </p:nvSpPr>
+        <p:spPr>
+          <a:noFill/>
+        </p:spPr>
+        <p:txBody>
+          <a:bodyPr/>
+          <a:lstStyle/>
+          <a:p>
+            <a:pPr eaLnBrk="1" hangingPunct="1"/>
+            <a:endParaRPr lang="en-GB" altLang="en-US" smtClean="0"/>
+          </a:p>
+        </p:txBody>
+      </p:sp>
+    </p:spTree>
+    <p:extLst>
+      <p:ext uri="{BB962C8B-B14F-4D97-AF65-F5344CB8AC3E}">
+        <p14:creationId xmlns:p14="http://schemas.microsoft.com/office/powerpoint/2010/main" val="280303846"/>
+      </p:ext>
+    </p:extLst>
+  </p:cSld>
+  <p:clrMapOvr>
+    <a:masterClrMapping/>
+  </p:clrMapOvr>
+</p:notes>
+</file>
+
 <file path=ppt/notesSlides/notesSlide2.xml><?xml version="1.0" encoding="utf-8"?>
 <p:notes xmlns:a="http://schemas.openxmlformats.org/drawingml/2006/main" xmlns:r="http://schemas.openxmlformats.org/officeDocument/2006/relationships" xmlns:p="http://schemas.openxmlformats.org/presentationml/2006/main">
   <p:cSld>
@@ -1157,7 +1537,7 @@
       </p:grpSpPr>
       <p:sp>
         <p:nvSpPr>
-          <p:cNvPr id="9218" name="Rectangle 7"/>
+          <p:cNvPr id="7170" name="Rectangle 7"/>
           <p:cNvSpPr>
             <a:spLocks noGrp="1" noChangeArrowheads="1"/>
           </p:cNvSpPr>
@@ -1269,7 +1649,7 @@
             </a:lvl9pPr>
           </a:lstStyle>
           <a:p>
-            <a:fld id="{B5B57AA3-CE5E-4EDA-B9D0-49F37FAF91E0}" type="slidenum">
+            <a:fld id="{FCA67B16-29DB-482A-A3FC-5CA45B61F919}" type="slidenum">
               <a:rPr lang="en-US" altLang="en-US" sz="1200"/>
               <a:pPr/>
               <a:t>3</a:t>
@@ -1280,7 +1660,7 @@
       </p:sp>
       <p:sp>
         <p:nvSpPr>
-          <p:cNvPr id="9219" name="Rectangle 2"/>
+          <p:cNvPr id="7171" name="Rectangle 2"/>
           <p:cNvSpPr>
             <a:spLocks noGrp="1" noRot="1" noChangeAspect="1" noChangeArrowheads="1" noTextEdit="1"/>
           </p:cNvSpPr>
@@ -1294,7 +1674,7 @@
       </p:sp>
       <p:sp>
         <p:nvSpPr>
-          <p:cNvPr id="9220" name="Rectangle 3"/>
+          <p:cNvPr id="7172" name="Rectangle 3"/>
           <p:cNvSpPr>
             <a:spLocks noGrp="1" noChangeArrowheads="1"/>
           </p:cNvSpPr>
@@ -1317,7 +1697,7 @@
     </p:spTree>
     <p:extLst>
       <p:ext uri="{BB962C8B-B14F-4D97-AF65-F5344CB8AC3E}">
-        <p14:creationId xmlns:p14="http://schemas.microsoft.com/office/powerpoint/2010/main" val="647810713"/>
+        <p14:creationId xmlns:p14="http://schemas.microsoft.com/office/powerpoint/2010/main" val="56520793"/>
       </p:ext>
     </p:extLst>
   </p:cSld>
@@ -1346,7 +1726,7 @@
       </p:grpSpPr>
       <p:sp>
         <p:nvSpPr>
-          <p:cNvPr id="11266" name="Rectangle 7"/>
+          <p:cNvPr id="7170" name="Rectangle 7"/>
           <p:cNvSpPr>
             <a:spLocks noGrp="1" noChangeArrowheads="1"/>
           </p:cNvSpPr>
@@ -1458,7 +1838,7 @@
             </a:lvl9pPr>
           </a:lstStyle>
           <a:p>
-            <a:fld id="{AA692BD8-D2D9-4239-82DE-7434D24FBD72}" type="slidenum">
+            <a:fld id="{FCA67B16-29DB-482A-A3FC-5CA45B61F919}" type="slidenum">
               <a:rPr lang="en-US" altLang="en-US" sz="1200"/>
               <a:pPr/>
               <a:t>4</a:t>
@@ -1469,7 +1849,7 @@
       </p:sp>
       <p:sp>
         <p:nvSpPr>
-          <p:cNvPr id="11267" name="Rectangle 2"/>
+          <p:cNvPr id="7171" name="Rectangle 2"/>
           <p:cNvSpPr>
             <a:spLocks noGrp="1" noRot="1" noChangeAspect="1" noChangeArrowheads="1" noTextEdit="1"/>
           </p:cNvSpPr>
@@ -1483,7 +1863,7 @@
       </p:sp>
       <p:sp>
         <p:nvSpPr>
-          <p:cNvPr id="11268" name="Rectangle 3"/>
+          <p:cNvPr id="7172" name="Rectangle 3"/>
           <p:cNvSpPr>
             <a:spLocks noGrp="1" noChangeArrowheads="1"/>
           </p:cNvSpPr>
@@ -1506,7 +1886,7 @@
     </p:spTree>
     <p:extLst>
       <p:ext uri="{BB962C8B-B14F-4D97-AF65-F5344CB8AC3E}">
-        <p14:creationId xmlns:p14="http://schemas.microsoft.com/office/powerpoint/2010/main" val="2001156890"/>
+        <p14:creationId xmlns:p14="http://schemas.microsoft.com/office/powerpoint/2010/main" val="1851130376"/>
       </p:ext>
     </p:extLst>
   </p:cSld>
@@ -1535,7 +1915,7 @@
       </p:grpSpPr>
       <p:sp>
         <p:nvSpPr>
-          <p:cNvPr id="13314" name="Rectangle 7"/>
+          <p:cNvPr id="9218" name="Rectangle 7"/>
           <p:cNvSpPr>
             <a:spLocks noGrp="1" noChangeArrowheads="1"/>
           </p:cNvSpPr>
@@ -1647,7 +2027,7 @@
             </a:lvl9pPr>
           </a:lstStyle>
           <a:p>
-            <a:fld id="{ED49E9B6-ADB2-4C59-B3C8-7ACAA1974432}" type="slidenum">
+            <a:fld id="{B5B57AA3-CE5E-4EDA-B9D0-49F37FAF91E0}" type="slidenum">
               <a:rPr lang="en-US" altLang="en-US" sz="1200"/>
               <a:pPr/>
               <a:t>5</a:t>
@@ -1658,7 +2038,7 @@
       </p:sp>
       <p:sp>
         <p:nvSpPr>
-          <p:cNvPr id="13315" name="Rectangle 2"/>
+          <p:cNvPr id="9219" name="Rectangle 2"/>
           <p:cNvSpPr>
             <a:spLocks noGrp="1" noRot="1" noChangeAspect="1" noChangeArrowheads="1" noTextEdit="1"/>
           </p:cNvSpPr>
@@ -1672,7 +2052,7 @@
       </p:sp>
       <p:sp>
         <p:nvSpPr>
-          <p:cNvPr id="13316" name="Rectangle 3"/>
+          <p:cNvPr id="9220" name="Rectangle 3"/>
           <p:cNvSpPr>
             <a:spLocks noGrp="1" noChangeArrowheads="1"/>
           </p:cNvSpPr>
@@ -1695,7 +2075,7 @@
     </p:spTree>
     <p:extLst>
       <p:ext uri="{BB962C8B-B14F-4D97-AF65-F5344CB8AC3E}">
-        <p14:creationId xmlns:p14="http://schemas.microsoft.com/office/powerpoint/2010/main" val="3901678336"/>
+        <p14:creationId xmlns:p14="http://schemas.microsoft.com/office/powerpoint/2010/main" val="647810713"/>
       </p:ext>
     </p:extLst>
   </p:cSld>
@@ -1724,7 +2104,7 @@
       </p:grpSpPr>
       <p:sp>
         <p:nvSpPr>
-          <p:cNvPr id="15362" name="Rectangle 7"/>
+          <p:cNvPr id="11266" name="Rectangle 7"/>
           <p:cNvSpPr>
             <a:spLocks noGrp="1" noChangeArrowheads="1"/>
           </p:cNvSpPr>
@@ -1836,7 +2216,7 @@
             </a:lvl9pPr>
           </a:lstStyle>
           <a:p>
-            <a:fld id="{79FACE4C-4A2E-42D4-B94F-A62839C2332B}" type="slidenum">
+            <a:fld id="{AA692BD8-D2D9-4239-82DE-7434D24FBD72}" type="slidenum">
               <a:rPr lang="en-US" altLang="en-US" sz="1200"/>
               <a:pPr/>
               <a:t>6</a:t>
@@ -1847,7 +2227,7 @@
       </p:sp>
       <p:sp>
         <p:nvSpPr>
-          <p:cNvPr id="15363" name="Rectangle 2"/>
+          <p:cNvPr id="11267" name="Rectangle 2"/>
           <p:cNvSpPr>
             <a:spLocks noGrp="1" noRot="1" noChangeAspect="1" noChangeArrowheads="1" noTextEdit="1"/>
           </p:cNvSpPr>
@@ -1861,7 +2241,7 @@
       </p:sp>
       <p:sp>
         <p:nvSpPr>
-          <p:cNvPr id="15364" name="Rectangle 3"/>
+          <p:cNvPr id="11268" name="Rectangle 3"/>
           <p:cNvSpPr>
             <a:spLocks noGrp="1" noChangeArrowheads="1"/>
           </p:cNvSpPr>
@@ -1884,7 +2264,7 @@
     </p:spTree>
     <p:extLst>
       <p:ext uri="{BB962C8B-B14F-4D97-AF65-F5344CB8AC3E}">
-        <p14:creationId xmlns:p14="http://schemas.microsoft.com/office/powerpoint/2010/main" val="3101929407"/>
+        <p14:creationId xmlns:p14="http://schemas.microsoft.com/office/powerpoint/2010/main" val="2001156890"/>
       </p:ext>
     </p:extLst>
   </p:cSld>
@@ -1913,7 +2293,7 @@
       </p:grpSpPr>
       <p:sp>
         <p:nvSpPr>
-          <p:cNvPr id="17410" name="Rectangle 7"/>
+          <p:cNvPr id="13314" name="Rectangle 7"/>
           <p:cNvSpPr>
             <a:spLocks noGrp="1" noChangeArrowheads="1"/>
           </p:cNvSpPr>
@@ -2025,7 +2405,7 @@
             </a:lvl9pPr>
           </a:lstStyle>
           <a:p>
-            <a:fld id="{A354F4E6-AD5C-4C2C-A04F-5D47E78D077D}" type="slidenum">
+            <a:fld id="{ED49E9B6-ADB2-4C59-B3C8-7ACAA1974432}" type="slidenum">
               <a:rPr lang="en-US" altLang="en-US" sz="1200"/>
               <a:pPr/>
               <a:t>7</a:t>
@@ -2036,7 +2416,7 @@
       </p:sp>
       <p:sp>
         <p:nvSpPr>
-          <p:cNvPr id="17411" name="Rectangle 2"/>
+          <p:cNvPr id="13315" name="Rectangle 2"/>
           <p:cNvSpPr>
             <a:spLocks noGrp="1" noRot="1" noChangeAspect="1" noChangeArrowheads="1" noTextEdit="1"/>
           </p:cNvSpPr>
@@ -2050,7 +2430,7 @@
       </p:sp>
       <p:sp>
         <p:nvSpPr>
-          <p:cNvPr id="17412" name="Rectangle 3"/>
+          <p:cNvPr id="13316" name="Rectangle 3"/>
           <p:cNvSpPr>
             <a:spLocks noGrp="1" noChangeArrowheads="1"/>
           </p:cNvSpPr>
@@ -2073,7 +2453,7 @@
     </p:spTree>
     <p:extLst>
       <p:ext uri="{BB962C8B-B14F-4D97-AF65-F5344CB8AC3E}">
-        <p14:creationId xmlns:p14="http://schemas.microsoft.com/office/powerpoint/2010/main" val="2945271792"/>
+        <p14:creationId xmlns:p14="http://schemas.microsoft.com/office/powerpoint/2010/main" val="3901678336"/>
       </p:ext>
     </p:extLst>
   </p:cSld>
@@ -2102,7 +2482,7 @@
       </p:grpSpPr>
       <p:sp>
         <p:nvSpPr>
-          <p:cNvPr id="19458" name="Rectangle 7"/>
+          <p:cNvPr id="15362" name="Rectangle 7"/>
           <p:cNvSpPr>
             <a:spLocks noGrp="1" noChangeArrowheads="1"/>
           </p:cNvSpPr>
@@ -2214,7 +2594,7 @@
             </a:lvl9pPr>
           </a:lstStyle>
           <a:p>
-            <a:fld id="{1DCF7481-C510-4DA7-8856-C235BB044AA0}" type="slidenum">
+            <a:fld id="{79FACE4C-4A2E-42D4-B94F-A62839C2332B}" type="slidenum">
               <a:rPr lang="en-US" altLang="en-US" sz="1200"/>
               <a:pPr/>
               <a:t>8</a:t>
@@ -2225,7 +2605,7 @@
       </p:sp>
       <p:sp>
         <p:nvSpPr>
-          <p:cNvPr id="19459" name="Rectangle 2"/>
+          <p:cNvPr id="15363" name="Rectangle 2"/>
           <p:cNvSpPr>
             <a:spLocks noGrp="1" noRot="1" noChangeAspect="1" noChangeArrowheads="1" noTextEdit="1"/>
           </p:cNvSpPr>
@@ -2239,7 +2619,7 @@
       </p:sp>
       <p:sp>
         <p:nvSpPr>
-          <p:cNvPr id="19460" name="Rectangle 3"/>
+          <p:cNvPr id="15364" name="Rectangle 3"/>
           <p:cNvSpPr>
             <a:spLocks noGrp="1" noChangeArrowheads="1"/>
           </p:cNvSpPr>
@@ -2262,7 +2642,7 @@
     </p:spTree>
     <p:extLst>
       <p:ext uri="{BB962C8B-B14F-4D97-AF65-F5344CB8AC3E}">
-        <p14:creationId xmlns:p14="http://schemas.microsoft.com/office/powerpoint/2010/main" val="3469476500"/>
+        <p14:creationId xmlns:p14="http://schemas.microsoft.com/office/powerpoint/2010/main" val="3101929407"/>
       </p:ext>
     </p:extLst>
   </p:cSld>
@@ -2291,7 +2671,7 @@
       </p:grpSpPr>
       <p:sp>
         <p:nvSpPr>
-          <p:cNvPr id="21506" name="Rectangle 7"/>
+          <p:cNvPr id="17410" name="Rectangle 7"/>
           <p:cNvSpPr>
             <a:spLocks noGrp="1" noChangeArrowheads="1"/>
           </p:cNvSpPr>
@@ -2403,7 +2783,7 @@
             </a:lvl9pPr>
           </a:lstStyle>
           <a:p>
-            <a:fld id="{D084F87C-EEC2-4DDB-9372-8EB9FFAA9EB6}" type="slidenum">
+            <a:fld id="{A354F4E6-AD5C-4C2C-A04F-5D47E78D077D}" type="slidenum">
               <a:rPr lang="en-US" altLang="en-US" sz="1200"/>
               <a:pPr/>
               <a:t>9</a:t>
@@ -2414,7 +2794,7 @@
       </p:sp>
       <p:sp>
         <p:nvSpPr>
-          <p:cNvPr id="21507" name="Rectangle 2"/>
+          <p:cNvPr id="17411" name="Rectangle 2"/>
           <p:cNvSpPr>
             <a:spLocks noGrp="1" noRot="1" noChangeAspect="1" noChangeArrowheads="1" noTextEdit="1"/>
           </p:cNvSpPr>
@@ -2428,7 +2808,7 @@
       </p:sp>
       <p:sp>
         <p:nvSpPr>
-          <p:cNvPr id="21508" name="Rectangle 3"/>
+          <p:cNvPr id="17412" name="Rectangle 3"/>
           <p:cNvSpPr>
             <a:spLocks noGrp="1" noChangeArrowheads="1"/>
           </p:cNvSpPr>
@@ -2451,7 +2831,7 @@
     </p:spTree>
     <p:extLst>
       <p:ext uri="{BB962C8B-B14F-4D97-AF65-F5344CB8AC3E}">
-        <p14:creationId xmlns:p14="http://schemas.microsoft.com/office/powerpoint/2010/main" val="280303846"/>
+        <p14:creationId xmlns:p14="http://schemas.microsoft.com/office/powerpoint/2010/main" val="2945271792"/>
       </p:ext>
     </p:extLst>
   </p:cSld>
@@ -6336,7 +6716,6 @@
               <a:rPr lang="en-US" altLang="en-US" dirty="0" smtClean="0"/>
               <a:t>Useful Groupware</a:t>
             </a:r>
-            <a:endParaRPr lang="en-US" altLang="en-US" dirty="0" smtClean="0"/>
           </a:p>
         </p:txBody>
       </p:sp>
@@ -6352,7 +6731,7 @@
         </p:nvSpPr>
         <p:spPr>
           <a:xfrm>
-            <a:off x="5070763" y="3334326"/>
+            <a:off x="6216073" y="3103417"/>
             <a:ext cx="2078182" cy="2964873"/>
           </a:xfrm>
         </p:spPr>
@@ -6429,6 +6808,2502 @@
   <p:clrMapOvr>
     <a:masterClrMapping/>
   </p:clrMapOvr>
+  <p:timing>
+    <p:tnLst>
+      <p:par>
+        <p:cTn id="1" dur="indefinite" restart="never" nodeType="tmRoot"/>
+      </p:par>
+    </p:tnLst>
+  </p:timing>
+</p:sld>
+</file>
+
+<file path=ppt/slides/slide10.xml><?xml version="1.0" encoding="utf-8"?>
+<p:sld xmlns:a="http://schemas.openxmlformats.org/drawingml/2006/main" xmlns:r="http://schemas.openxmlformats.org/officeDocument/2006/relationships" xmlns:p="http://schemas.openxmlformats.org/presentationml/2006/main">
+  <p:cSld>
+    <p:spTree>
+      <p:nvGrpSpPr>
+        <p:cNvPr id="1" name=""/>
+        <p:cNvGrpSpPr/>
+        <p:nvPr/>
+      </p:nvGrpSpPr>
+      <p:grpSpPr>
+        <a:xfrm>
+          <a:off x="0" y="0"/>
+          <a:ext cx="0" cy="0"/>
+          <a:chOff x="0" y="0"/>
+          <a:chExt cx="0" cy="0"/>
+        </a:xfrm>
+      </p:grpSpPr>
+      <p:sp>
+        <p:nvSpPr>
+          <p:cNvPr id="18434" name="Rectangle 2"/>
+          <p:cNvSpPr>
+            <a:spLocks noGrp="1" noChangeArrowheads="1"/>
+          </p:cNvSpPr>
+          <p:nvPr>
+            <p:ph type="title"/>
+          </p:nvPr>
+        </p:nvSpPr>
+        <p:spPr/>
+        <p:txBody>
+          <a:bodyPr/>
+          <a:lstStyle/>
+          <a:p>
+            <a:pPr eaLnBrk="1" hangingPunct="1"/>
+            <a:r>
+              <a:rPr lang="en-GB" altLang="en-US" smtClean="0"/>
+              <a:t>Examples of default styles</a:t>
+            </a:r>
+            <a:endParaRPr lang="en-US" altLang="en-US" smtClean="0"/>
+          </a:p>
+        </p:txBody>
+      </p:sp>
+      <p:sp>
+        <p:nvSpPr>
+          <p:cNvPr id="18435" name="Rectangle 3"/>
+          <p:cNvSpPr>
+            <a:spLocks noGrp="1" noChangeArrowheads="1"/>
+          </p:cNvSpPr>
+          <p:nvPr>
+            <p:ph type="body" sz="half" idx="1"/>
+          </p:nvPr>
+        </p:nvSpPr>
+        <p:spPr>
+          <a:xfrm>
+            <a:off x="685800" y="1981200"/>
+            <a:ext cx="4429125" cy="3886200"/>
+          </a:xfrm>
+          <a:noFill/>
+        </p:spPr>
+        <p:txBody>
+          <a:bodyPr/>
+          <a:lstStyle/>
+          <a:p>
+            <a:pPr eaLnBrk="1" hangingPunct="1"/>
+            <a:r>
+              <a:rPr lang="en-GB" altLang="en-US" sz="2100" smtClean="0"/>
+              <a:t>Text and lines are like this</a:t>
+            </a:r>
+          </a:p>
+          <a:p>
+            <a:pPr eaLnBrk="1" hangingPunct="1"/>
+            <a:r>
+              <a:rPr lang="en-GB" altLang="en-US" sz="2100" u="sng" smtClean="0">
+                <a:solidFill>
+                  <a:schemeClr val="hlink"/>
+                </a:solidFill>
+              </a:rPr>
+              <a:t>Hyperlinks like this</a:t>
+            </a:r>
+          </a:p>
+          <a:p>
+            <a:pPr eaLnBrk="1" hangingPunct="1"/>
+            <a:r>
+              <a:rPr lang="en-GB" altLang="en-US" sz="2100" u="sng" smtClean="0">
+                <a:solidFill>
+                  <a:schemeClr val="folHlink"/>
+                </a:solidFill>
+              </a:rPr>
+              <a:t>Visited hyperlinks like this</a:t>
+            </a:r>
+            <a:endParaRPr lang="en-US" altLang="en-US" sz="2100" u="sng" smtClean="0">
+              <a:solidFill>
+                <a:schemeClr val="folHlink"/>
+              </a:solidFill>
+            </a:endParaRPr>
+          </a:p>
+        </p:txBody>
+      </p:sp>
+      <p:graphicFrame>
+        <p:nvGraphicFramePr>
+          <p:cNvPr id="28676" name="Group 4"/>
+          <p:cNvGraphicFramePr>
+            <a:graphicFrameLocks noGrp="1"/>
+          </p:cNvGraphicFramePr>
+          <p:nvPr>
+            <p:ph sz="half" idx="2"/>
+          </p:nvPr>
+        </p:nvGraphicFramePr>
+        <p:xfrm>
+          <a:off x="5397500" y="2136775"/>
+          <a:ext cx="2995613" cy="1250950"/>
+        </p:xfrm>
+        <a:graphic>
+          <a:graphicData uri="http://schemas.openxmlformats.org/drawingml/2006/table">
+            <a:tbl>
+              <a:tblPr/>
+              <a:tblGrid>
+                <a:gridCol w="1498600">
+                  <a:extLst>
+                    <a:ext uri="{9D8B030D-6E8A-4147-A177-3AD203B41FA5}">
+                      <a16:colId xmlns:a16="http://schemas.microsoft.com/office/drawing/2014/main" val="20000"/>
+                    </a:ext>
+                  </a:extLst>
+                </a:gridCol>
+                <a:gridCol w="1497013">
+                  <a:extLst>
+                    <a:ext uri="{9D8B030D-6E8A-4147-A177-3AD203B41FA5}">
+                      <a16:colId xmlns:a16="http://schemas.microsoft.com/office/drawing/2014/main" val="20001"/>
+                    </a:ext>
+                  </a:extLst>
+                </a:gridCol>
+              </a:tblGrid>
+              <a:tr h="625475">
+                <a:tc>
+                  <a:txBody>
+                    <a:bodyPr/>
+                    <a:lstStyle>
+                      <a:lvl1pPr>
+                        <a:spcBef>
+                          <a:spcPct val="20000"/>
+                        </a:spcBef>
+                        <a:buClr>
+                          <a:schemeClr val="accent1"/>
+                        </a:buClr>
+                        <a:buSzPct val="80000"/>
+                        <a:buFont typeface="Wingdings 2" panose="05020102010507070707" pitchFamily="18" charset="2"/>
+                        <a:defRPr sz="2100">
+                          <a:solidFill>
+                            <a:schemeClr val="tx1"/>
+                          </a:solidFill>
+                          <a:latin typeface="Verdana" panose="020B0604030504040204" pitchFamily="34" charset="0"/>
+                        </a:defRPr>
+                      </a:lvl1pPr>
+                      <a:lvl2pPr>
+                        <a:spcBef>
+                          <a:spcPct val="20000"/>
+                        </a:spcBef>
+                        <a:buClr>
+                          <a:schemeClr val="accent1"/>
+                        </a:buClr>
+                        <a:buSzPct val="125000"/>
+                        <a:defRPr sz="2000">
+                          <a:solidFill>
+                            <a:schemeClr val="tx1"/>
+                          </a:solidFill>
+                          <a:latin typeface="Verdana" panose="020B0604030504040204" pitchFamily="34" charset="0"/>
+                        </a:defRPr>
+                      </a:lvl2pPr>
+                      <a:lvl3pPr>
+                        <a:spcBef>
+                          <a:spcPct val="20000"/>
+                        </a:spcBef>
+                        <a:buClr>
+                          <a:schemeClr val="accent1"/>
+                        </a:buClr>
+                        <a:buSzPct val="60000"/>
+                        <a:defRPr>
+                          <a:solidFill>
+                            <a:schemeClr val="tx1"/>
+                          </a:solidFill>
+                          <a:latin typeface="Verdana" panose="020B0604030504040204" pitchFamily="34" charset="0"/>
+                        </a:defRPr>
+                      </a:lvl3pPr>
+                      <a:lvl4pPr>
+                        <a:spcBef>
+                          <a:spcPct val="20000"/>
+                        </a:spcBef>
+                        <a:defRPr>
+                          <a:solidFill>
+                            <a:schemeClr val="tx1"/>
+                          </a:solidFill>
+                          <a:latin typeface="Comic Sans MS" panose="030F0702030302020204" pitchFamily="66" charset="0"/>
+                        </a:defRPr>
+                      </a:lvl4pPr>
+                      <a:lvl5pPr>
+                        <a:spcBef>
+                          <a:spcPct val="20000"/>
+                        </a:spcBef>
+                        <a:defRPr>
+                          <a:solidFill>
+                            <a:schemeClr val="tx1"/>
+                          </a:solidFill>
+                          <a:latin typeface="Comic Sans MS" panose="030F0702030302020204" pitchFamily="66" charset="0"/>
+                        </a:defRPr>
+                      </a:lvl5pPr>
+                      <a:lvl6pPr fontAlgn="base">
+                        <a:spcBef>
+                          <a:spcPct val="20000"/>
+                        </a:spcBef>
+                        <a:spcAft>
+                          <a:spcPct val="0"/>
+                        </a:spcAft>
+                        <a:defRPr>
+                          <a:solidFill>
+                            <a:schemeClr val="tx1"/>
+                          </a:solidFill>
+                          <a:latin typeface="Comic Sans MS" panose="030F0702030302020204" pitchFamily="66" charset="0"/>
+                        </a:defRPr>
+                      </a:lvl6pPr>
+                      <a:lvl7pPr fontAlgn="base">
+                        <a:spcBef>
+                          <a:spcPct val="20000"/>
+                        </a:spcBef>
+                        <a:spcAft>
+                          <a:spcPct val="0"/>
+                        </a:spcAft>
+                        <a:defRPr>
+                          <a:solidFill>
+                            <a:schemeClr val="tx1"/>
+                          </a:solidFill>
+                          <a:latin typeface="Comic Sans MS" panose="030F0702030302020204" pitchFamily="66" charset="0"/>
+                        </a:defRPr>
+                      </a:lvl7pPr>
+                      <a:lvl8pPr fontAlgn="base">
+                        <a:spcBef>
+                          <a:spcPct val="20000"/>
+                        </a:spcBef>
+                        <a:spcAft>
+                          <a:spcPct val="0"/>
+                        </a:spcAft>
+                        <a:defRPr>
+                          <a:solidFill>
+                            <a:schemeClr val="tx1"/>
+                          </a:solidFill>
+                          <a:latin typeface="Comic Sans MS" panose="030F0702030302020204" pitchFamily="66" charset="0"/>
+                        </a:defRPr>
+                      </a:lvl8pPr>
+                      <a:lvl9pPr fontAlgn="base">
+                        <a:spcBef>
+                          <a:spcPct val="20000"/>
+                        </a:spcBef>
+                        <a:spcAft>
+                          <a:spcPct val="0"/>
+                        </a:spcAft>
+                        <a:defRPr>
+                          <a:solidFill>
+                            <a:schemeClr val="tx1"/>
+                          </a:solidFill>
+                          <a:latin typeface="Comic Sans MS" panose="030F0702030302020204" pitchFamily="66" charset="0"/>
+                        </a:defRPr>
+                      </a:lvl9pPr>
+                    </a:lstStyle>
+                    <a:p>
+                      <a:pPr marL="0" marR="0" lvl="0" indent="0" algn="l" defTabSz="914400" rtl="0" eaLnBrk="1" fontAlgn="base" latinLnBrk="0" hangingPunct="1">
+                        <a:lnSpc>
+                          <a:spcPct val="100000"/>
+                        </a:lnSpc>
+                        <a:spcBef>
+                          <a:spcPct val="20000"/>
+                        </a:spcBef>
+                        <a:spcAft>
+                          <a:spcPct val="0"/>
+                        </a:spcAft>
+                        <a:buClr>
+                          <a:schemeClr val="accent1"/>
+                        </a:buClr>
+                        <a:buSzPct val="80000"/>
+                        <a:buFont typeface="Wingdings 2" panose="05020102010507070707" pitchFamily="18" charset="2"/>
+                        <a:buNone/>
+                        <a:tabLst/>
+                      </a:pPr>
+                      <a:r>
+                        <a:rPr kumimoji="0" lang="en-GB" altLang="en-US" sz="2100" b="0" i="0" u="none" strike="noStrike" cap="none" normalizeH="0" baseline="0" smtClean="0">
+                          <a:ln>
+                            <a:noFill/>
+                          </a:ln>
+                          <a:solidFill>
+                            <a:schemeClr val="tx1"/>
+                          </a:solidFill>
+                          <a:effectLst/>
+                          <a:latin typeface="Verdana" panose="020B0604030504040204" pitchFamily="34" charset="0"/>
+                        </a:rPr>
+                        <a:t>Table</a:t>
+                      </a:r>
+                      <a:endParaRPr kumimoji="0" lang="en-US" altLang="en-US" sz="2100" b="0" i="0" u="none" strike="noStrike" cap="none" normalizeH="0" baseline="0" smtClean="0">
+                        <a:ln>
+                          <a:noFill/>
+                        </a:ln>
+                        <a:solidFill>
+                          <a:schemeClr val="tx1"/>
+                        </a:solidFill>
+                        <a:effectLst/>
+                        <a:latin typeface="Verdana" panose="020B0604030504040204" pitchFamily="34" charset="0"/>
+                      </a:endParaRPr>
+                    </a:p>
+                  </a:txBody>
+                  <a:tcPr horzOverflow="overflow">
+                    <a:lnL w="28575" cap="flat" cmpd="sng" algn="ctr">
+                      <a:solidFill>
+                        <a:schemeClr val="tx1"/>
+                      </a:solidFill>
+                      <a:prstDash val="solid"/>
+                      <a:round/>
+                      <a:headEnd type="none" w="med" len="med"/>
+                      <a:tailEnd type="none" w="med" len="med"/>
+                    </a:lnL>
+                    <a:lnR w="12700" cap="flat" cmpd="sng" algn="ctr">
+                      <a:solidFill>
+                        <a:schemeClr val="tx1"/>
+                      </a:solidFill>
+                      <a:prstDash val="solid"/>
+                      <a:round/>
+                      <a:headEnd type="none" w="med" len="med"/>
+                      <a:tailEnd type="none" w="med" len="med"/>
+                    </a:lnR>
+                    <a:lnT w="28575" cap="flat" cmpd="sng" algn="ctr">
+                      <a:solidFill>
+                        <a:schemeClr val="tx1"/>
+                      </a:solidFill>
+                      <a:prstDash val="solid"/>
+                      <a:round/>
+                      <a:headEnd type="none" w="med" len="med"/>
+                      <a:tailEnd type="none" w="med" len="med"/>
+                    </a:lnT>
+                    <a:lnB w="12700" cap="flat" cmpd="sng" algn="ctr">
+                      <a:solidFill>
+                        <a:schemeClr val="tx1"/>
+                      </a:solidFill>
+                      <a:prstDash val="solid"/>
+                      <a:round/>
+                      <a:headEnd type="none" w="med" len="med"/>
+                      <a:tailEnd type="none" w="med" len="med"/>
+                    </a:lnB>
+                    <a:lnTlToBr>
+                      <a:noFill/>
+                    </a:lnTlToBr>
+                    <a:lnBlToTr>
+                      <a:noFill/>
+                    </a:lnBlToTr>
+                    <a:noFill/>
+                  </a:tcPr>
+                </a:tc>
+                <a:tc>
+                  <a:txBody>
+                    <a:bodyPr/>
+                    <a:lstStyle>
+                      <a:lvl1pPr>
+                        <a:spcBef>
+                          <a:spcPct val="20000"/>
+                        </a:spcBef>
+                        <a:buClr>
+                          <a:schemeClr val="accent1"/>
+                        </a:buClr>
+                        <a:buSzPct val="80000"/>
+                        <a:buFont typeface="Wingdings 2" panose="05020102010507070707" pitchFamily="18" charset="2"/>
+                        <a:defRPr sz="2100">
+                          <a:solidFill>
+                            <a:schemeClr val="tx1"/>
+                          </a:solidFill>
+                          <a:latin typeface="Verdana" panose="020B0604030504040204" pitchFamily="34" charset="0"/>
+                        </a:defRPr>
+                      </a:lvl1pPr>
+                      <a:lvl2pPr>
+                        <a:spcBef>
+                          <a:spcPct val="20000"/>
+                        </a:spcBef>
+                        <a:buClr>
+                          <a:schemeClr val="accent1"/>
+                        </a:buClr>
+                        <a:buSzPct val="125000"/>
+                        <a:defRPr sz="2000">
+                          <a:solidFill>
+                            <a:schemeClr val="tx1"/>
+                          </a:solidFill>
+                          <a:latin typeface="Verdana" panose="020B0604030504040204" pitchFamily="34" charset="0"/>
+                        </a:defRPr>
+                      </a:lvl2pPr>
+                      <a:lvl3pPr>
+                        <a:spcBef>
+                          <a:spcPct val="20000"/>
+                        </a:spcBef>
+                        <a:buClr>
+                          <a:schemeClr val="accent1"/>
+                        </a:buClr>
+                        <a:buSzPct val="60000"/>
+                        <a:defRPr>
+                          <a:solidFill>
+                            <a:schemeClr val="tx1"/>
+                          </a:solidFill>
+                          <a:latin typeface="Verdana" panose="020B0604030504040204" pitchFamily="34" charset="0"/>
+                        </a:defRPr>
+                      </a:lvl3pPr>
+                      <a:lvl4pPr>
+                        <a:spcBef>
+                          <a:spcPct val="20000"/>
+                        </a:spcBef>
+                        <a:defRPr>
+                          <a:solidFill>
+                            <a:schemeClr val="tx1"/>
+                          </a:solidFill>
+                          <a:latin typeface="Comic Sans MS" panose="030F0702030302020204" pitchFamily="66" charset="0"/>
+                        </a:defRPr>
+                      </a:lvl4pPr>
+                      <a:lvl5pPr>
+                        <a:spcBef>
+                          <a:spcPct val="20000"/>
+                        </a:spcBef>
+                        <a:defRPr>
+                          <a:solidFill>
+                            <a:schemeClr val="tx1"/>
+                          </a:solidFill>
+                          <a:latin typeface="Comic Sans MS" panose="030F0702030302020204" pitchFamily="66" charset="0"/>
+                        </a:defRPr>
+                      </a:lvl5pPr>
+                      <a:lvl6pPr fontAlgn="base">
+                        <a:spcBef>
+                          <a:spcPct val="20000"/>
+                        </a:spcBef>
+                        <a:spcAft>
+                          <a:spcPct val="0"/>
+                        </a:spcAft>
+                        <a:defRPr>
+                          <a:solidFill>
+                            <a:schemeClr val="tx1"/>
+                          </a:solidFill>
+                          <a:latin typeface="Comic Sans MS" panose="030F0702030302020204" pitchFamily="66" charset="0"/>
+                        </a:defRPr>
+                      </a:lvl6pPr>
+                      <a:lvl7pPr fontAlgn="base">
+                        <a:spcBef>
+                          <a:spcPct val="20000"/>
+                        </a:spcBef>
+                        <a:spcAft>
+                          <a:spcPct val="0"/>
+                        </a:spcAft>
+                        <a:defRPr>
+                          <a:solidFill>
+                            <a:schemeClr val="tx1"/>
+                          </a:solidFill>
+                          <a:latin typeface="Comic Sans MS" panose="030F0702030302020204" pitchFamily="66" charset="0"/>
+                        </a:defRPr>
+                      </a:lvl7pPr>
+                      <a:lvl8pPr fontAlgn="base">
+                        <a:spcBef>
+                          <a:spcPct val="20000"/>
+                        </a:spcBef>
+                        <a:spcAft>
+                          <a:spcPct val="0"/>
+                        </a:spcAft>
+                        <a:defRPr>
+                          <a:solidFill>
+                            <a:schemeClr val="tx1"/>
+                          </a:solidFill>
+                          <a:latin typeface="Comic Sans MS" panose="030F0702030302020204" pitchFamily="66" charset="0"/>
+                        </a:defRPr>
+                      </a:lvl8pPr>
+                      <a:lvl9pPr fontAlgn="base">
+                        <a:spcBef>
+                          <a:spcPct val="20000"/>
+                        </a:spcBef>
+                        <a:spcAft>
+                          <a:spcPct val="0"/>
+                        </a:spcAft>
+                        <a:defRPr>
+                          <a:solidFill>
+                            <a:schemeClr val="tx1"/>
+                          </a:solidFill>
+                          <a:latin typeface="Comic Sans MS" panose="030F0702030302020204" pitchFamily="66" charset="0"/>
+                        </a:defRPr>
+                      </a:lvl9pPr>
+                    </a:lstStyle>
+                    <a:p>
+                      <a:pPr marL="0" marR="0" lvl="0" indent="0" algn="l" defTabSz="914400" rtl="0" eaLnBrk="1" fontAlgn="base" latinLnBrk="0" hangingPunct="1">
+                        <a:lnSpc>
+                          <a:spcPct val="100000"/>
+                        </a:lnSpc>
+                        <a:spcBef>
+                          <a:spcPct val="20000"/>
+                        </a:spcBef>
+                        <a:spcAft>
+                          <a:spcPct val="0"/>
+                        </a:spcAft>
+                        <a:buClr>
+                          <a:schemeClr val="accent1"/>
+                        </a:buClr>
+                        <a:buSzPct val="80000"/>
+                        <a:buFont typeface="Wingdings 2" panose="05020102010507070707" pitchFamily="18" charset="2"/>
+                        <a:buNone/>
+                        <a:tabLst/>
+                      </a:pPr>
+                      <a:endParaRPr kumimoji="0" lang="en-GB" altLang="en-US" sz="2100" b="0" i="0" u="none" strike="noStrike" cap="none" normalizeH="0" baseline="0" smtClean="0">
+                        <a:ln>
+                          <a:noFill/>
+                        </a:ln>
+                        <a:solidFill>
+                          <a:schemeClr val="tx1"/>
+                        </a:solidFill>
+                        <a:effectLst/>
+                        <a:latin typeface="Verdana" panose="020B0604030504040204" pitchFamily="34" charset="0"/>
+                      </a:endParaRPr>
+                    </a:p>
+                  </a:txBody>
+                  <a:tcPr horzOverflow="overflow">
+                    <a:lnL w="12700" cap="flat" cmpd="sng" algn="ctr">
+                      <a:solidFill>
+                        <a:schemeClr val="tx1"/>
+                      </a:solidFill>
+                      <a:prstDash val="solid"/>
+                      <a:round/>
+                      <a:headEnd type="none" w="med" len="med"/>
+                      <a:tailEnd type="none" w="med" len="med"/>
+                    </a:lnL>
+                    <a:lnR w="28575" cap="flat" cmpd="sng" algn="ctr">
+                      <a:solidFill>
+                        <a:schemeClr val="tx1"/>
+                      </a:solidFill>
+                      <a:prstDash val="solid"/>
+                      <a:round/>
+                      <a:headEnd type="none" w="med" len="med"/>
+                      <a:tailEnd type="none" w="med" len="med"/>
+                    </a:lnR>
+                    <a:lnT w="28575" cap="flat" cmpd="sng" algn="ctr">
+                      <a:solidFill>
+                        <a:schemeClr val="tx1"/>
+                      </a:solidFill>
+                      <a:prstDash val="solid"/>
+                      <a:round/>
+                      <a:headEnd type="none" w="med" len="med"/>
+                      <a:tailEnd type="none" w="med" len="med"/>
+                    </a:lnT>
+                    <a:lnB w="12700" cap="flat" cmpd="sng" algn="ctr">
+                      <a:solidFill>
+                        <a:schemeClr val="tx1"/>
+                      </a:solidFill>
+                      <a:prstDash val="solid"/>
+                      <a:round/>
+                      <a:headEnd type="none" w="med" len="med"/>
+                      <a:tailEnd type="none" w="med" len="med"/>
+                    </a:lnB>
+                    <a:lnTlToBr>
+                      <a:noFill/>
+                    </a:lnTlToBr>
+                    <a:lnBlToTr>
+                      <a:noFill/>
+                    </a:lnBlToTr>
+                    <a:noFill/>
+                  </a:tcPr>
+                </a:tc>
+                <a:extLst>
+                  <a:ext uri="{0D108BD9-81ED-4DB2-BD59-A6C34878D82A}">
+                    <a16:rowId xmlns:a16="http://schemas.microsoft.com/office/drawing/2014/main" val="10000"/>
+                  </a:ext>
+                </a:extLst>
+              </a:tr>
+              <a:tr h="625475">
+                <a:tc>
+                  <a:txBody>
+                    <a:bodyPr/>
+                    <a:lstStyle>
+                      <a:lvl1pPr>
+                        <a:spcBef>
+                          <a:spcPct val="20000"/>
+                        </a:spcBef>
+                        <a:buClr>
+                          <a:schemeClr val="accent1"/>
+                        </a:buClr>
+                        <a:buSzPct val="80000"/>
+                        <a:buFont typeface="Wingdings 2" panose="05020102010507070707" pitchFamily="18" charset="2"/>
+                        <a:defRPr sz="2100">
+                          <a:solidFill>
+                            <a:schemeClr val="tx1"/>
+                          </a:solidFill>
+                          <a:latin typeface="Verdana" panose="020B0604030504040204" pitchFamily="34" charset="0"/>
+                        </a:defRPr>
+                      </a:lvl1pPr>
+                      <a:lvl2pPr>
+                        <a:spcBef>
+                          <a:spcPct val="20000"/>
+                        </a:spcBef>
+                        <a:buClr>
+                          <a:schemeClr val="accent1"/>
+                        </a:buClr>
+                        <a:buSzPct val="125000"/>
+                        <a:defRPr sz="2000">
+                          <a:solidFill>
+                            <a:schemeClr val="tx1"/>
+                          </a:solidFill>
+                          <a:latin typeface="Verdana" panose="020B0604030504040204" pitchFamily="34" charset="0"/>
+                        </a:defRPr>
+                      </a:lvl2pPr>
+                      <a:lvl3pPr>
+                        <a:spcBef>
+                          <a:spcPct val="20000"/>
+                        </a:spcBef>
+                        <a:buClr>
+                          <a:schemeClr val="accent1"/>
+                        </a:buClr>
+                        <a:buSzPct val="60000"/>
+                        <a:defRPr>
+                          <a:solidFill>
+                            <a:schemeClr val="tx1"/>
+                          </a:solidFill>
+                          <a:latin typeface="Verdana" panose="020B0604030504040204" pitchFamily="34" charset="0"/>
+                        </a:defRPr>
+                      </a:lvl3pPr>
+                      <a:lvl4pPr>
+                        <a:spcBef>
+                          <a:spcPct val="20000"/>
+                        </a:spcBef>
+                        <a:defRPr>
+                          <a:solidFill>
+                            <a:schemeClr val="tx1"/>
+                          </a:solidFill>
+                          <a:latin typeface="Comic Sans MS" panose="030F0702030302020204" pitchFamily="66" charset="0"/>
+                        </a:defRPr>
+                      </a:lvl4pPr>
+                      <a:lvl5pPr>
+                        <a:spcBef>
+                          <a:spcPct val="20000"/>
+                        </a:spcBef>
+                        <a:defRPr>
+                          <a:solidFill>
+                            <a:schemeClr val="tx1"/>
+                          </a:solidFill>
+                          <a:latin typeface="Comic Sans MS" panose="030F0702030302020204" pitchFamily="66" charset="0"/>
+                        </a:defRPr>
+                      </a:lvl5pPr>
+                      <a:lvl6pPr fontAlgn="base">
+                        <a:spcBef>
+                          <a:spcPct val="20000"/>
+                        </a:spcBef>
+                        <a:spcAft>
+                          <a:spcPct val="0"/>
+                        </a:spcAft>
+                        <a:defRPr>
+                          <a:solidFill>
+                            <a:schemeClr val="tx1"/>
+                          </a:solidFill>
+                          <a:latin typeface="Comic Sans MS" panose="030F0702030302020204" pitchFamily="66" charset="0"/>
+                        </a:defRPr>
+                      </a:lvl6pPr>
+                      <a:lvl7pPr fontAlgn="base">
+                        <a:spcBef>
+                          <a:spcPct val="20000"/>
+                        </a:spcBef>
+                        <a:spcAft>
+                          <a:spcPct val="0"/>
+                        </a:spcAft>
+                        <a:defRPr>
+                          <a:solidFill>
+                            <a:schemeClr val="tx1"/>
+                          </a:solidFill>
+                          <a:latin typeface="Comic Sans MS" panose="030F0702030302020204" pitchFamily="66" charset="0"/>
+                        </a:defRPr>
+                      </a:lvl7pPr>
+                      <a:lvl8pPr fontAlgn="base">
+                        <a:spcBef>
+                          <a:spcPct val="20000"/>
+                        </a:spcBef>
+                        <a:spcAft>
+                          <a:spcPct val="0"/>
+                        </a:spcAft>
+                        <a:defRPr>
+                          <a:solidFill>
+                            <a:schemeClr val="tx1"/>
+                          </a:solidFill>
+                          <a:latin typeface="Comic Sans MS" panose="030F0702030302020204" pitchFamily="66" charset="0"/>
+                        </a:defRPr>
+                      </a:lvl8pPr>
+                      <a:lvl9pPr fontAlgn="base">
+                        <a:spcBef>
+                          <a:spcPct val="20000"/>
+                        </a:spcBef>
+                        <a:spcAft>
+                          <a:spcPct val="0"/>
+                        </a:spcAft>
+                        <a:defRPr>
+                          <a:solidFill>
+                            <a:schemeClr val="tx1"/>
+                          </a:solidFill>
+                          <a:latin typeface="Comic Sans MS" panose="030F0702030302020204" pitchFamily="66" charset="0"/>
+                        </a:defRPr>
+                      </a:lvl9pPr>
+                    </a:lstStyle>
+                    <a:p>
+                      <a:pPr marL="0" marR="0" lvl="0" indent="0" algn="l" defTabSz="914400" rtl="0" eaLnBrk="1" fontAlgn="base" latinLnBrk="0" hangingPunct="1">
+                        <a:lnSpc>
+                          <a:spcPct val="100000"/>
+                        </a:lnSpc>
+                        <a:spcBef>
+                          <a:spcPct val="20000"/>
+                        </a:spcBef>
+                        <a:spcAft>
+                          <a:spcPct val="0"/>
+                        </a:spcAft>
+                        <a:buClr>
+                          <a:schemeClr val="accent1"/>
+                        </a:buClr>
+                        <a:buSzPct val="80000"/>
+                        <a:buFont typeface="Wingdings 2" panose="05020102010507070707" pitchFamily="18" charset="2"/>
+                        <a:buNone/>
+                        <a:tabLst/>
+                      </a:pPr>
+                      <a:endParaRPr kumimoji="0" lang="en-GB" altLang="en-US" sz="2100" b="0" i="0" u="none" strike="noStrike" cap="none" normalizeH="0" baseline="0" smtClean="0">
+                        <a:ln>
+                          <a:noFill/>
+                        </a:ln>
+                        <a:solidFill>
+                          <a:schemeClr val="tx1"/>
+                        </a:solidFill>
+                        <a:effectLst/>
+                        <a:latin typeface="Verdana" panose="020B0604030504040204" pitchFamily="34" charset="0"/>
+                      </a:endParaRPr>
+                    </a:p>
+                  </a:txBody>
+                  <a:tcPr horzOverflow="overflow">
+                    <a:lnL w="28575" cap="flat" cmpd="sng" algn="ctr">
+                      <a:solidFill>
+                        <a:schemeClr val="tx1"/>
+                      </a:solidFill>
+                      <a:prstDash val="solid"/>
+                      <a:round/>
+                      <a:headEnd type="none" w="med" len="med"/>
+                      <a:tailEnd type="none" w="med" len="med"/>
+                    </a:lnL>
+                    <a:lnR w="12700" cap="flat" cmpd="sng" algn="ctr">
+                      <a:solidFill>
+                        <a:schemeClr val="tx1"/>
+                      </a:solidFill>
+                      <a:prstDash val="solid"/>
+                      <a:round/>
+                      <a:headEnd type="none" w="med" len="med"/>
+                      <a:tailEnd type="none" w="med" len="med"/>
+                    </a:lnR>
+                    <a:lnT w="12700" cap="flat" cmpd="sng" algn="ctr">
+                      <a:solidFill>
+                        <a:schemeClr val="tx1"/>
+                      </a:solidFill>
+                      <a:prstDash val="solid"/>
+                      <a:round/>
+                      <a:headEnd type="none" w="med" len="med"/>
+                      <a:tailEnd type="none" w="med" len="med"/>
+                    </a:lnT>
+                    <a:lnB w="28575" cap="flat" cmpd="sng" algn="ctr">
+                      <a:solidFill>
+                        <a:schemeClr val="tx1"/>
+                      </a:solidFill>
+                      <a:prstDash val="solid"/>
+                      <a:round/>
+                      <a:headEnd type="none" w="med" len="med"/>
+                      <a:tailEnd type="none" w="med" len="med"/>
+                    </a:lnB>
+                    <a:lnTlToBr>
+                      <a:noFill/>
+                    </a:lnTlToBr>
+                    <a:lnBlToTr>
+                      <a:noFill/>
+                    </a:lnBlToTr>
+                    <a:noFill/>
+                  </a:tcPr>
+                </a:tc>
+                <a:tc>
+                  <a:txBody>
+                    <a:bodyPr/>
+                    <a:lstStyle>
+                      <a:lvl1pPr>
+                        <a:spcBef>
+                          <a:spcPct val="20000"/>
+                        </a:spcBef>
+                        <a:buClr>
+                          <a:schemeClr val="accent1"/>
+                        </a:buClr>
+                        <a:buSzPct val="80000"/>
+                        <a:buFont typeface="Wingdings 2" panose="05020102010507070707" pitchFamily="18" charset="2"/>
+                        <a:defRPr sz="2100">
+                          <a:solidFill>
+                            <a:schemeClr val="tx1"/>
+                          </a:solidFill>
+                          <a:latin typeface="Verdana" panose="020B0604030504040204" pitchFamily="34" charset="0"/>
+                        </a:defRPr>
+                      </a:lvl1pPr>
+                      <a:lvl2pPr>
+                        <a:spcBef>
+                          <a:spcPct val="20000"/>
+                        </a:spcBef>
+                        <a:buClr>
+                          <a:schemeClr val="accent1"/>
+                        </a:buClr>
+                        <a:buSzPct val="125000"/>
+                        <a:defRPr sz="2000">
+                          <a:solidFill>
+                            <a:schemeClr val="tx1"/>
+                          </a:solidFill>
+                          <a:latin typeface="Verdana" panose="020B0604030504040204" pitchFamily="34" charset="0"/>
+                        </a:defRPr>
+                      </a:lvl2pPr>
+                      <a:lvl3pPr>
+                        <a:spcBef>
+                          <a:spcPct val="20000"/>
+                        </a:spcBef>
+                        <a:buClr>
+                          <a:schemeClr val="accent1"/>
+                        </a:buClr>
+                        <a:buSzPct val="60000"/>
+                        <a:defRPr>
+                          <a:solidFill>
+                            <a:schemeClr val="tx1"/>
+                          </a:solidFill>
+                          <a:latin typeface="Verdana" panose="020B0604030504040204" pitchFamily="34" charset="0"/>
+                        </a:defRPr>
+                      </a:lvl3pPr>
+                      <a:lvl4pPr>
+                        <a:spcBef>
+                          <a:spcPct val="20000"/>
+                        </a:spcBef>
+                        <a:defRPr>
+                          <a:solidFill>
+                            <a:schemeClr val="tx1"/>
+                          </a:solidFill>
+                          <a:latin typeface="Comic Sans MS" panose="030F0702030302020204" pitchFamily="66" charset="0"/>
+                        </a:defRPr>
+                      </a:lvl4pPr>
+                      <a:lvl5pPr>
+                        <a:spcBef>
+                          <a:spcPct val="20000"/>
+                        </a:spcBef>
+                        <a:defRPr>
+                          <a:solidFill>
+                            <a:schemeClr val="tx1"/>
+                          </a:solidFill>
+                          <a:latin typeface="Comic Sans MS" panose="030F0702030302020204" pitchFamily="66" charset="0"/>
+                        </a:defRPr>
+                      </a:lvl5pPr>
+                      <a:lvl6pPr fontAlgn="base">
+                        <a:spcBef>
+                          <a:spcPct val="20000"/>
+                        </a:spcBef>
+                        <a:spcAft>
+                          <a:spcPct val="0"/>
+                        </a:spcAft>
+                        <a:defRPr>
+                          <a:solidFill>
+                            <a:schemeClr val="tx1"/>
+                          </a:solidFill>
+                          <a:latin typeface="Comic Sans MS" panose="030F0702030302020204" pitchFamily="66" charset="0"/>
+                        </a:defRPr>
+                      </a:lvl6pPr>
+                      <a:lvl7pPr fontAlgn="base">
+                        <a:spcBef>
+                          <a:spcPct val="20000"/>
+                        </a:spcBef>
+                        <a:spcAft>
+                          <a:spcPct val="0"/>
+                        </a:spcAft>
+                        <a:defRPr>
+                          <a:solidFill>
+                            <a:schemeClr val="tx1"/>
+                          </a:solidFill>
+                          <a:latin typeface="Comic Sans MS" panose="030F0702030302020204" pitchFamily="66" charset="0"/>
+                        </a:defRPr>
+                      </a:lvl7pPr>
+                      <a:lvl8pPr fontAlgn="base">
+                        <a:spcBef>
+                          <a:spcPct val="20000"/>
+                        </a:spcBef>
+                        <a:spcAft>
+                          <a:spcPct val="0"/>
+                        </a:spcAft>
+                        <a:defRPr>
+                          <a:solidFill>
+                            <a:schemeClr val="tx1"/>
+                          </a:solidFill>
+                          <a:latin typeface="Comic Sans MS" panose="030F0702030302020204" pitchFamily="66" charset="0"/>
+                        </a:defRPr>
+                      </a:lvl8pPr>
+                      <a:lvl9pPr fontAlgn="base">
+                        <a:spcBef>
+                          <a:spcPct val="20000"/>
+                        </a:spcBef>
+                        <a:spcAft>
+                          <a:spcPct val="0"/>
+                        </a:spcAft>
+                        <a:defRPr>
+                          <a:solidFill>
+                            <a:schemeClr val="tx1"/>
+                          </a:solidFill>
+                          <a:latin typeface="Comic Sans MS" panose="030F0702030302020204" pitchFamily="66" charset="0"/>
+                        </a:defRPr>
+                      </a:lvl9pPr>
+                    </a:lstStyle>
+                    <a:p>
+                      <a:pPr marL="0" marR="0" lvl="0" indent="0" algn="l" defTabSz="914400" rtl="0" eaLnBrk="1" fontAlgn="base" latinLnBrk="0" hangingPunct="1">
+                        <a:lnSpc>
+                          <a:spcPct val="100000"/>
+                        </a:lnSpc>
+                        <a:spcBef>
+                          <a:spcPct val="20000"/>
+                        </a:spcBef>
+                        <a:spcAft>
+                          <a:spcPct val="0"/>
+                        </a:spcAft>
+                        <a:buClr>
+                          <a:schemeClr val="accent1"/>
+                        </a:buClr>
+                        <a:buSzPct val="80000"/>
+                        <a:buFont typeface="Wingdings 2" panose="05020102010507070707" pitchFamily="18" charset="2"/>
+                        <a:buNone/>
+                        <a:tabLst/>
+                      </a:pPr>
+                      <a:endParaRPr kumimoji="0" lang="en-GB" altLang="en-US" sz="2100" b="0" i="0" u="none" strike="noStrike" cap="none" normalizeH="0" baseline="0" smtClean="0">
+                        <a:ln>
+                          <a:noFill/>
+                        </a:ln>
+                        <a:solidFill>
+                          <a:schemeClr val="tx1"/>
+                        </a:solidFill>
+                        <a:effectLst/>
+                        <a:latin typeface="Verdana" panose="020B0604030504040204" pitchFamily="34" charset="0"/>
+                      </a:endParaRPr>
+                    </a:p>
+                  </a:txBody>
+                  <a:tcPr horzOverflow="overflow">
+                    <a:lnL w="12700" cap="flat" cmpd="sng" algn="ctr">
+                      <a:solidFill>
+                        <a:schemeClr val="tx1"/>
+                      </a:solidFill>
+                      <a:prstDash val="solid"/>
+                      <a:round/>
+                      <a:headEnd type="none" w="med" len="med"/>
+                      <a:tailEnd type="none" w="med" len="med"/>
+                    </a:lnL>
+                    <a:lnR w="28575" cap="flat" cmpd="sng" algn="ctr">
+                      <a:solidFill>
+                        <a:schemeClr val="tx1"/>
+                      </a:solidFill>
+                      <a:prstDash val="solid"/>
+                      <a:round/>
+                      <a:headEnd type="none" w="med" len="med"/>
+                      <a:tailEnd type="none" w="med" len="med"/>
+                    </a:lnR>
+                    <a:lnT w="12700" cap="flat" cmpd="sng" algn="ctr">
+                      <a:solidFill>
+                        <a:schemeClr val="tx1"/>
+                      </a:solidFill>
+                      <a:prstDash val="solid"/>
+                      <a:round/>
+                      <a:headEnd type="none" w="med" len="med"/>
+                      <a:tailEnd type="none" w="med" len="med"/>
+                    </a:lnT>
+                    <a:lnB w="28575" cap="flat" cmpd="sng" algn="ctr">
+                      <a:solidFill>
+                        <a:schemeClr val="tx1"/>
+                      </a:solidFill>
+                      <a:prstDash val="solid"/>
+                      <a:round/>
+                      <a:headEnd type="none" w="med" len="med"/>
+                      <a:tailEnd type="none" w="med" len="med"/>
+                    </a:lnB>
+                    <a:lnTlToBr>
+                      <a:noFill/>
+                    </a:lnTlToBr>
+                    <a:lnBlToTr>
+                      <a:noFill/>
+                    </a:lnBlToTr>
+                    <a:noFill/>
+                  </a:tcPr>
+                </a:tc>
+                <a:extLst>
+                  <a:ext uri="{0D108BD9-81ED-4DB2-BD59-A6C34878D82A}">
+                    <a16:rowId xmlns:a16="http://schemas.microsoft.com/office/drawing/2014/main" val="10001"/>
+                  </a:ext>
+                </a:extLst>
+              </a:tr>
+            </a:tbl>
+          </a:graphicData>
+        </a:graphic>
+      </p:graphicFrame>
+      <p:sp>
+        <p:nvSpPr>
+          <p:cNvPr id="18447" name="Rectangle 15"/>
+          <p:cNvSpPr>
+            <a:spLocks noChangeArrowheads="1"/>
+          </p:cNvSpPr>
+          <p:nvPr/>
+        </p:nvSpPr>
+        <p:spPr bwMode="auto">
+          <a:xfrm>
+            <a:off x="792163" y="4568825"/>
+            <a:ext cx="2232025" cy="1368425"/>
+          </a:xfrm>
+          <a:prstGeom prst="rect">
+            <a:avLst/>
+          </a:prstGeom>
+          <a:solidFill>
+            <a:schemeClr val="accent1"/>
+          </a:solidFill>
+          <a:ln w="9525">
+            <a:solidFill>
+              <a:schemeClr val="tx1"/>
+            </a:solidFill>
+            <a:miter lim="800000"/>
+            <a:headEnd/>
+            <a:tailEnd/>
+          </a:ln>
+          <a:effectLst/>
+          <a:extLst>
+            <a:ext uri="{AF507438-7753-43E0-B8FC-AC1667EBCBE1}">
+              <a14:hiddenEffects xmlns:a14="http://schemas.microsoft.com/office/drawing/2010/main">
+                <a:effectLst>
+                  <a:outerShdw dist="35921" dir="2700000" algn="ctr" rotWithShape="0">
+                    <a:schemeClr val="bg2"/>
+                  </a:outerShdw>
+                </a:effectLst>
+              </a14:hiddenEffects>
+            </a:ext>
+          </a:extLst>
+        </p:spPr>
+        <p:txBody>
+          <a:bodyPr wrap="none" anchor="ctr"/>
+          <a:lstStyle>
+            <a:lvl1pPr>
+              <a:defRPr sz="2400">
+                <a:solidFill>
+                  <a:schemeClr val="tx1"/>
+                </a:solidFill>
+                <a:latin typeface="Times New Roman" panose="02020603050405020304" pitchFamily="18" charset="0"/>
+              </a:defRPr>
+            </a:lvl1pPr>
+            <a:lvl2pPr marL="742950" indent="-285750">
+              <a:defRPr sz="2400">
+                <a:solidFill>
+                  <a:schemeClr val="tx1"/>
+                </a:solidFill>
+                <a:latin typeface="Times New Roman" panose="02020603050405020304" pitchFamily="18" charset="0"/>
+              </a:defRPr>
+            </a:lvl2pPr>
+            <a:lvl3pPr marL="1143000" indent="-228600">
+              <a:defRPr sz="2400">
+                <a:solidFill>
+                  <a:schemeClr val="tx1"/>
+                </a:solidFill>
+                <a:latin typeface="Times New Roman" panose="02020603050405020304" pitchFamily="18" charset="0"/>
+              </a:defRPr>
+            </a:lvl3pPr>
+            <a:lvl4pPr marL="1600200" indent="-228600">
+              <a:defRPr sz="2400">
+                <a:solidFill>
+                  <a:schemeClr val="tx1"/>
+                </a:solidFill>
+                <a:latin typeface="Times New Roman" panose="02020603050405020304" pitchFamily="18" charset="0"/>
+              </a:defRPr>
+            </a:lvl4pPr>
+            <a:lvl5pPr marL="2057400" indent="-228600">
+              <a:defRPr sz="2400">
+                <a:solidFill>
+                  <a:schemeClr val="tx1"/>
+                </a:solidFill>
+                <a:latin typeface="Times New Roman" panose="02020603050405020304" pitchFamily="18" charset="0"/>
+              </a:defRPr>
+            </a:lvl5pPr>
+            <a:lvl6pPr marL="2514600" indent="-228600" eaLnBrk="0" fontAlgn="base" hangingPunct="0">
+              <a:spcBef>
+                <a:spcPct val="0"/>
+              </a:spcBef>
+              <a:spcAft>
+                <a:spcPct val="0"/>
+              </a:spcAft>
+              <a:defRPr sz="2400">
+                <a:solidFill>
+                  <a:schemeClr val="tx1"/>
+                </a:solidFill>
+                <a:latin typeface="Times New Roman" panose="02020603050405020304" pitchFamily="18" charset="0"/>
+              </a:defRPr>
+            </a:lvl6pPr>
+            <a:lvl7pPr marL="2971800" indent="-228600" eaLnBrk="0" fontAlgn="base" hangingPunct="0">
+              <a:spcBef>
+                <a:spcPct val="0"/>
+              </a:spcBef>
+              <a:spcAft>
+                <a:spcPct val="0"/>
+              </a:spcAft>
+              <a:defRPr sz="2400">
+                <a:solidFill>
+                  <a:schemeClr val="tx1"/>
+                </a:solidFill>
+                <a:latin typeface="Times New Roman" panose="02020603050405020304" pitchFamily="18" charset="0"/>
+              </a:defRPr>
+            </a:lvl7pPr>
+            <a:lvl8pPr marL="3429000" indent="-228600" eaLnBrk="0" fontAlgn="base" hangingPunct="0">
+              <a:spcBef>
+                <a:spcPct val="0"/>
+              </a:spcBef>
+              <a:spcAft>
+                <a:spcPct val="0"/>
+              </a:spcAft>
+              <a:defRPr sz="2400">
+                <a:solidFill>
+                  <a:schemeClr val="tx1"/>
+                </a:solidFill>
+                <a:latin typeface="Times New Roman" panose="02020603050405020304" pitchFamily="18" charset="0"/>
+              </a:defRPr>
+            </a:lvl8pPr>
+            <a:lvl9pPr marL="3886200" indent="-228600" eaLnBrk="0" fontAlgn="base" hangingPunct="0">
+              <a:spcBef>
+                <a:spcPct val="0"/>
+              </a:spcBef>
+              <a:spcAft>
+                <a:spcPct val="0"/>
+              </a:spcAft>
+              <a:defRPr sz="2400">
+                <a:solidFill>
+                  <a:schemeClr val="tx1"/>
+                </a:solidFill>
+                <a:latin typeface="Times New Roman" panose="02020603050405020304" pitchFamily="18" charset="0"/>
+              </a:defRPr>
+            </a:lvl9pPr>
+          </a:lstStyle>
+          <a:p>
+            <a:pPr algn="ctr" eaLnBrk="1" hangingPunct="1"/>
+            <a:r>
+              <a:rPr lang="en-GB" altLang="en-US" sz="1800">
+                <a:latin typeface="Arial" panose="020B0604020202020204" pitchFamily="34" charset="0"/>
+                <a:cs typeface="Arial" panose="020B0604020202020204" pitchFamily="34" charset="0"/>
+              </a:rPr>
+              <a:t>Text box</a:t>
+            </a:r>
+            <a:endParaRPr lang="en-US" altLang="en-US" sz="1800">
+              <a:latin typeface="Arial" panose="020B0604020202020204" pitchFamily="34" charset="0"/>
+              <a:cs typeface="Arial" panose="020B0604020202020204" pitchFamily="34" charset="0"/>
+            </a:endParaRPr>
+          </a:p>
+        </p:txBody>
+      </p:sp>
+      <p:sp>
+        <p:nvSpPr>
+          <p:cNvPr id="18448" name="Rectangle 16"/>
+          <p:cNvSpPr>
+            <a:spLocks noChangeArrowheads="1"/>
+          </p:cNvSpPr>
+          <p:nvPr/>
+        </p:nvSpPr>
+        <p:spPr bwMode="auto">
+          <a:xfrm>
+            <a:off x="3671888" y="4568825"/>
+            <a:ext cx="2232025" cy="1368425"/>
+          </a:xfrm>
+          <a:prstGeom prst="rect">
+            <a:avLst/>
+          </a:prstGeom>
+          <a:solidFill>
+            <a:schemeClr val="accent1"/>
+          </a:solidFill>
+          <a:ln w="9525">
+            <a:solidFill>
+              <a:schemeClr val="tx1"/>
+            </a:solidFill>
+            <a:miter lim="800000"/>
+            <a:headEnd/>
+            <a:tailEnd/>
+          </a:ln>
+          <a:effectLst>
+            <a:outerShdw dist="107763" dir="2700000" algn="ctr" rotWithShape="0">
+              <a:schemeClr val="bg2">
+                <a:alpha val="50000"/>
+              </a:schemeClr>
+            </a:outerShdw>
+          </a:effectLst>
+        </p:spPr>
+        <p:txBody>
+          <a:bodyPr wrap="none" anchor="ctr"/>
+          <a:lstStyle>
+            <a:lvl1pPr>
+              <a:defRPr sz="2400">
+                <a:solidFill>
+                  <a:schemeClr val="tx1"/>
+                </a:solidFill>
+                <a:latin typeface="Times New Roman" panose="02020603050405020304" pitchFamily="18" charset="0"/>
+              </a:defRPr>
+            </a:lvl1pPr>
+            <a:lvl2pPr marL="742950" indent="-285750">
+              <a:defRPr sz="2400">
+                <a:solidFill>
+                  <a:schemeClr val="tx1"/>
+                </a:solidFill>
+                <a:latin typeface="Times New Roman" panose="02020603050405020304" pitchFamily="18" charset="0"/>
+              </a:defRPr>
+            </a:lvl2pPr>
+            <a:lvl3pPr marL="1143000" indent="-228600">
+              <a:defRPr sz="2400">
+                <a:solidFill>
+                  <a:schemeClr val="tx1"/>
+                </a:solidFill>
+                <a:latin typeface="Times New Roman" panose="02020603050405020304" pitchFamily="18" charset="0"/>
+              </a:defRPr>
+            </a:lvl3pPr>
+            <a:lvl4pPr marL="1600200" indent="-228600">
+              <a:defRPr sz="2400">
+                <a:solidFill>
+                  <a:schemeClr val="tx1"/>
+                </a:solidFill>
+                <a:latin typeface="Times New Roman" panose="02020603050405020304" pitchFamily="18" charset="0"/>
+              </a:defRPr>
+            </a:lvl4pPr>
+            <a:lvl5pPr marL="2057400" indent="-228600">
+              <a:defRPr sz="2400">
+                <a:solidFill>
+                  <a:schemeClr val="tx1"/>
+                </a:solidFill>
+                <a:latin typeface="Times New Roman" panose="02020603050405020304" pitchFamily="18" charset="0"/>
+              </a:defRPr>
+            </a:lvl5pPr>
+            <a:lvl6pPr marL="2514600" indent="-228600" eaLnBrk="0" fontAlgn="base" hangingPunct="0">
+              <a:spcBef>
+                <a:spcPct val="0"/>
+              </a:spcBef>
+              <a:spcAft>
+                <a:spcPct val="0"/>
+              </a:spcAft>
+              <a:defRPr sz="2400">
+                <a:solidFill>
+                  <a:schemeClr val="tx1"/>
+                </a:solidFill>
+                <a:latin typeface="Times New Roman" panose="02020603050405020304" pitchFamily="18" charset="0"/>
+              </a:defRPr>
+            </a:lvl6pPr>
+            <a:lvl7pPr marL="2971800" indent="-228600" eaLnBrk="0" fontAlgn="base" hangingPunct="0">
+              <a:spcBef>
+                <a:spcPct val="0"/>
+              </a:spcBef>
+              <a:spcAft>
+                <a:spcPct val="0"/>
+              </a:spcAft>
+              <a:defRPr sz="2400">
+                <a:solidFill>
+                  <a:schemeClr val="tx1"/>
+                </a:solidFill>
+                <a:latin typeface="Times New Roman" panose="02020603050405020304" pitchFamily="18" charset="0"/>
+              </a:defRPr>
+            </a:lvl7pPr>
+            <a:lvl8pPr marL="3429000" indent="-228600" eaLnBrk="0" fontAlgn="base" hangingPunct="0">
+              <a:spcBef>
+                <a:spcPct val="0"/>
+              </a:spcBef>
+              <a:spcAft>
+                <a:spcPct val="0"/>
+              </a:spcAft>
+              <a:defRPr sz="2400">
+                <a:solidFill>
+                  <a:schemeClr val="tx1"/>
+                </a:solidFill>
+                <a:latin typeface="Times New Roman" panose="02020603050405020304" pitchFamily="18" charset="0"/>
+              </a:defRPr>
+            </a:lvl8pPr>
+            <a:lvl9pPr marL="3886200" indent="-228600" eaLnBrk="0" fontAlgn="base" hangingPunct="0">
+              <a:spcBef>
+                <a:spcPct val="0"/>
+              </a:spcBef>
+              <a:spcAft>
+                <a:spcPct val="0"/>
+              </a:spcAft>
+              <a:defRPr sz="2400">
+                <a:solidFill>
+                  <a:schemeClr val="tx1"/>
+                </a:solidFill>
+                <a:latin typeface="Times New Roman" panose="02020603050405020304" pitchFamily="18" charset="0"/>
+              </a:defRPr>
+            </a:lvl9pPr>
+          </a:lstStyle>
+          <a:p>
+            <a:pPr algn="ctr" eaLnBrk="1" hangingPunct="1"/>
+            <a:r>
+              <a:rPr lang="en-GB" altLang="en-US" sz="1800">
+                <a:latin typeface="Arial" panose="020B0604020202020204" pitchFamily="34" charset="0"/>
+                <a:cs typeface="Arial" panose="020B0604020202020204" pitchFamily="34" charset="0"/>
+              </a:rPr>
+              <a:t>Text box</a:t>
+            </a:r>
+          </a:p>
+          <a:p>
+            <a:pPr algn="ctr" eaLnBrk="1" hangingPunct="1"/>
+            <a:r>
+              <a:rPr lang="en-GB" altLang="en-US" sz="1800">
+                <a:latin typeface="Arial" panose="020B0604020202020204" pitchFamily="34" charset="0"/>
+                <a:cs typeface="Arial" panose="020B0604020202020204" pitchFamily="34" charset="0"/>
+              </a:rPr>
+              <a:t>With shadow</a:t>
+            </a:r>
+            <a:endParaRPr lang="en-US" altLang="en-US" sz="1800">
+              <a:latin typeface="Arial" panose="020B0604020202020204" pitchFamily="34" charset="0"/>
+              <a:cs typeface="Arial" panose="020B0604020202020204" pitchFamily="34" charset="0"/>
+            </a:endParaRPr>
+          </a:p>
+        </p:txBody>
+      </p:sp>
+    </p:spTree>
+  </p:cSld>
+  <p:clrMapOvr>
+    <a:masterClrMapping/>
+  </p:clrMapOvr>
+  <p:transition/>
+  <p:timing>
+    <p:tnLst>
+      <p:par>
+        <p:cTn id="1" dur="indefinite" restart="never" nodeType="tmRoot"/>
+      </p:par>
+    </p:tnLst>
+  </p:timing>
+</p:sld>
+</file>
+
+<file path=ppt/slides/slide11.xml><?xml version="1.0" encoding="utf-8"?>
+<p:sld xmlns:a="http://schemas.openxmlformats.org/drawingml/2006/main" xmlns:r="http://schemas.openxmlformats.org/officeDocument/2006/relationships" xmlns:p="http://schemas.openxmlformats.org/presentationml/2006/main">
+  <p:cSld>
+    <p:spTree>
+      <p:nvGrpSpPr>
+        <p:cNvPr id="1" name=""/>
+        <p:cNvGrpSpPr/>
+        <p:nvPr/>
+      </p:nvGrpSpPr>
+      <p:grpSpPr>
+        <a:xfrm>
+          <a:off x="0" y="0"/>
+          <a:ext cx="0" cy="0"/>
+          <a:chOff x="0" y="0"/>
+          <a:chExt cx="0" cy="0"/>
+        </a:xfrm>
+      </p:grpSpPr>
+      <p:sp>
+        <p:nvSpPr>
+          <p:cNvPr id="20482" name="Rectangle 2"/>
+          <p:cNvSpPr>
+            <a:spLocks noChangeArrowheads="1"/>
+          </p:cNvSpPr>
+          <p:nvPr/>
+        </p:nvSpPr>
+        <p:spPr bwMode="auto">
+          <a:xfrm>
+            <a:off x="539750" y="1268413"/>
+            <a:ext cx="8208963" cy="5329237"/>
+          </a:xfrm>
+          <a:prstGeom prst="rect">
+            <a:avLst/>
+          </a:prstGeom>
+          <a:noFill/>
+          <a:ln>
+            <a:noFill/>
+          </a:ln>
+          <a:effectLst/>
+          <a:extLst>
+            <a:ext uri="{909E8E84-426E-40DD-AFC4-6F175D3DCCD1}">
+              <a14:hiddenFill xmlns:a14="http://schemas.microsoft.com/office/drawing/2010/main">
+                <a:solidFill>
+                  <a:srgbClr val="7FD7FC">
+                    <a:alpha val="50195"/>
+                  </a:srgbClr>
+                </a:solidFill>
+              </a14:hiddenFill>
+            </a:ext>
+            <a:ext uri="{91240B29-F687-4F45-9708-019B960494DF}">
+              <a14:hiddenLine xmlns:a14="http://schemas.microsoft.com/office/drawing/2010/main" w="9525">
+                <a:solidFill>
+                  <a:schemeClr val="tx1"/>
+                </a:solidFill>
+                <a:miter lim="800000"/>
+                <a:headEnd/>
+                <a:tailEnd/>
+              </a14:hiddenLine>
+            </a:ext>
+            <a:ext uri="{AF507438-7753-43E0-B8FC-AC1667EBCBE1}">
+              <a14:hiddenEffects xmlns:a14="http://schemas.microsoft.com/office/drawing/2010/main">
+                <a:effectLst>
+                  <a:outerShdw dist="35921" dir="2700000" algn="ctr" rotWithShape="0">
+                    <a:schemeClr val="bg2"/>
+                  </a:outerShdw>
+                </a:effectLst>
+              </a14:hiddenEffects>
+            </a:ext>
+          </a:extLst>
+        </p:spPr>
+        <p:txBody>
+          <a:bodyPr wrap="none" anchor="ctr"/>
+          <a:lstStyle>
+            <a:lvl1pPr>
+              <a:defRPr sz="2400">
+                <a:solidFill>
+                  <a:schemeClr val="tx1"/>
+                </a:solidFill>
+                <a:latin typeface="Times New Roman" panose="02020603050405020304" pitchFamily="18" charset="0"/>
+              </a:defRPr>
+            </a:lvl1pPr>
+            <a:lvl2pPr marL="742950" indent="-285750">
+              <a:defRPr sz="2400">
+                <a:solidFill>
+                  <a:schemeClr val="tx1"/>
+                </a:solidFill>
+                <a:latin typeface="Times New Roman" panose="02020603050405020304" pitchFamily="18" charset="0"/>
+              </a:defRPr>
+            </a:lvl2pPr>
+            <a:lvl3pPr marL="1143000" indent="-228600">
+              <a:defRPr sz="2400">
+                <a:solidFill>
+                  <a:schemeClr val="tx1"/>
+                </a:solidFill>
+                <a:latin typeface="Times New Roman" panose="02020603050405020304" pitchFamily="18" charset="0"/>
+              </a:defRPr>
+            </a:lvl3pPr>
+            <a:lvl4pPr marL="1600200" indent="-228600">
+              <a:defRPr sz="2400">
+                <a:solidFill>
+                  <a:schemeClr val="tx1"/>
+                </a:solidFill>
+                <a:latin typeface="Times New Roman" panose="02020603050405020304" pitchFamily="18" charset="0"/>
+              </a:defRPr>
+            </a:lvl4pPr>
+            <a:lvl5pPr marL="2057400" indent="-228600">
+              <a:defRPr sz="2400">
+                <a:solidFill>
+                  <a:schemeClr val="tx1"/>
+                </a:solidFill>
+                <a:latin typeface="Times New Roman" panose="02020603050405020304" pitchFamily="18" charset="0"/>
+              </a:defRPr>
+            </a:lvl5pPr>
+            <a:lvl6pPr marL="2514600" indent="-228600" eaLnBrk="0" fontAlgn="base" hangingPunct="0">
+              <a:spcBef>
+                <a:spcPct val="0"/>
+              </a:spcBef>
+              <a:spcAft>
+                <a:spcPct val="0"/>
+              </a:spcAft>
+              <a:defRPr sz="2400">
+                <a:solidFill>
+                  <a:schemeClr val="tx1"/>
+                </a:solidFill>
+                <a:latin typeface="Times New Roman" panose="02020603050405020304" pitchFamily="18" charset="0"/>
+              </a:defRPr>
+            </a:lvl6pPr>
+            <a:lvl7pPr marL="2971800" indent="-228600" eaLnBrk="0" fontAlgn="base" hangingPunct="0">
+              <a:spcBef>
+                <a:spcPct val="0"/>
+              </a:spcBef>
+              <a:spcAft>
+                <a:spcPct val="0"/>
+              </a:spcAft>
+              <a:defRPr sz="2400">
+                <a:solidFill>
+                  <a:schemeClr val="tx1"/>
+                </a:solidFill>
+                <a:latin typeface="Times New Roman" panose="02020603050405020304" pitchFamily="18" charset="0"/>
+              </a:defRPr>
+            </a:lvl7pPr>
+            <a:lvl8pPr marL="3429000" indent="-228600" eaLnBrk="0" fontAlgn="base" hangingPunct="0">
+              <a:spcBef>
+                <a:spcPct val="0"/>
+              </a:spcBef>
+              <a:spcAft>
+                <a:spcPct val="0"/>
+              </a:spcAft>
+              <a:defRPr sz="2400">
+                <a:solidFill>
+                  <a:schemeClr val="tx1"/>
+                </a:solidFill>
+                <a:latin typeface="Times New Roman" panose="02020603050405020304" pitchFamily="18" charset="0"/>
+              </a:defRPr>
+            </a:lvl8pPr>
+            <a:lvl9pPr marL="3886200" indent="-228600" eaLnBrk="0" fontAlgn="base" hangingPunct="0">
+              <a:spcBef>
+                <a:spcPct val="0"/>
+              </a:spcBef>
+              <a:spcAft>
+                <a:spcPct val="0"/>
+              </a:spcAft>
+              <a:defRPr sz="2400">
+                <a:solidFill>
+                  <a:schemeClr val="tx1"/>
+                </a:solidFill>
+                <a:latin typeface="Times New Roman" panose="02020603050405020304" pitchFamily="18" charset="0"/>
+              </a:defRPr>
+            </a:lvl9pPr>
+          </a:lstStyle>
+          <a:p>
+            <a:pPr eaLnBrk="1" hangingPunct="1"/>
+            <a:endParaRPr lang="en-GB" altLang="en-US"/>
+          </a:p>
+        </p:txBody>
+      </p:sp>
+      <p:sp>
+        <p:nvSpPr>
+          <p:cNvPr id="20483" name="Rectangle 3"/>
+          <p:cNvSpPr>
+            <a:spLocks noGrp="1" noChangeArrowheads="1"/>
+          </p:cNvSpPr>
+          <p:nvPr>
+            <p:ph type="title"/>
+          </p:nvPr>
+        </p:nvSpPr>
+        <p:spPr/>
+        <p:txBody>
+          <a:bodyPr/>
+          <a:lstStyle/>
+          <a:p>
+            <a:pPr eaLnBrk="1" hangingPunct="1"/>
+            <a:r>
+              <a:rPr lang="en-GB" altLang="en-US" smtClean="0"/>
+              <a:t>Use of templates</a:t>
+            </a:r>
+            <a:endParaRPr lang="en-US" altLang="en-US" smtClean="0"/>
+          </a:p>
+        </p:txBody>
+      </p:sp>
+      <p:sp>
+        <p:nvSpPr>
+          <p:cNvPr id="20484" name="Text Box 4"/>
+          <p:cNvSpPr txBox="1">
+            <a:spLocks noChangeArrowheads="1"/>
+          </p:cNvSpPr>
+          <p:nvPr/>
+        </p:nvSpPr>
+        <p:spPr bwMode="auto">
+          <a:xfrm>
+            <a:off x="1150938" y="1463675"/>
+            <a:ext cx="6950075" cy="701675"/>
+          </a:xfrm>
+          <a:prstGeom prst="rect">
+            <a:avLst/>
+          </a:prstGeom>
+          <a:noFill/>
+          <a:ln>
+            <a:noFill/>
+          </a:ln>
+          <a:effectLst/>
+          <a:extLst>
+            <a:ext uri="{909E8E84-426E-40DD-AFC4-6F175D3DCCD1}">
+              <a14:hiddenFill xmlns:a14="http://schemas.microsoft.com/office/drawing/2010/main">
+                <a:solidFill>
+                  <a:schemeClr val="accent1"/>
+                </a:solidFill>
+              </a14:hiddenFill>
+            </a:ext>
+            <a:ext uri="{91240B29-F687-4F45-9708-019B960494DF}">
+              <a14:hiddenLine xmlns:a14="http://schemas.microsoft.com/office/drawing/2010/main" w="9525">
+                <a:solidFill>
+                  <a:schemeClr val="tx1"/>
+                </a:solidFill>
+                <a:miter lim="800000"/>
+                <a:headEnd/>
+                <a:tailEnd/>
+              </a14:hiddenLine>
+            </a:ext>
+            <a:ext uri="{AF507438-7753-43E0-B8FC-AC1667EBCBE1}">
+              <a14:hiddenEffects xmlns:a14="http://schemas.microsoft.com/office/drawing/2010/main">
+                <a:effectLst>
+                  <a:outerShdw dist="35921" dir="2700000" algn="ctr" rotWithShape="0">
+                    <a:schemeClr val="bg2"/>
+                  </a:outerShdw>
+                </a:effectLst>
+              </a14:hiddenEffects>
+            </a:ext>
+          </a:extLst>
+        </p:spPr>
+        <p:txBody>
+          <a:bodyPr>
+            <a:spAutoFit/>
+          </a:bodyPr>
+          <a:lstStyle>
+            <a:lvl1pPr>
+              <a:defRPr sz="2400">
+                <a:solidFill>
+                  <a:schemeClr val="tx1"/>
+                </a:solidFill>
+                <a:latin typeface="Times New Roman" panose="02020603050405020304" pitchFamily="18" charset="0"/>
+              </a:defRPr>
+            </a:lvl1pPr>
+            <a:lvl2pPr marL="742950" indent="-285750">
+              <a:defRPr sz="2400">
+                <a:solidFill>
+                  <a:schemeClr val="tx1"/>
+                </a:solidFill>
+                <a:latin typeface="Times New Roman" panose="02020603050405020304" pitchFamily="18" charset="0"/>
+              </a:defRPr>
+            </a:lvl2pPr>
+            <a:lvl3pPr marL="1143000" indent="-228600">
+              <a:defRPr sz="2400">
+                <a:solidFill>
+                  <a:schemeClr val="tx1"/>
+                </a:solidFill>
+                <a:latin typeface="Times New Roman" panose="02020603050405020304" pitchFamily="18" charset="0"/>
+              </a:defRPr>
+            </a:lvl3pPr>
+            <a:lvl4pPr marL="1600200" indent="-228600">
+              <a:defRPr sz="2400">
+                <a:solidFill>
+                  <a:schemeClr val="tx1"/>
+                </a:solidFill>
+                <a:latin typeface="Times New Roman" panose="02020603050405020304" pitchFamily="18" charset="0"/>
+              </a:defRPr>
+            </a:lvl4pPr>
+            <a:lvl5pPr marL="2057400" indent="-228600">
+              <a:defRPr sz="2400">
+                <a:solidFill>
+                  <a:schemeClr val="tx1"/>
+                </a:solidFill>
+                <a:latin typeface="Times New Roman" panose="02020603050405020304" pitchFamily="18" charset="0"/>
+              </a:defRPr>
+            </a:lvl5pPr>
+            <a:lvl6pPr marL="2514600" indent="-228600" eaLnBrk="0" fontAlgn="base" hangingPunct="0">
+              <a:spcBef>
+                <a:spcPct val="0"/>
+              </a:spcBef>
+              <a:spcAft>
+                <a:spcPct val="0"/>
+              </a:spcAft>
+              <a:defRPr sz="2400">
+                <a:solidFill>
+                  <a:schemeClr val="tx1"/>
+                </a:solidFill>
+                <a:latin typeface="Times New Roman" panose="02020603050405020304" pitchFamily="18" charset="0"/>
+              </a:defRPr>
+            </a:lvl6pPr>
+            <a:lvl7pPr marL="2971800" indent="-228600" eaLnBrk="0" fontAlgn="base" hangingPunct="0">
+              <a:spcBef>
+                <a:spcPct val="0"/>
+              </a:spcBef>
+              <a:spcAft>
+                <a:spcPct val="0"/>
+              </a:spcAft>
+              <a:defRPr sz="2400">
+                <a:solidFill>
+                  <a:schemeClr val="tx1"/>
+                </a:solidFill>
+                <a:latin typeface="Times New Roman" panose="02020603050405020304" pitchFamily="18" charset="0"/>
+              </a:defRPr>
+            </a:lvl7pPr>
+            <a:lvl8pPr marL="3429000" indent="-228600" eaLnBrk="0" fontAlgn="base" hangingPunct="0">
+              <a:spcBef>
+                <a:spcPct val="0"/>
+              </a:spcBef>
+              <a:spcAft>
+                <a:spcPct val="0"/>
+              </a:spcAft>
+              <a:defRPr sz="2400">
+                <a:solidFill>
+                  <a:schemeClr val="tx1"/>
+                </a:solidFill>
+                <a:latin typeface="Times New Roman" panose="02020603050405020304" pitchFamily="18" charset="0"/>
+              </a:defRPr>
+            </a:lvl8pPr>
+            <a:lvl9pPr marL="3886200" indent="-228600" eaLnBrk="0" fontAlgn="base" hangingPunct="0">
+              <a:spcBef>
+                <a:spcPct val="0"/>
+              </a:spcBef>
+              <a:spcAft>
+                <a:spcPct val="0"/>
+              </a:spcAft>
+              <a:defRPr sz="2400">
+                <a:solidFill>
+                  <a:schemeClr val="tx1"/>
+                </a:solidFill>
+                <a:latin typeface="Times New Roman" panose="02020603050405020304" pitchFamily="18" charset="0"/>
+              </a:defRPr>
+            </a:lvl9pPr>
+          </a:lstStyle>
+          <a:p>
+            <a:pPr eaLnBrk="1" hangingPunct="1">
+              <a:spcBef>
+                <a:spcPct val="50000"/>
+              </a:spcBef>
+            </a:pPr>
+            <a:r>
+              <a:rPr lang="en-GB" altLang="en-US" sz="2000" b="1">
+                <a:latin typeface="Arial" panose="020B0604020202020204" pitchFamily="34" charset="0"/>
+                <a:cs typeface="Arial" panose="020B0604020202020204" pitchFamily="34" charset="0"/>
+              </a:rPr>
+              <a:t>You are free to use these templates for your personal and business presentations.</a:t>
+            </a:r>
+          </a:p>
+        </p:txBody>
+      </p:sp>
+      <p:sp>
+        <p:nvSpPr>
+          <p:cNvPr id="20485" name="Text Box 5"/>
+          <p:cNvSpPr txBox="1">
+            <a:spLocks noChangeArrowheads="1"/>
+          </p:cNvSpPr>
+          <p:nvPr/>
+        </p:nvSpPr>
+        <p:spPr bwMode="auto">
+          <a:xfrm>
+            <a:off x="1150938" y="3140075"/>
+            <a:ext cx="3409950" cy="2251075"/>
+          </a:xfrm>
+          <a:prstGeom prst="rect">
+            <a:avLst/>
+          </a:prstGeom>
+          <a:noFill/>
+          <a:ln>
+            <a:noFill/>
+          </a:ln>
+          <a:effectLst/>
+          <a:extLst>
+            <a:ext uri="{909E8E84-426E-40DD-AFC4-6F175D3DCCD1}">
+              <a14:hiddenFill xmlns:a14="http://schemas.microsoft.com/office/drawing/2010/main">
+                <a:solidFill>
+                  <a:schemeClr val="accent1"/>
+                </a:solidFill>
+              </a14:hiddenFill>
+            </a:ext>
+            <a:ext uri="{91240B29-F687-4F45-9708-019B960494DF}">
+              <a14:hiddenLine xmlns:a14="http://schemas.microsoft.com/office/drawing/2010/main" w="9525">
+                <a:solidFill>
+                  <a:schemeClr val="tx1"/>
+                </a:solidFill>
+                <a:miter lim="800000"/>
+                <a:headEnd/>
+                <a:tailEnd/>
+              </a14:hiddenLine>
+            </a:ext>
+            <a:ext uri="{AF507438-7753-43E0-B8FC-AC1667EBCBE1}">
+              <a14:hiddenEffects xmlns:a14="http://schemas.microsoft.com/office/drawing/2010/main">
+                <a:effectLst>
+                  <a:outerShdw dist="35921" dir="2700000" algn="ctr" rotWithShape="0">
+                    <a:schemeClr val="bg2"/>
+                  </a:outerShdw>
+                </a:effectLst>
+              </a14:hiddenEffects>
+            </a:ext>
+          </a:extLst>
+        </p:spPr>
+        <p:txBody>
+          <a:bodyPr>
+            <a:spAutoFit/>
+          </a:bodyPr>
+          <a:lstStyle>
+            <a:lvl1pPr marL="265113" indent="-265113">
+              <a:defRPr sz="2400">
+                <a:solidFill>
+                  <a:schemeClr val="tx1"/>
+                </a:solidFill>
+                <a:latin typeface="Times New Roman" panose="02020603050405020304" pitchFamily="18" charset="0"/>
+              </a:defRPr>
+            </a:lvl1pPr>
+            <a:lvl2pPr marL="742950" indent="-285750">
+              <a:defRPr sz="2400">
+                <a:solidFill>
+                  <a:schemeClr val="tx1"/>
+                </a:solidFill>
+                <a:latin typeface="Times New Roman" panose="02020603050405020304" pitchFamily="18" charset="0"/>
+              </a:defRPr>
+            </a:lvl2pPr>
+            <a:lvl3pPr marL="1143000" indent="-228600">
+              <a:defRPr sz="2400">
+                <a:solidFill>
+                  <a:schemeClr val="tx1"/>
+                </a:solidFill>
+                <a:latin typeface="Times New Roman" panose="02020603050405020304" pitchFamily="18" charset="0"/>
+              </a:defRPr>
+            </a:lvl3pPr>
+            <a:lvl4pPr marL="1600200" indent="-228600">
+              <a:defRPr sz="2400">
+                <a:solidFill>
+                  <a:schemeClr val="tx1"/>
+                </a:solidFill>
+                <a:latin typeface="Times New Roman" panose="02020603050405020304" pitchFamily="18" charset="0"/>
+              </a:defRPr>
+            </a:lvl4pPr>
+            <a:lvl5pPr marL="2057400" indent="-228600">
+              <a:defRPr sz="2400">
+                <a:solidFill>
+                  <a:schemeClr val="tx1"/>
+                </a:solidFill>
+                <a:latin typeface="Times New Roman" panose="02020603050405020304" pitchFamily="18" charset="0"/>
+              </a:defRPr>
+            </a:lvl5pPr>
+            <a:lvl6pPr marL="2514600" indent="-228600" eaLnBrk="0" fontAlgn="base" hangingPunct="0">
+              <a:spcBef>
+                <a:spcPct val="0"/>
+              </a:spcBef>
+              <a:spcAft>
+                <a:spcPct val="0"/>
+              </a:spcAft>
+              <a:defRPr sz="2400">
+                <a:solidFill>
+                  <a:schemeClr val="tx1"/>
+                </a:solidFill>
+                <a:latin typeface="Times New Roman" panose="02020603050405020304" pitchFamily="18" charset="0"/>
+              </a:defRPr>
+            </a:lvl6pPr>
+            <a:lvl7pPr marL="2971800" indent="-228600" eaLnBrk="0" fontAlgn="base" hangingPunct="0">
+              <a:spcBef>
+                <a:spcPct val="0"/>
+              </a:spcBef>
+              <a:spcAft>
+                <a:spcPct val="0"/>
+              </a:spcAft>
+              <a:defRPr sz="2400">
+                <a:solidFill>
+                  <a:schemeClr val="tx1"/>
+                </a:solidFill>
+                <a:latin typeface="Times New Roman" panose="02020603050405020304" pitchFamily="18" charset="0"/>
+              </a:defRPr>
+            </a:lvl7pPr>
+            <a:lvl8pPr marL="3429000" indent="-228600" eaLnBrk="0" fontAlgn="base" hangingPunct="0">
+              <a:spcBef>
+                <a:spcPct val="0"/>
+              </a:spcBef>
+              <a:spcAft>
+                <a:spcPct val="0"/>
+              </a:spcAft>
+              <a:defRPr sz="2400">
+                <a:solidFill>
+                  <a:schemeClr val="tx1"/>
+                </a:solidFill>
+                <a:latin typeface="Times New Roman" panose="02020603050405020304" pitchFamily="18" charset="0"/>
+              </a:defRPr>
+            </a:lvl8pPr>
+            <a:lvl9pPr marL="3886200" indent="-228600" eaLnBrk="0" fontAlgn="base" hangingPunct="0">
+              <a:spcBef>
+                <a:spcPct val="0"/>
+              </a:spcBef>
+              <a:spcAft>
+                <a:spcPct val="0"/>
+              </a:spcAft>
+              <a:defRPr sz="2400">
+                <a:solidFill>
+                  <a:schemeClr val="tx1"/>
+                </a:solidFill>
+                <a:latin typeface="Times New Roman" panose="02020603050405020304" pitchFamily="18" charset="0"/>
+              </a:defRPr>
+            </a:lvl9pPr>
+          </a:lstStyle>
+          <a:p>
+            <a:pPr eaLnBrk="1" hangingPunct="1"/>
+            <a:r>
+              <a:rPr lang="en-GB" altLang="en-US" sz="1600" b="1" u="sng" dirty="0">
+                <a:latin typeface="Arial" panose="020B0604020202020204" pitchFamily="34" charset="0"/>
+                <a:cs typeface="Arial" panose="020B0604020202020204" pitchFamily="34" charset="0"/>
+              </a:rPr>
+              <a:t>Do</a:t>
+            </a:r>
+          </a:p>
+          <a:p>
+            <a:pPr eaLnBrk="1" hangingPunct="1">
+              <a:buFont typeface="Wingdings" panose="05000000000000000000" pitchFamily="2" charset="2"/>
+              <a:buChar char="ü"/>
+            </a:pPr>
+            <a:r>
+              <a:rPr lang="en-GB" altLang="en-US" sz="1400" dirty="0">
+                <a:latin typeface="Arial" panose="020B0604020202020204" pitchFamily="34" charset="0"/>
+                <a:cs typeface="Arial" panose="020B0604020202020204" pitchFamily="34" charset="0"/>
+              </a:rPr>
+              <a:t>Use these templates for your presentations</a:t>
+            </a:r>
+          </a:p>
+          <a:p>
+            <a:pPr eaLnBrk="1" hangingPunct="1">
+              <a:buFont typeface="Wingdings" panose="05000000000000000000" pitchFamily="2" charset="2"/>
+              <a:buChar char="ü"/>
+            </a:pPr>
+            <a:r>
+              <a:rPr lang="en-GB" altLang="en-US" sz="1400" dirty="0">
+                <a:latin typeface="Arial" panose="020B0604020202020204" pitchFamily="34" charset="0"/>
+                <a:cs typeface="Arial" panose="020B0604020202020204" pitchFamily="34" charset="0"/>
+              </a:rPr>
+              <a:t>Display your presentation on a web site provided that it is not for the purpose of downloading the template.</a:t>
+            </a:r>
+          </a:p>
+          <a:p>
+            <a:pPr eaLnBrk="1" hangingPunct="1">
+              <a:buFont typeface="Wingdings" panose="05000000000000000000" pitchFamily="2" charset="2"/>
+              <a:buChar char="ü"/>
+            </a:pPr>
+            <a:r>
+              <a:rPr lang="en-US" altLang="en-US" sz="1400" dirty="0">
+                <a:latin typeface="Arial" panose="020B0604020202020204" pitchFamily="34" charset="0"/>
+                <a:cs typeface="Arial" panose="020B0604020202020204" pitchFamily="34" charset="0"/>
+              </a:rPr>
+              <a:t>If you like these templates, we would always appreciate a link back to our website.  Many thanks.</a:t>
+            </a:r>
+          </a:p>
+          <a:p>
+            <a:pPr eaLnBrk="1" hangingPunct="1">
+              <a:buFont typeface="Wingdings" panose="05000000000000000000" pitchFamily="2" charset="2"/>
+              <a:buChar char="ü"/>
+            </a:pPr>
+            <a:endParaRPr lang="en-US" altLang="en-US" sz="1400" dirty="0">
+              <a:latin typeface="Arial" panose="020B0604020202020204" pitchFamily="34" charset="0"/>
+              <a:cs typeface="Arial" panose="020B0604020202020204" pitchFamily="34" charset="0"/>
+            </a:endParaRPr>
+          </a:p>
+        </p:txBody>
+      </p:sp>
+      <p:sp>
+        <p:nvSpPr>
+          <p:cNvPr id="20486" name="Text Box 6"/>
+          <p:cNvSpPr txBox="1">
+            <a:spLocks noChangeArrowheads="1"/>
+          </p:cNvSpPr>
+          <p:nvPr/>
+        </p:nvSpPr>
+        <p:spPr bwMode="auto">
+          <a:xfrm>
+            <a:off x="4495800" y="3140075"/>
+            <a:ext cx="3640138" cy="2038350"/>
+          </a:xfrm>
+          <a:prstGeom prst="rect">
+            <a:avLst/>
+          </a:prstGeom>
+          <a:noFill/>
+          <a:ln>
+            <a:noFill/>
+          </a:ln>
+          <a:effectLst/>
+          <a:extLst>
+            <a:ext uri="{909E8E84-426E-40DD-AFC4-6F175D3DCCD1}">
+              <a14:hiddenFill xmlns:a14="http://schemas.microsoft.com/office/drawing/2010/main">
+                <a:solidFill>
+                  <a:schemeClr val="accent1"/>
+                </a:solidFill>
+              </a14:hiddenFill>
+            </a:ext>
+            <a:ext uri="{91240B29-F687-4F45-9708-019B960494DF}">
+              <a14:hiddenLine xmlns:a14="http://schemas.microsoft.com/office/drawing/2010/main" w="9525">
+                <a:solidFill>
+                  <a:schemeClr val="tx1"/>
+                </a:solidFill>
+                <a:miter lim="800000"/>
+                <a:headEnd/>
+                <a:tailEnd/>
+              </a14:hiddenLine>
+            </a:ext>
+            <a:ext uri="{AF507438-7753-43E0-B8FC-AC1667EBCBE1}">
+              <a14:hiddenEffects xmlns:a14="http://schemas.microsoft.com/office/drawing/2010/main">
+                <a:effectLst>
+                  <a:outerShdw dist="35921" dir="2700000" algn="ctr" rotWithShape="0">
+                    <a:schemeClr val="bg2"/>
+                  </a:outerShdw>
+                </a:effectLst>
+              </a14:hiddenEffects>
+            </a:ext>
+          </a:extLst>
+        </p:spPr>
+        <p:txBody>
+          <a:bodyPr>
+            <a:spAutoFit/>
+          </a:bodyPr>
+          <a:lstStyle>
+            <a:lvl1pPr marL="265113" indent="-265113">
+              <a:defRPr sz="2400">
+                <a:solidFill>
+                  <a:schemeClr val="tx1"/>
+                </a:solidFill>
+                <a:latin typeface="Times New Roman" panose="02020603050405020304" pitchFamily="18" charset="0"/>
+              </a:defRPr>
+            </a:lvl1pPr>
+            <a:lvl2pPr marL="742950" indent="-285750">
+              <a:defRPr sz="2400">
+                <a:solidFill>
+                  <a:schemeClr val="tx1"/>
+                </a:solidFill>
+                <a:latin typeface="Times New Roman" panose="02020603050405020304" pitchFamily="18" charset="0"/>
+              </a:defRPr>
+            </a:lvl2pPr>
+            <a:lvl3pPr marL="1143000" indent="-228600">
+              <a:defRPr sz="2400">
+                <a:solidFill>
+                  <a:schemeClr val="tx1"/>
+                </a:solidFill>
+                <a:latin typeface="Times New Roman" panose="02020603050405020304" pitchFamily="18" charset="0"/>
+              </a:defRPr>
+            </a:lvl3pPr>
+            <a:lvl4pPr marL="1600200" indent="-228600">
+              <a:defRPr sz="2400">
+                <a:solidFill>
+                  <a:schemeClr val="tx1"/>
+                </a:solidFill>
+                <a:latin typeface="Times New Roman" panose="02020603050405020304" pitchFamily="18" charset="0"/>
+              </a:defRPr>
+            </a:lvl4pPr>
+            <a:lvl5pPr marL="2057400" indent="-228600">
+              <a:defRPr sz="2400">
+                <a:solidFill>
+                  <a:schemeClr val="tx1"/>
+                </a:solidFill>
+                <a:latin typeface="Times New Roman" panose="02020603050405020304" pitchFamily="18" charset="0"/>
+              </a:defRPr>
+            </a:lvl5pPr>
+            <a:lvl6pPr marL="2514600" indent="-228600" eaLnBrk="0" fontAlgn="base" hangingPunct="0">
+              <a:spcBef>
+                <a:spcPct val="0"/>
+              </a:spcBef>
+              <a:spcAft>
+                <a:spcPct val="0"/>
+              </a:spcAft>
+              <a:defRPr sz="2400">
+                <a:solidFill>
+                  <a:schemeClr val="tx1"/>
+                </a:solidFill>
+                <a:latin typeface="Times New Roman" panose="02020603050405020304" pitchFamily="18" charset="0"/>
+              </a:defRPr>
+            </a:lvl6pPr>
+            <a:lvl7pPr marL="2971800" indent="-228600" eaLnBrk="0" fontAlgn="base" hangingPunct="0">
+              <a:spcBef>
+                <a:spcPct val="0"/>
+              </a:spcBef>
+              <a:spcAft>
+                <a:spcPct val="0"/>
+              </a:spcAft>
+              <a:defRPr sz="2400">
+                <a:solidFill>
+                  <a:schemeClr val="tx1"/>
+                </a:solidFill>
+                <a:latin typeface="Times New Roman" panose="02020603050405020304" pitchFamily="18" charset="0"/>
+              </a:defRPr>
+            </a:lvl7pPr>
+            <a:lvl8pPr marL="3429000" indent="-228600" eaLnBrk="0" fontAlgn="base" hangingPunct="0">
+              <a:spcBef>
+                <a:spcPct val="0"/>
+              </a:spcBef>
+              <a:spcAft>
+                <a:spcPct val="0"/>
+              </a:spcAft>
+              <a:defRPr sz="2400">
+                <a:solidFill>
+                  <a:schemeClr val="tx1"/>
+                </a:solidFill>
+                <a:latin typeface="Times New Roman" panose="02020603050405020304" pitchFamily="18" charset="0"/>
+              </a:defRPr>
+            </a:lvl8pPr>
+            <a:lvl9pPr marL="3886200" indent="-228600" eaLnBrk="0" fontAlgn="base" hangingPunct="0">
+              <a:spcBef>
+                <a:spcPct val="0"/>
+              </a:spcBef>
+              <a:spcAft>
+                <a:spcPct val="0"/>
+              </a:spcAft>
+              <a:defRPr sz="2400">
+                <a:solidFill>
+                  <a:schemeClr val="tx1"/>
+                </a:solidFill>
+                <a:latin typeface="Times New Roman" panose="02020603050405020304" pitchFamily="18" charset="0"/>
+              </a:defRPr>
+            </a:lvl9pPr>
+          </a:lstStyle>
+          <a:p>
+            <a:pPr eaLnBrk="1" hangingPunct="1"/>
+            <a:r>
+              <a:rPr lang="en-GB" altLang="en-US" sz="1600" b="1" u="sng">
+                <a:latin typeface="Arial" panose="020B0604020202020204" pitchFamily="34" charset="0"/>
+                <a:cs typeface="Arial" panose="020B0604020202020204" pitchFamily="34" charset="0"/>
+              </a:rPr>
+              <a:t>Don’t</a:t>
+            </a:r>
+          </a:p>
+          <a:p>
+            <a:pPr eaLnBrk="1" hangingPunct="1">
+              <a:buFont typeface="Wingdings" panose="05000000000000000000" pitchFamily="2" charset="2"/>
+              <a:buChar char="û"/>
+            </a:pPr>
+            <a:r>
+              <a:rPr lang="en-GB" altLang="en-US" sz="1400">
+                <a:latin typeface="Arial" panose="020B0604020202020204" pitchFamily="34" charset="0"/>
+                <a:cs typeface="Arial" panose="020B0604020202020204" pitchFamily="34" charset="0"/>
+              </a:rPr>
+              <a:t>Resell or distribute these templates</a:t>
+            </a:r>
+          </a:p>
+          <a:p>
+            <a:pPr eaLnBrk="1" hangingPunct="1">
+              <a:buFont typeface="Wingdings" panose="05000000000000000000" pitchFamily="2" charset="2"/>
+              <a:buChar char="û"/>
+            </a:pPr>
+            <a:r>
+              <a:rPr lang="en-GB" altLang="en-US" sz="1400">
+                <a:latin typeface="Arial" panose="020B0604020202020204" pitchFamily="34" charset="0"/>
+                <a:cs typeface="Arial" panose="020B0604020202020204" pitchFamily="34" charset="0"/>
+              </a:rPr>
+              <a:t>Put these templates on a website for download.  This includes uploading them onto file sharing networks like Slideshare, Myspace, Facebook, bit torrent etc</a:t>
+            </a:r>
+          </a:p>
+          <a:p>
+            <a:pPr eaLnBrk="1" hangingPunct="1">
+              <a:buFont typeface="Wingdings" panose="05000000000000000000" pitchFamily="2" charset="2"/>
+              <a:buChar char="û"/>
+            </a:pPr>
+            <a:r>
+              <a:rPr lang="en-GB" altLang="en-US" sz="1400">
+                <a:latin typeface="Arial" panose="020B0604020202020204" pitchFamily="34" charset="0"/>
+                <a:cs typeface="Arial" panose="020B0604020202020204" pitchFamily="34" charset="0"/>
+              </a:rPr>
+              <a:t>Pass off any of our created content as your own work</a:t>
+            </a:r>
+            <a:endParaRPr lang="en-US" altLang="en-US" sz="1400">
+              <a:latin typeface="Arial" panose="020B0604020202020204" pitchFamily="34" charset="0"/>
+              <a:cs typeface="Arial" panose="020B0604020202020204" pitchFamily="34" charset="0"/>
+            </a:endParaRPr>
+          </a:p>
+        </p:txBody>
+      </p:sp>
+      <p:sp>
+        <p:nvSpPr>
+          <p:cNvPr id="20487" name="Text Box 7"/>
+          <p:cNvSpPr txBox="1">
+            <a:spLocks noChangeArrowheads="1"/>
+          </p:cNvSpPr>
+          <p:nvPr/>
+        </p:nvSpPr>
+        <p:spPr bwMode="auto">
+          <a:xfrm>
+            <a:off x="1042988" y="5422900"/>
+            <a:ext cx="7164387" cy="915988"/>
+          </a:xfrm>
+          <a:prstGeom prst="rect">
+            <a:avLst/>
+          </a:prstGeom>
+          <a:noFill/>
+          <a:ln>
+            <a:noFill/>
+          </a:ln>
+          <a:effectLst/>
+          <a:extLst>
+            <a:ext uri="{909E8E84-426E-40DD-AFC4-6F175D3DCCD1}">
+              <a14:hiddenFill xmlns:a14="http://schemas.microsoft.com/office/drawing/2010/main">
+                <a:solidFill>
+                  <a:srgbClr val="FFFFFF">
+                    <a:alpha val="74901"/>
+                  </a:srgbClr>
+                </a:solidFill>
+              </a14:hiddenFill>
+            </a:ext>
+            <a:ext uri="{91240B29-F687-4F45-9708-019B960494DF}">
+              <a14:hiddenLine xmlns:a14="http://schemas.microsoft.com/office/drawing/2010/main" w="9525">
+                <a:solidFill>
+                  <a:schemeClr val="tx1"/>
+                </a:solidFill>
+                <a:miter lim="800000"/>
+                <a:headEnd/>
+                <a:tailEnd/>
+              </a14:hiddenLine>
+            </a:ext>
+            <a:ext uri="{AF507438-7753-43E0-B8FC-AC1667EBCBE1}">
+              <a14:hiddenEffects xmlns:a14="http://schemas.microsoft.com/office/drawing/2010/main">
+                <a:effectLst>
+                  <a:outerShdw dist="35921" dir="2700000" algn="ctr" rotWithShape="0">
+                    <a:schemeClr val="bg2"/>
+                  </a:outerShdw>
+                </a:effectLst>
+              </a14:hiddenEffects>
+            </a:ext>
+          </a:extLst>
+        </p:spPr>
+        <p:txBody>
+          <a:bodyPr>
+            <a:spAutoFit/>
+          </a:bodyPr>
+          <a:lstStyle>
+            <a:lvl1pPr marL="342900" indent="-342900">
+              <a:defRPr sz="2400">
+                <a:solidFill>
+                  <a:schemeClr val="tx1"/>
+                </a:solidFill>
+                <a:latin typeface="Times New Roman" panose="02020603050405020304" pitchFamily="18" charset="0"/>
+              </a:defRPr>
+            </a:lvl1pPr>
+            <a:lvl2pPr>
+              <a:defRPr sz="2400">
+                <a:solidFill>
+                  <a:schemeClr val="tx1"/>
+                </a:solidFill>
+                <a:latin typeface="Times New Roman" panose="02020603050405020304" pitchFamily="18" charset="0"/>
+              </a:defRPr>
+            </a:lvl2pPr>
+            <a:lvl3pPr marL="1143000" indent="-228600">
+              <a:defRPr sz="2400">
+                <a:solidFill>
+                  <a:schemeClr val="tx1"/>
+                </a:solidFill>
+                <a:latin typeface="Times New Roman" panose="02020603050405020304" pitchFamily="18" charset="0"/>
+              </a:defRPr>
+            </a:lvl3pPr>
+            <a:lvl4pPr marL="1600200" indent="-228600">
+              <a:defRPr sz="2400">
+                <a:solidFill>
+                  <a:schemeClr val="tx1"/>
+                </a:solidFill>
+                <a:latin typeface="Times New Roman" panose="02020603050405020304" pitchFamily="18" charset="0"/>
+              </a:defRPr>
+            </a:lvl4pPr>
+            <a:lvl5pPr marL="2057400" indent="-228600">
+              <a:defRPr sz="2400">
+                <a:solidFill>
+                  <a:schemeClr val="tx1"/>
+                </a:solidFill>
+                <a:latin typeface="Times New Roman" panose="02020603050405020304" pitchFamily="18" charset="0"/>
+              </a:defRPr>
+            </a:lvl5pPr>
+            <a:lvl6pPr marL="2514600" indent="-228600" eaLnBrk="0" fontAlgn="base" hangingPunct="0">
+              <a:spcBef>
+                <a:spcPct val="0"/>
+              </a:spcBef>
+              <a:spcAft>
+                <a:spcPct val="0"/>
+              </a:spcAft>
+              <a:defRPr sz="2400">
+                <a:solidFill>
+                  <a:schemeClr val="tx1"/>
+                </a:solidFill>
+                <a:latin typeface="Times New Roman" panose="02020603050405020304" pitchFamily="18" charset="0"/>
+              </a:defRPr>
+            </a:lvl6pPr>
+            <a:lvl7pPr marL="2971800" indent="-228600" eaLnBrk="0" fontAlgn="base" hangingPunct="0">
+              <a:spcBef>
+                <a:spcPct val="0"/>
+              </a:spcBef>
+              <a:spcAft>
+                <a:spcPct val="0"/>
+              </a:spcAft>
+              <a:defRPr sz="2400">
+                <a:solidFill>
+                  <a:schemeClr val="tx1"/>
+                </a:solidFill>
+                <a:latin typeface="Times New Roman" panose="02020603050405020304" pitchFamily="18" charset="0"/>
+              </a:defRPr>
+            </a:lvl7pPr>
+            <a:lvl8pPr marL="3429000" indent="-228600" eaLnBrk="0" fontAlgn="base" hangingPunct="0">
+              <a:spcBef>
+                <a:spcPct val="0"/>
+              </a:spcBef>
+              <a:spcAft>
+                <a:spcPct val="0"/>
+              </a:spcAft>
+              <a:defRPr sz="2400">
+                <a:solidFill>
+                  <a:schemeClr val="tx1"/>
+                </a:solidFill>
+                <a:latin typeface="Times New Roman" panose="02020603050405020304" pitchFamily="18" charset="0"/>
+              </a:defRPr>
+            </a:lvl8pPr>
+            <a:lvl9pPr marL="3886200" indent="-228600" eaLnBrk="0" fontAlgn="base" hangingPunct="0">
+              <a:spcBef>
+                <a:spcPct val="0"/>
+              </a:spcBef>
+              <a:spcAft>
+                <a:spcPct val="0"/>
+              </a:spcAft>
+              <a:defRPr sz="2400">
+                <a:solidFill>
+                  <a:schemeClr val="tx1"/>
+                </a:solidFill>
+                <a:latin typeface="Times New Roman" panose="02020603050405020304" pitchFamily="18" charset="0"/>
+              </a:defRPr>
+            </a:lvl9pPr>
+          </a:lstStyle>
+          <a:p>
+            <a:pPr lvl="1" algn="ctr" eaLnBrk="1" hangingPunct="1">
+              <a:lnSpc>
+                <a:spcPct val="90000"/>
+              </a:lnSpc>
+              <a:spcBef>
+                <a:spcPct val="20000"/>
+              </a:spcBef>
+              <a:buClr>
+                <a:schemeClr val="accent1"/>
+              </a:buClr>
+            </a:pPr>
+            <a:r>
+              <a:rPr lang="en-GB" altLang="en-US" sz="2000" b="1">
+                <a:latin typeface="Arial" panose="020B0604020202020204" pitchFamily="34" charset="0"/>
+                <a:cs typeface="Arial" panose="020B0604020202020204" pitchFamily="34" charset="0"/>
+              </a:rPr>
+              <a:t>You can find many more free templates on the Presentation Magazine website </a:t>
+            </a:r>
+            <a:r>
+              <a:rPr lang="en-GB" altLang="en-US" sz="2000" b="1">
+                <a:latin typeface="Arial" panose="020B0604020202020204" pitchFamily="34" charset="0"/>
+                <a:cs typeface="Arial" panose="020B0604020202020204" pitchFamily="34" charset="0"/>
+                <a:hlinkClick r:id="rId3"/>
+              </a:rPr>
+              <a:t>www.presentationmagazine.com</a:t>
+            </a:r>
+            <a:r>
+              <a:rPr lang="en-GB" altLang="en-US" sz="2000" b="1">
+                <a:latin typeface="Arial" panose="020B0604020202020204" pitchFamily="34" charset="0"/>
+                <a:cs typeface="Arial" panose="020B0604020202020204" pitchFamily="34" charset="0"/>
+              </a:rPr>
+              <a:t>  </a:t>
+            </a:r>
+            <a:endParaRPr lang="en-US" altLang="en-US" sz="2000" b="1">
+              <a:latin typeface="Arial" panose="020B0604020202020204" pitchFamily="34" charset="0"/>
+              <a:cs typeface="Arial" panose="020B0604020202020204" pitchFamily="34" charset="0"/>
+            </a:endParaRPr>
+          </a:p>
+        </p:txBody>
+      </p:sp>
+      <p:sp>
+        <p:nvSpPr>
+          <p:cNvPr id="20488" name="Text Box 8"/>
+          <p:cNvSpPr txBox="1">
+            <a:spLocks noChangeArrowheads="1"/>
+          </p:cNvSpPr>
+          <p:nvPr/>
+        </p:nvSpPr>
+        <p:spPr bwMode="auto">
+          <a:xfrm>
+            <a:off x="1150938" y="2360613"/>
+            <a:ext cx="6926262" cy="730250"/>
+          </a:xfrm>
+          <a:prstGeom prst="rect">
+            <a:avLst/>
+          </a:prstGeom>
+          <a:noFill/>
+          <a:ln>
+            <a:noFill/>
+          </a:ln>
+          <a:effectLst/>
+          <a:extLst>
+            <a:ext uri="{909E8E84-426E-40DD-AFC4-6F175D3DCCD1}">
+              <a14:hiddenFill xmlns:a14="http://schemas.microsoft.com/office/drawing/2010/main">
+                <a:solidFill>
+                  <a:schemeClr val="accent1"/>
+                </a:solidFill>
+              </a14:hiddenFill>
+            </a:ext>
+            <a:ext uri="{91240B29-F687-4F45-9708-019B960494DF}">
+              <a14:hiddenLine xmlns:a14="http://schemas.microsoft.com/office/drawing/2010/main" w="9525">
+                <a:solidFill>
+                  <a:schemeClr val="tx1"/>
+                </a:solidFill>
+                <a:miter lim="800000"/>
+                <a:headEnd/>
+                <a:tailEnd/>
+              </a14:hiddenLine>
+            </a:ext>
+            <a:ext uri="{AF507438-7753-43E0-B8FC-AC1667EBCBE1}">
+              <a14:hiddenEffects xmlns:a14="http://schemas.microsoft.com/office/drawing/2010/main">
+                <a:effectLst>
+                  <a:outerShdw dist="35921" dir="2700000" algn="ctr" rotWithShape="0">
+                    <a:schemeClr val="bg2"/>
+                  </a:outerShdw>
+                </a:effectLst>
+              </a14:hiddenEffects>
+            </a:ext>
+          </a:extLst>
+        </p:spPr>
+        <p:txBody>
+          <a:bodyPr>
+            <a:spAutoFit/>
+          </a:bodyPr>
+          <a:lstStyle>
+            <a:lvl1pPr>
+              <a:defRPr sz="2400">
+                <a:solidFill>
+                  <a:schemeClr val="tx1"/>
+                </a:solidFill>
+                <a:latin typeface="Times New Roman" panose="02020603050405020304" pitchFamily="18" charset="0"/>
+              </a:defRPr>
+            </a:lvl1pPr>
+            <a:lvl2pPr marL="742950" indent="-285750">
+              <a:defRPr sz="2400">
+                <a:solidFill>
+                  <a:schemeClr val="tx1"/>
+                </a:solidFill>
+                <a:latin typeface="Times New Roman" panose="02020603050405020304" pitchFamily="18" charset="0"/>
+              </a:defRPr>
+            </a:lvl2pPr>
+            <a:lvl3pPr marL="1143000" indent="-228600">
+              <a:defRPr sz="2400">
+                <a:solidFill>
+                  <a:schemeClr val="tx1"/>
+                </a:solidFill>
+                <a:latin typeface="Times New Roman" panose="02020603050405020304" pitchFamily="18" charset="0"/>
+              </a:defRPr>
+            </a:lvl3pPr>
+            <a:lvl4pPr marL="1600200" indent="-228600">
+              <a:defRPr sz="2400">
+                <a:solidFill>
+                  <a:schemeClr val="tx1"/>
+                </a:solidFill>
+                <a:latin typeface="Times New Roman" panose="02020603050405020304" pitchFamily="18" charset="0"/>
+              </a:defRPr>
+            </a:lvl4pPr>
+            <a:lvl5pPr marL="2057400" indent="-228600">
+              <a:defRPr sz="2400">
+                <a:solidFill>
+                  <a:schemeClr val="tx1"/>
+                </a:solidFill>
+                <a:latin typeface="Times New Roman" panose="02020603050405020304" pitchFamily="18" charset="0"/>
+              </a:defRPr>
+            </a:lvl5pPr>
+            <a:lvl6pPr marL="2514600" indent="-228600" eaLnBrk="0" fontAlgn="base" hangingPunct="0">
+              <a:spcBef>
+                <a:spcPct val="0"/>
+              </a:spcBef>
+              <a:spcAft>
+                <a:spcPct val="0"/>
+              </a:spcAft>
+              <a:defRPr sz="2400">
+                <a:solidFill>
+                  <a:schemeClr val="tx1"/>
+                </a:solidFill>
+                <a:latin typeface="Times New Roman" panose="02020603050405020304" pitchFamily="18" charset="0"/>
+              </a:defRPr>
+            </a:lvl6pPr>
+            <a:lvl7pPr marL="2971800" indent="-228600" eaLnBrk="0" fontAlgn="base" hangingPunct="0">
+              <a:spcBef>
+                <a:spcPct val="0"/>
+              </a:spcBef>
+              <a:spcAft>
+                <a:spcPct val="0"/>
+              </a:spcAft>
+              <a:defRPr sz="2400">
+                <a:solidFill>
+                  <a:schemeClr val="tx1"/>
+                </a:solidFill>
+                <a:latin typeface="Times New Roman" panose="02020603050405020304" pitchFamily="18" charset="0"/>
+              </a:defRPr>
+            </a:lvl7pPr>
+            <a:lvl8pPr marL="3429000" indent="-228600" eaLnBrk="0" fontAlgn="base" hangingPunct="0">
+              <a:spcBef>
+                <a:spcPct val="0"/>
+              </a:spcBef>
+              <a:spcAft>
+                <a:spcPct val="0"/>
+              </a:spcAft>
+              <a:defRPr sz="2400">
+                <a:solidFill>
+                  <a:schemeClr val="tx1"/>
+                </a:solidFill>
+                <a:latin typeface="Times New Roman" panose="02020603050405020304" pitchFamily="18" charset="0"/>
+              </a:defRPr>
+            </a:lvl8pPr>
+            <a:lvl9pPr marL="3886200" indent="-228600" eaLnBrk="0" fontAlgn="base" hangingPunct="0">
+              <a:spcBef>
+                <a:spcPct val="0"/>
+              </a:spcBef>
+              <a:spcAft>
+                <a:spcPct val="0"/>
+              </a:spcAft>
+              <a:defRPr sz="2400">
+                <a:solidFill>
+                  <a:schemeClr val="tx1"/>
+                </a:solidFill>
+                <a:latin typeface="Times New Roman" panose="02020603050405020304" pitchFamily="18" charset="0"/>
+              </a:defRPr>
+            </a:lvl9pPr>
+          </a:lstStyle>
+          <a:p>
+            <a:pPr eaLnBrk="1" hangingPunct="1">
+              <a:spcBef>
+                <a:spcPct val="50000"/>
+              </a:spcBef>
+            </a:pPr>
+            <a:r>
+              <a:rPr lang="en-GB" altLang="en-US" sz="1400" dirty="0">
+                <a:latin typeface="Arial" panose="020B0604020202020204" pitchFamily="34" charset="0"/>
+                <a:cs typeface="Arial" panose="020B0604020202020204" pitchFamily="34" charset="0"/>
+              </a:rPr>
+              <a:t>We have put a lot of work into developing all these templates and retain the copyright in them.  They are not Open Source templates.  You can use them freely providing that you do not redistribute or sell them.</a:t>
+            </a:r>
+            <a:endParaRPr lang="en-US" altLang="en-US" sz="1400" dirty="0">
+              <a:latin typeface="Arial" panose="020B0604020202020204" pitchFamily="34" charset="0"/>
+              <a:cs typeface="Arial" panose="020B0604020202020204" pitchFamily="34" charset="0"/>
+            </a:endParaRPr>
+          </a:p>
+        </p:txBody>
+      </p:sp>
+    </p:spTree>
+  </p:cSld>
+  <p:clrMapOvr>
+    <a:masterClrMapping/>
+  </p:clrMapOvr>
+  <p:transition/>
+  <p:timing>
+    <p:tnLst>
+      <p:par>
+        <p:cTn id="1" dur="indefinite" restart="never" nodeType="tmRoot"/>
+      </p:par>
+    </p:tnLst>
+  </p:timing>
 </p:sld>
 </file>
 
@@ -6572,7 +9447,7 @@
             <a:pPr lvl="1" eaLnBrk="1" hangingPunct="1"/>
             <a:r>
               <a:rPr lang="ko-KR" altLang="en-US" dirty="0" err="1" smtClean="0"/>
-              <a:t>진행일정</a:t>
+              <a:t>개발일정</a:t>
             </a:r>
             <a:endParaRPr lang="en-US" altLang="ko-KR" dirty="0" smtClean="0"/>
           </a:p>
@@ -6930,6 +9805,2934 @@
       </p:grpSpPr>
       <p:sp>
         <p:nvSpPr>
+          <p:cNvPr id="6146" name="Rectangle 2"/>
+          <p:cNvSpPr>
+            <a:spLocks noGrp="1" noChangeArrowheads="1"/>
+          </p:cNvSpPr>
+          <p:nvPr>
+            <p:ph type="title"/>
+          </p:nvPr>
+        </p:nvSpPr>
+        <p:spPr/>
+        <p:txBody>
+          <a:bodyPr/>
+          <a:lstStyle/>
+          <a:p>
+            <a:pPr eaLnBrk="1" hangingPunct="1"/>
+            <a:r>
+              <a:rPr lang="ko-KR" altLang="en-US" dirty="0" smtClean="0"/>
+              <a:t>시스템 </a:t>
+            </a:r>
+            <a:r>
+              <a:rPr lang="ko-KR" altLang="en-US" dirty="0" err="1" smtClean="0"/>
+              <a:t>아키텍쳐</a:t>
+            </a:r>
+            <a:endParaRPr lang="en-US" altLang="en-US" dirty="0" smtClean="0"/>
+          </a:p>
+        </p:txBody>
+      </p:sp>
+      <p:sp>
+        <p:nvSpPr>
+          <p:cNvPr id="113" name="직사각형 112"/>
+          <p:cNvSpPr/>
+          <p:nvPr/>
+        </p:nvSpPr>
+        <p:spPr>
+          <a:xfrm>
+            <a:off x="7301021" y="2260685"/>
+            <a:ext cx="1131781" cy="544631"/>
+          </a:xfrm>
+          <a:prstGeom prst="rect">
+            <a:avLst/>
+          </a:prstGeom>
+        </p:spPr>
+        <p:style>
+          <a:lnRef idx="2">
+            <a:schemeClr val="accent1">
+              <a:shade val="50000"/>
+            </a:schemeClr>
+          </a:lnRef>
+          <a:fillRef idx="1">
+            <a:schemeClr val="accent1"/>
+          </a:fillRef>
+          <a:effectRef idx="0">
+            <a:schemeClr val="accent1"/>
+          </a:effectRef>
+          <a:fontRef idx="minor">
+            <a:schemeClr val="lt1"/>
+          </a:fontRef>
+        </p:style>
+        <p:txBody>
+          <a:bodyPr rtlCol="0" anchor="ctr"/>
+          <a:lstStyle/>
+          <a:p>
+            <a:pPr algn="ctr"/>
+            <a:r>
+              <a:rPr lang="ko-KR" altLang="en-US" sz="1100" dirty="0" smtClean="0">
+                <a:solidFill>
+                  <a:schemeClr val="bg2"/>
+                </a:solidFill>
+              </a:rPr>
+              <a:t>데이터레이어</a:t>
+            </a:r>
+            <a:endParaRPr lang="ko-KR" altLang="en-US" sz="1100" dirty="0">
+              <a:solidFill>
+                <a:schemeClr val="bg2"/>
+              </a:solidFill>
+            </a:endParaRPr>
+          </a:p>
+        </p:txBody>
+      </p:sp>
+      <p:sp>
+        <p:nvSpPr>
+          <p:cNvPr id="114" name="모서리가 둥근 직사각형 113"/>
+          <p:cNvSpPr/>
+          <p:nvPr/>
+        </p:nvSpPr>
+        <p:spPr>
+          <a:xfrm>
+            <a:off x="7301021" y="2969313"/>
+            <a:ext cx="1131781" cy="2958018"/>
+          </a:xfrm>
+          <a:prstGeom prst="roundRect">
+            <a:avLst/>
+          </a:prstGeom>
+        </p:spPr>
+        <p:style>
+          <a:lnRef idx="2">
+            <a:schemeClr val="accent1">
+              <a:shade val="50000"/>
+            </a:schemeClr>
+          </a:lnRef>
+          <a:fillRef idx="1">
+            <a:schemeClr val="accent1"/>
+          </a:fillRef>
+          <a:effectRef idx="0">
+            <a:schemeClr val="accent1"/>
+          </a:effectRef>
+          <a:fontRef idx="minor">
+            <a:schemeClr val="lt1"/>
+          </a:fontRef>
+        </p:style>
+        <p:txBody>
+          <a:bodyPr rtlCol="0" anchor="ctr"/>
+          <a:lstStyle/>
+          <a:p>
+            <a:pPr algn="ctr"/>
+            <a:endParaRPr lang="ko-KR" altLang="en-US" sz="1100">
+              <a:solidFill>
+                <a:schemeClr val="bg2"/>
+              </a:solidFill>
+            </a:endParaRPr>
+          </a:p>
+        </p:txBody>
+      </p:sp>
+      <p:sp>
+        <p:nvSpPr>
+          <p:cNvPr id="115" name="직사각형 114"/>
+          <p:cNvSpPr/>
+          <p:nvPr/>
+        </p:nvSpPr>
+        <p:spPr>
+          <a:xfrm>
+            <a:off x="627764" y="2260685"/>
+            <a:ext cx="1099384" cy="544631"/>
+          </a:xfrm>
+          <a:prstGeom prst="rect">
+            <a:avLst/>
+          </a:prstGeom>
+        </p:spPr>
+        <p:style>
+          <a:lnRef idx="2">
+            <a:schemeClr val="accent1">
+              <a:shade val="50000"/>
+            </a:schemeClr>
+          </a:lnRef>
+          <a:fillRef idx="1">
+            <a:schemeClr val="accent1"/>
+          </a:fillRef>
+          <a:effectRef idx="0">
+            <a:schemeClr val="accent1"/>
+          </a:effectRef>
+          <a:fontRef idx="minor">
+            <a:schemeClr val="lt1"/>
+          </a:fontRef>
+        </p:style>
+        <p:txBody>
+          <a:bodyPr rtlCol="0" anchor="ctr"/>
+          <a:lstStyle/>
+          <a:p>
+            <a:pPr algn="ctr"/>
+            <a:r>
+              <a:rPr lang="en-US" altLang="ko-KR" sz="1100" dirty="0" smtClean="0">
+                <a:solidFill>
+                  <a:schemeClr val="bg2"/>
+                </a:solidFill>
+              </a:rPr>
+              <a:t>UI </a:t>
+            </a:r>
+            <a:r>
+              <a:rPr lang="ko-KR" altLang="en-US" sz="1100" dirty="0" smtClean="0">
+                <a:solidFill>
+                  <a:schemeClr val="bg2"/>
+                </a:solidFill>
+              </a:rPr>
+              <a:t>레이어</a:t>
+            </a:r>
+            <a:endParaRPr lang="ko-KR" altLang="en-US" sz="1100" dirty="0">
+              <a:solidFill>
+                <a:schemeClr val="bg2"/>
+              </a:solidFill>
+            </a:endParaRPr>
+          </a:p>
+        </p:txBody>
+      </p:sp>
+      <p:sp>
+        <p:nvSpPr>
+          <p:cNvPr id="116" name="모서리가 둥근 직사각형 115"/>
+          <p:cNvSpPr/>
+          <p:nvPr/>
+        </p:nvSpPr>
+        <p:spPr>
+          <a:xfrm>
+            <a:off x="627764" y="2969313"/>
+            <a:ext cx="1099384" cy="2958018"/>
+          </a:xfrm>
+          <a:prstGeom prst="roundRect">
+            <a:avLst/>
+          </a:prstGeom>
+        </p:spPr>
+        <p:style>
+          <a:lnRef idx="2">
+            <a:schemeClr val="accent1">
+              <a:shade val="50000"/>
+            </a:schemeClr>
+          </a:lnRef>
+          <a:fillRef idx="1">
+            <a:schemeClr val="accent1"/>
+          </a:fillRef>
+          <a:effectRef idx="0">
+            <a:schemeClr val="accent1"/>
+          </a:effectRef>
+          <a:fontRef idx="minor">
+            <a:schemeClr val="lt1"/>
+          </a:fontRef>
+        </p:style>
+        <p:txBody>
+          <a:bodyPr rtlCol="0" anchor="ctr"/>
+          <a:lstStyle/>
+          <a:p>
+            <a:pPr algn="ctr"/>
+            <a:endParaRPr lang="ko-KR" altLang="en-US" sz="900">
+              <a:solidFill>
+                <a:schemeClr val="bg2"/>
+              </a:solidFill>
+            </a:endParaRPr>
+          </a:p>
+        </p:txBody>
+      </p:sp>
+      <p:sp>
+        <p:nvSpPr>
+          <p:cNvPr id="117" name="직사각형 116"/>
+          <p:cNvSpPr/>
+          <p:nvPr/>
+        </p:nvSpPr>
+        <p:spPr>
+          <a:xfrm>
+            <a:off x="651363" y="3479525"/>
+            <a:ext cx="1044316" cy="287496"/>
+          </a:xfrm>
+          <a:prstGeom prst="rect">
+            <a:avLst/>
+          </a:prstGeom>
+        </p:spPr>
+        <p:style>
+          <a:lnRef idx="1">
+            <a:schemeClr val="accent1"/>
+          </a:lnRef>
+          <a:fillRef idx="2">
+            <a:schemeClr val="accent1"/>
+          </a:fillRef>
+          <a:effectRef idx="1">
+            <a:schemeClr val="accent1"/>
+          </a:effectRef>
+          <a:fontRef idx="minor">
+            <a:schemeClr val="dk1"/>
+          </a:fontRef>
+        </p:style>
+        <p:txBody>
+          <a:bodyPr rtlCol="0" anchor="ctr"/>
+          <a:lstStyle/>
+          <a:p>
+            <a:pPr algn="ctr"/>
+            <a:r>
+              <a:rPr lang="en-US" altLang="ko-KR" sz="900" dirty="0" smtClean="0">
+                <a:solidFill>
+                  <a:schemeClr val="bg2"/>
+                </a:solidFill>
+              </a:rPr>
+              <a:t>HTML</a:t>
+            </a:r>
+            <a:endParaRPr lang="ko-KR" altLang="en-US" sz="900" dirty="0">
+              <a:solidFill>
+                <a:schemeClr val="bg2"/>
+              </a:solidFill>
+            </a:endParaRPr>
+          </a:p>
+        </p:txBody>
+      </p:sp>
+      <p:sp>
+        <p:nvSpPr>
+          <p:cNvPr id="118" name="직사각형 117"/>
+          <p:cNvSpPr/>
+          <p:nvPr/>
+        </p:nvSpPr>
+        <p:spPr>
+          <a:xfrm>
+            <a:off x="653329" y="3894580"/>
+            <a:ext cx="1044316" cy="287496"/>
+          </a:xfrm>
+          <a:prstGeom prst="rect">
+            <a:avLst/>
+          </a:prstGeom>
+        </p:spPr>
+        <p:style>
+          <a:lnRef idx="1">
+            <a:schemeClr val="accent1"/>
+          </a:lnRef>
+          <a:fillRef idx="2">
+            <a:schemeClr val="accent1"/>
+          </a:fillRef>
+          <a:effectRef idx="1">
+            <a:schemeClr val="accent1"/>
+          </a:effectRef>
+          <a:fontRef idx="minor">
+            <a:schemeClr val="dk1"/>
+          </a:fontRef>
+        </p:style>
+        <p:txBody>
+          <a:bodyPr rtlCol="0" anchor="ctr"/>
+          <a:lstStyle/>
+          <a:p>
+            <a:pPr algn="ctr"/>
+            <a:r>
+              <a:rPr lang="en-US" altLang="ko-KR" sz="900" dirty="0" smtClean="0">
+                <a:solidFill>
+                  <a:schemeClr val="bg2"/>
+                </a:solidFill>
+              </a:rPr>
+              <a:t>CSS</a:t>
+            </a:r>
+            <a:endParaRPr lang="ko-KR" altLang="en-US" sz="900" dirty="0">
+              <a:solidFill>
+                <a:schemeClr val="bg2"/>
+              </a:solidFill>
+            </a:endParaRPr>
+          </a:p>
+        </p:txBody>
+      </p:sp>
+      <p:sp>
+        <p:nvSpPr>
+          <p:cNvPr id="119" name="직사각형 118"/>
+          <p:cNvSpPr/>
+          <p:nvPr/>
+        </p:nvSpPr>
+        <p:spPr>
+          <a:xfrm>
+            <a:off x="649399" y="4315709"/>
+            <a:ext cx="1044316" cy="287496"/>
+          </a:xfrm>
+          <a:prstGeom prst="rect">
+            <a:avLst/>
+          </a:prstGeom>
+        </p:spPr>
+        <p:style>
+          <a:lnRef idx="1">
+            <a:schemeClr val="accent1"/>
+          </a:lnRef>
+          <a:fillRef idx="2">
+            <a:schemeClr val="accent1"/>
+          </a:fillRef>
+          <a:effectRef idx="1">
+            <a:schemeClr val="accent1"/>
+          </a:effectRef>
+          <a:fontRef idx="minor">
+            <a:schemeClr val="dk1"/>
+          </a:fontRef>
+        </p:style>
+        <p:txBody>
+          <a:bodyPr rtlCol="0" anchor="ctr"/>
+          <a:lstStyle/>
+          <a:p>
+            <a:pPr algn="ctr"/>
+            <a:r>
+              <a:rPr lang="en-US" altLang="ko-KR" sz="900" dirty="0" smtClean="0">
+                <a:solidFill>
+                  <a:schemeClr val="bg2"/>
+                </a:solidFill>
+              </a:rPr>
+              <a:t>JavaScript</a:t>
+            </a:r>
+            <a:endParaRPr lang="ko-KR" altLang="en-US" sz="900" dirty="0">
+              <a:solidFill>
+                <a:schemeClr val="bg2"/>
+              </a:solidFill>
+            </a:endParaRPr>
+          </a:p>
+        </p:txBody>
+      </p:sp>
+      <p:sp>
+        <p:nvSpPr>
+          <p:cNvPr id="120" name="직사각형 119"/>
+          <p:cNvSpPr/>
+          <p:nvPr/>
+        </p:nvSpPr>
+        <p:spPr>
+          <a:xfrm>
+            <a:off x="651365" y="4724690"/>
+            <a:ext cx="1044316" cy="287496"/>
+          </a:xfrm>
+          <a:prstGeom prst="rect">
+            <a:avLst/>
+          </a:prstGeom>
+        </p:spPr>
+        <p:style>
+          <a:lnRef idx="1">
+            <a:schemeClr val="accent1"/>
+          </a:lnRef>
+          <a:fillRef idx="2">
+            <a:schemeClr val="accent1"/>
+          </a:fillRef>
+          <a:effectRef idx="1">
+            <a:schemeClr val="accent1"/>
+          </a:effectRef>
+          <a:fontRef idx="minor">
+            <a:schemeClr val="dk1"/>
+          </a:fontRef>
+        </p:style>
+        <p:txBody>
+          <a:bodyPr rtlCol="0" anchor="ctr"/>
+          <a:lstStyle/>
+          <a:p>
+            <a:pPr algn="ctr"/>
+            <a:r>
+              <a:rPr lang="en-US" altLang="ko-KR" sz="900" dirty="0" smtClean="0">
+                <a:solidFill>
+                  <a:schemeClr val="bg2"/>
+                </a:solidFill>
+              </a:rPr>
+              <a:t>jQuery</a:t>
+            </a:r>
+          </a:p>
+        </p:txBody>
+      </p:sp>
+      <p:sp>
+        <p:nvSpPr>
+          <p:cNvPr id="121" name="직사각형 120"/>
+          <p:cNvSpPr/>
+          <p:nvPr/>
+        </p:nvSpPr>
+        <p:spPr>
+          <a:xfrm>
+            <a:off x="653332" y="5115448"/>
+            <a:ext cx="1044316" cy="287496"/>
+          </a:xfrm>
+          <a:prstGeom prst="rect">
+            <a:avLst/>
+          </a:prstGeom>
+        </p:spPr>
+        <p:style>
+          <a:lnRef idx="1">
+            <a:schemeClr val="accent1"/>
+          </a:lnRef>
+          <a:fillRef idx="2">
+            <a:schemeClr val="accent1"/>
+          </a:fillRef>
+          <a:effectRef idx="1">
+            <a:schemeClr val="accent1"/>
+          </a:effectRef>
+          <a:fontRef idx="minor">
+            <a:schemeClr val="dk1"/>
+          </a:fontRef>
+        </p:style>
+        <p:txBody>
+          <a:bodyPr rtlCol="0" anchor="ctr"/>
+          <a:lstStyle/>
+          <a:p>
+            <a:pPr algn="ctr"/>
+            <a:r>
+              <a:rPr lang="en-US" altLang="ko-KR" sz="900" dirty="0" smtClean="0">
+                <a:solidFill>
+                  <a:schemeClr val="bg2"/>
+                </a:solidFill>
+              </a:rPr>
+              <a:t>Ajax</a:t>
+            </a:r>
+          </a:p>
+        </p:txBody>
+      </p:sp>
+      <p:sp>
+        <p:nvSpPr>
+          <p:cNvPr id="122" name="직사각형 121"/>
+          <p:cNvSpPr/>
+          <p:nvPr/>
+        </p:nvSpPr>
+        <p:spPr>
+          <a:xfrm>
+            <a:off x="655299" y="5494059"/>
+            <a:ext cx="1044316" cy="287496"/>
+          </a:xfrm>
+          <a:prstGeom prst="rect">
+            <a:avLst/>
+          </a:prstGeom>
+        </p:spPr>
+        <p:style>
+          <a:lnRef idx="1">
+            <a:schemeClr val="accent1"/>
+          </a:lnRef>
+          <a:fillRef idx="2">
+            <a:schemeClr val="accent1"/>
+          </a:fillRef>
+          <a:effectRef idx="1">
+            <a:schemeClr val="accent1"/>
+          </a:effectRef>
+          <a:fontRef idx="minor">
+            <a:schemeClr val="dk1"/>
+          </a:fontRef>
+        </p:style>
+        <p:txBody>
+          <a:bodyPr rtlCol="0" anchor="ctr"/>
+          <a:lstStyle/>
+          <a:p>
+            <a:pPr algn="ctr"/>
+            <a:r>
+              <a:rPr lang="en-US" altLang="ko-KR" sz="900" dirty="0" err="1" smtClean="0">
+                <a:solidFill>
+                  <a:schemeClr val="bg2"/>
+                </a:solidFill>
+              </a:rPr>
+              <a:t>jqGrid</a:t>
+            </a:r>
+            <a:endParaRPr lang="en-US" altLang="ko-KR" sz="900" dirty="0" smtClean="0">
+              <a:solidFill>
+                <a:schemeClr val="bg2"/>
+              </a:solidFill>
+            </a:endParaRPr>
+          </a:p>
+        </p:txBody>
+      </p:sp>
+      <p:sp>
+        <p:nvSpPr>
+          <p:cNvPr id="123" name="TextBox 122"/>
+          <p:cNvSpPr txBox="1"/>
+          <p:nvPr/>
+        </p:nvSpPr>
+        <p:spPr>
+          <a:xfrm>
+            <a:off x="655299" y="3102940"/>
+            <a:ext cx="1038415" cy="246221"/>
+          </a:xfrm>
+          <a:prstGeom prst="rect">
+            <a:avLst/>
+          </a:prstGeom>
+          <a:noFill/>
+        </p:spPr>
+        <p:txBody>
+          <a:bodyPr wrap="square" rtlCol="0">
+            <a:spAutoFit/>
+          </a:bodyPr>
+          <a:lstStyle/>
+          <a:p>
+            <a:pPr algn="ctr"/>
+            <a:r>
+              <a:rPr lang="en-US" altLang="ko-KR" sz="1000" dirty="0" smtClean="0">
+                <a:solidFill>
+                  <a:schemeClr val="bg2"/>
+                </a:solidFill>
+              </a:rPr>
+              <a:t>Web Browser</a:t>
+            </a:r>
+            <a:endParaRPr lang="ko-KR" altLang="en-US" sz="1000" dirty="0">
+              <a:solidFill>
+                <a:schemeClr val="bg2"/>
+              </a:solidFill>
+            </a:endParaRPr>
+          </a:p>
+        </p:txBody>
+      </p:sp>
+      <p:sp>
+        <p:nvSpPr>
+          <p:cNvPr id="124" name="TextBox 123"/>
+          <p:cNvSpPr txBox="1"/>
+          <p:nvPr/>
+        </p:nvSpPr>
+        <p:spPr>
+          <a:xfrm>
+            <a:off x="7332403" y="3150701"/>
+            <a:ext cx="1069016" cy="246221"/>
+          </a:xfrm>
+          <a:prstGeom prst="rect">
+            <a:avLst/>
+          </a:prstGeom>
+          <a:noFill/>
+        </p:spPr>
+        <p:txBody>
+          <a:bodyPr wrap="square" rtlCol="0">
+            <a:spAutoFit/>
+          </a:bodyPr>
+          <a:lstStyle/>
+          <a:p>
+            <a:pPr algn="ctr"/>
+            <a:r>
+              <a:rPr lang="en-US" altLang="ko-KR" sz="1000" dirty="0" smtClean="0">
+                <a:solidFill>
+                  <a:schemeClr val="bg2"/>
+                </a:solidFill>
+              </a:rPr>
+              <a:t>DBMS</a:t>
+            </a:r>
+            <a:endParaRPr lang="ko-KR" altLang="en-US" sz="1000" dirty="0">
+              <a:solidFill>
+                <a:schemeClr val="bg2"/>
+              </a:solidFill>
+            </a:endParaRPr>
+          </a:p>
+        </p:txBody>
+      </p:sp>
+      <p:sp>
+        <p:nvSpPr>
+          <p:cNvPr id="125" name="원통 124"/>
+          <p:cNvSpPr/>
+          <p:nvPr/>
+        </p:nvSpPr>
+        <p:spPr>
+          <a:xfrm>
+            <a:off x="7453882" y="3403148"/>
+            <a:ext cx="826058" cy="2261534"/>
+          </a:xfrm>
+          <a:prstGeom prst="can">
+            <a:avLst/>
+          </a:prstGeom>
+        </p:spPr>
+        <p:style>
+          <a:lnRef idx="2">
+            <a:schemeClr val="accent1">
+              <a:shade val="50000"/>
+            </a:schemeClr>
+          </a:lnRef>
+          <a:fillRef idx="1">
+            <a:schemeClr val="accent1"/>
+          </a:fillRef>
+          <a:effectRef idx="0">
+            <a:schemeClr val="accent1"/>
+          </a:effectRef>
+          <a:fontRef idx="minor">
+            <a:schemeClr val="lt1"/>
+          </a:fontRef>
+        </p:style>
+        <p:txBody>
+          <a:bodyPr rtlCol="0" anchor="ctr"/>
+          <a:lstStyle/>
+          <a:p>
+            <a:pPr algn="ctr"/>
+            <a:r>
+              <a:rPr lang="en-US" altLang="ko-KR" sz="1100" dirty="0" smtClean="0">
+                <a:solidFill>
+                  <a:schemeClr val="bg2"/>
+                </a:solidFill>
+              </a:rPr>
+              <a:t>DB</a:t>
+            </a:r>
+          </a:p>
+          <a:p>
+            <a:pPr algn="ctr"/>
+            <a:r>
+              <a:rPr lang="en-US" altLang="ko-KR" sz="1100" dirty="0" smtClean="0">
+                <a:solidFill>
+                  <a:schemeClr val="bg2"/>
+                </a:solidFill>
+              </a:rPr>
+              <a:t>(Oracle</a:t>
+            </a:r>
+            <a:r>
+              <a:rPr lang="en-US" altLang="ko-KR" sz="1100" dirty="0" smtClean="0">
+                <a:solidFill>
+                  <a:schemeClr val="bg2"/>
+                </a:solidFill>
+              </a:rPr>
+              <a:t>)</a:t>
+            </a:r>
+            <a:endParaRPr lang="ko-KR" altLang="en-US" sz="1100" dirty="0">
+              <a:solidFill>
+                <a:schemeClr val="bg2"/>
+              </a:solidFill>
+            </a:endParaRPr>
+          </a:p>
+        </p:txBody>
+      </p:sp>
+      <p:sp>
+        <p:nvSpPr>
+          <p:cNvPr id="126" name="직사각형 125"/>
+          <p:cNvSpPr/>
+          <p:nvPr/>
+        </p:nvSpPr>
+        <p:spPr>
+          <a:xfrm>
+            <a:off x="3308455" y="2260685"/>
+            <a:ext cx="1097309" cy="544631"/>
+          </a:xfrm>
+          <a:prstGeom prst="rect">
+            <a:avLst/>
+          </a:prstGeom>
+        </p:spPr>
+        <p:style>
+          <a:lnRef idx="2">
+            <a:schemeClr val="accent4">
+              <a:shade val="50000"/>
+            </a:schemeClr>
+          </a:lnRef>
+          <a:fillRef idx="1">
+            <a:schemeClr val="accent4"/>
+          </a:fillRef>
+          <a:effectRef idx="0">
+            <a:schemeClr val="accent4"/>
+          </a:effectRef>
+          <a:fontRef idx="minor">
+            <a:schemeClr val="lt1"/>
+          </a:fontRef>
+        </p:style>
+        <p:txBody>
+          <a:bodyPr rtlCol="0" anchor="ctr"/>
+          <a:lstStyle/>
+          <a:p>
+            <a:pPr algn="ctr"/>
+            <a:r>
+              <a:rPr lang="ko-KR" altLang="en-US" sz="1100" dirty="0" smtClean="0">
+                <a:solidFill>
+                  <a:schemeClr val="bg2"/>
+                </a:solidFill>
+              </a:rPr>
+              <a:t>서비스 발행</a:t>
+            </a:r>
+            <a:endParaRPr lang="en-US" altLang="ko-KR" sz="1100" dirty="0" smtClean="0">
+              <a:solidFill>
+                <a:schemeClr val="bg2"/>
+              </a:solidFill>
+            </a:endParaRPr>
+          </a:p>
+          <a:p>
+            <a:pPr algn="ctr"/>
+            <a:r>
+              <a:rPr lang="ko-KR" altLang="en-US" sz="1100" dirty="0" smtClean="0">
+                <a:solidFill>
+                  <a:schemeClr val="bg2"/>
+                </a:solidFill>
+              </a:rPr>
+              <a:t>레이어</a:t>
+            </a:r>
+            <a:endParaRPr lang="ko-KR" altLang="en-US" sz="1100" dirty="0">
+              <a:solidFill>
+                <a:schemeClr val="bg2"/>
+              </a:solidFill>
+            </a:endParaRPr>
+          </a:p>
+        </p:txBody>
+      </p:sp>
+      <p:sp>
+        <p:nvSpPr>
+          <p:cNvPr id="127" name="직사각형 126"/>
+          <p:cNvSpPr/>
+          <p:nvPr/>
+        </p:nvSpPr>
+        <p:spPr>
+          <a:xfrm>
+            <a:off x="1987289" y="2260685"/>
+            <a:ext cx="1097309" cy="544631"/>
+          </a:xfrm>
+          <a:prstGeom prst="rect">
+            <a:avLst/>
+          </a:prstGeom>
+        </p:spPr>
+        <p:style>
+          <a:lnRef idx="2">
+            <a:schemeClr val="accent4">
+              <a:shade val="50000"/>
+            </a:schemeClr>
+          </a:lnRef>
+          <a:fillRef idx="1">
+            <a:schemeClr val="accent4"/>
+          </a:fillRef>
+          <a:effectRef idx="0">
+            <a:schemeClr val="accent4"/>
+          </a:effectRef>
+          <a:fontRef idx="minor">
+            <a:schemeClr val="lt1"/>
+          </a:fontRef>
+        </p:style>
+        <p:txBody>
+          <a:bodyPr rtlCol="0" anchor="ctr"/>
+          <a:lstStyle/>
+          <a:p>
+            <a:pPr algn="ctr"/>
+            <a:r>
+              <a:rPr lang="ko-KR" altLang="en-US" sz="1100" dirty="0" err="1" smtClean="0">
+                <a:solidFill>
+                  <a:schemeClr val="bg2"/>
+                </a:solidFill>
+              </a:rPr>
+              <a:t>프리젠테이션</a:t>
+            </a:r>
+            <a:endParaRPr lang="en-US" altLang="ko-KR" sz="1100" dirty="0" smtClean="0">
+              <a:solidFill>
+                <a:schemeClr val="bg2"/>
+              </a:solidFill>
+            </a:endParaRPr>
+          </a:p>
+          <a:p>
+            <a:pPr algn="ctr"/>
+            <a:r>
+              <a:rPr lang="ko-KR" altLang="en-US" sz="1100" dirty="0" smtClean="0">
+                <a:solidFill>
+                  <a:schemeClr val="bg2"/>
+                </a:solidFill>
+              </a:rPr>
+              <a:t>레이어</a:t>
+            </a:r>
+            <a:endParaRPr lang="ko-KR" altLang="en-US" sz="1100" dirty="0">
+              <a:solidFill>
+                <a:schemeClr val="bg2"/>
+              </a:solidFill>
+            </a:endParaRPr>
+          </a:p>
+        </p:txBody>
+      </p:sp>
+      <p:sp>
+        <p:nvSpPr>
+          <p:cNvPr id="128" name="모서리가 둥근 직사각형 127"/>
+          <p:cNvSpPr/>
+          <p:nvPr/>
+        </p:nvSpPr>
+        <p:spPr>
+          <a:xfrm>
+            <a:off x="1987289" y="2969313"/>
+            <a:ext cx="2406619" cy="2958018"/>
+          </a:xfrm>
+          <a:prstGeom prst="roundRect">
+            <a:avLst/>
+          </a:prstGeom>
+        </p:spPr>
+        <p:style>
+          <a:lnRef idx="2">
+            <a:schemeClr val="accent4">
+              <a:shade val="50000"/>
+            </a:schemeClr>
+          </a:lnRef>
+          <a:fillRef idx="1">
+            <a:schemeClr val="accent4"/>
+          </a:fillRef>
+          <a:effectRef idx="0">
+            <a:schemeClr val="accent4"/>
+          </a:effectRef>
+          <a:fontRef idx="minor">
+            <a:schemeClr val="lt1"/>
+          </a:fontRef>
+        </p:style>
+        <p:txBody>
+          <a:bodyPr rtlCol="0" anchor="ctr"/>
+          <a:lstStyle/>
+          <a:p>
+            <a:pPr algn="ctr"/>
+            <a:endParaRPr lang="ko-KR" altLang="en-US" sz="1100">
+              <a:solidFill>
+                <a:schemeClr val="bg2"/>
+              </a:solidFill>
+            </a:endParaRPr>
+          </a:p>
+        </p:txBody>
+      </p:sp>
+      <p:sp>
+        <p:nvSpPr>
+          <p:cNvPr id="129" name="모서리가 둥근 직사각형 128"/>
+          <p:cNvSpPr/>
+          <p:nvPr/>
+        </p:nvSpPr>
+        <p:spPr>
+          <a:xfrm>
+            <a:off x="2040773" y="3395050"/>
+            <a:ext cx="1114974" cy="2343985"/>
+          </a:xfrm>
+          <a:prstGeom prst="roundRect">
+            <a:avLst/>
+          </a:prstGeom>
+        </p:spPr>
+        <p:style>
+          <a:lnRef idx="1">
+            <a:schemeClr val="accent4"/>
+          </a:lnRef>
+          <a:fillRef idx="2">
+            <a:schemeClr val="accent4"/>
+          </a:fillRef>
+          <a:effectRef idx="1">
+            <a:schemeClr val="accent4"/>
+          </a:effectRef>
+          <a:fontRef idx="minor">
+            <a:schemeClr val="dk1"/>
+          </a:fontRef>
+        </p:style>
+        <p:txBody>
+          <a:bodyPr rtlCol="0" anchor="ctr"/>
+          <a:lstStyle/>
+          <a:p>
+            <a:pPr algn="ctr"/>
+            <a:endParaRPr lang="ko-KR" altLang="en-US" sz="1100">
+              <a:solidFill>
+                <a:schemeClr val="bg2"/>
+              </a:solidFill>
+            </a:endParaRPr>
+          </a:p>
+        </p:txBody>
+      </p:sp>
+      <p:sp>
+        <p:nvSpPr>
+          <p:cNvPr id="130" name="모서리가 둥근 직사각형 129"/>
+          <p:cNvSpPr/>
+          <p:nvPr/>
+        </p:nvSpPr>
+        <p:spPr>
+          <a:xfrm>
+            <a:off x="3231206" y="3403149"/>
+            <a:ext cx="1114974" cy="2343985"/>
+          </a:xfrm>
+          <a:prstGeom prst="roundRect">
+            <a:avLst/>
+          </a:prstGeom>
+        </p:spPr>
+        <p:style>
+          <a:lnRef idx="1">
+            <a:schemeClr val="accent4"/>
+          </a:lnRef>
+          <a:fillRef idx="2">
+            <a:schemeClr val="accent4"/>
+          </a:fillRef>
+          <a:effectRef idx="1">
+            <a:schemeClr val="accent4"/>
+          </a:effectRef>
+          <a:fontRef idx="minor">
+            <a:schemeClr val="dk1"/>
+          </a:fontRef>
+        </p:style>
+        <p:txBody>
+          <a:bodyPr rtlCol="0" anchor="ctr"/>
+          <a:lstStyle/>
+          <a:p>
+            <a:pPr algn="ctr"/>
+            <a:endParaRPr lang="ko-KR" altLang="en-US" sz="1100">
+              <a:solidFill>
+                <a:schemeClr val="bg2"/>
+              </a:solidFill>
+            </a:endParaRPr>
+          </a:p>
+        </p:txBody>
+      </p:sp>
+      <p:sp>
+        <p:nvSpPr>
+          <p:cNvPr id="131" name="TextBox 130"/>
+          <p:cNvSpPr txBox="1"/>
+          <p:nvPr/>
+        </p:nvSpPr>
+        <p:spPr>
+          <a:xfrm>
+            <a:off x="2326001" y="3098894"/>
+            <a:ext cx="1749019" cy="246221"/>
+          </a:xfrm>
+          <a:prstGeom prst="rect">
+            <a:avLst/>
+          </a:prstGeom>
+          <a:noFill/>
+        </p:spPr>
+        <p:txBody>
+          <a:bodyPr wrap="square" rtlCol="0">
+            <a:spAutoFit/>
+          </a:bodyPr>
+          <a:lstStyle/>
+          <a:p>
+            <a:pPr algn="ctr"/>
+            <a:r>
+              <a:rPr lang="en-US" altLang="ko-KR" sz="1000" dirty="0" smtClean="0">
+                <a:solidFill>
+                  <a:schemeClr val="bg2"/>
+                </a:solidFill>
+              </a:rPr>
+              <a:t>Web Application Server</a:t>
+            </a:r>
+            <a:endParaRPr lang="ko-KR" altLang="en-US" sz="1000" dirty="0">
+              <a:solidFill>
+                <a:schemeClr val="bg2"/>
+              </a:solidFill>
+            </a:endParaRPr>
+          </a:p>
+        </p:txBody>
+      </p:sp>
+      <p:sp>
+        <p:nvSpPr>
+          <p:cNvPr id="132" name="TextBox 131"/>
+          <p:cNvSpPr txBox="1"/>
+          <p:nvPr/>
+        </p:nvSpPr>
+        <p:spPr>
+          <a:xfrm>
+            <a:off x="2143770" y="3475603"/>
+            <a:ext cx="865677" cy="367480"/>
+          </a:xfrm>
+          <a:prstGeom prst="rect">
+            <a:avLst/>
+          </a:prstGeom>
+          <a:noFill/>
+        </p:spPr>
+        <p:txBody>
+          <a:bodyPr wrap="square" rtlCol="0">
+            <a:spAutoFit/>
+          </a:bodyPr>
+          <a:lstStyle/>
+          <a:p>
+            <a:pPr algn="ctr"/>
+            <a:r>
+              <a:rPr lang="en-US" altLang="ko-KR" sz="900" dirty="0" smtClean="0">
+                <a:solidFill>
+                  <a:schemeClr val="bg2"/>
+                </a:solidFill>
+              </a:rPr>
+              <a:t>Web</a:t>
+            </a:r>
+          </a:p>
+          <a:p>
+            <a:pPr algn="ctr"/>
+            <a:r>
+              <a:rPr lang="en-US" altLang="ko-KR" sz="900" dirty="0" smtClean="0">
+                <a:solidFill>
+                  <a:schemeClr val="bg2"/>
+                </a:solidFill>
+              </a:rPr>
+              <a:t>Container</a:t>
+            </a:r>
+            <a:endParaRPr lang="ko-KR" altLang="en-US" sz="900" dirty="0">
+              <a:solidFill>
+                <a:schemeClr val="bg2"/>
+              </a:solidFill>
+            </a:endParaRPr>
+          </a:p>
+        </p:txBody>
+      </p:sp>
+      <p:sp>
+        <p:nvSpPr>
+          <p:cNvPr id="133" name="TextBox 132"/>
+          <p:cNvSpPr txBox="1"/>
+          <p:nvPr/>
+        </p:nvSpPr>
+        <p:spPr>
+          <a:xfrm>
+            <a:off x="3356983" y="3475602"/>
+            <a:ext cx="865677" cy="367480"/>
+          </a:xfrm>
+          <a:prstGeom prst="rect">
+            <a:avLst/>
+          </a:prstGeom>
+          <a:noFill/>
+        </p:spPr>
+        <p:txBody>
+          <a:bodyPr wrap="square" rtlCol="0">
+            <a:spAutoFit/>
+          </a:bodyPr>
+          <a:lstStyle/>
+          <a:p>
+            <a:pPr algn="ctr"/>
+            <a:r>
+              <a:rPr lang="en-US" altLang="ko-KR" sz="900" dirty="0" smtClean="0">
+                <a:solidFill>
+                  <a:schemeClr val="bg2"/>
+                </a:solidFill>
+              </a:rPr>
+              <a:t>Spring</a:t>
+            </a:r>
+          </a:p>
+          <a:p>
+            <a:pPr algn="ctr"/>
+            <a:r>
+              <a:rPr lang="en-US" altLang="ko-KR" sz="900" dirty="0" smtClean="0">
+                <a:solidFill>
+                  <a:schemeClr val="bg2"/>
+                </a:solidFill>
+              </a:rPr>
+              <a:t>Container</a:t>
+            </a:r>
+            <a:endParaRPr lang="ko-KR" altLang="en-US" sz="900" dirty="0">
+              <a:solidFill>
+                <a:schemeClr val="bg2"/>
+              </a:solidFill>
+            </a:endParaRPr>
+          </a:p>
+        </p:txBody>
+      </p:sp>
+      <p:sp>
+        <p:nvSpPr>
+          <p:cNvPr id="134" name="순서도: 다중 문서 133"/>
+          <p:cNvSpPr/>
+          <p:nvPr/>
+        </p:nvSpPr>
+        <p:spPr>
+          <a:xfrm>
+            <a:off x="2108118" y="3881887"/>
+            <a:ext cx="987377" cy="542614"/>
+          </a:xfrm>
+          <a:prstGeom prst="flowChartMultidocument">
+            <a:avLst/>
+          </a:prstGeom>
+          <a:gradFill flip="none" rotWithShape="1">
+            <a:gsLst>
+              <a:gs pos="0">
+                <a:schemeClr val="accent4">
+                  <a:lumMod val="67000"/>
+                </a:schemeClr>
+              </a:gs>
+              <a:gs pos="48000">
+                <a:schemeClr val="accent4">
+                  <a:lumMod val="97000"/>
+                  <a:lumOff val="3000"/>
+                </a:schemeClr>
+              </a:gs>
+              <a:gs pos="100000">
+                <a:schemeClr val="accent4">
+                  <a:lumMod val="60000"/>
+                  <a:lumOff val="40000"/>
+                </a:schemeClr>
+              </a:gs>
+            </a:gsLst>
+            <a:lin ang="16200000" scaled="1"/>
+            <a:tileRect/>
+          </a:gradFill>
+          <a:ln>
+            <a:noFill/>
+          </a:ln>
+        </p:spPr>
+        <p:style>
+          <a:lnRef idx="0">
+            <a:scrgbClr r="0" g="0" b="0"/>
+          </a:lnRef>
+          <a:fillRef idx="0">
+            <a:scrgbClr r="0" g="0" b="0"/>
+          </a:fillRef>
+          <a:effectRef idx="0">
+            <a:scrgbClr r="0" g="0" b="0"/>
+          </a:effectRef>
+          <a:fontRef idx="minor">
+            <a:schemeClr val="lt1"/>
+          </a:fontRef>
+        </p:style>
+        <p:txBody>
+          <a:bodyPr rtlCol="0" anchor="ctr"/>
+          <a:lstStyle/>
+          <a:p>
+            <a:pPr algn="ctr"/>
+            <a:r>
+              <a:rPr lang="en-US" altLang="ko-KR" sz="900" dirty="0" smtClean="0">
+                <a:solidFill>
+                  <a:schemeClr val="bg2"/>
+                </a:solidFill>
+              </a:rPr>
+              <a:t>Servlet</a:t>
+            </a:r>
+            <a:endParaRPr lang="ko-KR" altLang="en-US" sz="900" dirty="0">
+              <a:solidFill>
+                <a:schemeClr val="bg2"/>
+              </a:solidFill>
+            </a:endParaRPr>
+          </a:p>
+        </p:txBody>
+      </p:sp>
+      <p:sp>
+        <p:nvSpPr>
+          <p:cNvPr id="135" name="순서도: 다중 문서 134"/>
+          <p:cNvSpPr/>
+          <p:nvPr/>
+        </p:nvSpPr>
+        <p:spPr>
+          <a:xfrm>
+            <a:off x="3311426" y="3872766"/>
+            <a:ext cx="987377" cy="542614"/>
+          </a:xfrm>
+          <a:prstGeom prst="flowChartMultidocument">
+            <a:avLst/>
+          </a:prstGeom>
+          <a:gradFill flip="none" rotWithShape="1">
+            <a:gsLst>
+              <a:gs pos="0">
+                <a:schemeClr val="accent4">
+                  <a:lumMod val="67000"/>
+                </a:schemeClr>
+              </a:gs>
+              <a:gs pos="48000">
+                <a:schemeClr val="accent4">
+                  <a:lumMod val="97000"/>
+                  <a:lumOff val="3000"/>
+                </a:schemeClr>
+              </a:gs>
+              <a:gs pos="100000">
+                <a:schemeClr val="accent4">
+                  <a:lumMod val="60000"/>
+                  <a:lumOff val="40000"/>
+                </a:schemeClr>
+              </a:gs>
+            </a:gsLst>
+            <a:lin ang="16200000" scaled="1"/>
+            <a:tileRect/>
+          </a:gradFill>
+          <a:ln>
+            <a:noFill/>
+          </a:ln>
+        </p:spPr>
+        <p:style>
+          <a:lnRef idx="0">
+            <a:scrgbClr r="0" g="0" b="0"/>
+          </a:lnRef>
+          <a:fillRef idx="0">
+            <a:scrgbClr r="0" g="0" b="0"/>
+          </a:fillRef>
+          <a:effectRef idx="0">
+            <a:scrgbClr r="0" g="0" b="0"/>
+          </a:effectRef>
+          <a:fontRef idx="minor">
+            <a:schemeClr val="lt1"/>
+          </a:fontRef>
+        </p:style>
+        <p:txBody>
+          <a:bodyPr rtlCol="0" anchor="ctr"/>
+          <a:lstStyle/>
+          <a:p>
+            <a:pPr algn="ctr"/>
+            <a:r>
+              <a:rPr lang="en-US" altLang="ko-KR" sz="900" dirty="0" smtClean="0">
+                <a:solidFill>
+                  <a:schemeClr val="bg2"/>
+                </a:solidFill>
+              </a:rPr>
+              <a:t>Control</a:t>
+            </a:r>
+            <a:endParaRPr lang="ko-KR" altLang="en-US" sz="900" dirty="0">
+              <a:solidFill>
+                <a:schemeClr val="bg2"/>
+              </a:solidFill>
+            </a:endParaRPr>
+          </a:p>
+        </p:txBody>
+      </p:sp>
+      <p:sp>
+        <p:nvSpPr>
+          <p:cNvPr id="136" name="순서도: 다중 문서 135"/>
+          <p:cNvSpPr/>
+          <p:nvPr/>
+        </p:nvSpPr>
+        <p:spPr>
+          <a:xfrm>
+            <a:off x="2119511" y="5019261"/>
+            <a:ext cx="987377" cy="542614"/>
+          </a:xfrm>
+          <a:prstGeom prst="flowChartMultidocument">
+            <a:avLst/>
+          </a:prstGeom>
+          <a:gradFill flip="none" rotWithShape="1">
+            <a:gsLst>
+              <a:gs pos="0">
+                <a:schemeClr val="accent4">
+                  <a:lumMod val="67000"/>
+                </a:schemeClr>
+              </a:gs>
+              <a:gs pos="48000">
+                <a:schemeClr val="accent4">
+                  <a:lumMod val="97000"/>
+                  <a:lumOff val="3000"/>
+                </a:schemeClr>
+              </a:gs>
+              <a:gs pos="100000">
+                <a:schemeClr val="accent4">
+                  <a:lumMod val="60000"/>
+                  <a:lumOff val="40000"/>
+                </a:schemeClr>
+              </a:gs>
+            </a:gsLst>
+            <a:lin ang="16200000" scaled="1"/>
+            <a:tileRect/>
+          </a:gradFill>
+          <a:ln>
+            <a:noFill/>
+          </a:ln>
+        </p:spPr>
+        <p:style>
+          <a:lnRef idx="0">
+            <a:scrgbClr r="0" g="0" b="0"/>
+          </a:lnRef>
+          <a:fillRef idx="0">
+            <a:scrgbClr r="0" g="0" b="0"/>
+          </a:fillRef>
+          <a:effectRef idx="0">
+            <a:scrgbClr r="0" g="0" b="0"/>
+          </a:effectRef>
+          <a:fontRef idx="minor">
+            <a:schemeClr val="lt1"/>
+          </a:fontRef>
+        </p:style>
+        <p:txBody>
+          <a:bodyPr rtlCol="0" anchor="ctr"/>
+          <a:lstStyle/>
+          <a:p>
+            <a:pPr algn="ctr"/>
+            <a:r>
+              <a:rPr lang="en-US" altLang="ko-KR" sz="900" dirty="0" err="1" smtClean="0">
+                <a:solidFill>
+                  <a:schemeClr val="bg2"/>
+                </a:solidFill>
+              </a:rPr>
+              <a:t>jsp</a:t>
+            </a:r>
+            <a:endParaRPr lang="ko-KR" altLang="en-US" sz="900" dirty="0">
+              <a:solidFill>
+                <a:schemeClr val="bg2"/>
+              </a:solidFill>
+            </a:endParaRPr>
+          </a:p>
+        </p:txBody>
+      </p:sp>
+      <p:sp>
+        <p:nvSpPr>
+          <p:cNvPr id="137" name="순서도: 다중 문서 136"/>
+          <p:cNvSpPr/>
+          <p:nvPr/>
+        </p:nvSpPr>
+        <p:spPr>
+          <a:xfrm>
+            <a:off x="3304003" y="4616366"/>
+            <a:ext cx="987377" cy="542614"/>
+          </a:xfrm>
+          <a:prstGeom prst="flowChartMultidocument">
+            <a:avLst/>
+          </a:prstGeom>
+          <a:gradFill flip="none" rotWithShape="1">
+            <a:gsLst>
+              <a:gs pos="0">
+                <a:schemeClr val="accent4">
+                  <a:lumMod val="67000"/>
+                </a:schemeClr>
+              </a:gs>
+              <a:gs pos="48000">
+                <a:schemeClr val="accent4">
+                  <a:lumMod val="97000"/>
+                  <a:lumOff val="3000"/>
+                </a:schemeClr>
+              </a:gs>
+              <a:gs pos="100000">
+                <a:schemeClr val="accent4">
+                  <a:lumMod val="60000"/>
+                  <a:lumOff val="40000"/>
+                </a:schemeClr>
+              </a:gs>
+            </a:gsLst>
+            <a:lin ang="16200000" scaled="1"/>
+            <a:tileRect/>
+          </a:gradFill>
+          <a:ln>
+            <a:noFill/>
+          </a:ln>
+        </p:spPr>
+        <p:style>
+          <a:lnRef idx="0">
+            <a:scrgbClr r="0" g="0" b="0"/>
+          </a:lnRef>
+          <a:fillRef idx="0">
+            <a:scrgbClr r="0" g="0" b="0"/>
+          </a:fillRef>
+          <a:effectRef idx="0">
+            <a:scrgbClr r="0" g="0" b="0"/>
+          </a:effectRef>
+          <a:fontRef idx="minor">
+            <a:schemeClr val="lt1"/>
+          </a:fontRef>
+        </p:style>
+        <p:txBody>
+          <a:bodyPr rtlCol="0" anchor="ctr"/>
+          <a:lstStyle/>
+          <a:p>
+            <a:pPr algn="ctr"/>
+            <a:r>
+              <a:rPr lang="en-US" altLang="ko-KR" sz="900" dirty="0" smtClean="0">
+                <a:solidFill>
+                  <a:schemeClr val="bg2"/>
+                </a:solidFill>
+              </a:rPr>
+              <a:t>Rest</a:t>
+            </a:r>
+          </a:p>
+          <a:p>
+            <a:pPr algn="ctr"/>
+            <a:r>
+              <a:rPr lang="en-US" altLang="ko-KR" sz="900" dirty="0" smtClean="0">
+                <a:solidFill>
+                  <a:schemeClr val="bg2"/>
+                </a:solidFill>
+              </a:rPr>
+              <a:t>Controller</a:t>
+            </a:r>
+            <a:endParaRPr lang="ko-KR" altLang="en-US" sz="900" dirty="0">
+              <a:solidFill>
+                <a:schemeClr val="bg2"/>
+              </a:solidFill>
+            </a:endParaRPr>
+          </a:p>
+        </p:txBody>
+      </p:sp>
+      <p:sp>
+        <p:nvSpPr>
+          <p:cNvPr id="138" name="모서리가 둥근 직사각형 137"/>
+          <p:cNvSpPr/>
+          <p:nvPr/>
+        </p:nvSpPr>
+        <p:spPr>
+          <a:xfrm>
+            <a:off x="3308455" y="5290568"/>
+            <a:ext cx="990323" cy="347239"/>
+          </a:xfrm>
+          <a:prstGeom prst="roundRect">
+            <a:avLst/>
+          </a:prstGeom>
+          <a:gradFill flip="none" rotWithShape="1">
+            <a:gsLst>
+              <a:gs pos="0">
+                <a:schemeClr val="accent4">
+                  <a:lumMod val="67000"/>
+                </a:schemeClr>
+              </a:gs>
+              <a:gs pos="48000">
+                <a:schemeClr val="accent4">
+                  <a:lumMod val="97000"/>
+                  <a:lumOff val="3000"/>
+                </a:schemeClr>
+              </a:gs>
+              <a:gs pos="100000">
+                <a:schemeClr val="accent4">
+                  <a:lumMod val="60000"/>
+                  <a:lumOff val="40000"/>
+                </a:schemeClr>
+              </a:gs>
+            </a:gsLst>
+            <a:lin ang="16200000" scaled="1"/>
+            <a:tileRect/>
+          </a:gradFill>
+          <a:ln>
+            <a:noFill/>
+          </a:ln>
+        </p:spPr>
+        <p:style>
+          <a:lnRef idx="0">
+            <a:scrgbClr r="0" g="0" b="0"/>
+          </a:lnRef>
+          <a:fillRef idx="0">
+            <a:scrgbClr r="0" g="0" b="0"/>
+          </a:fillRef>
+          <a:effectRef idx="0">
+            <a:scrgbClr r="0" g="0" b="0"/>
+          </a:effectRef>
+          <a:fontRef idx="minor">
+            <a:schemeClr val="lt1"/>
+          </a:fontRef>
+        </p:style>
+        <p:txBody>
+          <a:bodyPr rtlCol="0" anchor="ctr"/>
+          <a:lstStyle/>
+          <a:p>
+            <a:pPr algn="ctr"/>
+            <a:r>
+              <a:rPr lang="en-US" altLang="ko-KR" sz="1100" dirty="0" smtClean="0">
+                <a:solidFill>
+                  <a:schemeClr val="bg2"/>
+                </a:solidFill>
+              </a:rPr>
+              <a:t>POJO</a:t>
+            </a:r>
+            <a:endParaRPr lang="ko-KR" altLang="en-US" sz="1100" dirty="0">
+              <a:solidFill>
+                <a:schemeClr val="bg2"/>
+              </a:solidFill>
+            </a:endParaRPr>
+          </a:p>
+        </p:txBody>
+      </p:sp>
+      <p:sp>
+        <p:nvSpPr>
+          <p:cNvPr id="139" name="직사각형 138"/>
+          <p:cNvSpPr/>
+          <p:nvPr/>
+        </p:nvSpPr>
+        <p:spPr>
+          <a:xfrm>
+            <a:off x="4634261" y="2260685"/>
+            <a:ext cx="1088691" cy="544631"/>
+          </a:xfrm>
+          <a:prstGeom prst="rect">
+            <a:avLst/>
+          </a:prstGeom>
+        </p:spPr>
+        <p:style>
+          <a:lnRef idx="2">
+            <a:schemeClr val="accent6">
+              <a:shade val="50000"/>
+            </a:schemeClr>
+          </a:lnRef>
+          <a:fillRef idx="1">
+            <a:schemeClr val="accent6"/>
+          </a:fillRef>
+          <a:effectRef idx="0">
+            <a:schemeClr val="accent6"/>
+          </a:effectRef>
+          <a:fontRef idx="minor">
+            <a:schemeClr val="lt1"/>
+          </a:fontRef>
+        </p:style>
+        <p:txBody>
+          <a:bodyPr rtlCol="0" anchor="ctr"/>
+          <a:lstStyle/>
+          <a:p>
+            <a:pPr algn="ctr"/>
+            <a:r>
+              <a:rPr lang="ko-KR" altLang="en-US" sz="1100" dirty="0" smtClean="0">
+                <a:solidFill>
+                  <a:schemeClr val="bg2"/>
+                </a:solidFill>
+              </a:rPr>
+              <a:t>비지니스로직</a:t>
+            </a:r>
+            <a:endParaRPr lang="en-US" altLang="ko-KR" sz="1100" dirty="0" smtClean="0">
+              <a:solidFill>
+                <a:schemeClr val="bg2"/>
+              </a:solidFill>
+            </a:endParaRPr>
+          </a:p>
+          <a:p>
+            <a:pPr algn="ctr"/>
+            <a:r>
+              <a:rPr lang="ko-KR" altLang="en-US" sz="1100" dirty="0" smtClean="0">
+                <a:solidFill>
+                  <a:schemeClr val="bg2"/>
+                </a:solidFill>
+              </a:rPr>
+              <a:t>레이어</a:t>
+            </a:r>
+            <a:endParaRPr lang="ko-KR" altLang="en-US" sz="1100" dirty="0">
+              <a:solidFill>
+                <a:schemeClr val="bg2"/>
+              </a:solidFill>
+            </a:endParaRPr>
+          </a:p>
+        </p:txBody>
+      </p:sp>
+      <p:sp>
+        <p:nvSpPr>
+          <p:cNvPr id="140" name="직사각형 139"/>
+          <p:cNvSpPr/>
+          <p:nvPr/>
+        </p:nvSpPr>
+        <p:spPr>
+          <a:xfrm>
+            <a:off x="5925501" y="2260685"/>
+            <a:ext cx="1088691" cy="544631"/>
+          </a:xfrm>
+          <a:prstGeom prst="rect">
+            <a:avLst/>
+          </a:prstGeom>
+        </p:spPr>
+        <p:style>
+          <a:lnRef idx="2">
+            <a:schemeClr val="accent6">
+              <a:shade val="50000"/>
+            </a:schemeClr>
+          </a:lnRef>
+          <a:fillRef idx="1">
+            <a:schemeClr val="accent6"/>
+          </a:fillRef>
+          <a:effectRef idx="0">
+            <a:schemeClr val="accent6"/>
+          </a:effectRef>
+          <a:fontRef idx="minor">
+            <a:schemeClr val="lt1"/>
+          </a:fontRef>
+        </p:style>
+        <p:txBody>
+          <a:bodyPr rtlCol="0" anchor="ctr"/>
+          <a:lstStyle/>
+          <a:p>
+            <a:pPr algn="ctr"/>
+            <a:r>
+              <a:rPr lang="ko-KR" altLang="en-US" sz="1100" dirty="0" err="1" smtClean="0">
+                <a:solidFill>
+                  <a:schemeClr val="bg2"/>
+                </a:solidFill>
+              </a:rPr>
+              <a:t>데이터접근</a:t>
+            </a:r>
+            <a:endParaRPr lang="en-US" altLang="ko-KR" sz="1100" dirty="0" smtClean="0">
+              <a:solidFill>
+                <a:schemeClr val="bg2"/>
+              </a:solidFill>
+            </a:endParaRPr>
+          </a:p>
+          <a:p>
+            <a:pPr algn="ctr"/>
+            <a:r>
+              <a:rPr lang="ko-KR" altLang="en-US" sz="1100" dirty="0" smtClean="0">
+                <a:solidFill>
+                  <a:schemeClr val="bg2"/>
+                </a:solidFill>
+              </a:rPr>
+              <a:t>레이어</a:t>
+            </a:r>
+            <a:endParaRPr lang="ko-KR" altLang="en-US" sz="1100" dirty="0">
+              <a:solidFill>
+                <a:schemeClr val="bg2"/>
+              </a:solidFill>
+            </a:endParaRPr>
+          </a:p>
+        </p:txBody>
+      </p:sp>
+      <p:sp>
+        <p:nvSpPr>
+          <p:cNvPr id="141" name="모서리가 둥근 직사각형 140"/>
+          <p:cNvSpPr/>
+          <p:nvPr/>
+        </p:nvSpPr>
+        <p:spPr>
+          <a:xfrm>
+            <a:off x="4634261" y="2969313"/>
+            <a:ext cx="2407198" cy="2958018"/>
+          </a:xfrm>
+          <a:prstGeom prst="roundRect">
+            <a:avLst/>
+          </a:prstGeom>
+        </p:spPr>
+        <p:style>
+          <a:lnRef idx="2">
+            <a:schemeClr val="accent6">
+              <a:shade val="50000"/>
+            </a:schemeClr>
+          </a:lnRef>
+          <a:fillRef idx="1">
+            <a:schemeClr val="accent6"/>
+          </a:fillRef>
+          <a:effectRef idx="0">
+            <a:schemeClr val="accent6"/>
+          </a:effectRef>
+          <a:fontRef idx="minor">
+            <a:schemeClr val="lt1"/>
+          </a:fontRef>
+        </p:style>
+        <p:txBody>
+          <a:bodyPr rtlCol="0" anchor="ctr"/>
+          <a:lstStyle/>
+          <a:p>
+            <a:pPr algn="ctr"/>
+            <a:endParaRPr lang="ko-KR" altLang="en-US" sz="1100">
+              <a:solidFill>
+                <a:schemeClr val="bg2"/>
+              </a:solidFill>
+            </a:endParaRPr>
+          </a:p>
+        </p:txBody>
+      </p:sp>
+      <p:sp>
+        <p:nvSpPr>
+          <p:cNvPr id="142" name="모서리가 둥근 직사각형 141"/>
+          <p:cNvSpPr/>
+          <p:nvPr/>
+        </p:nvSpPr>
+        <p:spPr>
+          <a:xfrm>
+            <a:off x="4704372" y="3395050"/>
+            <a:ext cx="2247495" cy="2343985"/>
+          </a:xfrm>
+          <a:prstGeom prst="roundRect">
+            <a:avLst/>
+          </a:prstGeom>
+        </p:spPr>
+        <p:style>
+          <a:lnRef idx="1">
+            <a:schemeClr val="accent6"/>
+          </a:lnRef>
+          <a:fillRef idx="2">
+            <a:schemeClr val="accent6"/>
+          </a:fillRef>
+          <a:effectRef idx="1">
+            <a:schemeClr val="accent6"/>
+          </a:effectRef>
+          <a:fontRef idx="minor">
+            <a:schemeClr val="dk1"/>
+          </a:fontRef>
+        </p:style>
+        <p:txBody>
+          <a:bodyPr rtlCol="0" anchor="ctr"/>
+          <a:lstStyle/>
+          <a:p>
+            <a:pPr algn="ctr"/>
+            <a:endParaRPr lang="ko-KR" altLang="en-US" sz="1100">
+              <a:solidFill>
+                <a:schemeClr val="bg2"/>
+              </a:solidFill>
+            </a:endParaRPr>
+          </a:p>
+        </p:txBody>
+      </p:sp>
+      <p:sp>
+        <p:nvSpPr>
+          <p:cNvPr id="143" name="TextBox 142"/>
+          <p:cNvSpPr txBox="1"/>
+          <p:nvPr/>
+        </p:nvSpPr>
+        <p:spPr>
+          <a:xfrm>
+            <a:off x="4990664" y="3106992"/>
+            <a:ext cx="1735284" cy="246221"/>
+          </a:xfrm>
+          <a:prstGeom prst="rect">
+            <a:avLst/>
+          </a:prstGeom>
+          <a:noFill/>
+        </p:spPr>
+        <p:txBody>
+          <a:bodyPr wrap="square" rtlCol="0">
+            <a:spAutoFit/>
+          </a:bodyPr>
+          <a:lstStyle/>
+          <a:p>
+            <a:pPr algn="ctr"/>
+            <a:r>
+              <a:rPr lang="en-US" altLang="ko-KR" sz="1000" dirty="0" smtClean="0">
+                <a:solidFill>
+                  <a:schemeClr val="bg2"/>
+                </a:solidFill>
+              </a:rPr>
+              <a:t>Spring Framework</a:t>
+            </a:r>
+            <a:endParaRPr lang="ko-KR" altLang="en-US" sz="1000" dirty="0">
+              <a:solidFill>
+                <a:schemeClr val="bg2"/>
+              </a:solidFill>
+            </a:endParaRPr>
+          </a:p>
+        </p:txBody>
+      </p:sp>
+      <p:sp>
+        <p:nvSpPr>
+          <p:cNvPr id="144" name="TextBox 143"/>
+          <p:cNvSpPr txBox="1"/>
+          <p:nvPr/>
+        </p:nvSpPr>
+        <p:spPr>
+          <a:xfrm>
+            <a:off x="4986770" y="3507335"/>
+            <a:ext cx="1735284" cy="230832"/>
+          </a:xfrm>
+          <a:prstGeom prst="rect">
+            <a:avLst/>
+          </a:prstGeom>
+          <a:noFill/>
+        </p:spPr>
+        <p:txBody>
+          <a:bodyPr wrap="square" rtlCol="0">
+            <a:spAutoFit/>
+          </a:bodyPr>
+          <a:lstStyle/>
+          <a:p>
+            <a:pPr algn="ctr"/>
+            <a:r>
+              <a:rPr lang="en-US" altLang="ko-KR" sz="900" dirty="0" smtClean="0">
+                <a:solidFill>
+                  <a:schemeClr val="bg2"/>
+                </a:solidFill>
+              </a:rPr>
+              <a:t>Spring Container</a:t>
+            </a:r>
+            <a:endParaRPr lang="ko-KR" altLang="en-US" sz="900" dirty="0">
+              <a:solidFill>
+                <a:schemeClr val="bg2"/>
+              </a:solidFill>
+            </a:endParaRPr>
+          </a:p>
+        </p:txBody>
+      </p:sp>
+      <p:sp>
+        <p:nvSpPr>
+          <p:cNvPr id="145" name="순서도: 다중 문서 144"/>
+          <p:cNvSpPr/>
+          <p:nvPr/>
+        </p:nvSpPr>
+        <p:spPr>
+          <a:xfrm>
+            <a:off x="4743325" y="3865747"/>
+            <a:ext cx="979624" cy="542614"/>
+          </a:xfrm>
+          <a:prstGeom prst="flowChartMultidocument">
+            <a:avLst/>
+          </a:prstGeom>
+          <a:gradFill flip="none" rotWithShape="1">
+            <a:gsLst>
+              <a:gs pos="0">
+                <a:schemeClr val="accent6">
+                  <a:lumMod val="67000"/>
+                </a:schemeClr>
+              </a:gs>
+              <a:gs pos="48000">
+                <a:schemeClr val="accent6">
+                  <a:lumMod val="97000"/>
+                  <a:lumOff val="3000"/>
+                </a:schemeClr>
+              </a:gs>
+              <a:gs pos="100000">
+                <a:schemeClr val="accent6">
+                  <a:lumMod val="60000"/>
+                  <a:lumOff val="40000"/>
+                </a:schemeClr>
+              </a:gs>
+            </a:gsLst>
+            <a:lin ang="16200000" scaled="1"/>
+            <a:tileRect/>
+          </a:gradFill>
+          <a:ln>
+            <a:noFill/>
+          </a:ln>
+        </p:spPr>
+        <p:style>
+          <a:lnRef idx="0">
+            <a:scrgbClr r="0" g="0" b="0"/>
+          </a:lnRef>
+          <a:fillRef idx="0">
+            <a:scrgbClr r="0" g="0" b="0"/>
+          </a:fillRef>
+          <a:effectRef idx="0">
+            <a:scrgbClr r="0" g="0" b="0"/>
+          </a:effectRef>
+          <a:fontRef idx="minor">
+            <a:schemeClr val="lt1"/>
+          </a:fontRef>
+        </p:style>
+        <p:txBody>
+          <a:bodyPr rtlCol="0" anchor="ctr"/>
+          <a:lstStyle/>
+          <a:p>
+            <a:pPr algn="ctr"/>
+            <a:r>
+              <a:rPr lang="en-US" altLang="ko-KR" sz="900" dirty="0" smtClean="0">
+                <a:solidFill>
+                  <a:schemeClr val="bg2"/>
+                </a:solidFill>
+              </a:rPr>
+              <a:t>Service</a:t>
+            </a:r>
+            <a:endParaRPr lang="ko-KR" altLang="en-US" sz="900" dirty="0">
+              <a:solidFill>
+                <a:schemeClr val="bg2"/>
+              </a:solidFill>
+            </a:endParaRPr>
+          </a:p>
+        </p:txBody>
+      </p:sp>
+      <p:sp>
+        <p:nvSpPr>
+          <p:cNvPr id="146" name="순서도: 다중 문서 145"/>
+          <p:cNvSpPr/>
+          <p:nvPr/>
+        </p:nvSpPr>
+        <p:spPr>
+          <a:xfrm>
+            <a:off x="5905636" y="3862218"/>
+            <a:ext cx="999489" cy="542614"/>
+          </a:xfrm>
+          <a:prstGeom prst="flowChartMultidocument">
+            <a:avLst/>
+          </a:prstGeom>
+          <a:gradFill flip="none" rotWithShape="1">
+            <a:gsLst>
+              <a:gs pos="0">
+                <a:schemeClr val="accent6">
+                  <a:lumMod val="67000"/>
+                </a:schemeClr>
+              </a:gs>
+              <a:gs pos="48000">
+                <a:schemeClr val="accent6">
+                  <a:lumMod val="97000"/>
+                  <a:lumOff val="3000"/>
+                </a:schemeClr>
+              </a:gs>
+              <a:gs pos="100000">
+                <a:schemeClr val="accent6">
+                  <a:lumMod val="60000"/>
+                  <a:lumOff val="40000"/>
+                </a:schemeClr>
+              </a:gs>
+            </a:gsLst>
+            <a:lin ang="16200000" scaled="1"/>
+            <a:tileRect/>
+          </a:gradFill>
+          <a:ln>
+            <a:noFill/>
+          </a:ln>
+        </p:spPr>
+        <p:style>
+          <a:lnRef idx="0">
+            <a:scrgbClr r="0" g="0" b="0"/>
+          </a:lnRef>
+          <a:fillRef idx="0">
+            <a:scrgbClr r="0" g="0" b="0"/>
+          </a:fillRef>
+          <a:effectRef idx="0">
+            <a:scrgbClr r="0" g="0" b="0"/>
+          </a:effectRef>
+          <a:fontRef idx="minor">
+            <a:schemeClr val="lt1"/>
+          </a:fontRef>
+        </p:style>
+        <p:txBody>
+          <a:bodyPr rtlCol="0" anchor="ctr"/>
+          <a:lstStyle/>
+          <a:p>
+            <a:pPr algn="ctr"/>
+            <a:r>
+              <a:rPr lang="en-US" altLang="ko-KR" sz="900" dirty="0" smtClean="0">
+                <a:solidFill>
+                  <a:schemeClr val="bg2"/>
+                </a:solidFill>
+              </a:rPr>
+              <a:t>DAO</a:t>
+            </a:r>
+            <a:endParaRPr lang="ko-KR" altLang="en-US" sz="900" dirty="0">
+              <a:solidFill>
+                <a:schemeClr val="bg2"/>
+              </a:solidFill>
+            </a:endParaRPr>
+          </a:p>
+        </p:txBody>
+      </p:sp>
+      <p:sp>
+        <p:nvSpPr>
+          <p:cNvPr id="147" name="순서도: 다중 문서 146"/>
+          <p:cNvSpPr/>
+          <p:nvPr/>
+        </p:nvSpPr>
+        <p:spPr>
+          <a:xfrm>
+            <a:off x="4743325" y="4992954"/>
+            <a:ext cx="979624" cy="542614"/>
+          </a:xfrm>
+          <a:prstGeom prst="flowChartMultidocument">
+            <a:avLst/>
+          </a:prstGeom>
+          <a:gradFill flip="none" rotWithShape="1">
+            <a:gsLst>
+              <a:gs pos="0">
+                <a:schemeClr val="accent6">
+                  <a:lumMod val="67000"/>
+                </a:schemeClr>
+              </a:gs>
+              <a:gs pos="48000">
+                <a:schemeClr val="accent6">
+                  <a:lumMod val="97000"/>
+                  <a:lumOff val="3000"/>
+                </a:schemeClr>
+              </a:gs>
+              <a:gs pos="100000">
+                <a:schemeClr val="accent6">
+                  <a:lumMod val="60000"/>
+                  <a:lumOff val="40000"/>
+                </a:schemeClr>
+              </a:gs>
+            </a:gsLst>
+            <a:lin ang="16200000" scaled="1"/>
+            <a:tileRect/>
+          </a:gradFill>
+          <a:ln>
+            <a:noFill/>
+          </a:ln>
+        </p:spPr>
+        <p:style>
+          <a:lnRef idx="0">
+            <a:scrgbClr r="0" g="0" b="0"/>
+          </a:lnRef>
+          <a:fillRef idx="0">
+            <a:scrgbClr r="0" g="0" b="0"/>
+          </a:fillRef>
+          <a:effectRef idx="0">
+            <a:scrgbClr r="0" g="0" b="0"/>
+          </a:effectRef>
+          <a:fontRef idx="minor">
+            <a:schemeClr val="lt1"/>
+          </a:fontRef>
+        </p:style>
+        <p:txBody>
+          <a:bodyPr rtlCol="0" anchor="ctr"/>
+          <a:lstStyle/>
+          <a:p>
+            <a:pPr algn="ctr"/>
+            <a:r>
+              <a:rPr lang="en-US" altLang="ko-KR" sz="900" dirty="0" smtClean="0">
+                <a:solidFill>
+                  <a:schemeClr val="bg2"/>
+                </a:solidFill>
+              </a:rPr>
+              <a:t>POJO</a:t>
+            </a:r>
+            <a:endParaRPr lang="ko-KR" altLang="en-US" sz="900" dirty="0">
+              <a:solidFill>
+                <a:schemeClr val="bg2"/>
+              </a:solidFill>
+            </a:endParaRPr>
+          </a:p>
+        </p:txBody>
+      </p:sp>
+      <p:sp>
+        <p:nvSpPr>
+          <p:cNvPr id="148" name="모서리가 둥근 직사각형 147"/>
+          <p:cNvSpPr/>
+          <p:nvPr/>
+        </p:nvSpPr>
+        <p:spPr>
+          <a:xfrm>
+            <a:off x="5894333" y="4636454"/>
+            <a:ext cx="1010792" cy="995611"/>
+          </a:xfrm>
+          <a:prstGeom prst="roundRect">
+            <a:avLst/>
+          </a:prstGeom>
+          <a:gradFill flip="none" rotWithShape="1">
+            <a:gsLst>
+              <a:gs pos="0">
+                <a:schemeClr val="accent6">
+                  <a:lumMod val="67000"/>
+                </a:schemeClr>
+              </a:gs>
+              <a:gs pos="48000">
+                <a:schemeClr val="accent6">
+                  <a:lumMod val="97000"/>
+                  <a:lumOff val="3000"/>
+                </a:schemeClr>
+              </a:gs>
+              <a:gs pos="100000">
+                <a:schemeClr val="accent6">
+                  <a:lumMod val="60000"/>
+                  <a:lumOff val="40000"/>
+                </a:schemeClr>
+              </a:gs>
+            </a:gsLst>
+            <a:lin ang="16200000" scaled="1"/>
+            <a:tileRect/>
+          </a:gradFill>
+          <a:ln>
+            <a:noFill/>
+          </a:ln>
+        </p:spPr>
+        <p:style>
+          <a:lnRef idx="0">
+            <a:scrgbClr r="0" g="0" b="0"/>
+          </a:lnRef>
+          <a:fillRef idx="0">
+            <a:scrgbClr r="0" g="0" b="0"/>
+          </a:fillRef>
+          <a:effectRef idx="0">
+            <a:scrgbClr r="0" g="0" b="0"/>
+          </a:effectRef>
+          <a:fontRef idx="minor">
+            <a:schemeClr val="lt1"/>
+          </a:fontRef>
+        </p:style>
+        <p:txBody>
+          <a:bodyPr rtlCol="0" anchor="ctr"/>
+          <a:lstStyle/>
+          <a:p>
+            <a:pPr algn="ctr"/>
+            <a:endParaRPr lang="ko-KR" altLang="en-US" sz="1100">
+              <a:solidFill>
+                <a:schemeClr val="bg2"/>
+              </a:solidFill>
+            </a:endParaRPr>
+          </a:p>
+        </p:txBody>
+      </p:sp>
+      <p:sp>
+        <p:nvSpPr>
+          <p:cNvPr id="149" name="TextBox 148"/>
+          <p:cNvSpPr txBox="1"/>
+          <p:nvPr/>
+        </p:nvSpPr>
+        <p:spPr>
+          <a:xfrm>
+            <a:off x="5925501" y="4631355"/>
+            <a:ext cx="914383" cy="230832"/>
+          </a:xfrm>
+          <a:prstGeom prst="rect">
+            <a:avLst/>
+          </a:prstGeom>
+          <a:noFill/>
+        </p:spPr>
+        <p:txBody>
+          <a:bodyPr wrap="square" rtlCol="0">
+            <a:spAutoFit/>
+          </a:bodyPr>
+          <a:lstStyle/>
+          <a:p>
+            <a:pPr algn="ctr"/>
+            <a:r>
+              <a:rPr lang="en-US" altLang="ko-KR" sz="900" dirty="0" err="1" smtClean="0">
+                <a:solidFill>
+                  <a:schemeClr val="bg2"/>
+                </a:solidFill>
+              </a:rPr>
+              <a:t>MyBatis</a:t>
+            </a:r>
+            <a:endParaRPr lang="ko-KR" altLang="en-US" sz="900" dirty="0">
+              <a:solidFill>
+                <a:schemeClr val="bg2"/>
+              </a:solidFill>
+            </a:endParaRPr>
+          </a:p>
+        </p:txBody>
+      </p:sp>
+      <p:sp>
+        <p:nvSpPr>
+          <p:cNvPr id="150" name="직사각형 149"/>
+          <p:cNvSpPr/>
+          <p:nvPr/>
+        </p:nvSpPr>
+        <p:spPr>
+          <a:xfrm>
+            <a:off x="5917708" y="4888025"/>
+            <a:ext cx="922177" cy="268258"/>
+          </a:xfrm>
+          <a:prstGeom prst="rect">
+            <a:avLst/>
+          </a:prstGeom>
+        </p:spPr>
+        <p:style>
+          <a:lnRef idx="1">
+            <a:schemeClr val="accent6"/>
+          </a:lnRef>
+          <a:fillRef idx="2">
+            <a:schemeClr val="accent6"/>
+          </a:fillRef>
+          <a:effectRef idx="1">
+            <a:schemeClr val="accent6"/>
+          </a:effectRef>
+          <a:fontRef idx="minor">
+            <a:schemeClr val="dk1"/>
+          </a:fontRef>
+        </p:style>
+        <p:txBody>
+          <a:bodyPr rtlCol="0" anchor="ctr"/>
+          <a:lstStyle/>
+          <a:p>
+            <a:pPr algn="ctr"/>
+            <a:r>
+              <a:rPr lang="en-US" altLang="ko-KR" sz="800" dirty="0" err="1" smtClean="0">
+                <a:solidFill>
+                  <a:schemeClr val="bg2"/>
+                </a:solidFill>
+              </a:rPr>
+              <a:t>SqlSession</a:t>
+            </a:r>
+            <a:endParaRPr lang="en-US" altLang="ko-KR" sz="800" dirty="0" smtClean="0">
+              <a:solidFill>
+                <a:schemeClr val="bg2"/>
+              </a:solidFill>
+            </a:endParaRPr>
+          </a:p>
+          <a:p>
+            <a:pPr algn="ctr"/>
+            <a:r>
+              <a:rPr lang="en-US" altLang="ko-KR" sz="800" dirty="0" smtClean="0">
+                <a:solidFill>
+                  <a:schemeClr val="bg2"/>
+                </a:solidFill>
+              </a:rPr>
+              <a:t>Factory</a:t>
+            </a:r>
+            <a:endParaRPr lang="ko-KR" altLang="en-US" sz="800" dirty="0">
+              <a:solidFill>
+                <a:schemeClr val="bg2"/>
+              </a:solidFill>
+            </a:endParaRPr>
+          </a:p>
+        </p:txBody>
+      </p:sp>
+      <p:sp>
+        <p:nvSpPr>
+          <p:cNvPr id="151" name="직사각형 150"/>
+          <p:cNvSpPr/>
+          <p:nvPr/>
+        </p:nvSpPr>
+        <p:spPr>
+          <a:xfrm>
+            <a:off x="5925499" y="5191713"/>
+            <a:ext cx="922177" cy="136663"/>
+          </a:xfrm>
+          <a:prstGeom prst="rect">
+            <a:avLst/>
+          </a:prstGeom>
+        </p:spPr>
+        <p:style>
+          <a:lnRef idx="1">
+            <a:schemeClr val="accent6"/>
+          </a:lnRef>
+          <a:fillRef idx="2">
+            <a:schemeClr val="accent6"/>
+          </a:fillRef>
+          <a:effectRef idx="1">
+            <a:schemeClr val="accent6"/>
+          </a:effectRef>
+          <a:fontRef idx="minor">
+            <a:schemeClr val="dk1"/>
+          </a:fontRef>
+        </p:style>
+        <p:txBody>
+          <a:bodyPr rtlCol="0" anchor="ctr"/>
+          <a:lstStyle/>
+          <a:p>
+            <a:pPr algn="ctr"/>
+            <a:r>
+              <a:rPr lang="en-US" altLang="ko-KR" sz="800" dirty="0" err="1" smtClean="0">
+                <a:solidFill>
+                  <a:schemeClr val="bg2"/>
+                </a:solidFill>
+              </a:rPr>
+              <a:t>sqlSession</a:t>
+            </a:r>
+            <a:endParaRPr lang="ko-KR" altLang="en-US" sz="800" dirty="0">
+              <a:solidFill>
+                <a:schemeClr val="bg2"/>
+              </a:solidFill>
+            </a:endParaRPr>
+          </a:p>
+        </p:txBody>
+      </p:sp>
+      <p:sp>
+        <p:nvSpPr>
+          <p:cNvPr id="152" name="직사각형 151"/>
+          <p:cNvSpPr/>
+          <p:nvPr/>
+        </p:nvSpPr>
+        <p:spPr>
+          <a:xfrm>
+            <a:off x="5921604" y="5363811"/>
+            <a:ext cx="922177" cy="136663"/>
+          </a:xfrm>
+          <a:prstGeom prst="rect">
+            <a:avLst/>
+          </a:prstGeom>
+        </p:spPr>
+        <p:style>
+          <a:lnRef idx="1">
+            <a:schemeClr val="accent6"/>
+          </a:lnRef>
+          <a:fillRef idx="2">
+            <a:schemeClr val="accent6"/>
+          </a:fillRef>
+          <a:effectRef idx="1">
+            <a:schemeClr val="accent6"/>
+          </a:effectRef>
+          <a:fontRef idx="minor">
+            <a:schemeClr val="dk1"/>
+          </a:fontRef>
+        </p:style>
+        <p:txBody>
+          <a:bodyPr rtlCol="0" anchor="ctr"/>
+          <a:lstStyle/>
+          <a:p>
+            <a:pPr algn="ctr"/>
+            <a:r>
+              <a:rPr lang="en-US" altLang="ko-KR" sz="800" dirty="0" err="1" smtClean="0">
+                <a:solidFill>
+                  <a:schemeClr val="bg2"/>
+                </a:solidFill>
+              </a:rPr>
+              <a:t>Sql</a:t>
+            </a:r>
+            <a:r>
+              <a:rPr lang="en-US" altLang="ko-KR" sz="800" dirty="0" smtClean="0">
+                <a:solidFill>
+                  <a:schemeClr val="bg2"/>
+                </a:solidFill>
+              </a:rPr>
+              <a:t>-mapper</a:t>
+            </a:r>
+            <a:endParaRPr lang="ko-KR" altLang="en-US" sz="800" dirty="0">
+              <a:solidFill>
+                <a:schemeClr val="bg2"/>
+              </a:solidFill>
+            </a:endParaRPr>
+          </a:p>
+        </p:txBody>
+      </p:sp>
+      <p:sp>
+        <p:nvSpPr>
+          <p:cNvPr id="153" name="아래쪽 화살표 152"/>
+          <p:cNvSpPr/>
+          <p:nvPr/>
+        </p:nvSpPr>
+        <p:spPr>
+          <a:xfrm>
+            <a:off x="2458185" y="4509434"/>
+            <a:ext cx="192554" cy="442532"/>
+          </a:xfrm>
+          <a:prstGeom prst="downArrow">
+            <a:avLst/>
+          </a:prstGeom>
+        </p:spPr>
+        <p:style>
+          <a:lnRef idx="2">
+            <a:schemeClr val="dk1">
+              <a:shade val="50000"/>
+            </a:schemeClr>
+          </a:lnRef>
+          <a:fillRef idx="1">
+            <a:schemeClr val="dk1"/>
+          </a:fillRef>
+          <a:effectRef idx="0">
+            <a:schemeClr val="dk1"/>
+          </a:effectRef>
+          <a:fontRef idx="minor">
+            <a:schemeClr val="lt1"/>
+          </a:fontRef>
+        </p:style>
+        <p:txBody>
+          <a:bodyPr rtlCol="0" anchor="ctr"/>
+          <a:lstStyle/>
+          <a:p>
+            <a:pPr algn="ctr"/>
+            <a:endParaRPr lang="ko-KR" altLang="en-US" sz="1100">
+              <a:solidFill>
+                <a:schemeClr val="bg2"/>
+              </a:solidFill>
+            </a:endParaRPr>
+          </a:p>
+        </p:txBody>
+      </p:sp>
+      <p:sp>
+        <p:nvSpPr>
+          <p:cNvPr id="154" name="왼쪽/오른쪽 화살표 153"/>
+          <p:cNvSpPr/>
+          <p:nvPr/>
+        </p:nvSpPr>
+        <p:spPr>
+          <a:xfrm rot="18972750">
+            <a:off x="3056974" y="5139708"/>
+            <a:ext cx="281524" cy="153397"/>
+          </a:xfrm>
+          <a:prstGeom prst="leftRightArrow">
+            <a:avLst/>
+          </a:prstGeom>
+        </p:spPr>
+        <p:style>
+          <a:lnRef idx="2">
+            <a:schemeClr val="dk1">
+              <a:shade val="50000"/>
+            </a:schemeClr>
+          </a:lnRef>
+          <a:fillRef idx="1">
+            <a:schemeClr val="dk1"/>
+          </a:fillRef>
+          <a:effectRef idx="0">
+            <a:schemeClr val="dk1"/>
+          </a:effectRef>
+          <a:fontRef idx="minor">
+            <a:schemeClr val="lt1"/>
+          </a:fontRef>
+        </p:style>
+        <p:txBody>
+          <a:bodyPr rtlCol="0" anchor="ctr"/>
+          <a:lstStyle/>
+          <a:p>
+            <a:pPr algn="ctr"/>
+            <a:endParaRPr lang="ko-KR" altLang="en-US" sz="1100">
+              <a:solidFill>
+                <a:schemeClr val="bg2"/>
+              </a:solidFill>
+            </a:endParaRPr>
+          </a:p>
+        </p:txBody>
+      </p:sp>
+      <p:sp>
+        <p:nvSpPr>
+          <p:cNvPr id="155" name="왼쪽/오른쪽 화살표 154"/>
+          <p:cNvSpPr/>
+          <p:nvPr/>
+        </p:nvSpPr>
+        <p:spPr>
+          <a:xfrm rot="3103277">
+            <a:off x="2666809" y="4736936"/>
+            <a:ext cx="1094327" cy="158965"/>
+          </a:xfrm>
+          <a:prstGeom prst="leftRightArrow">
+            <a:avLst/>
+          </a:prstGeom>
+        </p:spPr>
+        <p:style>
+          <a:lnRef idx="2">
+            <a:schemeClr val="dk1">
+              <a:shade val="50000"/>
+            </a:schemeClr>
+          </a:lnRef>
+          <a:fillRef idx="1">
+            <a:schemeClr val="dk1"/>
+          </a:fillRef>
+          <a:effectRef idx="0">
+            <a:schemeClr val="dk1"/>
+          </a:effectRef>
+          <a:fontRef idx="minor">
+            <a:schemeClr val="lt1"/>
+          </a:fontRef>
+        </p:style>
+        <p:txBody>
+          <a:bodyPr rtlCol="0" anchor="ctr"/>
+          <a:lstStyle/>
+          <a:p>
+            <a:pPr algn="ctr"/>
+            <a:endParaRPr lang="ko-KR" altLang="en-US" sz="1100">
+              <a:solidFill>
+                <a:schemeClr val="bg2"/>
+              </a:solidFill>
+            </a:endParaRPr>
+          </a:p>
+        </p:txBody>
+      </p:sp>
+      <p:sp>
+        <p:nvSpPr>
+          <p:cNvPr id="156" name="오른쪽 화살표 155"/>
+          <p:cNvSpPr/>
+          <p:nvPr/>
+        </p:nvSpPr>
+        <p:spPr>
+          <a:xfrm rot="10800000">
+            <a:off x="1727617" y="5258188"/>
+            <a:ext cx="343035" cy="212859"/>
+          </a:xfrm>
+          <a:prstGeom prst="rightArrow">
+            <a:avLst/>
+          </a:prstGeom>
+        </p:spPr>
+        <p:style>
+          <a:lnRef idx="2">
+            <a:schemeClr val="dk1">
+              <a:shade val="50000"/>
+            </a:schemeClr>
+          </a:lnRef>
+          <a:fillRef idx="1">
+            <a:schemeClr val="dk1"/>
+          </a:fillRef>
+          <a:effectRef idx="0">
+            <a:schemeClr val="dk1"/>
+          </a:effectRef>
+          <a:fontRef idx="minor">
+            <a:schemeClr val="lt1"/>
+          </a:fontRef>
+        </p:style>
+        <p:txBody>
+          <a:bodyPr rtlCol="0" anchor="ctr"/>
+          <a:lstStyle/>
+          <a:p>
+            <a:pPr algn="ctr"/>
+            <a:endParaRPr lang="ko-KR" altLang="en-US" sz="1100">
+              <a:solidFill>
+                <a:schemeClr val="bg2"/>
+              </a:solidFill>
+            </a:endParaRPr>
+          </a:p>
+        </p:txBody>
+      </p:sp>
+      <p:sp>
+        <p:nvSpPr>
+          <p:cNvPr id="157" name="오른쪽 화살표 156"/>
+          <p:cNvSpPr/>
+          <p:nvPr/>
+        </p:nvSpPr>
+        <p:spPr>
+          <a:xfrm>
+            <a:off x="1732668" y="4078926"/>
+            <a:ext cx="343035" cy="212859"/>
+          </a:xfrm>
+          <a:prstGeom prst="rightArrow">
+            <a:avLst/>
+          </a:prstGeom>
+        </p:spPr>
+        <p:style>
+          <a:lnRef idx="2">
+            <a:schemeClr val="dk1">
+              <a:shade val="50000"/>
+            </a:schemeClr>
+          </a:lnRef>
+          <a:fillRef idx="1">
+            <a:schemeClr val="dk1"/>
+          </a:fillRef>
+          <a:effectRef idx="0">
+            <a:schemeClr val="dk1"/>
+          </a:effectRef>
+          <a:fontRef idx="minor">
+            <a:schemeClr val="lt1"/>
+          </a:fontRef>
+        </p:style>
+        <p:txBody>
+          <a:bodyPr rtlCol="0" anchor="ctr"/>
+          <a:lstStyle/>
+          <a:p>
+            <a:pPr algn="ctr"/>
+            <a:endParaRPr lang="ko-KR" altLang="en-US" sz="1100">
+              <a:solidFill>
+                <a:schemeClr val="bg2"/>
+              </a:solidFill>
+            </a:endParaRPr>
+          </a:p>
+        </p:txBody>
+      </p:sp>
+      <p:sp>
+        <p:nvSpPr>
+          <p:cNvPr id="158" name="왼쪽/오른쪽 화살표 157"/>
+          <p:cNvSpPr/>
+          <p:nvPr/>
+        </p:nvSpPr>
+        <p:spPr>
+          <a:xfrm>
+            <a:off x="4314056" y="4102666"/>
+            <a:ext cx="390316" cy="167691"/>
+          </a:xfrm>
+          <a:prstGeom prst="leftRightArrow">
+            <a:avLst/>
+          </a:prstGeom>
+        </p:spPr>
+        <p:style>
+          <a:lnRef idx="2">
+            <a:schemeClr val="dk1">
+              <a:shade val="50000"/>
+            </a:schemeClr>
+          </a:lnRef>
+          <a:fillRef idx="1">
+            <a:schemeClr val="dk1"/>
+          </a:fillRef>
+          <a:effectRef idx="0">
+            <a:schemeClr val="dk1"/>
+          </a:effectRef>
+          <a:fontRef idx="minor">
+            <a:schemeClr val="lt1"/>
+          </a:fontRef>
+        </p:style>
+        <p:txBody>
+          <a:bodyPr rtlCol="0" anchor="ctr"/>
+          <a:lstStyle/>
+          <a:p>
+            <a:pPr algn="ctr"/>
+            <a:endParaRPr lang="ko-KR" altLang="en-US" sz="1100">
+              <a:solidFill>
+                <a:schemeClr val="bg2"/>
+              </a:solidFill>
+            </a:endParaRPr>
+          </a:p>
+        </p:txBody>
+      </p:sp>
+      <p:sp>
+        <p:nvSpPr>
+          <p:cNvPr id="159" name="왼쪽/오른쪽 화살표 158"/>
+          <p:cNvSpPr/>
+          <p:nvPr/>
+        </p:nvSpPr>
+        <p:spPr>
+          <a:xfrm rot="19563324">
+            <a:off x="4272571" y="4579312"/>
+            <a:ext cx="483088" cy="175032"/>
+          </a:xfrm>
+          <a:prstGeom prst="leftRightArrow">
+            <a:avLst/>
+          </a:prstGeom>
+        </p:spPr>
+        <p:style>
+          <a:lnRef idx="2">
+            <a:schemeClr val="dk1">
+              <a:shade val="50000"/>
+            </a:schemeClr>
+          </a:lnRef>
+          <a:fillRef idx="1">
+            <a:schemeClr val="dk1"/>
+          </a:fillRef>
+          <a:effectRef idx="0">
+            <a:schemeClr val="dk1"/>
+          </a:effectRef>
+          <a:fontRef idx="minor">
+            <a:schemeClr val="lt1"/>
+          </a:fontRef>
+        </p:style>
+        <p:txBody>
+          <a:bodyPr rtlCol="0" anchor="ctr"/>
+          <a:lstStyle/>
+          <a:p>
+            <a:pPr algn="ctr"/>
+            <a:endParaRPr lang="ko-KR" altLang="en-US" sz="1100">
+              <a:solidFill>
+                <a:schemeClr val="bg2"/>
+              </a:solidFill>
+            </a:endParaRPr>
+          </a:p>
+        </p:txBody>
+      </p:sp>
+      <p:sp>
+        <p:nvSpPr>
+          <p:cNvPr id="160" name="왼쪽/오른쪽 화살표 159"/>
+          <p:cNvSpPr/>
+          <p:nvPr/>
+        </p:nvSpPr>
+        <p:spPr>
+          <a:xfrm>
+            <a:off x="5721391" y="4110377"/>
+            <a:ext cx="204107" cy="159980"/>
+          </a:xfrm>
+          <a:prstGeom prst="leftRightArrow">
+            <a:avLst/>
+          </a:prstGeom>
+        </p:spPr>
+        <p:style>
+          <a:lnRef idx="2">
+            <a:schemeClr val="dk1">
+              <a:shade val="50000"/>
+            </a:schemeClr>
+          </a:lnRef>
+          <a:fillRef idx="1">
+            <a:schemeClr val="dk1"/>
+          </a:fillRef>
+          <a:effectRef idx="0">
+            <a:schemeClr val="dk1"/>
+          </a:effectRef>
+          <a:fontRef idx="minor">
+            <a:schemeClr val="lt1"/>
+          </a:fontRef>
+        </p:style>
+        <p:txBody>
+          <a:bodyPr rtlCol="0" anchor="ctr"/>
+          <a:lstStyle/>
+          <a:p>
+            <a:pPr algn="ctr"/>
+            <a:endParaRPr lang="ko-KR" altLang="en-US" sz="1100">
+              <a:solidFill>
+                <a:schemeClr val="bg2"/>
+              </a:solidFill>
+            </a:endParaRPr>
+          </a:p>
+        </p:txBody>
+      </p:sp>
+      <p:sp>
+        <p:nvSpPr>
+          <p:cNvPr id="161" name="왼쪽/오른쪽 화살표 160"/>
+          <p:cNvSpPr/>
+          <p:nvPr/>
+        </p:nvSpPr>
+        <p:spPr>
+          <a:xfrm>
+            <a:off x="3071073" y="4098230"/>
+            <a:ext cx="237381" cy="169929"/>
+          </a:xfrm>
+          <a:prstGeom prst="leftRightArrow">
+            <a:avLst/>
+          </a:prstGeom>
+        </p:spPr>
+        <p:style>
+          <a:lnRef idx="2">
+            <a:schemeClr val="dk1">
+              <a:shade val="50000"/>
+            </a:schemeClr>
+          </a:lnRef>
+          <a:fillRef idx="1">
+            <a:schemeClr val="dk1"/>
+          </a:fillRef>
+          <a:effectRef idx="0">
+            <a:schemeClr val="dk1"/>
+          </a:effectRef>
+          <a:fontRef idx="minor">
+            <a:schemeClr val="lt1"/>
+          </a:fontRef>
+        </p:style>
+        <p:txBody>
+          <a:bodyPr rtlCol="0" anchor="ctr"/>
+          <a:lstStyle/>
+          <a:p>
+            <a:pPr algn="ctr"/>
+            <a:endParaRPr lang="ko-KR" altLang="en-US" sz="1100">
+              <a:solidFill>
+                <a:schemeClr val="bg2"/>
+              </a:solidFill>
+            </a:endParaRPr>
+          </a:p>
+        </p:txBody>
+      </p:sp>
+      <p:sp>
+        <p:nvSpPr>
+          <p:cNvPr id="162" name="왼쪽/오른쪽 화살표 161"/>
+          <p:cNvSpPr/>
+          <p:nvPr/>
+        </p:nvSpPr>
+        <p:spPr>
+          <a:xfrm rot="16200000">
+            <a:off x="6194073" y="4382631"/>
+            <a:ext cx="285548" cy="173914"/>
+          </a:xfrm>
+          <a:prstGeom prst="leftRightArrow">
+            <a:avLst/>
+          </a:prstGeom>
+        </p:spPr>
+        <p:style>
+          <a:lnRef idx="2">
+            <a:schemeClr val="dk1">
+              <a:shade val="50000"/>
+            </a:schemeClr>
+          </a:lnRef>
+          <a:fillRef idx="1">
+            <a:schemeClr val="dk1"/>
+          </a:fillRef>
+          <a:effectRef idx="0">
+            <a:schemeClr val="dk1"/>
+          </a:effectRef>
+          <a:fontRef idx="minor">
+            <a:schemeClr val="lt1"/>
+          </a:fontRef>
+        </p:style>
+        <p:txBody>
+          <a:bodyPr rtlCol="0" anchor="ctr"/>
+          <a:lstStyle/>
+          <a:p>
+            <a:pPr algn="ctr"/>
+            <a:endParaRPr lang="ko-KR" altLang="en-US" sz="1100">
+              <a:solidFill>
+                <a:schemeClr val="bg2"/>
+              </a:solidFill>
+            </a:endParaRPr>
+          </a:p>
+        </p:txBody>
+      </p:sp>
+      <p:sp>
+        <p:nvSpPr>
+          <p:cNvPr id="163" name="왼쪽/오른쪽 화살표 162"/>
+          <p:cNvSpPr/>
+          <p:nvPr/>
+        </p:nvSpPr>
+        <p:spPr>
+          <a:xfrm rot="16200000">
+            <a:off x="4948455" y="4613442"/>
+            <a:ext cx="483088" cy="175032"/>
+          </a:xfrm>
+          <a:prstGeom prst="leftRightArrow">
+            <a:avLst/>
+          </a:prstGeom>
+        </p:spPr>
+        <p:style>
+          <a:lnRef idx="2">
+            <a:schemeClr val="dk1">
+              <a:shade val="50000"/>
+            </a:schemeClr>
+          </a:lnRef>
+          <a:fillRef idx="1">
+            <a:schemeClr val="dk1"/>
+          </a:fillRef>
+          <a:effectRef idx="0">
+            <a:schemeClr val="dk1"/>
+          </a:effectRef>
+          <a:fontRef idx="minor">
+            <a:schemeClr val="lt1"/>
+          </a:fontRef>
+        </p:style>
+        <p:txBody>
+          <a:bodyPr rtlCol="0" anchor="ctr"/>
+          <a:lstStyle/>
+          <a:p>
+            <a:pPr algn="ctr"/>
+            <a:endParaRPr lang="ko-KR" altLang="en-US" sz="1100">
+              <a:solidFill>
+                <a:schemeClr val="bg2"/>
+              </a:solidFill>
+            </a:endParaRPr>
+          </a:p>
+        </p:txBody>
+      </p:sp>
+      <p:sp>
+        <p:nvSpPr>
+          <p:cNvPr id="164" name="왼쪽/오른쪽 화살표 163"/>
+          <p:cNvSpPr/>
+          <p:nvPr/>
+        </p:nvSpPr>
+        <p:spPr>
+          <a:xfrm rot="1916624">
+            <a:off x="6878165" y="4321501"/>
+            <a:ext cx="628722" cy="166663"/>
+          </a:xfrm>
+          <a:prstGeom prst="leftRightArrow">
+            <a:avLst/>
+          </a:prstGeom>
+        </p:spPr>
+        <p:style>
+          <a:lnRef idx="2">
+            <a:schemeClr val="dk1">
+              <a:shade val="50000"/>
+            </a:schemeClr>
+          </a:lnRef>
+          <a:fillRef idx="1">
+            <a:schemeClr val="dk1"/>
+          </a:fillRef>
+          <a:effectRef idx="0">
+            <a:schemeClr val="dk1"/>
+          </a:effectRef>
+          <a:fontRef idx="minor">
+            <a:schemeClr val="lt1"/>
+          </a:fontRef>
+        </p:style>
+        <p:txBody>
+          <a:bodyPr rtlCol="0" anchor="ctr"/>
+          <a:lstStyle/>
+          <a:p>
+            <a:pPr algn="ctr"/>
+            <a:endParaRPr lang="ko-KR" altLang="en-US" sz="1100">
+              <a:solidFill>
+                <a:schemeClr val="bg2"/>
+              </a:solidFill>
+            </a:endParaRPr>
+          </a:p>
+        </p:txBody>
+      </p:sp>
+    </p:spTree>
+    <p:extLst>
+      <p:ext uri="{BB962C8B-B14F-4D97-AF65-F5344CB8AC3E}">
+        <p14:creationId xmlns:p14="http://schemas.microsoft.com/office/powerpoint/2010/main" val="495014868"/>
+      </p:ext>
+    </p:extLst>
+  </p:cSld>
+  <p:clrMapOvr>
+    <a:masterClrMapping/>
+  </p:clrMapOvr>
+  <p:transition/>
+  <p:timing>
+    <p:tnLst>
+      <p:par>
+        <p:cTn id="1" dur="indefinite" restart="never" nodeType="tmRoot"/>
+      </p:par>
+    </p:tnLst>
+  </p:timing>
+</p:sld>
+</file>
+
+<file path=ppt/slides/slide4.xml><?xml version="1.0" encoding="utf-8"?>
+<p:sld xmlns:a="http://schemas.openxmlformats.org/drawingml/2006/main" xmlns:r="http://schemas.openxmlformats.org/officeDocument/2006/relationships" xmlns:p="http://schemas.openxmlformats.org/presentationml/2006/main">
+  <p:cSld>
+    <p:spTree>
+      <p:nvGrpSpPr>
+        <p:cNvPr id="1" name=""/>
+        <p:cNvGrpSpPr/>
+        <p:nvPr/>
+      </p:nvGrpSpPr>
+      <p:grpSpPr>
+        <a:xfrm>
+          <a:off x="0" y="0"/>
+          <a:ext cx="0" cy="0"/>
+          <a:chOff x="0" y="0"/>
+          <a:chExt cx="0" cy="0"/>
+        </a:xfrm>
+      </p:grpSpPr>
+      <p:sp>
+        <p:nvSpPr>
+          <p:cNvPr id="6146" name="Rectangle 2"/>
+          <p:cNvSpPr>
+            <a:spLocks noGrp="1" noChangeArrowheads="1"/>
+          </p:cNvSpPr>
+          <p:nvPr>
+            <p:ph type="title"/>
+          </p:nvPr>
+        </p:nvSpPr>
+        <p:spPr/>
+        <p:txBody>
+          <a:bodyPr/>
+          <a:lstStyle/>
+          <a:p>
+            <a:pPr eaLnBrk="1" hangingPunct="1"/>
+            <a:r>
+              <a:rPr lang="ko-KR" altLang="en-US" dirty="0" err="1" smtClean="0"/>
+              <a:t>개발일정</a:t>
+            </a:r>
+            <a:endParaRPr lang="en-US" altLang="en-US" dirty="0" smtClean="0"/>
+          </a:p>
+        </p:txBody>
+      </p:sp>
+      <p:pic>
+        <p:nvPicPr>
+          <p:cNvPr id="2" name="그림 1"/>
+          <p:cNvPicPr>
+            <a:picLocks noChangeAspect="1"/>
+          </p:cNvPicPr>
+          <p:nvPr/>
+        </p:nvPicPr>
+        <p:blipFill>
+          <a:blip r:embed="rId3">
+            <a:extLst>
+              <a:ext uri="{28A0092B-C50C-407E-A947-70E740481C1C}">
+                <a14:useLocalDpi xmlns:a14="http://schemas.microsoft.com/office/drawing/2010/main" val="0"/>
+              </a:ext>
+            </a:extLst>
+          </a:blip>
+          <a:stretch>
+            <a:fillRect/>
+          </a:stretch>
+        </p:blipFill>
+        <p:spPr>
+          <a:xfrm>
+            <a:off x="452579" y="2169726"/>
+            <a:ext cx="8181111" cy="3876425"/>
+          </a:xfrm>
+          <a:prstGeom prst="rect">
+            <a:avLst/>
+          </a:prstGeom>
+        </p:spPr>
+      </p:pic>
+    </p:spTree>
+    <p:extLst>
+      <p:ext uri="{BB962C8B-B14F-4D97-AF65-F5344CB8AC3E}">
+        <p14:creationId xmlns:p14="http://schemas.microsoft.com/office/powerpoint/2010/main" val="2572725863"/>
+      </p:ext>
+    </p:extLst>
+  </p:cSld>
+  <p:clrMapOvr>
+    <a:masterClrMapping/>
+  </p:clrMapOvr>
+  <p:transition/>
+  <p:timing>
+    <p:tnLst>
+      <p:par>
+        <p:cTn id="1" dur="indefinite" restart="never" nodeType="tmRoot"/>
+      </p:par>
+    </p:tnLst>
+  </p:timing>
+</p:sld>
+</file>
+
+<file path=ppt/slides/slide5.xml><?xml version="1.0" encoding="utf-8"?>
+<p:sld xmlns:a="http://schemas.openxmlformats.org/drawingml/2006/main" xmlns:r="http://schemas.openxmlformats.org/officeDocument/2006/relationships" xmlns:p="http://schemas.openxmlformats.org/presentationml/2006/main">
+  <p:cSld>
+    <p:spTree>
+      <p:nvGrpSpPr>
+        <p:cNvPr id="1" name=""/>
+        <p:cNvGrpSpPr/>
+        <p:nvPr/>
+      </p:nvGrpSpPr>
+      <p:grpSpPr>
+        <a:xfrm>
+          <a:off x="0" y="0"/>
+          <a:ext cx="0" cy="0"/>
+          <a:chOff x="0" y="0"/>
+          <a:chExt cx="0" cy="0"/>
+        </a:xfrm>
+      </p:grpSpPr>
+      <p:sp>
+        <p:nvSpPr>
           <p:cNvPr id="8194" name="Rectangle 2"/>
           <p:cNvSpPr>
             <a:spLocks noGrp="1" noChangeArrowheads="1"/>
@@ -6945,10 +12748,10 @@
           <a:p>
             <a:pPr eaLnBrk="1" hangingPunct="1"/>
             <a:r>
-              <a:rPr lang="en-GB" altLang="en-US" smtClean="0"/>
+              <a:rPr lang="en-GB" altLang="en-US" dirty="0" smtClean="0"/>
               <a:t>Colour scheme</a:t>
             </a:r>
-            <a:endParaRPr lang="en-US" altLang="en-US" smtClean="0"/>
+            <a:endParaRPr lang="en-US" altLang="en-US" dirty="0" smtClean="0"/>
           </a:p>
         </p:txBody>
       </p:sp>
@@ -9523,7 +15326,7 @@
 </p:sld>
 </file>
 
-<file path=ppt/slides/slide4.xml><?xml version="1.0" encoding="utf-8"?>
+<file path=ppt/slides/slide6.xml><?xml version="1.0" encoding="utf-8"?>
 <p:sld xmlns:a="http://schemas.openxmlformats.org/drawingml/2006/main" xmlns:r="http://schemas.openxmlformats.org/officeDocument/2006/relationships" xmlns:p="http://schemas.openxmlformats.org/presentationml/2006/main">
   <p:cSld>
     <p:spTree>
@@ -9658,7 +15461,7 @@
 </p:sld>
 </file>
 
-<file path=ppt/slides/slide5.xml><?xml version="1.0" encoding="utf-8"?>
+<file path=ppt/slides/slide7.xml><?xml version="1.0" encoding="utf-8"?>
 <p:sld xmlns:a="http://schemas.openxmlformats.org/drawingml/2006/main" xmlns:r="http://schemas.openxmlformats.org/officeDocument/2006/relationships" xmlns:p="http://schemas.openxmlformats.org/presentationml/2006/main">
   <p:cSld>
     <p:spTree>
@@ -9715,12 +15518,12 @@
           <a:graphicData uri="http://schemas.openxmlformats.org/presentationml/2006/ole">
             <mc:AlternateContent xmlns:mc="http://schemas.openxmlformats.org/markup-compatibility/2006">
               <mc:Choice xmlns:v="urn:schemas-microsoft-com:vml" Requires="v">
-                <p:oleObj spid="_x0000_s12294" name="Chart" r:id="rId4" imgW="8296351" imgH="4610100" progId="MSGraph.Chart.8">
+                <p:oleObj spid="_x0000_s12298" name="Chart" r:id="rId4" imgW="10370091" imgH="5762841" progId="MSGraph.Chart.8">
                   <p:embed followColorScheme="full"/>
                 </p:oleObj>
               </mc:Choice>
               <mc:Fallback>
-                <p:oleObj name="Chart" r:id="rId4" imgW="8296351" imgH="4610100" progId="MSGraph.Chart.8">
+                <p:oleObj name="Chart" r:id="rId4" imgW="10370091" imgH="5762841" progId="MSGraph.Chart.8">
                   <p:embed followColorScheme="full"/>
                   <p:pic>
                     <p:nvPicPr>
@@ -9731,13 +15534,7 @@
                       <p:nvPr/>
                     </p:nvPicPr>
                     <p:blipFill>
-                      <a:blip r:embed="rId5">
-                        <a:extLst>
-                          <a:ext uri="{28A0092B-C50C-407E-A947-70E740481C1C}">
-                            <a14:useLocalDpi xmlns:a14="http://schemas.microsoft.com/office/drawing/2010/main" val="0"/>
-                          </a:ext>
-                        </a:extLst>
-                      </a:blip>
+                      <a:blip r:embed="rId5"/>
                       <a:srcRect/>
                       <a:stretch>
                         <a:fillRect/>
@@ -9808,7 +15605,7 @@
 </p:sld>
 </file>
 
-<file path=ppt/slides/slide6.xml><?xml version="1.0" encoding="utf-8"?>
+<file path=ppt/slides/slide8.xml><?xml version="1.0" encoding="utf-8"?>
 <p:sld xmlns:a="http://schemas.openxmlformats.org/drawingml/2006/main" xmlns:r="http://schemas.openxmlformats.org/officeDocument/2006/relationships" xmlns:p="http://schemas.openxmlformats.org/presentationml/2006/main">
   <p:cSld>
     <p:spTree>
@@ -9874,7 +15671,7 @@
         </p:nvGraphicFramePr>
         <p:xfrm>
           <a:off x="431800" y="2044700"/>
-          <a:ext cx="6229350" cy="3168650"/>
+          <a:ext cx="6229350" cy="3168653"/>
         </p:xfrm>
         <a:graphic>
           <a:graphicData uri="http://schemas.openxmlformats.org/drawingml/2006/table">
@@ -13106,1440 +18903,6 @@
 </p:sld>
 </file>
 
-<file path=ppt/slides/slide7.xml><?xml version="1.0" encoding="utf-8"?>
-<p:sld xmlns:a="http://schemas.openxmlformats.org/drawingml/2006/main" xmlns:r="http://schemas.openxmlformats.org/officeDocument/2006/relationships" xmlns:p="http://schemas.openxmlformats.org/presentationml/2006/main">
-  <p:cSld>
-    <p:spTree>
-      <p:nvGrpSpPr>
-        <p:cNvPr id="1" name=""/>
-        <p:cNvGrpSpPr/>
-        <p:nvPr/>
-      </p:nvGrpSpPr>
-      <p:grpSpPr>
-        <a:xfrm>
-          <a:off x="0" y="0"/>
-          <a:ext cx="0" cy="0"/>
-          <a:chOff x="0" y="0"/>
-          <a:chExt cx="0" cy="0"/>
-        </a:xfrm>
-      </p:grpSpPr>
-      <p:sp>
-        <p:nvSpPr>
-          <p:cNvPr id="16386" name="Rectangle 2"/>
-          <p:cNvSpPr>
-            <a:spLocks noGrp="1" noChangeArrowheads="1"/>
-          </p:cNvSpPr>
-          <p:nvPr>
-            <p:ph type="title"/>
-          </p:nvPr>
-        </p:nvSpPr>
-        <p:spPr/>
-        <p:txBody>
-          <a:bodyPr/>
-          <a:lstStyle/>
-          <a:p>
-            <a:pPr eaLnBrk="1" hangingPunct="1"/>
-            <a:r>
-              <a:rPr lang="en-GB" altLang="en-US" smtClean="0"/>
-              <a:t>Two column bullet points</a:t>
-            </a:r>
-            <a:endParaRPr lang="en-US" altLang="en-US" smtClean="0"/>
-          </a:p>
-        </p:txBody>
-      </p:sp>
-      <p:sp>
-        <p:nvSpPr>
-          <p:cNvPr id="16387" name="Rectangle 3"/>
-          <p:cNvSpPr>
-            <a:spLocks noGrp="1" noChangeArrowheads="1"/>
-          </p:cNvSpPr>
-          <p:nvPr>
-            <p:ph type="body" sz="half" idx="1"/>
-          </p:nvPr>
-        </p:nvSpPr>
-        <p:spPr>
-          <a:xfrm>
-            <a:off x="685800" y="1981200"/>
-            <a:ext cx="3813175" cy="3886200"/>
-          </a:xfrm>
-        </p:spPr>
-        <p:txBody>
-          <a:bodyPr/>
-          <a:lstStyle/>
-          <a:p>
-            <a:pPr eaLnBrk="1" hangingPunct="1"/>
-            <a:r>
-              <a:rPr lang="en-GB" altLang="en-US" sz="2100" smtClean="0"/>
-              <a:t>Bullets go in here</a:t>
-            </a:r>
-            <a:endParaRPr lang="en-US" altLang="en-US" sz="2100" smtClean="0"/>
-          </a:p>
-        </p:txBody>
-      </p:sp>
-      <p:sp>
-        <p:nvSpPr>
-          <p:cNvPr id="16388" name="Rectangle 4"/>
-          <p:cNvSpPr>
-            <a:spLocks noGrp="1" noChangeArrowheads="1"/>
-          </p:cNvSpPr>
-          <p:nvPr>
-            <p:ph type="body" sz="half" idx="2"/>
-          </p:nvPr>
-        </p:nvSpPr>
-        <p:spPr>
-          <a:xfrm>
-            <a:off x="4643438" y="1981200"/>
-            <a:ext cx="3814762" cy="3886200"/>
-          </a:xfrm>
-        </p:spPr>
-        <p:txBody>
-          <a:bodyPr/>
-          <a:lstStyle/>
-          <a:p>
-            <a:pPr eaLnBrk="1" hangingPunct="1"/>
-            <a:r>
-              <a:rPr lang="en-GB" altLang="en-US" sz="2100" smtClean="0"/>
-              <a:t>And also in here</a:t>
-            </a:r>
-            <a:endParaRPr lang="en-US" altLang="en-US" sz="2100" smtClean="0"/>
-          </a:p>
-        </p:txBody>
-      </p:sp>
-    </p:spTree>
-  </p:cSld>
-  <p:clrMapOvr>
-    <a:masterClrMapping/>
-  </p:clrMapOvr>
-  <p:transition/>
-  <p:timing>
-    <p:tnLst>
-      <p:par>
-        <p:cTn id="1" dur="indefinite" restart="never" nodeType="tmRoot"/>
-      </p:par>
-    </p:tnLst>
-  </p:timing>
-</p:sld>
-</file>
-
-<file path=ppt/slides/slide8.xml><?xml version="1.0" encoding="utf-8"?>
-<p:sld xmlns:a="http://schemas.openxmlformats.org/drawingml/2006/main" xmlns:r="http://schemas.openxmlformats.org/officeDocument/2006/relationships" xmlns:p="http://schemas.openxmlformats.org/presentationml/2006/main">
-  <p:cSld>
-    <p:spTree>
-      <p:nvGrpSpPr>
-        <p:cNvPr id="1" name=""/>
-        <p:cNvGrpSpPr/>
-        <p:nvPr/>
-      </p:nvGrpSpPr>
-      <p:grpSpPr>
-        <a:xfrm>
-          <a:off x="0" y="0"/>
-          <a:ext cx="0" cy="0"/>
-          <a:chOff x="0" y="0"/>
-          <a:chExt cx="0" cy="0"/>
-        </a:xfrm>
-      </p:grpSpPr>
-      <p:sp>
-        <p:nvSpPr>
-          <p:cNvPr id="18434" name="Rectangle 2"/>
-          <p:cNvSpPr>
-            <a:spLocks noGrp="1" noChangeArrowheads="1"/>
-          </p:cNvSpPr>
-          <p:nvPr>
-            <p:ph type="title"/>
-          </p:nvPr>
-        </p:nvSpPr>
-        <p:spPr/>
-        <p:txBody>
-          <a:bodyPr/>
-          <a:lstStyle/>
-          <a:p>
-            <a:pPr eaLnBrk="1" hangingPunct="1"/>
-            <a:r>
-              <a:rPr lang="en-GB" altLang="en-US" smtClean="0"/>
-              <a:t>Examples of default styles</a:t>
-            </a:r>
-            <a:endParaRPr lang="en-US" altLang="en-US" smtClean="0"/>
-          </a:p>
-        </p:txBody>
-      </p:sp>
-      <p:sp>
-        <p:nvSpPr>
-          <p:cNvPr id="18435" name="Rectangle 3"/>
-          <p:cNvSpPr>
-            <a:spLocks noGrp="1" noChangeArrowheads="1"/>
-          </p:cNvSpPr>
-          <p:nvPr>
-            <p:ph type="body" sz="half" idx="1"/>
-          </p:nvPr>
-        </p:nvSpPr>
-        <p:spPr>
-          <a:xfrm>
-            <a:off x="685800" y="1981200"/>
-            <a:ext cx="4429125" cy="3886200"/>
-          </a:xfrm>
-          <a:noFill/>
-        </p:spPr>
-        <p:txBody>
-          <a:bodyPr/>
-          <a:lstStyle/>
-          <a:p>
-            <a:pPr eaLnBrk="1" hangingPunct="1"/>
-            <a:r>
-              <a:rPr lang="en-GB" altLang="en-US" sz="2100" smtClean="0"/>
-              <a:t>Text and lines are like this</a:t>
-            </a:r>
-          </a:p>
-          <a:p>
-            <a:pPr eaLnBrk="1" hangingPunct="1"/>
-            <a:r>
-              <a:rPr lang="en-GB" altLang="en-US" sz="2100" u="sng" smtClean="0">
-                <a:solidFill>
-                  <a:schemeClr val="hlink"/>
-                </a:solidFill>
-              </a:rPr>
-              <a:t>Hyperlinks like this</a:t>
-            </a:r>
-          </a:p>
-          <a:p>
-            <a:pPr eaLnBrk="1" hangingPunct="1"/>
-            <a:r>
-              <a:rPr lang="en-GB" altLang="en-US" sz="2100" u="sng" smtClean="0">
-                <a:solidFill>
-                  <a:schemeClr val="folHlink"/>
-                </a:solidFill>
-              </a:rPr>
-              <a:t>Visited hyperlinks like this</a:t>
-            </a:r>
-            <a:endParaRPr lang="en-US" altLang="en-US" sz="2100" u="sng" smtClean="0">
-              <a:solidFill>
-                <a:schemeClr val="folHlink"/>
-              </a:solidFill>
-            </a:endParaRPr>
-          </a:p>
-        </p:txBody>
-      </p:sp>
-      <p:graphicFrame>
-        <p:nvGraphicFramePr>
-          <p:cNvPr id="28676" name="Group 4"/>
-          <p:cNvGraphicFramePr>
-            <a:graphicFrameLocks noGrp="1"/>
-          </p:cNvGraphicFramePr>
-          <p:nvPr>
-            <p:ph sz="half" idx="2"/>
-          </p:nvPr>
-        </p:nvGraphicFramePr>
-        <p:xfrm>
-          <a:off x="5397500" y="2136775"/>
-          <a:ext cx="2995613" cy="1250950"/>
-        </p:xfrm>
-        <a:graphic>
-          <a:graphicData uri="http://schemas.openxmlformats.org/drawingml/2006/table">
-            <a:tbl>
-              <a:tblPr/>
-              <a:tblGrid>
-                <a:gridCol w="1498600">
-                  <a:extLst>
-                    <a:ext uri="{9D8B030D-6E8A-4147-A177-3AD203B41FA5}">
-                      <a16:colId xmlns:a16="http://schemas.microsoft.com/office/drawing/2014/main" val="20000"/>
-                    </a:ext>
-                  </a:extLst>
-                </a:gridCol>
-                <a:gridCol w="1497013">
-                  <a:extLst>
-                    <a:ext uri="{9D8B030D-6E8A-4147-A177-3AD203B41FA5}">
-                      <a16:colId xmlns:a16="http://schemas.microsoft.com/office/drawing/2014/main" val="20001"/>
-                    </a:ext>
-                  </a:extLst>
-                </a:gridCol>
-              </a:tblGrid>
-              <a:tr h="625475">
-                <a:tc>
-                  <a:txBody>
-                    <a:bodyPr/>
-                    <a:lstStyle>
-                      <a:lvl1pPr>
-                        <a:spcBef>
-                          <a:spcPct val="20000"/>
-                        </a:spcBef>
-                        <a:buClr>
-                          <a:schemeClr val="accent1"/>
-                        </a:buClr>
-                        <a:buSzPct val="80000"/>
-                        <a:buFont typeface="Wingdings 2" panose="05020102010507070707" pitchFamily="18" charset="2"/>
-                        <a:defRPr sz="2100">
-                          <a:solidFill>
-                            <a:schemeClr val="tx1"/>
-                          </a:solidFill>
-                          <a:latin typeface="Verdana" panose="020B0604030504040204" pitchFamily="34" charset="0"/>
-                        </a:defRPr>
-                      </a:lvl1pPr>
-                      <a:lvl2pPr>
-                        <a:spcBef>
-                          <a:spcPct val="20000"/>
-                        </a:spcBef>
-                        <a:buClr>
-                          <a:schemeClr val="accent1"/>
-                        </a:buClr>
-                        <a:buSzPct val="125000"/>
-                        <a:defRPr sz="2000">
-                          <a:solidFill>
-                            <a:schemeClr val="tx1"/>
-                          </a:solidFill>
-                          <a:latin typeface="Verdana" panose="020B0604030504040204" pitchFamily="34" charset="0"/>
-                        </a:defRPr>
-                      </a:lvl2pPr>
-                      <a:lvl3pPr>
-                        <a:spcBef>
-                          <a:spcPct val="20000"/>
-                        </a:spcBef>
-                        <a:buClr>
-                          <a:schemeClr val="accent1"/>
-                        </a:buClr>
-                        <a:buSzPct val="60000"/>
-                        <a:defRPr>
-                          <a:solidFill>
-                            <a:schemeClr val="tx1"/>
-                          </a:solidFill>
-                          <a:latin typeface="Verdana" panose="020B0604030504040204" pitchFamily="34" charset="0"/>
-                        </a:defRPr>
-                      </a:lvl3pPr>
-                      <a:lvl4pPr>
-                        <a:spcBef>
-                          <a:spcPct val="20000"/>
-                        </a:spcBef>
-                        <a:defRPr>
-                          <a:solidFill>
-                            <a:schemeClr val="tx1"/>
-                          </a:solidFill>
-                          <a:latin typeface="Comic Sans MS" panose="030F0702030302020204" pitchFamily="66" charset="0"/>
-                        </a:defRPr>
-                      </a:lvl4pPr>
-                      <a:lvl5pPr>
-                        <a:spcBef>
-                          <a:spcPct val="20000"/>
-                        </a:spcBef>
-                        <a:defRPr>
-                          <a:solidFill>
-                            <a:schemeClr val="tx1"/>
-                          </a:solidFill>
-                          <a:latin typeface="Comic Sans MS" panose="030F0702030302020204" pitchFamily="66" charset="0"/>
-                        </a:defRPr>
-                      </a:lvl5pPr>
-                      <a:lvl6pPr fontAlgn="base">
-                        <a:spcBef>
-                          <a:spcPct val="20000"/>
-                        </a:spcBef>
-                        <a:spcAft>
-                          <a:spcPct val="0"/>
-                        </a:spcAft>
-                        <a:defRPr>
-                          <a:solidFill>
-                            <a:schemeClr val="tx1"/>
-                          </a:solidFill>
-                          <a:latin typeface="Comic Sans MS" panose="030F0702030302020204" pitchFamily="66" charset="0"/>
-                        </a:defRPr>
-                      </a:lvl6pPr>
-                      <a:lvl7pPr fontAlgn="base">
-                        <a:spcBef>
-                          <a:spcPct val="20000"/>
-                        </a:spcBef>
-                        <a:spcAft>
-                          <a:spcPct val="0"/>
-                        </a:spcAft>
-                        <a:defRPr>
-                          <a:solidFill>
-                            <a:schemeClr val="tx1"/>
-                          </a:solidFill>
-                          <a:latin typeface="Comic Sans MS" panose="030F0702030302020204" pitchFamily="66" charset="0"/>
-                        </a:defRPr>
-                      </a:lvl7pPr>
-                      <a:lvl8pPr fontAlgn="base">
-                        <a:spcBef>
-                          <a:spcPct val="20000"/>
-                        </a:spcBef>
-                        <a:spcAft>
-                          <a:spcPct val="0"/>
-                        </a:spcAft>
-                        <a:defRPr>
-                          <a:solidFill>
-                            <a:schemeClr val="tx1"/>
-                          </a:solidFill>
-                          <a:latin typeface="Comic Sans MS" panose="030F0702030302020204" pitchFamily="66" charset="0"/>
-                        </a:defRPr>
-                      </a:lvl8pPr>
-                      <a:lvl9pPr fontAlgn="base">
-                        <a:spcBef>
-                          <a:spcPct val="20000"/>
-                        </a:spcBef>
-                        <a:spcAft>
-                          <a:spcPct val="0"/>
-                        </a:spcAft>
-                        <a:defRPr>
-                          <a:solidFill>
-                            <a:schemeClr val="tx1"/>
-                          </a:solidFill>
-                          <a:latin typeface="Comic Sans MS" panose="030F0702030302020204" pitchFamily="66" charset="0"/>
-                        </a:defRPr>
-                      </a:lvl9pPr>
-                    </a:lstStyle>
-                    <a:p>
-                      <a:pPr marL="0" marR="0" lvl="0" indent="0" algn="l" defTabSz="914400" rtl="0" eaLnBrk="1" fontAlgn="base" latinLnBrk="0" hangingPunct="1">
-                        <a:lnSpc>
-                          <a:spcPct val="100000"/>
-                        </a:lnSpc>
-                        <a:spcBef>
-                          <a:spcPct val="20000"/>
-                        </a:spcBef>
-                        <a:spcAft>
-                          <a:spcPct val="0"/>
-                        </a:spcAft>
-                        <a:buClr>
-                          <a:schemeClr val="accent1"/>
-                        </a:buClr>
-                        <a:buSzPct val="80000"/>
-                        <a:buFont typeface="Wingdings 2" panose="05020102010507070707" pitchFamily="18" charset="2"/>
-                        <a:buNone/>
-                        <a:tabLst/>
-                      </a:pPr>
-                      <a:r>
-                        <a:rPr kumimoji="0" lang="en-GB" altLang="en-US" sz="2100" b="0" i="0" u="none" strike="noStrike" cap="none" normalizeH="0" baseline="0" smtClean="0">
-                          <a:ln>
-                            <a:noFill/>
-                          </a:ln>
-                          <a:solidFill>
-                            <a:schemeClr val="tx1"/>
-                          </a:solidFill>
-                          <a:effectLst/>
-                          <a:latin typeface="Verdana" panose="020B0604030504040204" pitchFamily="34" charset="0"/>
-                        </a:rPr>
-                        <a:t>Table</a:t>
-                      </a:r>
-                      <a:endParaRPr kumimoji="0" lang="en-US" altLang="en-US" sz="2100" b="0" i="0" u="none" strike="noStrike" cap="none" normalizeH="0" baseline="0" smtClean="0">
-                        <a:ln>
-                          <a:noFill/>
-                        </a:ln>
-                        <a:solidFill>
-                          <a:schemeClr val="tx1"/>
-                        </a:solidFill>
-                        <a:effectLst/>
-                        <a:latin typeface="Verdana" panose="020B0604030504040204" pitchFamily="34" charset="0"/>
-                      </a:endParaRPr>
-                    </a:p>
-                  </a:txBody>
-                  <a:tcPr horzOverflow="overflow">
-                    <a:lnL w="28575" cap="flat" cmpd="sng" algn="ctr">
-                      <a:solidFill>
-                        <a:schemeClr val="tx1"/>
-                      </a:solidFill>
-                      <a:prstDash val="solid"/>
-                      <a:round/>
-                      <a:headEnd type="none" w="med" len="med"/>
-                      <a:tailEnd type="none" w="med" len="med"/>
-                    </a:lnL>
-                    <a:lnR w="12700" cap="flat" cmpd="sng" algn="ctr">
-                      <a:solidFill>
-                        <a:schemeClr val="tx1"/>
-                      </a:solidFill>
-                      <a:prstDash val="solid"/>
-                      <a:round/>
-                      <a:headEnd type="none" w="med" len="med"/>
-                      <a:tailEnd type="none" w="med" len="med"/>
-                    </a:lnR>
-                    <a:lnT w="28575" cap="flat" cmpd="sng" algn="ctr">
-                      <a:solidFill>
-                        <a:schemeClr val="tx1"/>
-                      </a:solidFill>
-                      <a:prstDash val="solid"/>
-                      <a:round/>
-                      <a:headEnd type="none" w="med" len="med"/>
-                      <a:tailEnd type="none" w="med" len="med"/>
-                    </a:lnT>
-                    <a:lnB w="12700" cap="flat" cmpd="sng" algn="ctr">
-                      <a:solidFill>
-                        <a:schemeClr val="tx1"/>
-                      </a:solidFill>
-                      <a:prstDash val="solid"/>
-                      <a:round/>
-                      <a:headEnd type="none" w="med" len="med"/>
-                      <a:tailEnd type="none" w="med" len="med"/>
-                    </a:lnB>
-                    <a:lnTlToBr>
-                      <a:noFill/>
-                    </a:lnTlToBr>
-                    <a:lnBlToTr>
-                      <a:noFill/>
-                    </a:lnBlToTr>
-                    <a:noFill/>
-                  </a:tcPr>
-                </a:tc>
-                <a:tc>
-                  <a:txBody>
-                    <a:bodyPr/>
-                    <a:lstStyle>
-                      <a:lvl1pPr>
-                        <a:spcBef>
-                          <a:spcPct val="20000"/>
-                        </a:spcBef>
-                        <a:buClr>
-                          <a:schemeClr val="accent1"/>
-                        </a:buClr>
-                        <a:buSzPct val="80000"/>
-                        <a:buFont typeface="Wingdings 2" panose="05020102010507070707" pitchFamily="18" charset="2"/>
-                        <a:defRPr sz="2100">
-                          <a:solidFill>
-                            <a:schemeClr val="tx1"/>
-                          </a:solidFill>
-                          <a:latin typeface="Verdana" panose="020B0604030504040204" pitchFamily="34" charset="0"/>
-                        </a:defRPr>
-                      </a:lvl1pPr>
-                      <a:lvl2pPr>
-                        <a:spcBef>
-                          <a:spcPct val="20000"/>
-                        </a:spcBef>
-                        <a:buClr>
-                          <a:schemeClr val="accent1"/>
-                        </a:buClr>
-                        <a:buSzPct val="125000"/>
-                        <a:defRPr sz="2000">
-                          <a:solidFill>
-                            <a:schemeClr val="tx1"/>
-                          </a:solidFill>
-                          <a:latin typeface="Verdana" panose="020B0604030504040204" pitchFamily="34" charset="0"/>
-                        </a:defRPr>
-                      </a:lvl2pPr>
-                      <a:lvl3pPr>
-                        <a:spcBef>
-                          <a:spcPct val="20000"/>
-                        </a:spcBef>
-                        <a:buClr>
-                          <a:schemeClr val="accent1"/>
-                        </a:buClr>
-                        <a:buSzPct val="60000"/>
-                        <a:defRPr>
-                          <a:solidFill>
-                            <a:schemeClr val="tx1"/>
-                          </a:solidFill>
-                          <a:latin typeface="Verdana" panose="020B0604030504040204" pitchFamily="34" charset="0"/>
-                        </a:defRPr>
-                      </a:lvl3pPr>
-                      <a:lvl4pPr>
-                        <a:spcBef>
-                          <a:spcPct val="20000"/>
-                        </a:spcBef>
-                        <a:defRPr>
-                          <a:solidFill>
-                            <a:schemeClr val="tx1"/>
-                          </a:solidFill>
-                          <a:latin typeface="Comic Sans MS" panose="030F0702030302020204" pitchFamily="66" charset="0"/>
-                        </a:defRPr>
-                      </a:lvl4pPr>
-                      <a:lvl5pPr>
-                        <a:spcBef>
-                          <a:spcPct val="20000"/>
-                        </a:spcBef>
-                        <a:defRPr>
-                          <a:solidFill>
-                            <a:schemeClr val="tx1"/>
-                          </a:solidFill>
-                          <a:latin typeface="Comic Sans MS" panose="030F0702030302020204" pitchFamily="66" charset="0"/>
-                        </a:defRPr>
-                      </a:lvl5pPr>
-                      <a:lvl6pPr fontAlgn="base">
-                        <a:spcBef>
-                          <a:spcPct val="20000"/>
-                        </a:spcBef>
-                        <a:spcAft>
-                          <a:spcPct val="0"/>
-                        </a:spcAft>
-                        <a:defRPr>
-                          <a:solidFill>
-                            <a:schemeClr val="tx1"/>
-                          </a:solidFill>
-                          <a:latin typeface="Comic Sans MS" panose="030F0702030302020204" pitchFamily="66" charset="0"/>
-                        </a:defRPr>
-                      </a:lvl6pPr>
-                      <a:lvl7pPr fontAlgn="base">
-                        <a:spcBef>
-                          <a:spcPct val="20000"/>
-                        </a:spcBef>
-                        <a:spcAft>
-                          <a:spcPct val="0"/>
-                        </a:spcAft>
-                        <a:defRPr>
-                          <a:solidFill>
-                            <a:schemeClr val="tx1"/>
-                          </a:solidFill>
-                          <a:latin typeface="Comic Sans MS" panose="030F0702030302020204" pitchFamily="66" charset="0"/>
-                        </a:defRPr>
-                      </a:lvl7pPr>
-                      <a:lvl8pPr fontAlgn="base">
-                        <a:spcBef>
-                          <a:spcPct val="20000"/>
-                        </a:spcBef>
-                        <a:spcAft>
-                          <a:spcPct val="0"/>
-                        </a:spcAft>
-                        <a:defRPr>
-                          <a:solidFill>
-                            <a:schemeClr val="tx1"/>
-                          </a:solidFill>
-                          <a:latin typeface="Comic Sans MS" panose="030F0702030302020204" pitchFamily="66" charset="0"/>
-                        </a:defRPr>
-                      </a:lvl8pPr>
-                      <a:lvl9pPr fontAlgn="base">
-                        <a:spcBef>
-                          <a:spcPct val="20000"/>
-                        </a:spcBef>
-                        <a:spcAft>
-                          <a:spcPct val="0"/>
-                        </a:spcAft>
-                        <a:defRPr>
-                          <a:solidFill>
-                            <a:schemeClr val="tx1"/>
-                          </a:solidFill>
-                          <a:latin typeface="Comic Sans MS" panose="030F0702030302020204" pitchFamily="66" charset="0"/>
-                        </a:defRPr>
-                      </a:lvl9pPr>
-                    </a:lstStyle>
-                    <a:p>
-                      <a:pPr marL="0" marR="0" lvl="0" indent="0" algn="l" defTabSz="914400" rtl="0" eaLnBrk="1" fontAlgn="base" latinLnBrk="0" hangingPunct="1">
-                        <a:lnSpc>
-                          <a:spcPct val="100000"/>
-                        </a:lnSpc>
-                        <a:spcBef>
-                          <a:spcPct val="20000"/>
-                        </a:spcBef>
-                        <a:spcAft>
-                          <a:spcPct val="0"/>
-                        </a:spcAft>
-                        <a:buClr>
-                          <a:schemeClr val="accent1"/>
-                        </a:buClr>
-                        <a:buSzPct val="80000"/>
-                        <a:buFont typeface="Wingdings 2" panose="05020102010507070707" pitchFamily="18" charset="2"/>
-                        <a:buNone/>
-                        <a:tabLst/>
-                      </a:pPr>
-                      <a:endParaRPr kumimoji="0" lang="en-GB" altLang="en-US" sz="2100" b="0" i="0" u="none" strike="noStrike" cap="none" normalizeH="0" baseline="0" smtClean="0">
-                        <a:ln>
-                          <a:noFill/>
-                        </a:ln>
-                        <a:solidFill>
-                          <a:schemeClr val="tx1"/>
-                        </a:solidFill>
-                        <a:effectLst/>
-                        <a:latin typeface="Verdana" panose="020B0604030504040204" pitchFamily="34" charset="0"/>
-                      </a:endParaRPr>
-                    </a:p>
-                  </a:txBody>
-                  <a:tcPr horzOverflow="overflow">
-                    <a:lnL w="12700" cap="flat" cmpd="sng" algn="ctr">
-                      <a:solidFill>
-                        <a:schemeClr val="tx1"/>
-                      </a:solidFill>
-                      <a:prstDash val="solid"/>
-                      <a:round/>
-                      <a:headEnd type="none" w="med" len="med"/>
-                      <a:tailEnd type="none" w="med" len="med"/>
-                    </a:lnL>
-                    <a:lnR w="28575" cap="flat" cmpd="sng" algn="ctr">
-                      <a:solidFill>
-                        <a:schemeClr val="tx1"/>
-                      </a:solidFill>
-                      <a:prstDash val="solid"/>
-                      <a:round/>
-                      <a:headEnd type="none" w="med" len="med"/>
-                      <a:tailEnd type="none" w="med" len="med"/>
-                    </a:lnR>
-                    <a:lnT w="28575" cap="flat" cmpd="sng" algn="ctr">
-                      <a:solidFill>
-                        <a:schemeClr val="tx1"/>
-                      </a:solidFill>
-                      <a:prstDash val="solid"/>
-                      <a:round/>
-                      <a:headEnd type="none" w="med" len="med"/>
-                      <a:tailEnd type="none" w="med" len="med"/>
-                    </a:lnT>
-                    <a:lnB w="12700" cap="flat" cmpd="sng" algn="ctr">
-                      <a:solidFill>
-                        <a:schemeClr val="tx1"/>
-                      </a:solidFill>
-                      <a:prstDash val="solid"/>
-                      <a:round/>
-                      <a:headEnd type="none" w="med" len="med"/>
-                      <a:tailEnd type="none" w="med" len="med"/>
-                    </a:lnB>
-                    <a:lnTlToBr>
-                      <a:noFill/>
-                    </a:lnTlToBr>
-                    <a:lnBlToTr>
-                      <a:noFill/>
-                    </a:lnBlToTr>
-                    <a:noFill/>
-                  </a:tcPr>
-                </a:tc>
-                <a:extLst>
-                  <a:ext uri="{0D108BD9-81ED-4DB2-BD59-A6C34878D82A}">
-                    <a16:rowId xmlns:a16="http://schemas.microsoft.com/office/drawing/2014/main" val="10000"/>
-                  </a:ext>
-                </a:extLst>
-              </a:tr>
-              <a:tr h="625475">
-                <a:tc>
-                  <a:txBody>
-                    <a:bodyPr/>
-                    <a:lstStyle>
-                      <a:lvl1pPr>
-                        <a:spcBef>
-                          <a:spcPct val="20000"/>
-                        </a:spcBef>
-                        <a:buClr>
-                          <a:schemeClr val="accent1"/>
-                        </a:buClr>
-                        <a:buSzPct val="80000"/>
-                        <a:buFont typeface="Wingdings 2" panose="05020102010507070707" pitchFamily="18" charset="2"/>
-                        <a:defRPr sz="2100">
-                          <a:solidFill>
-                            <a:schemeClr val="tx1"/>
-                          </a:solidFill>
-                          <a:latin typeface="Verdana" panose="020B0604030504040204" pitchFamily="34" charset="0"/>
-                        </a:defRPr>
-                      </a:lvl1pPr>
-                      <a:lvl2pPr>
-                        <a:spcBef>
-                          <a:spcPct val="20000"/>
-                        </a:spcBef>
-                        <a:buClr>
-                          <a:schemeClr val="accent1"/>
-                        </a:buClr>
-                        <a:buSzPct val="125000"/>
-                        <a:defRPr sz="2000">
-                          <a:solidFill>
-                            <a:schemeClr val="tx1"/>
-                          </a:solidFill>
-                          <a:latin typeface="Verdana" panose="020B0604030504040204" pitchFamily="34" charset="0"/>
-                        </a:defRPr>
-                      </a:lvl2pPr>
-                      <a:lvl3pPr>
-                        <a:spcBef>
-                          <a:spcPct val="20000"/>
-                        </a:spcBef>
-                        <a:buClr>
-                          <a:schemeClr val="accent1"/>
-                        </a:buClr>
-                        <a:buSzPct val="60000"/>
-                        <a:defRPr>
-                          <a:solidFill>
-                            <a:schemeClr val="tx1"/>
-                          </a:solidFill>
-                          <a:latin typeface="Verdana" panose="020B0604030504040204" pitchFamily="34" charset="0"/>
-                        </a:defRPr>
-                      </a:lvl3pPr>
-                      <a:lvl4pPr>
-                        <a:spcBef>
-                          <a:spcPct val="20000"/>
-                        </a:spcBef>
-                        <a:defRPr>
-                          <a:solidFill>
-                            <a:schemeClr val="tx1"/>
-                          </a:solidFill>
-                          <a:latin typeface="Comic Sans MS" panose="030F0702030302020204" pitchFamily="66" charset="0"/>
-                        </a:defRPr>
-                      </a:lvl4pPr>
-                      <a:lvl5pPr>
-                        <a:spcBef>
-                          <a:spcPct val="20000"/>
-                        </a:spcBef>
-                        <a:defRPr>
-                          <a:solidFill>
-                            <a:schemeClr val="tx1"/>
-                          </a:solidFill>
-                          <a:latin typeface="Comic Sans MS" panose="030F0702030302020204" pitchFamily="66" charset="0"/>
-                        </a:defRPr>
-                      </a:lvl5pPr>
-                      <a:lvl6pPr fontAlgn="base">
-                        <a:spcBef>
-                          <a:spcPct val="20000"/>
-                        </a:spcBef>
-                        <a:spcAft>
-                          <a:spcPct val="0"/>
-                        </a:spcAft>
-                        <a:defRPr>
-                          <a:solidFill>
-                            <a:schemeClr val="tx1"/>
-                          </a:solidFill>
-                          <a:latin typeface="Comic Sans MS" panose="030F0702030302020204" pitchFamily="66" charset="0"/>
-                        </a:defRPr>
-                      </a:lvl6pPr>
-                      <a:lvl7pPr fontAlgn="base">
-                        <a:spcBef>
-                          <a:spcPct val="20000"/>
-                        </a:spcBef>
-                        <a:spcAft>
-                          <a:spcPct val="0"/>
-                        </a:spcAft>
-                        <a:defRPr>
-                          <a:solidFill>
-                            <a:schemeClr val="tx1"/>
-                          </a:solidFill>
-                          <a:latin typeface="Comic Sans MS" panose="030F0702030302020204" pitchFamily="66" charset="0"/>
-                        </a:defRPr>
-                      </a:lvl7pPr>
-                      <a:lvl8pPr fontAlgn="base">
-                        <a:spcBef>
-                          <a:spcPct val="20000"/>
-                        </a:spcBef>
-                        <a:spcAft>
-                          <a:spcPct val="0"/>
-                        </a:spcAft>
-                        <a:defRPr>
-                          <a:solidFill>
-                            <a:schemeClr val="tx1"/>
-                          </a:solidFill>
-                          <a:latin typeface="Comic Sans MS" panose="030F0702030302020204" pitchFamily="66" charset="0"/>
-                        </a:defRPr>
-                      </a:lvl8pPr>
-                      <a:lvl9pPr fontAlgn="base">
-                        <a:spcBef>
-                          <a:spcPct val="20000"/>
-                        </a:spcBef>
-                        <a:spcAft>
-                          <a:spcPct val="0"/>
-                        </a:spcAft>
-                        <a:defRPr>
-                          <a:solidFill>
-                            <a:schemeClr val="tx1"/>
-                          </a:solidFill>
-                          <a:latin typeface="Comic Sans MS" panose="030F0702030302020204" pitchFamily="66" charset="0"/>
-                        </a:defRPr>
-                      </a:lvl9pPr>
-                    </a:lstStyle>
-                    <a:p>
-                      <a:pPr marL="0" marR="0" lvl="0" indent="0" algn="l" defTabSz="914400" rtl="0" eaLnBrk="1" fontAlgn="base" latinLnBrk="0" hangingPunct="1">
-                        <a:lnSpc>
-                          <a:spcPct val="100000"/>
-                        </a:lnSpc>
-                        <a:spcBef>
-                          <a:spcPct val="20000"/>
-                        </a:spcBef>
-                        <a:spcAft>
-                          <a:spcPct val="0"/>
-                        </a:spcAft>
-                        <a:buClr>
-                          <a:schemeClr val="accent1"/>
-                        </a:buClr>
-                        <a:buSzPct val="80000"/>
-                        <a:buFont typeface="Wingdings 2" panose="05020102010507070707" pitchFamily="18" charset="2"/>
-                        <a:buNone/>
-                        <a:tabLst/>
-                      </a:pPr>
-                      <a:endParaRPr kumimoji="0" lang="en-GB" altLang="en-US" sz="2100" b="0" i="0" u="none" strike="noStrike" cap="none" normalizeH="0" baseline="0" smtClean="0">
-                        <a:ln>
-                          <a:noFill/>
-                        </a:ln>
-                        <a:solidFill>
-                          <a:schemeClr val="tx1"/>
-                        </a:solidFill>
-                        <a:effectLst/>
-                        <a:latin typeface="Verdana" panose="020B0604030504040204" pitchFamily="34" charset="0"/>
-                      </a:endParaRPr>
-                    </a:p>
-                  </a:txBody>
-                  <a:tcPr horzOverflow="overflow">
-                    <a:lnL w="28575" cap="flat" cmpd="sng" algn="ctr">
-                      <a:solidFill>
-                        <a:schemeClr val="tx1"/>
-                      </a:solidFill>
-                      <a:prstDash val="solid"/>
-                      <a:round/>
-                      <a:headEnd type="none" w="med" len="med"/>
-                      <a:tailEnd type="none" w="med" len="med"/>
-                    </a:lnL>
-                    <a:lnR w="12700" cap="flat" cmpd="sng" algn="ctr">
-                      <a:solidFill>
-                        <a:schemeClr val="tx1"/>
-                      </a:solidFill>
-                      <a:prstDash val="solid"/>
-                      <a:round/>
-                      <a:headEnd type="none" w="med" len="med"/>
-                      <a:tailEnd type="none" w="med" len="med"/>
-                    </a:lnR>
-                    <a:lnT w="12700" cap="flat" cmpd="sng" algn="ctr">
-                      <a:solidFill>
-                        <a:schemeClr val="tx1"/>
-                      </a:solidFill>
-                      <a:prstDash val="solid"/>
-                      <a:round/>
-                      <a:headEnd type="none" w="med" len="med"/>
-                      <a:tailEnd type="none" w="med" len="med"/>
-                    </a:lnT>
-                    <a:lnB w="28575" cap="flat" cmpd="sng" algn="ctr">
-                      <a:solidFill>
-                        <a:schemeClr val="tx1"/>
-                      </a:solidFill>
-                      <a:prstDash val="solid"/>
-                      <a:round/>
-                      <a:headEnd type="none" w="med" len="med"/>
-                      <a:tailEnd type="none" w="med" len="med"/>
-                    </a:lnB>
-                    <a:lnTlToBr>
-                      <a:noFill/>
-                    </a:lnTlToBr>
-                    <a:lnBlToTr>
-                      <a:noFill/>
-                    </a:lnBlToTr>
-                    <a:noFill/>
-                  </a:tcPr>
-                </a:tc>
-                <a:tc>
-                  <a:txBody>
-                    <a:bodyPr/>
-                    <a:lstStyle>
-                      <a:lvl1pPr>
-                        <a:spcBef>
-                          <a:spcPct val="20000"/>
-                        </a:spcBef>
-                        <a:buClr>
-                          <a:schemeClr val="accent1"/>
-                        </a:buClr>
-                        <a:buSzPct val="80000"/>
-                        <a:buFont typeface="Wingdings 2" panose="05020102010507070707" pitchFamily="18" charset="2"/>
-                        <a:defRPr sz="2100">
-                          <a:solidFill>
-                            <a:schemeClr val="tx1"/>
-                          </a:solidFill>
-                          <a:latin typeface="Verdana" panose="020B0604030504040204" pitchFamily="34" charset="0"/>
-                        </a:defRPr>
-                      </a:lvl1pPr>
-                      <a:lvl2pPr>
-                        <a:spcBef>
-                          <a:spcPct val="20000"/>
-                        </a:spcBef>
-                        <a:buClr>
-                          <a:schemeClr val="accent1"/>
-                        </a:buClr>
-                        <a:buSzPct val="125000"/>
-                        <a:defRPr sz="2000">
-                          <a:solidFill>
-                            <a:schemeClr val="tx1"/>
-                          </a:solidFill>
-                          <a:latin typeface="Verdana" panose="020B0604030504040204" pitchFamily="34" charset="0"/>
-                        </a:defRPr>
-                      </a:lvl2pPr>
-                      <a:lvl3pPr>
-                        <a:spcBef>
-                          <a:spcPct val="20000"/>
-                        </a:spcBef>
-                        <a:buClr>
-                          <a:schemeClr val="accent1"/>
-                        </a:buClr>
-                        <a:buSzPct val="60000"/>
-                        <a:defRPr>
-                          <a:solidFill>
-                            <a:schemeClr val="tx1"/>
-                          </a:solidFill>
-                          <a:latin typeface="Verdana" panose="020B0604030504040204" pitchFamily="34" charset="0"/>
-                        </a:defRPr>
-                      </a:lvl3pPr>
-                      <a:lvl4pPr>
-                        <a:spcBef>
-                          <a:spcPct val="20000"/>
-                        </a:spcBef>
-                        <a:defRPr>
-                          <a:solidFill>
-                            <a:schemeClr val="tx1"/>
-                          </a:solidFill>
-                          <a:latin typeface="Comic Sans MS" panose="030F0702030302020204" pitchFamily="66" charset="0"/>
-                        </a:defRPr>
-                      </a:lvl4pPr>
-                      <a:lvl5pPr>
-                        <a:spcBef>
-                          <a:spcPct val="20000"/>
-                        </a:spcBef>
-                        <a:defRPr>
-                          <a:solidFill>
-                            <a:schemeClr val="tx1"/>
-                          </a:solidFill>
-                          <a:latin typeface="Comic Sans MS" panose="030F0702030302020204" pitchFamily="66" charset="0"/>
-                        </a:defRPr>
-                      </a:lvl5pPr>
-                      <a:lvl6pPr fontAlgn="base">
-                        <a:spcBef>
-                          <a:spcPct val="20000"/>
-                        </a:spcBef>
-                        <a:spcAft>
-                          <a:spcPct val="0"/>
-                        </a:spcAft>
-                        <a:defRPr>
-                          <a:solidFill>
-                            <a:schemeClr val="tx1"/>
-                          </a:solidFill>
-                          <a:latin typeface="Comic Sans MS" panose="030F0702030302020204" pitchFamily="66" charset="0"/>
-                        </a:defRPr>
-                      </a:lvl6pPr>
-                      <a:lvl7pPr fontAlgn="base">
-                        <a:spcBef>
-                          <a:spcPct val="20000"/>
-                        </a:spcBef>
-                        <a:spcAft>
-                          <a:spcPct val="0"/>
-                        </a:spcAft>
-                        <a:defRPr>
-                          <a:solidFill>
-                            <a:schemeClr val="tx1"/>
-                          </a:solidFill>
-                          <a:latin typeface="Comic Sans MS" panose="030F0702030302020204" pitchFamily="66" charset="0"/>
-                        </a:defRPr>
-                      </a:lvl7pPr>
-                      <a:lvl8pPr fontAlgn="base">
-                        <a:spcBef>
-                          <a:spcPct val="20000"/>
-                        </a:spcBef>
-                        <a:spcAft>
-                          <a:spcPct val="0"/>
-                        </a:spcAft>
-                        <a:defRPr>
-                          <a:solidFill>
-                            <a:schemeClr val="tx1"/>
-                          </a:solidFill>
-                          <a:latin typeface="Comic Sans MS" panose="030F0702030302020204" pitchFamily="66" charset="0"/>
-                        </a:defRPr>
-                      </a:lvl8pPr>
-                      <a:lvl9pPr fontAlgn="base">
-                        <a:spcBef>
-                          <a:spcPct val="20000"/>
-                        </a:spcBef>
-                        <a:spcAft>
-                          <a:spcPct val="0"/>
-                        </a:spcAft>
-                        <a:defRPr>
-                          <a:solidFill>
-                            <a:schemeClr val="tx1"/>
-                          </a:solidFill>
-                          <a:latin typeface="Comic Sans MS" panose="030F0702030302020204" pitchFamily="66" charset="0"/>
-                        </a:defRPr>
-                      </a:lvl9pPr>
-                    </a:lstStyle>
-                    <a:p>
-                      <a:pPr marL="0" marR="0" lvl="0" indent="0" algn="l" defTabSz="914400" rtl="0" eaLnBrk="1" fontAlgn="base" latinLnBrk="0" hangingPunct="1">
-                        <a:lnSpc>
-                          <a:spcPct val="100000"/>
-                        </a:lnSpc>
-                        <a:spcBef>
-                          <a:spcPct val="20000"/>
-                        </a:spcBef>
-                        <a:spcAft>
-                          <a:spcPct val="0"/>
-                        </a:spcAft>
-                        <a:buClr>
-                          <a:schemeClr val="accent1"/>
-                        </a:buClr>
-                        <a:buSzPct val="80000"/>
-                        <a:buFont typeface="Wingdings 2" panose="05020102010507070707" pitchFamily="18" charset="2"/>
-                        <a:buNone/>
-                        <a:tabLst/>
-                      </a:pPr>
-                      <a:endParaRPr kumimoji="0" lang="en-GB" altLang="en-US" sz="2100" b="0" i="0" u="none" strike="noStrike" cap="none" normalizeH="0" baseline="0" smtClean="0">
-                        <a:ln>
-                          <a:noFill/>
-                        </a:ln>
-                        <a:solidFill>
-                          <a:schemeClr val="tx1"/>
-                        </a:solidFill>
-                        <a:effectLst/>
-                        <a:latin typeface="Verdana" panose="020B0604030504040204" pitchFamily="34" charset="0"/>
-                      </a:endParaRPr>
-                    </a:p>
-                  </a:txBody>
-                  <a:tcPr horzOverflow="overflow">
-                    <a:lnL w="12700" cap="flat" cmpd="sng" algn="ctr">
-                      <a:solidFill>
-                        <a:schemeClr val="tx1"/>
-                      </a:solidFill>
-                      <a:prstDash val="solid"/>
-                      <a:round/>
-                      <a:headEnd type="none" w="med" len="med"/>
-                      <a:tailEnd type="none" w="med" len="med"/>
-                    </a:lnL>
-                    <a:lnR w="28575" cap="flat" cmpd="sng" algn="ctr">
-                      <a:solidFill>
-                        <a:schemeClr val="tx1"/>
-                      </a:solidFill>
-                      <a:prstDash val="solid"/>
-                      <a:round/>
-                      <a:headEnd type="none" w="med" len="med"/>
-                      <a:tailEnd type="none" w="med" len="med"/>
-                    </a:lnR>
-                    <a:lnT w="12700" cap="flat" cmpd="sng" algn="ctr">
-                      <a:solidFill>
-                        <a:schemeClr val="tx1"/>
-                      </a:solidFill>
-                      <a:prstDash val="solid"/>
-                      <a:round/>
-                      <a:headEnd type="none" w="med" len="med"/>
-                      <a:tailEnd type="none" w="med" len="med"/>
-                    </a:lnT>
-                    <a:lnB w="28575" cap="flat" cmpd="sng" algn="ctr">
-                      <a:solidFill>
-                        <a:schemeClr val="tx1"/>
-                      </a:solidFill>
-                      <a:prstDash val="solid"/>
-                      <a:round/>
-                      <a:headEnd type="none" w="med" len="med"/>
-                      <a:tailEnd type="none" w="med" len="med"/>
-                    </a:lnB>
-                    <a:lnTlToBr>
-                      <a:noFill/>
-                    </a:lnTlToBr>
-                    <a:lnBlToTr>
-                      <a:noFill/>
-                    </a:lnBlToTr>
-                    <a:noFill/>
-                  </a:tcPr>
-                </a:tc>
-                <a:extLst>
-                  <a:ext uri="{0D108BD9-81ED-4DB2-BD59-A6C34878D82A}">
-                    <a16:rowId xmlns:a16="http://schemas.microsoft.com/office/drawing/2014/main" val="10001"/>
-                  </a:ext>
-                </a:extLst>
-              </a:tr>
-            </a:tbl>
-          </a:graphicData>
-        </a:graphic>
-      </p:graphicFrame>
-      <p:sp>
-        <p:nvSpPr>
-          <p:cNvPr id="18447" name="Rectangle 15"/>
-          <p:cNvSpPr>
-            <a:spLocks noChangeArrowheads="1"/>
-          </p:cNvSpPr>
-          <p:nvPr/>
-        </p:nvSpPr>
-        <p:spPr bwMode="auto">
-          <a:xfrm>
-            <a:off x="792163" y="4568825"/>
-            <a:ext cx="2232025" cy="1368425"/>
-          </a:xfrm>
-          <a:prstGeom prst="rect">
-            <a:avLst/>
-          </a:prstGeom>
-          <a:solidFill>
-            <a:schemeClr val="accent1"/>
-          </a:solidFill>
-          <a:ln w="9525">
-            <a:solidFill>
-              <a:schemeClr val="tx1"/>
-            </a:solidFill>
-            <a:miter lim="800000"/>
-            <a:headEnd/>
-            <a:tailEnd/>
-          </a:ln>
-          <a:effectLst/>
-          <a:extLst>
-            <a:ext uri="{AF507438-7753-43E0-B8FC-AC1667EBCBE1}">
-              <a14:hiddenEffects xmlns:a14="http://schemas.microsoft.com/office/drawing/2010/main">
-                <a:effectLst>
-                  <a:outerShdw dist="35921" dir="2700000" algn="ctr" rotWithShape="0">
-                    <a:schemeClr val="bg2"/>
-                  </a:outerShdw>
-                </a:effectLst>
-              </a14:hiddenEffects>
-            </a:ext>
-          </a:extLst>
-        </p:spPr>
-        <p:txBody>
-          <a:bodyPr wrap="none" anchor="ctr"/>
-          <a:lstStyle>
-            <a:lvl1pPr>
-              <a:defRPr sz="2400">
-                <a:solidFill>
-                  <a:schemeClr val="tx1"/>
-                </a:solidFill>
-                <a:latin typeface="Times New Roman" panose="02020603050405020304" pitchFamily="18" charset="0"/>
-              </a:defRPr>
-            </a:lvl1pPr>
-            <a:lvl2pPr marL="742950" indent="-285750">
-              <a:defRPr sz="2400">
-                <a:solidFill>
-                  <a:schemeClr val="tx1"/>
-                </a:solidFill>
-                <a:latin typeface="Times New Roman" panose="02020603050405020304" pitchFamily="18" charset="0"/>
-              </a:defRPr>
-            </a:lvl2pPr>
-            <a:lvl3pPr marL="1143000" indent="-228600">
-              <a:defRPr sz="2400">
-                <a:solidFill>
-                  <a:schemeClr val="tx1"/>
-                </a:solidFill>
-                <a:latin typeface="Times New Roman" panose="02020603050405020304" pitchFamily="18" charset="0"/>
-              </a:defRPr>
-            </a:lvl3pPr>
-            <a:lvl4pPr marL="1600200" indent="-228600">
-              <a:defRPr sz="2400">
-                <a:solidFill>
-                  <a:schemeClr val="tx1"/>
-                </a:solidFill>
-                <a:latin typeface="Times New Roman" panose="02020603050405020304" pitchFamily="18" charset="0"/>
-              </a:defRPr>
-            </a:lvl4pPr>
-            <a:lvl5pPr marL="2057400" indent="-228600">
-              <a:defRPr sz="2400">
-                <a:solidFill>
-                  <a:schemeClr val="tx1"/>
-                </a:solidFill>
-                <a:latin typeface="Times New Roman" panose="02020603050405020304" pitchFamily="18" charset="0"/>
-              </a:defRPr>
-            </a:lvl5pPr>
-            <a:lvl6pPr marL="2514600" indent="-228600" eaLnBrk="0" fontAlgn="base" hangingPunct="0">
-              <a:spcBef>
-                <a:spcPct val="0"/>
-              </a:spcBef>
-              <a:spcAft>
-                <a:spcPct val="0"/>
-              </a:spcAft>
-              <a:defRPr sz="2400">
-                <a:solidFill>
-                  <a:schemeClr val="tx1"/>
-                </a:solidFill>
-                <a:latin typeface="Times New Roman" panose="02020603050405020304" pitchFamily="18" charset="0"/>
-              </a:defRPr>
-            </a:lvl6pPr>
-            <a:lvl7pPr marL="2971800" indent="-228600" eaLnBrk="0" fontAlgn="base" hangingPunct="0">
-              <a:spcBef>
-                <a:spcPct val="0"/>
-              </a:spcBef>
-              <a:spcAft>
-                <a:spcPct val="0"/>
-              </a:spcAft>
-              <a:defRPr sz="2400">
-                <a:solidFill>
-                  <a:schemeClr val="tx1"/>
-                </a:solidFill>
-                <a:latin typeface="Times New Roman" panose="02020603050405020304" pitchFamily="18" charset="0"/>
-              </a:defRPr>
-            </a:lvl7pPr>
-            <a:lvl8pPr marL="3429000" indent="-228600" eaLnBrk="0" fontAlgn="base" hangingPunct="0">
-              <a:spcBef>
-                <a:spcPct val="0"/>
-              </a:spcBef>
-              <a:spcAft>
-                <a:spcPct val="0"/>
-              </a:spcAft>
-              <a:defRPr sz="2400">
-                <a:solidFill>
-                  <a:schemeClr val="tx1"/>
-                </a:solidFill>
-                <a:latin typeface="Times New Roman" panose="02020603050405020304" pitchFamily="18" charset="0"/>
-              </a:defRPr>
-            </a:lvl8pPr>
-            <a:lvl9pPr marL="3886200" indent="-228600" eaLnBrk="0" fontAlgn="base" hangingPunct="0">
-              <a:spcBef>
-                <a:spcPct val="0"/>
-              </a:spcBef>
-              <a:spcAft>
-                <a:spcPct val="0"/>
-              </a:spcAft>
-              <a:defRPr sz="2400">
-                <a:solidFill>
-                  <a:schemeClr val="tx1"/>
-                </a:solidFill>
-                <a:latin typeface="Times New Roman" panose="02020603050405020304" pitchFamily="18" charset="0"/>
-              </a:defRPr>
-            </a:lvl9pPr>
-          </a:lstStyle>
-          <a:p>
-            <a:pPr algn="ctr" eaLnBrk="1" hangingPunct="1"/>
-            <a:r>
-              <a:rPr lang="en-GB" altLang="en-US" sz="1800">
-                <a:latin typeface="Arial" panose="020B0604020202020204" pitchFamily="34" charset="0"/>
-                <a:cs typeface="Arial" panose="020B0604020202020204" pitchFamily="34" charset="0"/>
-              </a:rPr>
-              <a:t>Text box</a:t>
-            </a:r>
-            <a:endParaRPr lang="en-US" altLang="en-US" sz="1800">
-              <a:latin typeface="Arial" panose="020B0604020202020204" pitchFamily="34" charset="0"/>
-              <a:cs typeface="Arial" panose="020B0604020202020204" pitchFamily="34" charset="0"/>
-            </a:endParaRPr>
-          </a:p>
-        </p:txBody>
-      </p:sp>
-      <p:sp>
-        <p:nvSpPr>
-          <p:cNvPr id="18448" name="Rectangle 16"/>
-          <p:cNvSpPr>
-            <a:spLocks noChangeArrowheads="1"/>
-          </p:cNvSpPr>
-          <p:nvPr/>
-        </p:nvSpPr>
-        <p:spPr bwMode="auto">
-          <a:xfrm>
-            <a:off x="3671888" y="4568825"/>
-            <a:ext cx="2232025" cy="1368425"/>
-          </a:xfrm>
-          <a:prstGeom prst="rect">
-            <a:avLst/>
-          </a:prstGeom>
-          <a:solidFill>
-            <a:schemeClr val="accent1"/>
-          </a:solidFill>
-          <a:ln w="9525">
-            <a:solidFill>
-              <a:schemeClr val="tx1"/>
-            </a:solidFill>
-            <a:miter lim="800000"/>
-            <a:headEnd/>
-            <a:tailEnd/>
-          </a:ln>
-          <a:effectLst>
-            <a:outerShdw dist="107763" dir="2700000" algn="ctr" rotWithShape="0">
-              <a:schemeClr val="bg2">
-                <a:alpha val="50000"/>
-              </a:schemeClr>
-            </a:outerShdw>
-          </a:effectLst>
-        </p:spPr>
-        <p:txBody>
-          <a:bodyPr wrap="none" anchor="ctr"/>
-          <a:lstStyle>
-            <a:lvl1pPr>
-              <a:defRPr sz="2400">
-                <a:solidFill>
-                  <a:schemeClr val="tx1"/>
-                </a:solidFill>
-                <a:latin typeface="Times New Roman" panose="02020603050405020304" pitchFamily="18" charset="0"/>
-              </a:defRPr>
-            </a:lvl1pPr>
-            <a:lvl2pPr marL="742950" indent="-285750">
-              <a:defRPr sz="2400">
-                <a:solidFill>
-                  <a:schemeClr val="tx1"/>
-                </a:solidFill>
-                <a:latin typeface="Times New Roman" panose="02020603050405020304" pitchFamily="18" charset="0"/>
-              </a:defRPr>
-            </a:lvl2pPr>
-            <a:lvl3pPr marL="1143000" indent="-228600">
-              <a:defRPr sz="2400">
-                <a:solidFill>
-                  <a:schemeClr val="tx1"/>
-                </a:solidFill>
-                <a:latin typeface="Times New Roman" panose="02020603050405020304" pitchFamily="18" charset="0"/>
-              </a:defRPr>
-            </a:lvl3pPr>
-            <a:lvl4pPr marL="1600200" indent="-228600">
-              <a:defRPr sz="2400">
-                <a:solidFill>
-                  <a:schemeClr val="tx1"/>
-                </a:solidFill>
-                <a:latin typeface="Times New Roman" panose="02020603050405020304" pitchFamily="18" charset="0"/>
-              </a:defRPr>
-            </a:lvl4pPr>
-            <a:lvl5pPr marL="2057400" indent="-228600">
-              <a:defRPr sz="2400">
-                <a:solidFill>
-                  <a:schemeClr val="tx1"/>
-                </a:solidFill>
-                <a:latin typeface="Times New Roman" panose="02020603050405020304" pitchFamily="18" charset="0"/>
-              </a:defRPr>
-            </a:lvl5pPr>
-            <a:lvl6pPr marL="2514600" indent="-228600" eaLnBrk="0" fontAlgn="base" hangingPunct="0">
-              <a:spcBef>
-                <a:spcPct val="0"/>
-              </a:spcBef>
-              <a:spcAft>
-                <a:spcPct val="0"/>
-              </a:spcAft>
-              <a:defRPr sz="2400">
-                <a:solidFill>
-                  <a:schemeClr val="tx1"/>
-                </a:solidFill>
-                <a:latin typeface="Times New Roman" panose="02020603050405020304" pitchFamily="18" charset="0"/>
-              </a:defRPr>
-            </a:lvl6pPr>
-            <a:lvl7pPr marL="2971800" indent="-228600" eaLnBrk="0" fontAlgn="base" hangingPunct="0">
-              <a:spcBef>
-                <a:spcPct val="0"/>
-              </a:spcBef>
-              <a:spcAft>
-                <a:spcPct val="0"/>
-              </a:spcAft>
-              <a:defRPr sz="2400">
-                <a:solidFill>
-                  <a:schemeClr val="tx1"/>
-                </a:solidFill>
-                <a:latin typeface="Times New Roman" panose="02020603050405020304" pitchFamily="18" charset="0"/>
-              </a:defRPr>
-            </a:lvl7pPr>
-            <a:lvl8pPr marL="3429000" indent="-228600" eaLnBrk="0" fontAlgn="base" hangingPunct="0">
-              <a:spcBef>
-                <a:spcPct val="0"/>
-              </a:spcBef>
-              <a:spcAft>
-                <a:spcPct val="0"/>
-              </a:spcAft>
-              <a:defRPr sz="2400">
-                <a:solidFill>
-                  <a:schemeClr val="tx1"/>
-                </a:solidFill>
-                <a:latin typeface="Times New Roman" panose="02020603050405020304" pitchFamily="18" charset="0"/>
-              </a:defRPr>
-            </a:lvl8pPr>
-            <a:lvl9pPr marL="3886200" indent="-228600" eaLnBrk="0" fontAlgn="base" hangingPunct="0">
-              <a:spcBef>
-                <a:spcPct val="0"/>
-              </a:spcBef>
-              <a:spcAft>
-                <a:spcPct val="0"/>
-              </a:spcAft>
-              <a:defRPr sz="2400">
-                <a:solidFill>
-                  <a:schemeClr val="tx1"/>
-                </a:solidFill>
-                <a:latin typeface="Times New Roman" panose="02020603050405020304" pitchFamily="18" charset="0"/>
-              </a:defRPr>
-            </a:lvl9pPr>
-          </a:lstStyle>
-          <a:p>
-            <a:pPr algn="ctr" eaLnBrk="1" hangingPunct="1"/>
-            <a:r>
-              <a:rPr lang="en-GB" altLang="en-US" sz="1800">
-                <a:latin typeface="Arial" panose="020B0604020202020204" pitchFamily="34" charset="0"/>
-                <a:cs typeface="Arial" panose="020B0604020202020204" pitchFamily="34" charset="0"/>
-              </a:rPr>
-              <a:t>Text box</a:t>
-            </a:r>
-          </a:p>
-          <a:p>
-            <a:pPr algn="ctr" eaLnBrk="1" hangingPunct="1"/>
-            <a:r>
-              <a:rPr lang="en-GB" altLang="en-US" sz="1800">
-                <a:latin typeface="Arial" panose="020B0604020202020204" pitchFamily="34" charset="0"/>
-                <a:cs typeface="Arial" panose="020B0604020202020204" pitchFamily="34" charset="0"/>
-              </a:rPr>
-              <a:t>With shadow</a:t>
-            </a:r>
-            <a:endParaRPr lang="en-US" altLang="en-US" sz="1800">
-              <a:latin typeface="Arial" panose="020B0604020202020204" pitchFamily="34" charset="0"/>
-              <a:cs typeface="Arial" panose="020B0604020202020204" pitchFamily="34" charset="0"/>
-            </a:endParaRPr>
-          </a:p>
-        </p:txBody>
-      </p:sp>
-    </p:spTree>
-  </p:cSld>
-  <p:clrMapOvr>
-    <a:masterClrMapping/>
-  </p:clrMapOvr>
-  <p:transition/>
-  <p:timing>
-    <p:tnLst>
-      <p:par>
-        <p:cTn id="1" dur="indefinite" restart="never" nodeType="tmRoot"/>
-      </p:par>
-    </p:tnLst>
-  </p:timing>
-</p:sld>
-</file>
-
 <file path=ppt/slides/slide9.xml><?xml version="1.0" encoding="utf-8"?>
 <p:sld xmlns:a="http://schemas.openxmlformats.org/drawingml/2006/main" xmlns:r="http://schemas.openxmlformats.org/officeDocument/2006/relationships" xmlns:p="http://schemas.openxmlformats.org/presentationml/2006/main">
   <p:cSld>
@@ -14559,165 +18922,7 @@
       </p:grpSpPr>
       <p:sp>
         <p:nvSpPr>
-          <p:cNvPr id="20482" name="Rectangle 2"/>
-          <p:cNvSpPr>
-            <a:spLocks noChangeArrowheads="1"/>
-          </p:cNvSpPr>
-          <p:nvPr/>
-        </p:nvSpPr>
-        <p:spPr bwMode="auto">
-          <a:xfrm>
-            <a:off x="539750" y="1268413"/>
-            <a:ext cx="8208963" cy="5329237"/>
-          </a:xfrm>
-          <a:prstGeom prst="rect">
-            <a:avLst/>
-          </a:prstGeom>
-          <a:noFill/>
-          <a:ln>
-            <a:noFill/>
-          </a:ln>
-          <a:effectLst/>
-          <a:extLst>
-            <a:ext uri="{909E8E84-426E-40DD-AFC4-6F175D3DCCD1}">
-              <a14:hiddenFill xmlns:a14="http://schemas.microsoft.com/office/drawing/2010/main">
-                <a:solidFill>
-                  <a:srgbClr val="7FD7FC">
-                    <a:alpha val="50195"/>
-                  </a:srgbClr>
-                </a:solidFill>
-              </a14:hiddenFill>
-            </a:ext>
-            <a:ext uri="{91240B29-F687-4F45-9708-019B960494DF}">
-              <a14:hiddenLine xmlns:a14="http://schemas.microsoft.com/office/drawing/2010/main" w="9525">
-                <a:solidFill>
-                  <a:schemeClr val="tx1"/>
-                </a:solidFill>
-                <a:miter lim="800000"/>
-                <a:headEnd/>
-                <a:tailEnd/>
-              </a14:hiddenLine>
-            </a:ext>
-            <a:ext uri="{AF507438-7753-43E0-B8FC-AC1667EBCBE1}">
-              <a14:hiddenEffects xmlns:a14="http://schemas.microsoft.com/office/drawing/2010/main">
-                <a:effectLst>
-                  <a:outerShdw dist="35921" dir="2700000" algn="ctr" rotWithShape="0">
-                    <a:schemeClr val="bg2"/>
-                  </a:outerShdw>
-                </a:effectLst>
-              </a14:hiddenEffects>
-            </a:ext>
-          </a:extLst>
-        </p:spPr>
-        <p:txBody>
-          <a:bodyPr wrap="none" anchor="ctr"/>
-          <a:lstStyle>
-            <a:lvl1pPr>
-              <a:defRPr sz="2400">
-                <a:solidFill>
-                  <a:schemeClr val="tx1"/>
-                </a:solidFill>
-                <a:latin typeface="Times New Roman" panose="02020603050405020304" pitchFamily="18" charset="0"/>
-              </a:defRPr>
-            </a:lvl1pPr>
-            <a:lvl2pPr marL="742950" indent="-285750">
-              <a:defRPr sz="2400">
-                <a:solidFill>
-                  <a:schemeClr val="tx1"/>
-                </a:solidFill>
-                <a:latin typeface="Times New Roman" panose="02020603050405020304" pitchFamily="18" charset="0"/>
-              </a:defRPr>
-            </a:lvl2pPr>
-            <a:lvl3pPr marL="1143000" indent="-228600">
-              <a:defRPr sz="2400">
-                <a:solidFill>
-                  <a:schemeClr val="tx1"/>
-                </a:solidFill>
-                <a:latin typeface="Times New Roman" panose="02020603050405020304" pitchFamily="18" charset="0"/>
-              </a:defRPr>
-            </a:lvl3pPr>
-            <a:lvl4pPr marL="1600200" indent="-228600">
-              <a:defRPr sz="2400">
-                <a:solidFill>
-                  <a:schemeClr val="tx1"/>
-                </a:solidFill>
-                <a:latin typeface="Times New Roman" panose="02020603050405020304" pitchFamily="18" charset="0"/>
-              </a:defRPr>
-            </a:lvl4pPr>
-            <a:lvl5pPr marL="2057400" indent="-228600">
-              <a:defRPr sz="2400">
-                <a:solidFill>
-                  <a:schemeClr val="tx1"/>
-                </a:solidFill>
-                <a:latin typeface="Times New Roman" panose="02020603050405020304" pitchFamily="18" charset="0"/>
-              </a:defRPr>
-            </a:lvl5pPr>
-            <a:lvl6pPr marL="2514600" indent="-228600" eaLnBrk="0" fontAlgn="base" hangingPunct="0">
-              <a:spcBef>
-                <a:spcPct val="0"/>
-              </a:spcBef>
-              <a:spcAft>
-                <a:spcPct val="0"/>
-              </a:spcAft>
-              <a:defRPr sz="2400">
-                <a:solidFill>
-                  <a:schemeClr val="tx1"/>
-                </a:solidFill>
-                <a:latin typeface="Times New Roman" panose="02020603050405020304" pitchFamily="18" charset="0"/>
-              </a:defRPr>
-            </a:lvl6pPr>
-            <a:lvl7pPr marL="2971800" indent="-228600" eaLnBrk="0" fontAlgn="base" hangingPunct="0">
-              <a:spcBef>
-                <a:spcPct val="0"/>
-              </a:spcBef>
-              <a:spcAft>
-                <a:spcPct val="0"/>
-              </a:spcAft>
-              <a:defRPr sz="2400">
-                <a:solidFill>
-                  <a:schemeClr val="tx1"/>
-                </a:solidFill>
-                <a:latin typeface="Times New Roman" panose="02020603050405020304" pitchFamily="18" charset="0"/>
-              </a:defRPr>
-            </a:lvl7pPr>
-            <a:lvl8pPr marL="3429000" indent="-228600" eaLnBrk="0" fontAlgn="base" hangingPunct="0">
-              <a:spcBef>
-                <a:spcPct val="0"/>
-              </a:spcBef>
-              <a:spcAft>
-                <a:spcPct val="0"/>
-              </a:spcAft>
-              <a:defRPr sz="2400">
-                <a:solidFill>
-                  <a:schemeClr val="tx1"/>
-                </a:solidFill>
-                <a:latin typeface="Times New Roman" panose="02020603050405020304" pitchFamily="18" charset="0"/>
-              </a:defRPr>
-            </a:lvl8pPr>
-            <a:lvl9pPr marL="3886200" indent="-228600" eaLnBrk="0" fontAlgn="base" hangingPunct="0">
-              <a:spcBef>
-                <a:spcPct val="0"/>
-              </a:spcBef>
-              <a:spcAft>
-                <a:spcPct val="0"/>
-              </a:spcAft>
-              <a:defRPr sz="2400">
-                <a:solidFill>
-                  <a:schemeClr val="tx1"/>
-                </a:solidFill>
-                <a:latin typeface="Times New Roman" panose="02020603050405020304" pitchFamily="18" charset="0"/>
-              </a:defRPr>
-            </a:lvl9pPr>
-          </a:lstStyle>
-          <a:p>
-            <a:pPr eaLnBrk="1" hangingPunct="1"/>
-            <a:endParaRPr lang="en-GB" altLang="en-US"/>
-          </a:p>
-        </p:txBody>
-      </p:sp>
-      <p:sp>
-        <p:nvSpPr>
-          <p:cNvPr id="20483" name="Rectangle 3"/>
+          <p:cNvPr id="16386" name="Rectangle 2"/>
           <p:cNvSpPr>
             <a:spLocks noGrp="1" noChangeArrowheads="1"/>
           </p:cNvSpPr>
@@ -14733,7 +18938,7 @@
             <a:pPr eaLnBrk="1" hangingPunct="1"/>
             <a:r>
               <a:rPr lang="en-GB" altLang="en-US" smtClean="0"/>
-              <a:t>Use of templates</a:t>
+              <a:t>Two column bullet points</a:t>
             </a:r>
             <a:endParaRPr lang="en-US" altLang="en-US" smtClean="0"/>
           </a:p>
@@ -14741,956 +18946,59 @@
       </p:sp>
       <p:sp>
         <p:nvSpPr>
-          <p:cNvPr id="20484" name="Text Box 4"/>
-          <p:cNvSpPr txBox="1">
-            <a:spLocks noChangeArrowheads="1"/>
+          <p:cNvPr id="16387" name="Rectangle 3"/>
+          <p:cNvSpPr>
+            <a:spLocks noGrp="1" noChangeArrowheads="1"/>
           </p:cNvSpPr>
-          <p:nvPr/>
-        </p:nvSpPr>
-        <p:spPr bwMode="auto">
+          <p:nvPr>
+            <p:ph type="body" sz="half" idx="1"/>
+          </p:nvPr>
+        </p:nvSpPr>
+        <p:spPr>
           <a:xfrm>
-            <a:off x="1150938" y="1463675"/>
-            <a:ext cx="6950075" cy="701675"/>
+            <a:off x="685800" y="1981200"/>
+            <a:ext cx="3813175" cy="3886200"/>
           </a:xfrm>
-          <a:prstGeom prst="rect">
-            <a:avLst/>
-          </a:prstGeom>
-          <a:noFill/>
-          <a:ln>
-            <a:noFill/>
-          </a:ln>
-          <a:effectLst/>
-          <a:extLst>
-            <a:ext uri="{909E8E84-426E-40DD-AFC4-6F175D3DCCD1}">
-              <a14:hiddenFill xmlns:a14="http://schemas.microsoft.com/office/drawing/2010/main">
-                <a:solidFill>
-                  <a:schemeClr val="accent1"/>
-                </a:solidFill>
-              </a14:hiddenFill>
-            </a:ext>
-            <a:ext uri="{91240B29-F687-4F45-9708-019B960494DF}">
-              <a14:hiddenLine xmlns:a14="http://schemas.microsoft.com/office/drawing/2010/main" w="9525">
-                <a:solidFill>
-                  <a:schemeClr val="tx1"/>
-                </a:solidFill>
-                <a:miter lim="800000"/>
-                <a:headEnd/>
-                <a:tailEnd/>
-              </a14:hiddenLine>
-            </a:ext>
-            <a:ext uri="{AF507438-7753-43E0-B8FC-AC1667EBCBE1}">
-              <a14:hiddenEffects xmlns:a14="http://schemas.microsoft.com/office/drawing/2010/main">
-                <a:effectLst>
-                  <a:outerShdw dist="35921" dir="2700000" algn="ctr" rotWithShape="0">
-                    <a:schemeClr val="bg2"/>
-                  </a:outerShdw>
-                </a:effectLst>
-              </a14:hiddenEffects>
-            </a:ext>
-          </a:extLst>
         </p:spPr>
         <p:txBody>
-          <a:bodyPr>
-            <a:spAutoFit/>
-          </a:bodyPr>
-          <a:lstStyle>
-            <a:lvl1pPr>
-              <a:defRPr sz="2400">
-                <a:solidFill>
-                  <a:schemeClr val="tx1"/>
-                </a:solidFill>
-                <a:latin typeface="Times New Roman" panose="02020603050405020304" pitchFamily="18" charset="0"/>
-              </a:defRPr>
-            </a:lvl1pPr>
-            <a:lvl2pPr marL="742950" indent="-285750">
-              <a:defRPr sz="2400">
-                <a:solidFill>
-                  <a:schemeClr val="tx1"/>
-                </a:solidFill>
-                <a:latin typeface="Times New Roman" panose="02020603050405020304" pitchFamily="18" charset="0"/>
-              </a:defRPr>
-            </a:lvl2pPr>
-            <a:lvl3pPr marL="1143000" indent="-228600">
-              <a:defRPr sz="2400">
-                <a:solidFill>
-                  <a:schemeClr val="tx1"/>
-                </a:solidFill>
-                <a:latin typeface="Times New Roman" panose="02020603050405020304" pitchFamily="18" charset="0"/>
-              </a:defRPr>
-            </a:lvl3pPr>
-            <a:lvl4pPr marL="1600200" indent="-228600">
-              <a:defRPr sz="2400">
-                <a:solidFill>
-                  <a:schemeClr val="tx1"/>
-                </a:solidFill>
-                <a:latin typeface="Times New Roman" panose="02020603050405020304" pitchFamily="18" charset="0"/>
-              </a:defRPr>
-            </a:lvl4pPr>
-            <a:lvl5pPr marL="2057400" indent="-228600">
-              <a:defRPr sz="2400">
-                <a:solidFill>
-                  <a:schemeClr val="tx1"/>
-                </a:solidFill>
-                <a:latin typeface="Times New Roman" panose="02020603050405020304" pitchFamily="18" charset="0"/>
-              </a:defRPr>
-            </a:lvl5pPr>
-            <a:lvl6pPr marL="2514600" indent="-228600" eaLnBrk="0" fontAlgn="base" hangingPunct="0">
-              <a:spcBef>
-                <a:spcPct val="0"/>
-              </a:spcBef>
-              <a:spcAft>
-                <a:spcPct val="0"/>
-              </a:spcAft>
-              <a:defRPr sz="2400">
-                <a:solidFill>
-                  <a:schemeClr val="tx1"/>
-                </a:solidFill>
-                <a:latin typeface="Times New Roman" panose="02020603050405020304" pitchFamily="18" charset="0"/>
-              </a:defRPr>
-            </a:lvl6pPr>
-            <a:lvl7pPr marL="2971800" indent="-228600" eaLnBrk="0" fontAlgn="base" hangingPunct="0">
-              <a:spcBef>
-                <a:spcPct val="0"/>
-              </a:spcBef>
-              <a:spcAft>
-                <a:spcPct val="0"/>
-              </a:spcAft>
-              <a:defRPr sz="2400">
-                <a:solidFill>
-                  <a:schemeClr val="tx1"/>
-                </a:solidFill>
-                <a:latin typeface="Times New Roman" panose="02020603050405020304" pitchFamily="18" charset="0"/>
-              </a:defRPr>
-            </a:lvl7pPr>
-            <a:lvl8pPr marL="3429000" indent="-228600" eaLnBrk="0" fontAlgn="base" hangingPunct="0">
-              <a:spcBef>
-                <a:spcPct val="0"/>
-              </a:spcBef>
-              <a:spcAft>
-                <a:spcPct val="0"/>
-              </a:spcAft>
-              <a:defRPr sz="2400">
-                <a:solidFill>
-                  <a:schemeClr val="tx1"/>
-                </a:solidFill>
-                <a:latin typeface="Times New Roman" panose="02020603050405020304" pitchFamily="18" charset="0"/>
-              </a:defRPr>
-            </a:lvl8pPr>
-            <a:lvl9pPr marL="3886200" indent="-228600" eaLnBrk="0" fontAlgn="base" hangingPunct="0">
-              <a:spcBef>
-                <a:spcPct val="0"/>
-              </a:spcBef>
-              <a:spcAft>
-                <a:spcPct val="0"/>
-              </a:spcAft>
-              <a:defRPr sz="2400">
-                <a:solidFill>
-                  <a:schemeClr val="tx1"/>
-                </a:solidFill>
-                <a:latin typeface="Times New Roman" panose="02020603050405020304" pitchFamily="18" charset="0"/>
-              </a:defRPr>
-            </a:lvl9pPr>
-          </a:lstStyle>
-          <a:p>
-            <a:pPr eaLnBrk="1" hangingPunct="1">
-              <a:spcBef>
-                <a:spcPct val="50000"/>
-              </a:spcBef>
-            </a:pPr>
-            <a:r>
-              <a:rPr lang="en-GB" altLang="en-US" sz="2000" b="1">
-                <a:latin typeface="Arial" panose="020B0604020202020204" pitchFamily="34" charset="0"/>
-                <a:cs typeface="Arial" panose="020B0604020202020204" pitchFamily="34" charset="0"/>
-              </a:rPr>
-              <a:t>You are free to use these templates for your personal and business presentations.</a:t>
-            </a:r>
+          <a:bodyPr/>
+          <a:lstStyle/>
+          <a:p>
+            <a:pPr eaLnBrk="1" hangingPunct="1"/>
+            <a:r>
+              <a:rPr lang="en-GB" altLang="en-US" sz="2100" dirty="0" smtClean="0"/>
+              <a:t>Bullets go in here</a:t>
+            </a:r>
+            <a:endParaRPr lang="en-US" altLang="en-US" sz="2100" dirty="0" smtClean="0"/>
           </a:p>
         </p:txBody>
       </p:sp>
       <p:sp>
         <p:nvSpPr>
-          <p:cNvPr id="20485" name="Text Box 5"/>
-          <p:cNvSpPr txBox="1">
-            <a:spLocks noChangeArrowheads="1"/>
+          <p:cNvPr id="16388" name="Rectangle 4"/>
+          <p:cNvSpPr>
+            <a:spLocks noGrp="1" noChangeArrowheads="1"/>
           </p:cNvSpPr>
-          <p:nvPr/>
-        </p:nvSpPr>
-        <p:spPr bwMode="auto">
+          <p:nvPr>
+            <p:ph type="body" sz="half" idx="2"/>
+          </p:nvPr>
+        </p:nvSpPr>
+        <p:spPr>
           <a:xfrm>
-            <a:off x="1150938" y="3140075"/>
-            <a:ext cx="3409950" cy="2251075"/>
+            <a:off x="4643438" y="1981200"/>
+            <a:ext cx="3814762" cy="3886200"/>
           </a:xfrm>
-          <a:prstGeom prst="rect">
-            <a:avLst/>
-          </a:prstGeom>
-          <a:noFill/>
-          <a:ln>
-            <a:noFill/>
-          </a:ln>
-          <a:effectLst/>
-          <a:extLst>
-            <a:ext uri="{909E8E84-426E-40DD-AFC4-6F175D3DCCD1}">
-              <a14:hiddenFill xmlns:a14="http://schemas.microsoft.com/office/drawing/2010/main">
-                <a:solidFill>
-                  <a:schemeClr val="accent1"/>
-                </a:solidFill>
-              </a14:hiddenFill>
-            </a:ext>
-            <a:ext uri="{91240B29-F687-4F45-9708-019B960494DF}">
-              <a14:hiddenLine xmlns:a14="http://schemas.microsoft.com/office/drawing/2010/main" w="9525">
-                <a:solidFill>
-                  <a:schemeClr val="tx1"/>
-                </a:solidFill>
-                <a:miter lim="800000"/>
-                <a:headEnd/>
-                <a:tailEnd/>
-              </a14:hiddenLine>
-            </a:ext>
-            <a:ext uri="{AF507438-7753-43E0-B8FC-AC1667EBCBE1}">
-              <a14:hiddenEffects xmlns:a14="http://schemas.microsoft.com/office/drawing/2010/main">
-                <a:effectLst>
-                  <a:outerShdw dist="35921" dir="2700000" algn="ctr" rotWithShape="0">
-                    <a:schemeClr val="bg2"/>
-                  </a:outerShdw>
-                </a:effectLst>
-              </a14:hiddenEffects>
-            </a:ext>
-          </a:extLst>
         </p:spPr>
         <p:txBody>
-          <a:bodyPr>
-            <a:spAutoFit/>
-          </a:bodyPr>
-          <a:lstStyle>
-            <a:lvl1pPr marL="265113" indent="-265113">
-              <a:defRPr sz="2400">
-                <a:solidFill>
-                  <a:schemeClr val="tx1"/>
-                </a:solidFill>
-                <a:latin typeface="Times New Roman" panose="02020603050405020304" pitchFamily="18" charset="0"/>
-              </a:defRPr>
-            </a:lvl1pPr>
-            <a:lvl2pPr marL="742950" indent="-285750">
-              <a:defRPr sz="2400">
-                <a:solidFill>
-                  <a:schemeClr val="tx1"/>
-                </a:solidFill>
-                <a:latin typeface="Times New Roman" panose="02020603050405020304" pitchFamily="18" charset="0"/>
-              </a:defRPr>
-            </a:lvl2pPr>
-            <a:lvl3pPr marL="1143000" indent="-228600">
-              <a:defRPr sz="2400">
-                <a:solidFill>
-                  <a:schemeClr val="tx1"/>
-                </a:solidFill>
-                <a:latin typeface="Times New Roman" panose="02020603050405020304" pitchFamily="18" charset="0"/>
-              </a:defRPr>
-            </a:lvl3pPr>
-            <a:lvl4pPr marL="1600200" indent="-228600">
-              <a:defRPr sz="2400">
-                <a:solidFill>
-                  <a:schemeClr val="tx1"/>
-                </a:solidFill>
-                <a:latin typeface="Times New Roman" panose="02020603050405020304" pitchFamily="18" charset="0"/>
-              </a:defRPr>
-            </a:lvl4pPr>
-            <a:lvl5pPr marL="2057400" indent="-228600">
-              <a:defRPr sz="2400">
-                <a:solidFill>
-                  <a:schemeClr val="tx1"/>
-                </a:solidFill>
-                <a:latin typeface="Times New Roman" panose="02020603050405020304" pitchFamily="18" charset="0"/>
-              </a:defRPr>
-            </a:lvl5pPr>
-            <a:lvl6pPr marL="2514600" indent="-228600" eaLnBrk="0" fontAlgn="base" hangingPunct="0">
-              <a:spcBef>
-                <a:spcPct val="0"/>
-              </a:spcBef>
-              <a:spcAft>
-                <a:spcPct val="0"/>
-              </a:spcAft>
-              <a:defRPr sz="2400">
-                <a:solidFill>
-                  <a:schemeClr val="tx1"/>
-                </a:solidFill>
-                <a:latin typeface="Times New Roman" panose="02020603050405020304" pitchFamily="18" charset="0"/>
-              </a:defRPr>
-            </a:lvl6pPr>
-            <a:lvl7pPr marL="2971800" indent="-228600" eaLnBrk="0" fontAlgn="base" hangingPunct="0">
-              <a:spcBef>
-                <a:spcPct val="0"/>
-              </a:spcBef>
-              <a:spcAft>
-                <a:spcPct val="0"/>
-              </a:spcAft>
-              <a:defRPr sz="2400">
-                <a:solidFill>
-                  <a:schemeClr val="tx1"/>
-                </a:solidFill>
-                <a:latin typeface="Times New Roman" panose="02020603050405020304" pitchFamily="18" charset="0"/>
-              </a:defRPr>
-            </a:lvl7pPr>
-            <a:lvl8pPr marL="3429000" indent="-228600" eaLnBrk="0" fontAlgn="base" hangingPunct="0">
-              <a:spcBef>
-                <a:spcPct val="0"/>
-              </a:spcBef>
-              <a:spcAft>
-                <a:spcPct val="0"/>
-              </a:spcAft>
-              <a:defRPr sz="2400">
-                <a:solidFill>
-                  <a:schemeClr val="tx1"/>
-                </a:solidFill>
-                <a:latin typeface="Times New Roman" panose="02020603050405020304" pitchFamily="18" charset="0"/>
-              </a:defRPr>
-            </a:lvl8pPr>
-            <a:lvl9pPr marL="3886200" indent="-228600" eaLnBrk="0" fontAlgn="base" hangingPunct="0">
-              <a:spcBef>
-                <a:spcPct val="0"/>
-              </a:spcBef>
-              <a:spcAft>
-                <a:spcPct val="0"/>
-              </a:spcAft>
-              <a:defRPr sz="2400">
-                <a:solidFill>
-                  <a:schemeClr val="tx1"/>
-                </a:solidFill>
-                <a:latin typeface="Times New Roman" panose="02020603050405020304" pitchFamily="18" charset="0"/>
-              </a:defRPr>
-            </a:lvl9pPr>
-          </a:lstStyle>
+          <a:bodyPr/>
+          <a:lstStyle/>
           <a:p>
             <a:pPr eaLnBrk="1" hangingPunct="1"/>
             <a:r>
-              <a:rPr lang="en-GB" altLang="en-US" sz="1600" b="1" u="sng">
-                <a:latin typeface="Arial" panose="020B0604020202020204" pitchFamily="34" charset="0"/>
-                <a:cs typeface="Arial" panose="020B0604020202020204" pitchFamily="34" charset="0"/>
-              </a:rPr>
-              <a:t>Do</a:t>
-            </a:r>
-          </a:p>
-          <a:p>
-            <a:pPr eaLnBrk="1" hangingPunct="1">
-              <a:buFont typeface="Wingdings" panose="05000000000000000000" pitchFamily="2" charset="2"/>
-              <a:buChar char="ü"/>
-            </a:pPr>
-            <a:r>
-              <a:rPr lang="en-GB" altLang="en-US" sz="1400">
-                <a:latin typeface="Arial" panose="020B0604020202020204" pitchFamily="34" charset="0"/>
-                <a:cs typeface="Arial" panose="020B0604020202020204" pitchFamily="34" charset="0"/>
-              </a:rPr>
-              <a:t>Use these templates for your presentations</a:t>
-            </a:r>
-          </a:p>
-          <a:p>
-            <a:pPr eaLnBrk="1" hangingPunct="1">
-              <a:buFont typeface="Wingdings" panose="05000000000000000000" pitchFamily="2" charset="2"/>
-              <a:buChar char="ü"/>
-            </a:pPr>
-            <a:r>
-              <a:rPr lang="en-GB" altLang="en-US" sz="1400">
-                <a:latin typeface="Arial" panose="020B0604020202020204" pitchFamily="34" charset="0"/>
-                <a:cs typeface="Arial" panose="020B0604020202020204" pitchFamily="34" charset="0"/>
-              </a:rPr>
-              <a:t>Display your presentation on a web site provided that it is not for the purpose of downloading the template.</a:t>
-            </a:r>
-          </a:p>
-          <a:p>
-            <a:pPr eaLnBrk="1" hangingPunct="1">
-              <a:buFont typeface="Wingdings" panose="05000000000000000000" pitchFamily="2" charset="2"/>
-              <a:buChar char="ü"/>
-            </a:pPr>
-            <a:r>
-              <a:rPr lang="en-US" altLang="en-US" sz="1400">
-                <a:latin typeface="Arial" panose="020B0604020202020204" pitchFamily="34" charset="0"/>
-                <a:cs typeface="Arial" panose="020B0604020202020204" pitchFamily="34" charset="0"/>
-              </a:rPr>
-              <a:t>If you like these templates, we would always appreciate a link back to our website.  Many thanks.</a:t>
-            </a:r>
-          </a:p>
-          <a:p>
-            <a:pPr eaLnBrk="1" hangingPunct="1">
-              <a:buFont typeface="Wingdings" panose="05000000000000000000" pitchFamily="2" charset="2"/>
-              <a:buChar char="ü"/>
-            </a:pPr>
-            <a:endParaRPr lang="en-US" altLang="en-US" sz="1400">
-              <a:latin typeface="Arial" panose="020B0604020202020204" pitchFamily="34" charset="0"/>
-              <a:cs typeface="Arial" panose="020B0604020202020204" pitchFamily="34" charset="0"/>
-            </a:endParaRPr>
-          </a:p>
-        </p:txBody>
-      </p:sp>
-      <p:sp>
-        <p:nvSpPr>
-          <p:cNvPr id="20486" name="Text Box 6"/>
-          <p:cNvSpPr txBox="1">
-            <a:spLocks noChangeArrowheads="1"/>
-          </p:cNvSpPr>
-          <p:nvPr/>
-        </p:nvSpPr>
-        <p:spPr bwMode="auto">
-          <a:xfrm>
-            <a:off x="4495800" y="3140075"/>
-            <a:ext cx="3640138" cy="2038350"/>
-          </a:xfrm>
-          <a:prstGeom prst="rect">
-            <a:avLst/>
-          </a:prstGeom>
-          <a:noFill/>
-          <a:ln>
-            <a:noFill/>
-          </a:ln>
-          <a:effectLst/>
-          <a:extLst>
-            <a:ext uri="{909E8E84-426E-40DD-AFC4-6F175D3DCCD1}">
-              <a14:hiddenFill xmlns:a14="http://schemas.microsoft.com/office/drawing/2010/main">
-                <a:solidFill>
-                  <a:schemeClr val="accent1"/>
-                </a:solidFill>
-              </a14:hiddenFill>
-            </a:ext>
-            <a:ext uri="{91240B29-F687-4F45-9708-019B960494DF}">
-              <a14:hiddenLine xmlns:a14="http://schemas.microsoft.com/office/drawing/2010/main" w="9525">
-                <a:solidFill>
-                  <a:schemeClr val="tx1"/>
-                </a:solidFill>
-                <a:miter lim="800000"/>
-                <a:headEnd/>
-                <a:tailEnd/>
-              </a14:hiddenLine>
-            </a:ext>
-            <a:ext uri="{AF507438-7753-43E0-B8FC-AC1667EBCBE1}">
-              <a14:hiddenEffects xmlns:a14="http://schemas.microsoft.com/office/drawing/2010/main">
-                <a:effectLst>
-                  <a:outerShdw dist="35921" dir="2700000" algn="ctr" rotWithShape="0">
-                    <a:schemeClr val="bg2"/>
-                  </a:outerShdw>
-                </a:effectLst>
-              </a14:hiddenEffects>
-            </a:ext>
-          </a:extLst>
-        </p:spPr>
-        <p:txBody>
-          <a:bodyPr>
-            <a:spAutoFit/>
-          </a:bodyPr>
-          <a:lstStyle>
-            <a:lvl1pPr marL="265113" indent="-265113">
-              <a:defRPr sz="2400">
-                <a:solidFill>
-                  <a:schemeClr val="tx1"/>
-                </a:solidFill>
-                <a:latin typeface="Times New Roman" panose="02020603050405020304" pitchFamily="18" charset="0"/>
-              </a:defRPr>
-            </a:lvl1pPr>
-            <a:lvl2pPr marL="742950" indent="-285750">
-              <a:defRPr sz="2400">
-                <a:solidFill>
-                  <a:schemeClr val="tx1"/>
-                </a:solidFill>
-                <a:latin typeface="Times New Roman" panose="02020603050405020304" pitchFamily="18" charset="0"/>
-              </a:defRPr>
-            </a:lvl2pPr>
-            <a:lvl3pPr marL="1143000" indent="-228600">
-              <a:defRPr sz="2400">
-                <a:solidFill>
-                  <a:schemeClr val="tx1"/>
-                </a:solidFill>
-                <a:latin typeface="Times New Roman" panose="02020603050405020304" pitchFamily="18" charset="0"/>
-              </a:defRPr>
-            </a:lvl3pPr>
-            <a:lvl4pPr marL="1600200" indent="-228600">
-              <a:defRPr sz="2400">
-                <a:solidFill>
-                  <a:schemeClr val="tx1"/>
-                </a:solidFill>
-                <a:latin typeface="Times New Roman" panose="02020603050405020304" pitchFamily="18" charset="0"/>
-              </a:defRPr>
-            </a:lvl4pPr>
-            <a:lvl5pPr marL="2057400" indent="-228600">
-              <a:defRPr sz="2400">
-                <a:solidFill>
-                  <a:schemeClr val="tx1"/>
-                </a:solidFill>
-                <a:latin typeface="Times New Roman" panose="02020603050405020304" pitchFamily="18" charset="0"/>
-              </a:defRPr>
-            </a:lvl5pPr>
-            <a:lvl6pPr marL="2514600" indent="-228600" eaLnBrk="0" fontAlgn="base" hangingPunct="0">
-              <a:spcBef>
-                <a:spcPct val="0"/>
-              </a:spcBef>
-              <a:spcAft>
-                <a:spcPct val="0"/>
-              </a:spcAft>
-              <a:defRPr sz="2400">
-                <a:solidFill>
-                  <a:schemeClr val="tx1"/>
-                </a:solidFill>
-                <a:latin typeface="Times New Roman" panose="02020603050405020304" pitchFamily="18" charset="0"/>
-              </a:defRPr>
-            </a:lvl6pPr>
-            <a:lvl7pPr marL="2971800" indent="-228600" eaLnBrk="0" fontAlgn="base" hangingPunct="0">
-              <a:spcBef>
-                <a:spcPct val="0"/>
-              </a:spcBef>
-              <a:spcAft>
-                <a:spcPct val="0"/>
-              </a:spcAft>
-              <a:defRPr sz="2400">
-                <a:solidFill>
-                  <a:schemeClr val="tx1"/>
-                </a:solidFill>
-                <a:latin typeface="Times New Roman" panose="02020603050405020304" pitchFamily="18" charset="0"/>
-              </a:defRPr>
-            </a:lvl7pPr>
-            <a:lvl8pPr marL="3429000" indent="-228600" eaLnBrk="0" fontAlgn="base" hangingPunct="0">
-              <a:spcBef>
-                <a:spcPct val="0"/>
-              </a:spcBef>
-              <a:spcAft>
-                <a:spcPct val="0"/>
-              </a:spcAft>
-              <a:defRPr sz="2400">
-                <a:solidFill>
-                  <a:schemeClr val="tx1"/>
-                </a:solidFill>
-                <a:latin typeface="Times New Roman" panose="02020603050405020304" pitchFamily="18" charset="0"/>
-              </a:defRPr>
-            </a:lvl8pPr>
-            <a:lvl9pPr marL="3886200" indent="-228600" eaLnBrk="0" fontAlgn="base" hangingPunct="0">
-              <a:spcBef>
-                <a:spcPct val="0"/>
-              </a:spcBef>
-              <a:spcAft>
-                <a:spcPct val="0"/>
-              </a:spcAft>
-              <a:defRPr sz="2400">
-                <a:solidFill>
-                  <a:schemeClr val="tx1"/>
-                </a:solidFill>
-                <a:latin typeface="Times New Roman" panose="02020603050405020304" pitchFamily="18" charset="0"/>
-              </a:defRPr>
-            </a:lvl9pPr>
-          </a:lstStyle>
-          <a:p>
-            <a:pPr eaLnBrk="1" hangingPunct="1"/>
-            <a:r>
-              <a:rPr lang="en-GB" altLang="en-US" sz="1600" b="1" u="sng">
-                <a:latin typeface="Arial" panose="020B0604020202020204" pitchFamily="34" charset="0"/>
-                <a:cs typeface="Arial" panose="020B0604020202020204" pitchFamily="34" charset="0"/>
-              </a:rPr>
-              <a:t>Don’t</a:t>
-            </a:r>
-          </a:p>
-          <a:p>
-            <a:pPr eaLnBrk="1" hangingPunct="1">
-              <a:buFont typeface="Wingdings" panose="05000000000000000000" pitchFamily="2" charset="2"/>
-              <a:buChar char="û"/>
-            </a:pPr>
-            <a:r>
-              <a:rPr lang="en-GB" altLang="en-US" sz="1400">
-                <a:latin typeface="Arial" panose="020B0604020202020204" pitchFamily="34" charset="0"/>
-                <a:cs typeface="Arial" panose="020B0604020202020204" pitchFamily="34" charset="0"/>
-              </a:rPr>
-              <a:t>Resell or distribute these templates</a:t>
-            </a:r>
-          </a:p>
-          <a:p>
-            <a:pPr eaLnBrk="1" hangingPunct="1">
-              <a:buFont typeface="Wingdings" panose="05000000000000000000" pitchFamily="2" charset="2"/>
-              <a:buChar char="û"/>
-            </a:pPr>
-            <a:r>
-              <a:rPr lang="en-GB" altLang="en-US" sz="1400">
-                <a:latin typeface="Arial" panose="020B0604020202020204" pitchFamily="34" charset="0"/>
-                <a:cs typeface="Arial" panose="020B0604020202020204" pitchFamily="34" charset="0"/>
-              </a:rPr>
-              <a:t>Put these templates on a website for download.  This includes uploading them onto file sharing networks like Slideshare, Myspace, Facebook, bit torrent etc</a:t>
-            </a:r>
-          </a:p>
-          <a:p>
-            <a:pPr eaLnBrk="1" hangingPunct="1">
-              <a:buFont typeface="Wingdings" panose="05000000000000000000" pitchFamily="2" charset="2"/>
-              <a:buChar char="û"/>
-            </a:pPr>
-            <a:r>
-              <a:rPr lang="en-GB" altLang="en-US" sz="1400">
-                <a:latin typeface="Arial" panose="020B0604020202020204" pitchFamily="34" charset="0"/>
-                <a:cs typeface="Arial" panose="020B0604020202020204" pitchFamily="34" charset="0"/>
-              </a:rPr>
-              <a:t>Pass off any of our created content as your own work</a:t>
-            </a:r>
-            <a:endParaRPr lang="en-US" altLang="en-US" sz="1400">
-              <a:latin typeface="Arial" panose="020B0604020202020204" pitchFamily="34" charset="0"/>
-              <a:cs typeface="Arial" panose="020B0604020202020204" pitchFamily="34" charset="0"/>
-            </a:endParaRPr>
-          </a:p>
-        </p:txBody>
-      </p:sp>
-      <p:sp>
-        <p:nvSpPr>
-          <p:cNvPr id="20487" name="Text Box 7"/>
-          <p:cNvSpPr txBox="1">
-            <a:spLocks noChangeArrowheads="1"/>
-          </p:cNvSpPr>
-          <p:nvPr/>
-        </p:nvSpPr>
-        <p:spPr bwMode="auto">
-          <a:xfrm>
-            <a:off x="1042988" y="5422900"/>
-            <a:ext cx="7164387" cy="915988"/>
-          </a:xfrm>
-          <a:prstGeom prst="rect">
-            <a:avLst/>
-          </a:prstGeom>
-          <a:noFill/>
-          <a:ln>
-            <a:noFill/>
-          </a:ln>
-          <a:effectLst/>
-          <a:extLst>
-            <a:ext uri="{909E8E84-426E-40DD-AFC4-6F175D3DCCD1}">
-              <a14:hiddenFill xmlns:a14="http://schemas.microsoft.com/office/drawing/2010/main">
-                <a:solidFill>
-                  <a:srgbClr val="FFFFFF">
-                    <a:alpha val="74901"/>
-                  </a:srgbClr>
-                </a:solidFill>
-              </a14:hiddenFill>
-            </a:ext>
-            <a:ext uri="{91240B29-F687-4F45-9708-019B960494DF}">
-              <a14:hiddenLine xmlns:a14="http://schemas.microsoft.com/office/drawing/2010/main" w="9525">
-                <a:solidFill>
-                  <a:schemeClr val="tx1"/>
-                </a:solidFill>
-                <a:miter lim="800000"/>
-                <a:headEnd/>
-                <a:tailEnd/>
-              </a14:hiddenLine>
-            </a:ext>
-            <a:ext uri="{AF507438-7753-43E0-B8FC-AC1667EBCBE1}">
-              <a14:hiddenEffects xmlns:a14="http://schemas.microsoft.com/office/drawing/2010/main">
-                <a:effectLst>
-                  <a:outerShdw dist="35921" dir="2700000" algn="ctr" rotWithShape="0">
-                    <a:schemeClr val="bg2"/>
-                  </a:outerShdw>
-                </a:effectLst>
-              </a14:hiddenEffects>
-            </a:ext>
-          </a:extLst>
-        </p:spPr>
-        <p:txBody>
-          <a:bodyPr>
-            <a:spAutoFit/>
-          </a:bodyPr>
-          <a:lstStyle>
-            <a:lvl1pPr marL="342900" indent="-342900">
-              <a:defRPr sz="2400">
-                <a:solidFill>
-                  <a:schemeClr val="tx1"/>
-                </a:solidFill>
-                <a:latin typeface="Times New Roman" panose="02020603050405020304" pitchFamily="18" charset="0"/>
-              </a:defRPr>
-            </a:lvl1pPr>
-            <a:lvl2pPr>
-              <a:defRPr sz="2400">
-                <a:solidFill>
-                  <a:schemeClr val="tx1"/>
-                </a:solidFill>
-                <a:latin typeface="Times New Roman" panose="02020603050405020304" pitchFamily="18" charset="0"/>
-              </a:defRPr>
-            </a:lvl2pPr>
-            <a:lvl3pPr marL="1143000" indent="-228600">
-              <a:defRPr sz="2400">
-                <a:solidFill>
-                  <a:schemeClr val="tx1"/>
-                </a:solidFill>
-                <a:latin typeface="Times New Roman" panose="02020603050405020304" pitchFamily="18" charset="0"/>
-              </a:defRPr>
-            </a:lvl3pPr>
-            <a:lvl4pPr marL="1600200" indent="-228600">
-              <a:defRPr sz="2400">
-                <a:solidFill>
-                  <a:schemeClr val="tx1"/>
-                </a:solidFill>
-                <a:latin typeface="Times New Roman" panose="02020603050405020304" pitchFamily="18" charset="0"/>
-              </a:defRPr>
-            </a:lvl4pPr>
-            <a:lvl5pPr marL="2057400" indent="-228600">
-              <a:defRPr sz="2400">
-                <a:solidFill>
-                  <a:schemeClr val="tx1"/>
-                </a:solidFill>
-                <a:latin typeface="Times New Roman" panose="02020603050405020304" pitchFamily="18" charset="0"/>
-              </a:defRPr>
-            </a:lvl5pPr>
-            <a:lvl6pPr marL="2514600" indent="-228600" eaLnBrk="0" fontAlgn="base" hangingPunct="0">
-              <a:spcBef>
-                <a:spcPct val="0"/>
-              </a:spcBef>
-              <a:spcAft>
-                <a:spcPct val="0"/>
-              </a:spcAft>
-              <a:defRPr sz="2400">
-                <a:solidFill>
-                  <a:schemeClr val="tx1"/>
-                </a:solidFill>
-                <a:latin typeface="Times New Roman" panose="02020603050405020304" pitchFamily="18" charset="0"/>
-              </a:defRPr>
-            </a:lvl6pPr>
-            <a:lvl7pPr marL="2971800" indent="-228600" eaLnBrk="0" fontAlgn="base" hangingPunct="0">
-              <a:spcBef>
-                <a:spcPct val="0"/>
-              </a:spcBef>
-              <a:spcAft>
-                <a:spcPct val="0"/>
-              </a:spcAft>
-              <a:defRPr sz="2400">
-                <a:solidFill>
-                  <a:schemeClr val="tx1"/>
-                </a:solidFill>
-                <a:latin typeface="Times New Roman" panose="02020603050405020304" pitchFamily="18" charset="0"/>
-              </a:defRPr>
-            </a:lvl7pPr>
-            <a:lvl8pPr marL="3429000" indent="-228600" eaLnBrk="0" fontAlgn="base" hangingPunct="0">
-              <a:spcBef>
-                <a:spcPct val="0"/>
-              </a:spcBef>
-              <a:spcAft>
-                <a:spcPct val="0"/>
-              </a:spcAft>
-              <a:defRPr sz="2400">
-                <a:solidFill>
-                  <a:schemeClr val="tx1"/>
-                </a:solidFill>
-                <a:latin typeface="Times New Roman" panose="02020603050405020304" pitchFamily="18" charset="0"/>
-              </a:defRPr>
-            </a:lvl8pPr>
-            <a:lvl9pPr marL="3886200" indent="-228600" eaLnBrk="0" fontAlgn="base" hangingPunct="0">
-              <a:spcBef>
-                <a:spcPct val="0"/>
-              </a:spcBef>
-              <a:spcAft>
-                <a:spcPct val="0"/>
-              </a:spcAft>
-              <a:defRPr sz="2400">
-                <a:solidFill>
-                  <a:schemeClr val="tx1"/>
-                </a:solidFill>
-                <a:latin typeface="Times New Roman" panose="02020603050405020304" pitchFamily="18" charset="0"/>
-              </a:defRPr>
-            </a:lvl9pPr>
-          </a:lstStyle>
-          <a:p>
-            <a:pPr lvl="1" algn="ctr" eaLnBrk="1" hangingPunct="1">
-              <a:lnSpc>
-                <a:spcPct val="90000"/>
-              </a:lnSpc>
-              <a:spcBef>
-                <a:spcPct val="20000"/>
-              </a:spcBef>
-              <a:buClr>
-                <a:schemeClr val="accent1"/>
-              </a:buClr>
-            </a:pPr>
-            <a:r>
-              <a:rPr lang="en-GB" altLang="en-US" sz="2000" b="1">
-                <a:latin typeface="Arial" panose="020B0604020202020204" pitchFamily="34" charset="0"/>
-                <a:cs typeface="Arial" panose="020B0604020202020204" pitchFamily="34" charset="0"/>
-              </a:rPr>
-              <a:t>You can find many more free templates on the Presentation Magazine website </a:t>
-            </a:r>
-            <a:r>
-              <a:rPr lang="en-GB" altLang="en-US" sz="2000" b="1">
-                <a:latin typeface="Arial" panose="020B0604020202020204" pitchFamily="34" charset="0"/>
-                <a:cs typeface="Arial" panose="020B0604020202020204" pitchFamily="34" charset="0"/>
-                <a:hlinkClick r:id="rId3"/>
-              </a:rPr>
-              <a:t>www.presentationmagazine.com</a:t>
-            </a:r>
-            <a:r>
-              <a:rPr lang="en-GB" altLang="en-US" sz="2000" b="1">
-                <a:latin typeface="Arial" panose="020B0604020202020204" pitchFamily="34" charset="0"/>
-                <a:cs typeface="Arial" panose="020B0604020202020204" pitchFamily="34" charset="0"/>
-              </a:rPr>
-              <a:t>  </a:t>
-            </a:r>
-            <a:endParaRPr lang="en-US" altLang="en-US" sz="2000" b="1">
-              <a:latin typeface="Arial" panose="020B0604020202020204" pitchFamily="34" charset="0"/>
-              <a:cs typeface="Arial" panose="020B0604020202020204" pitchFamily="34" charset="0"/>
-            </a:endParaRPr>
-          </a:p>
-        </p:txBody>
-      </p:sp>
-      <p:sp>
-        <p:nvSpPr>
-          <p:cNvPr id="20488" name="Text Box 8"/>
-          <p:cNvSpPr txBox="1">
-            <a:spLocks noChangeArrowheads="1"/>
-          </p:cNvSpPr>
-          <p:nvPr/>
-        </p:nvSpPr>
-        <p:spPr bwMode="auto">
-          <a:xfrm>
-            <a:off x="1150938" y="2360613"/>
-            <a:ext cx="6926262" cy="730250"/>
-          </a:xfrm>
-          <a:prstGeom prst="rect">
-            <a:avLst/>
-          </a:prstGeom>
-          <a:noFill/>
-          <a:ln>
-            <a:noFill/>
-          </a:ln>
-          <a:effectLst/>
-          <a:extLst>
-            <a:ext uri="{909E8E84-426E-40DD-AFC4-6F175D3DCCD1}">
-              <a14:hiddenFill xmlns:a14="http://schemas.microsoft.com/office/drawing/2010/main">
-                <a:solidFill>
-                  <a:schemeClr val="accent1"/>
-                </a:solidFill>
-              </a14:hiddenFill>
-            </a:ext>
-            <a:ext uri="{91240B29-F687-4F45-9708-019B960494DF}">
-              <a14:hiddenLine xmlns:a14="http://schemas.microsoft.com/office/drawing/2010/main" w="9525">
-                <a:solidFill>
-                  <a:schemeClr val="tx1"/>
-                </a:solidFill>
-                <a:miter lim="800000"/>
-                <a:headEnd/>
-                <a:tailEnd/>
-              </a14:hiddenLine>
-            </a:ext>
-            <a:ext uri="{AF507438-7753-43E0-B8FC-AC1667EBCBE1}">
-              <a14:hiddenEffects xmlns:a14="http://schemas.microsoft.com/office/drawing/2010/main">
-                <a:effectLst>
-                  <a:outerShdw dist="35921" dir="2700000" algn="ctr" rotWithShape="0">
-                    <a:schemeClr val="bg2"/>
-                  </a:outerShdw>
-                </a:effectLst>
-              </a14:hiddenEffects>
-            </a:ext>
-          </a:extLst>
-        </p:spPr>
-        <p:txBody>
-          <a:bodyPr>
-            <a:spAutoFit/>
-          </a:bodyPr>
-          <a:lstStyle>
-            <a:lvl1pPr>
-              <a:defRPr sz="2400">
-                <a:solidFill>
-                  <a:schemeClr val="tx1"/>
-                </a:solidFill>
-                <a:latin typeface="Times New Roman" panose="02020603050405020304" pitchFamily="18" charset="0"/>
-              </a:defRPr>
-            </a:lvl1pPr>
-            <a:lvl2pPr marL="742950" indent="-285750">
-              <a:defRPr sz="2400">
-                <a:solidFill>
-                  <a:schemeClr val="tx1"/>
-                </a:solidFill>
-                <a:latin typeface="Times New Roman" panose="02020603050405020304" pitchFamily="18" charset="0"/>
-              </a:defRPr>
-            </a:lvl2pPr>
-            <a:lvl3pPr marL="1143000" indent="-228600">
-              <a:defRPr sz="2400">
-                <a:solidFill>
-                  <a:schemeClr val="tx1"/>
-                </a:solidFill>
-                <a:latin typeface="Times New Roman" panose="02020603050405020304" pitchFamily="18" charset="0"/>
-              </a:defRPr>
-            </a:lvl3pPr>
-            <a:lvl4pPr marL="1600200" indent="-228600">
-              <a:defRPr sz="2400">
-                <a:solidFill>
-                  <a:schemeClr val="tx1"/>
-                </a:solidFill>
-                <a:latin typeface="Times New Roman" panose="02020603050405020304" pitchFamily="18" charset="0"/>
-              </a:defRPr>
-            </a:lvl4pPr>
-            <a:lvl5pPr marL="2057400" indent="-228600">
-              <a:defRPr sz="2400">
-                <a:solidFill>
-                  <a:schemeClr val="tx1"/>
-                </a:solidFill>
-                <a:latin typeface="Times New Roman" panose="02020603050405020304" pitchFamily="18" charset="0"/>
-              </a:defRPr>
-            </a:lvl5pPr>
-            <a:lvl6pPr marL="2514600" indent="-228600" eaLnBrk="0" fontAlgn="base" hangingPunct="0">
-              <a:spcBef>
-                <a:spcPct val="0"/>
-              </a:spcBef>
-              <a:spcAft>
-                <a:spcPct val="0"/>
-              </a:spcAft>
-              <a:defRPr sz="2400">
-                <a:solidFill>
-                  <a:schemeClr val="tx1"/>
-                </a:solidFill>
-                <a:latin typeface="Times New Roman" panose="02020603050405020304" pitchFamily="18" charset="0"/>
-              </a:defRPr>
-            </a:lvl6pPr>
-            <a:lvl7pPr marL="2971800" indent="-228600" eaLnBrk="0" fontAlgn="base" hangingPunct="0">
-              <a:spcBef>
-                <a:spcPct val="0"/>
-              </a:spcBef>
-              <a:spcAft>
-                <a:spcPct val="0"/>
-              </a:spcAft>
-              <a:defRPr sz="2400">
-                <a:solidFill>
-                  <a:schemeClr val="tx1"/>
-                </a:solidFill>
-                <a:latin typeface="Times New Roman" panose="02020603050405020304" pitchFamily="18" charset="0"/>
-              </a:defRPr>
-            </a:lvl7pPr>
-            <a:lvl8pPr marL="3429000" indent="-228600" eaLnBrk="0" fontAlgn="base" hangingPunct="0">
-              <a:spcBef>
-                <a:spcPct val="0"/>
-              </a:spcBef>
-              <a:spcAft>
-                <a:spcPct val="0"/>
-              </a:spcAft>
-              <a:defRPr sz="2400">
-                <a:solidFill>
-                  <a:schemeClr val="tx1"/>
-                </a:solidFill>
-                <a:latin typeface="Times New Roman" panose="02020603050405020304" pitchFamily="18" charset="0"/>
-              </a:defRPr>
-            </a:lvl8pPr>
-            <a:lvl9pPr marL="3886200" indent="-228600" eaLnBrk="0" fontAlgn="base" hangingPunct="0">
-              <a:spcBef>
-                <a:spcPct val="0"/>
-              </a:spcBef>
-              <a:spcAft>
-                <a:spcPct val="0"/>
-              </a:spcAft>
-              <a:defRPr sz="2400">
-                <a:solidFill>
-                  <a:schemeClr val="tx1"/>
-                </a:solidFill>
-                <a:latin typeface="Times New Roman" panose="02020603050405020304" pitchFamily="18" charset="0"/>
-              </a:defRPr>
-            </a:lvl9pPr>
-          </a:lstStyle>
-          <a:p>
-            <a:pPr eaLnBrk="1" hangingPunct="1">
-              <a:spcBef>
-                <a:spcPct val="50000"/>
-              </a:spcBef>
-            </a:pPr>
-            <a:r>
-              <a:rPr lang="en-GB" altLang="en-US" sz="1400">
-                <a:latin typeface="Arial" panose="020B0604020202020204" pitchFamily="34" charset="0"/>
-                <a:cs typeface="Arial" panose="020B0604020202020204" pitchFamily="34" charset="0"/>
-              </a:rPr>
-              <a:t>We have put a lot of work into developing all these templates and retain the copyright in them.  They are not Open Source templates.  You can use them freely providing that you do not redistribute or sell them.</a:t>
-            </a:r>
-            <a:endParaRPr lang="en-US" altLang="en-US" sz="1400">
-              <a:latin typeface="Arial" panose="020B0604020202020204" pitchFamily="34" charset="0"/>
-              <a:cs typeface="Arial" panose="020B0604020202020204" pitchFamily="34" charset="0"/>
-            </a:endParaRPr>
+              <a:rPr lang="en-GB" altLang="en-US" sz="2100" dirty="0" smtClean="0"/>
+              <a:t>And also in here</a:t>
+            </a:r>
+            <a:endParaRPr lang="en-US" altLang="en-US" sz="2100" dirty="0" smtClean="0"/>
           </a:p>
         </p:txBody>
       </p:sp>

--- a/Useful/UML/Presentation/useful_ppt_초안.pptx
+++ b/Useful/UML/Presentation/useful_ppt_초안.pptx
@@ -10452,15 +10452,7 @@
                   <a:schemeClr val="bg2"/>
                 </a:solidFill>
               </a:rPr>
-              <a:t>(Oracle</a:t>
-            </a:r>
-            <a:r>
-              <a:rPr lang="en-US" altLang="ko-KR" sz="1100" dirty="0" smtClean="0">
-                <a:solidFill>
-                  <a:schemeClr val="bg2"/>
-                </a:solidFill>
-              </a:rPr>
-              <a:t>)</a:t>
+              <a:t>(Oracle)</a:t>
             </a:r>
             <a:endParaRPr lang="ko-KR" altLang="en-US" sz="1100" dirty="0">
               <a:solidFill>
@@ -15518,7 +15510,7 @@
           <a:graphicData uri="http://schemas.openxmlformats.org/presentationml/2006/ole">
             <mc:AlternateContent xmlns:mc="http://schemas.openxmlformats.org/markup-compatibility/2006">
               <mc:Choice xmlns:v="urn:schemas-microsoft-com:vml" Requires="v">
-                <p:oleObj spid="_x0000_s12298" name="Chart" r:id="rId4" imgW="10370091" imgH="5762841" progId="MSGraph.Chart.8">
+                <p:oleObj spid="_x0000_s12299" name="Chart" r:id="rId4" imgW="10370091" imgH="5762841" progId="MSGraph.Chart.8">
                   <p:embed followColorScheme="full"/>
                 </p:oleObj>
               </mc:Choice>

--- a/Useful/UML/Presentation/useful_ppt_초안.pptx
+++ b/Useful/UML/Presentation/useful_ppt_초안.pptx
@@ -5,18 +5,20 @@
     <p:sldMasterId id="2147483648" r:id="rId1"/>
   </p:sldMasterIdLst>
   <p:notesMasterIdLst>
-    <p:notesMasterId r:id="rId11"/>
+    <p:notesMasterId r:id="rId13"/>
   </p:notesMasterIdLst>
   <p:sldIdLst>
     <p:sldId id="266" r:id="rId2"/>
     <p:sldId id="258" r:id="rId3"/>
-    <p:sldId id="259" r:id="rId4"/>
-    <p:sldId id="260" r:id="rId5"/>
-    <p:sldId id="261" r:id="rId6"/>
-    <p:sldId id="262" r:id="rId7"/>
-    <p:sldId id="263" r:id="rId8"/>
-    <p:sldId id="264" r:id="rId9"/>
-    <p:sldId id="267" r:id="rId10"/>
+    <p:sldId id="268" r:id="rId4"/>
+    <p:sldId id="269" r:id="rId5"/>
+    <p:sldId id="259" r:id="rId6"/>
+    <p:sldId id="260" r:id="rId7"/>
+    <p:sldId id="261" r:id="rId8"/>
+    <p:sldId id="262" r:id="rId9"/>
+    <p:sldId id="263" r:id="rId10"/>
+    <p:sldId id="264" r:id="rId11"/>
+    <p:sldId id="267" r:id="rId12"/>
   </p:sldIdLst>
   <p:sldSz cx="9144000" cy="6858000" type="screen4x3"/>
   <p:notesSz cx="6858000" cy="9144000"/>
@@ -949,6 +951,384 @@
 </p:notes>
 </file>
 
+<file path=ppt/notesSlides/notesSlide10.xml><?xml version="1.0" encoding="utf-8"?>
+<p:notes xmlns:a="http://schemas.openxmlformats.org/drawingml/2006/main" xmlns:r="http://schemas.openxmlformats.org/officeDocument/2006/relationships" xmlns:p="http://schemas.openxmlformats.org/presentationml/2006/main">
+  <p:cSld>
+    <p:spTree>
+      <p:nvGrpSpPr>
+        <p:cNvPr id="1" name=""/>
+        <p:cNvGrpSpPr/>
+        <p:nvPr/>
+      </p:nvGrpSpPr>
+      <p:grpSpPr>
+        <a:xfrm>
+          <a:off x="0" y="0"/>
+          <a:ext cx="0" cy="0"/>
+          <a:chOff x="0" y="0"/>
+          <a:chExt cx="0" cy="0"/>
+        </a:xfrm>
+      </p:grpSpPr>
+      <p:sp>
+        <p:nvSpPr>
+          <p:cNvPr id="19458" name="Rectangle 7"/>
+          <p:cNvSpPr>
+            <a:spLocks noGrp="1" noChangeArrowheads="1"/>
+          </p:cNvSpPr>
+          <p:nvPr>
+            <p:ph type="sldNum" sz="quarter" idx="5"/>
+          </p:nvPr>
+        </p:nvSpPr>
+        <p:spPr>
+          <a:noFill/>
+        </p:spPr>
+        <p:txBody>
+          <a:bodyPr/>
+          <a:lstStyle>
+            <a:lvl1pPr>
+              <a:defRPr sz="2400">
+                <a:solidFill>
+                  <a:schemeClr val="tx1"/>
+                </a:solidFill>
+                <a:latin typeface="Times New Roman" panose="02020603050405020304" pitchFamily="18" charset="0"/>
+              </a:defRPr>
+            </a:lvl1pPr>
+            <a:lvl2pPr marL="742950" indent="-285750">
+              <a:defRPr sz="2400">
+                <a:solidFill>
+                  <a:schemeClr val="tx1"/>
+                </a:solidFill>
+                <a:latin typeface="Times New Roman" panose="02020603050405020304" pitchFamily="18" charset="0"/>
+              </a:defRPr>
+            </a:lvl2pPr>
+            <a:lvl3pPr marL="1143000" indent="-228600">
+              <a:defRPr sz="2400">
+                <a:solidFill>
+                  <a:schemeClr val="tx1"/>
+                </a:solidFill>
+                <a:latin typeface="Times New Roman" panose="02020603050405020304" pitchFamily="18" charset="0"/>
+              </a:defRPr>
+            </a:lvl3pPr>
+            <a:lvl4pPr marL="1600200" indent="-228600">
+              <a:defRPr sz="2400">
+                <a:solidFill>
+                  <a:schemeClr val="tx1"/>
+                </a:solidFill>
+                <a:latin typeface="Times New Roman" panose="02020603050405020304" pitchFamily="18" charset="0"/>
+              </a:defRPr>
+            </a:lvl4pPr>
+            <a:lvl5pPr marL="2057400" indent="-228600">
+              <a:defRPr sz="2400">
+                <a:solidFill>
+                  <a:schemeClr val="tx1"/>
+                </a:solidFill>
+                <a:latin typeface="Times New Roman" panose="02020603050405020304" pitchFamily="18" charset="0"/>
+              </a:defRPr>
+            </a:lvl5pPr>
+            <a:lvl6pPr marL="2514600" indent="-228600" eaLnBrk="0" fontAlgn="base" hangingPunct="0">
+              <a:spcBef>
+                <a:spcPct val="0"/>
+              </a:spcBef>
+              <a:spcAft>
+                <a:spcPct val="0"/>
+              </a:spcAft>
+              <a:defRPr sz="2400">
+                <a:solidFill>
+                  <a:schemeClr val="tx1"/>
+                </a:solidFill>
+                <a:latin typeface="Times New Roman" panose="02020603050405020304" pitchFamily="18" charset="0"/>
+              </a:defRPr>
+            </a:lvl6pPr>
+            <a:lvl7pPr marL="2971800" indent="-228600" eaLnBrk="0" fontAlgn="base" hangingPunct="0">
+              <a:spcBef>
+                <a:spcPct val="0"/>
+              </a:spcBef>
+              <a:spcAft>
+                <a:spcPct val="0"/>
+              </a:spcAft>
+              <a:defRPr sz="2400">
+                <a:solidFill>
+                  <a:schemeClr val="tx1"/>
+                </a:solidFill>
+                <a:latin typeface="Times New Roman" panose="02020603050405020304" pitchFamily="18" charset="0"/>
+              </a:defRPr>
+            </a:lvl7pPr>
+            <a:lvl8pPr marL="3429000" indent="-228600" eaLnBrk="0" fontAlgn="base" hangingPunct="0">
+              <a:spcBef>
+                <a:spcPct val="0"/>
+              </a:spcBef>
+              <a:spcAft>
+                <a:spcPct val="0"/>
+              </a:spcAft>
+              <a:defRPr sz="2400">
+                <a:solidFill>
+                  <a:schemeClr val="tx1"/>
+                </a:solidFill>
+                <a:latin typeface="Times New Roman" panose="02020603050405020304" pitchFamily="18" charset="0"/>
+              </a:defRPr>
+            </a:lvl8pPr>
+            <a:lvl9pPr marL="3886200" indent="-228600" eaLnBrk="0" fontAlgn="base" hangingPunct="0">
+              <a:spcBef>
+                <a:spcPct val="0"/>
+              </a:spcBef>
+              <a:spcAft>
+                <a:spcPct val="0"/>
+              </a:spcAft>
+              <a:defRPr sz="2400">
+                <a:solidFill>
+                  <a:schemeClr val="tx1"/>
+                </a:solidFill>
+                <a:latin typeface="Times New Roman" panose="02020603050405020304" pitchFamily="18" charset="0"/>
+              </a:defRPr>
+            </a:lvl9pPr>
+          </a:lstStyle>
+          <a:p>
+            <a:fld id="{1DCF7481-C510-4DA7-8856-C235BB044AA0}" type="slidenum">
+              <a:rPr lang="en-US" altLang="en-US" sz="1200"/>
+              <a:pPr/>
+              <a:t>10</a:t>
+            </a:fld>
+            <a:endParaRPr lang="en-US" altLang="en-US" sz="1200"/>
+          </a:p>
+        </p:txBody>
+      </p:sp>
+      <p:sp>
+        <p:nvSpPr>
+          <p:cNvPr id="19459" name="Rectangle 2"/>
+          <p:cNvSpPr>
+            <a:spLocks noGrp="1" noRot="1" noChangeAspect="1" noChangeArrowheads="1" noTextEdit="1"/>
+          </p:cNvSpPr>
+          <p:nvPr>
+            <p:ph type="sldImg"/>
+          </p:nvPr>
+        </p:nvSpPr>
+        <p:spPr>
+          <a:ln/>
+        </p:spPr>
+      </p:sp>
+      <p:sp>
+        <p:nvSpPr>
+          <p:cNvPr id="19460" name="Rectangle 3"/>
+          <p:cNvSpPr>
+            <a:spLocks noGrp="1" noChangeArrowheads="1"/>
+          </p:cNvSpPr>
+          <p:nvPr>
+            <p:ph type="body" idx="1"/>
+          </p:nvPr>
+        </p:nvSpPr>
+        <p:spPr>
+          <a:noFill/>
+        </p:spPr>
+        <p:txBody>
+          <a:bodyPr/>
+          <a:lstStyle/>
+          <a:p>
+            <a:pPr eaLnBrk="1" hangingPunct="1"/>
+            <a:endParaRPr lang="en-GB" altLang="en-US" smtClean="0"/>
+          </a:p>
+        </p:txBody>
+      </p:sp>
+    </p:spTree>
+    <p:extLst>
+      <p:ext uri="{BB962C8B-B14F-4D97-AF65-F5344CB8AC3E}">
+        <p14:creationId xmlns:p14="http://schemas.microsoft.com/office/powerpoint/2010/main" val="3469476500"/>
+      </p:ext>
+    </p:extLst>
+  </p:cSld>
+  <p:clrMapOvr>
+    <a:masterClrMapping/>
+  </p:clrMapOvr>
+</p:notes>
+</file>
+
+<file path=ppt/notesSlides/notesSlide11.xml><?xml version="1.0" encoding="utf-8"?>
+<p:notes xmlns:a="http://schemas.openxmlformats.org/drawingml/2006/main" xmlns:r="http://schemas.openxmlformats.org/officeDocument/2006/relationships" xmlns:p="http://schemas.openxmlformats.org/presentationml/2006/main">
+  <p:cSld>
+    <p:spTree>
+      <p:nvGrpSpPr>
+        <p:cNvPr id="1" name=""/>
+        <p:cNvGrpSpPr/>
+        <p:nvPr/>
+      </p:nvGrpSpPr>
+      <p:grpSpPr>
+        <a:xfrm>
+          <a:off x="0" y="0"/>
+          <a:ext cx="0" cy="0"/>
+          <a:chOff x="0" y="0"/>
+          <a:chExt cx="0" cy="0"/>
+        </a:xfrm>
+      </p:grpSpPr>
+      <p:sp>
+        <p:nvSpPr>
+          <p:cNvPr id="21506" name="Rectangle 7"/>
+          <p:cNvSpPr>
+            <a:spLocks noGrp="1" noChangeArrowheads="1"/>
+          </p:cNvSpPr>
+          <p:nvPr>
+            <p:ph type="sldNum" sz="quarter" idx="5"/>
+          </p:nvPr>
+        </p:nvSpPr>
+        <p:spPr>
+          <a:noFill/>
+        </p:spPr>
+        <p:txBody>
+          <a:bodyPr/>
+          <a:lstStyle>
+            <a:lvl1pPr>
+              <a:defRPr sz="2400">
+                <a:solidFill>
+                  <a:schemeClr val="tx1"/>
+                </a:solidFill>
+                <a:latin typeface="Times New Roman" panose="02020603050405020304" pitchFamily="18" charset="0"/>
+              </a:defRPr>
+            </a:lvl1pPr>
+            <a:lvl2pPr marL="742950" indent="-285750">
+              <a:defRPr sz="2400">
+                <a:solidFill>
+                  <a:schemeClr val="tx1"/>
+                </a:solidFill>
+                <a:latin typeface="Times New Roman" panose="02020603050405020304" pitchFamily="18" charset="0"/>
+              </a:defRPr>
+            </a:lvl2pPr>
+            <a:lvl3pPr marL="1143000" indent="-228600">
+              <a:defRPr sz="2400">
+                <a:solidFill>
+                  <a:schemeClr val="tx1"/>
+                </a:solidFill>
+                <a:latin typeface="Times New Roman" panose="02020603050405020304" pitchFamily="18" charset="0"/>
+              </a:defRPr>
+            </a:lvl3pPr>
+            <a:lvl4pPr marL="1600200" indent="-228600">
+              <a:defRPr sz="2400">
+                <a:solidFill>
+                  <a:schemeClr val="tx1"/>
+                </a:solidFill>
+                <a:latin typeface="Times New Roman" panose="02020603050405020304" pitchFamily="18" charset="0"/>
+              </a:defRPr>
+            </a:lvl4pPr>
+            <a:lvl5pPr marL="2057400" indent="-228600">
+              <a:defRPr sz="2400">
+                <a:solidFill>
+                  <a:schemeClr val="tx1"/>
+                </a:solidFill>
+                <a:latin typeface="Times New Roman" panose="02020603050405020304" pitchFamily="18" charset="0"/>
+              </a:defRPr>
+            </a:lvl5pPr>
+            <a:lvl6pPr marL="2514600" indent="-228600" eaLnBrk="0" fontAlgn="base" hangingPunct="0">
+              <a:spcBef>
+                <a:spcPct val="0"/>
+              </a:spcBef>
+              <a:spcAft>
+                <a:spcPct val="0"/>
+              </a:spcAft>
+              <a:defRPr sz="2400">
+                <a:solidFill>
+                  <a:schemeClr val="tx1"/>
+                </a:solidFill>
+                <a:latin typeface="Times New Roman" panose="02020603050405020304" pitchFamily="18" charset="0"/>
+              </a:defRPr>
+            </a:lvl6pPr>
+            <a:lvl7pPr marL="2971800" indent="-228600" eaLnBrk="0" fontAlgn="base" hangingPunct="0">
+              <a:spcBef>
+                <a:spcPct val="0"/>
+              </a:spcBef>
+              <a:spcAft>
+                <a:spcPct val="0"/>
+              </a:spcAft>
+              <a:defRPr sz="2400">
+                <a:solidFill>
+                  <a:schemeClr val="tx1"/>
+                </a:solidFill>
+                <a:latin typeface="Times New Roman" panose="02020603050405020304" pitchFamily="18" charset="0"/>
+              </a:defRPr>
+            </a:lvl7pPr>
+            <a:lvl8pPr marL="3429000" indent="-228600" eaLnBrk="0" fontAlgn="base" hangingPunct="0">
+              <a:spcBef>
+                <a:spcPct val="0"/>
+              </a:spcBef>
+              <a:spcAft>
+                <a:spcPct val="0"/>
+              </a:spcAft>
+              <a:defRPr sz="2400">
+                <a:solidFill>
+                  <a:schemeClr val="tx1"/>
+                </a:solidFill>
+                <a:latin typeface="Times New Roman" panose="02020603050405020304" pitchFamily="18" charset="0"/>
+              </a:defRPr>
+            </a:lvl8pPr>
+            <a:lvl9pPr marL="3886200" indent="-228600" eaLnBrk="0" fontAlgn="base" hangingPunct="0">
+              <a:spcBef>
+                <a:spcPct val="0"/>
+              </a:spcBef>
+              <a:spcAft>
+                <a:spcPct val="0"/>
+              </a:spcAft>
+              <a:defRPr sz="2400">
+                <a:solidFill>
+                  <a:schemeClr val="tx1"/>
+                </a:solidFill>
+                <a:latin typeface="Times New Roman" panose="02020603050405020304" pitchFamily="18" charset="0"/>
+              </a:defRPr>
+            </a:lvl9pPr>
+          </a:lstStyle>
+          <a:p>
+            <a:fld id="{D084F87C-EEC2-4DDB-9372-8EB9FFAA9EB6}" type="slidenum">
+              <a:rPr lang="en-US" altLang="en-US" sz="1200"/>
+              <a:pPr/>
+              <a:t>11</a:t>
+            </a:fld>
+            <a:endParaRPr lang="en-US" altLang="en-US" sz="1200"/>
+          </a:p>
+        </p:txBody>
+      </p:sp>
+      <p:sp>
+        <p:nvSpPr>
+          <p:cNvPr id="21507" name="Rectangle 2"/>
+          <p:cNvSpPr>
+            <a:spLocks noGrp="1" noRot="1" noChangeAspect="1" noChangeArrowheads="1" noTextEdit="1"/>
+          </p:cNvSpPr>
+          <p:nvPr>
+            <p:ph type="sldImg"/>
+          </p:nvPr>
+        </p:nvSpPr>
+        <p:spPr>
+          <a:ln/>
+        </p:spPr>
+      </p:sp>
+      <p:sp>
+        <p:nvSpPr>
+          <p:cNvPr id="21508" name="Rectangle 3"/>
+          <p:cNvSpPr>
+            <a:spLocks noGrp="1" noChangeArrowheads="1"/>
+          </p:cNvSpPr>
+          <p:nvPr>
+            <p:ph type="body" idx="1"/>
+          </p:nvPr>
+        </p:nvSpPr>
+        <p:spPr>
+          <a:noFill/>
+        </p:spPr>
+        <p:txBody>
+          <a:bodyPr/>
+          <a:lstStyle/>
+          <a:p>
+            <a:pPr eaLnBrk="1" hangingPunct="1"/>
+            <a:endParaRPr lang="en-GB" altLang="en-US" smtClean="0"/>
+          </a:p>
+        </p:txBody>
+      </p:sp>
+    </p:spTree>
+    <p:extLst>
+      <p:ext uri="{BB962C8B-B14F-4D97-AF65-F5344CB8AC3E}">
+        <p14:creationId xmlns:p14="http://schemas.microsoft.com/office/powerpoint/2010/main" val="280303846"/>
+      </p:ext>
+    </p:extLst>
+  </p:cSld>
+  <p:clrMapOvr>
+    <a:masterClrMapping/>
+  </p:clrMapOvr>
+</p:notes>
+</file>
+
 <file path=ppt/notesSlides/notesSlide2.xml><?xml version="1.0" encoding="utf-8"?>
 <p:notes xmlns:a="http://schemas.openxmlformats.org/drawingml/2006/main" xmlns:r="http://schemas.openxmlformats.org/officeDocument/2006/relationships" xmlns:p="http://schemas.openxmlformats.org/presentationml/2006/main">
   <p:cSld>
@@ -1157,7 +1537,7 @@
       </p:grpSpPr>
       <p:sp>
         <p:nvSpPr>
-          <p:cNvPr id="9218" name="Rectangle 7"/>
+          <p:cNvPr id="7170" name="Rectangle 7"/>
           <p:cNvSpPr>
             <a:spLocks noGrp="1" noChangeArrowheads="1"/>
           </p:cNvSpPr>
@@ -1269,7 +1649,7 @@
             </a:lvl9pPr>
           </a:lstStyle>
           <a:p>
-            <a:fld id="{B5B57AA3-CE5E-4EDA-B9D0-49F37FAF91E0}" type="slidenum">
+            <a:fld id="{FCA67B16-29DB-482A-A3FC-5CA45B61F919}" type="slidenum">
               <a:rPr lang="en-US" altLang="en-US" sz="1200"/>
               <a:pPr/>
               <a:t>3</a:t>
@@ -1280,7 +1660,7 @@
       </p:sp>
       <p:sp>
         <p:nvSpPr>
-          <p:cNvPr id="9219" name="Rectangle 2"/>
+          <p:cNvPr id="7171" name="Rectangle 2"/>
           <p:cNvSpPr>
             <a:spLocks noGrp="1" noRot="1" noChangeAspect="1" noChangeArrowheads="1" noTextEdit="1"/>
           </p:cNvSpPr>
@@ -1294,7 +1674,7 @@
       </p:sp>
       <p:sp>
         <p:nvSpPr>
-          <p:cNvPr id="9220" name="Rectangle 3"/>
+          <p:cNvPr id="7172" name="Rectangle 3"/>
           <p:cNvSpPr>
             <a:spLocks noGrp="1" noChangeArrowheads="1"/>
           </p:cNvSpPr>
@@ -1317,7 +1697,7 @@
     </p:spTree>
     <p:extLst>
       <p:ext uri="{BB962C8B-B14F-4D97-AF65-F5344CB8AC3E}">
-        <p14:creationId xmlns:p14="http://schemas.microsoft.com/office/powerpoint/2010/main" val="647810713"/>
+        <p14:creationId xmlns:p14="http://schemas.microsoft.com/office/powerpoint/2010/main" val="56520793"/>
       </p:ext>
     </p:extLst>
   </p:cSld>
@@ -1346,7 +1726,7 @@
       </p:grpSpPr>
       <p:sp>
         <p:nvSpPr>
-          <p:cNvPr id="11266" name="Rectangle 7"/>
+          <p:cNvPr id="7170" name="Rectangle 7"/>
           <p:cNvSpPr>
             <a:spLocks noGrp="1" noChangeArrowheads="1"/>
           </p:cNvSpPr>
@@ -1458,7 +1838,7 @@
             </a:lvl9pPr>
           </a:lstStyle>
           <a:p>
-            <a:fld id="{AA692BD8-D2D9-4239-82DE-7434D24FBD72}" type="slidenum">
+            <a:fld id="{FCA67B16-29DB-482A-A3FC-5CA45B61F919}" type="slidenum">
               <a:rPr lang="en-US" altLang="en-US" sz="1200"/>
               <a:pPr/>
               <a:t>4</a:t>
@@ -1469,7 +1849,7 @@
       </p:sp>
       <p:sp>
         <p:nvSpPr>
-          <p:cNvPr id="11267" name="Rectangle 2"/>
+          <p:cNvPr id="7171" name="Rectangle 2"/>
           <p:cNvSpPr>
             <a:spLocks noGrp="1" noRot="1" noChangeAspect="1" noChangeArrowheads="1" noTextEdit="1"/>
           </p:cNvSpPr>
@@ -1483,7 +1863,7 @@
       </p:sp>
       <p:sp>
         <p:nvSpPr>
-          <p:cNvPr id="11268" name="Rectangle 3"/>
+          <p:cNvPr id="7172" name="Rectangle 3"/>
           <p:cNvSpPr>
             <a:spLocks noGrp="1" noChangeArrowheads="1"/>
           </p:cNvSpPr>
@@ -1506,7 +1886,7 @@
     </p:spTree>
     <p:extLst>
       <p:ext uri="{BB962C8B-B14F-4D97-AF65-F5344CB8AC3E}">
-        <p14:creationId xmlns:p14="http://schemas.microsoft.com/office/powerpoint/2010/main" val="2001156890"/>
+        <p14:creationId xmlns:p14="http://schemas.microsoft.com/office/powerpoint/2010/main" val="1851130376"/>
       </p:ext>
     </p:extLst>
   </p:cSld>
@@ -1535,7 +1915,7 @@
       </p:grpSpPr>
       <p:sp>
         <p:nvSpPr>
-          <p:cNvPr id="13314" name="Rectangle 7"/>
+          <p:cNvPr id="9218" name="Rectangle 7"/>
           <p:cNvSpPr>
             <a:spLocks noGrp="1" noChangeArrowheads="1"/>
           </p:cNvSpPr>
@@ -1647,7 +2027,7 @@
             </a:lvl9pPr>
           </a:lstStyle>
           <a:p>
-            <a:fld id="{ED49E9B6-ADB2-4C59-B3C8-7ACAA1974432}" type="slidenum">
+            <a:fld id="{B5B57AA3-CE5E-4EDA-B9D0-49F37FAF91E0}" type="slidenum">
               <a:rPr lang="en-US" altLang="en-US" sz="1200"/>
               <a:pPr/>
               <a:t>5</a:t>
@@ -1658,7 +2038,7 @@
       </p:sp>
       <p:sp>
         <p:nvSpPr>
-          <p:cNvPr id="13315" name="Rectangle 2"/>
+          <p:cNvPr id="9219" name="Rectangle 2"/>
           <p:cNvSpPr>
             <a:spLocks noGrp="1" noRot="1" noChangeAspect="1" noChangeArrowheads="1" noTextEdit="1"/>
           </p:cNvSpPr>
@@ -1672,7 +2052,7 @@
       </p:sp>
       <p:sp>
         <p:nvSpPr>
-          <p:cNvPr id="13316" name="Rectangle 3"/>
+          <p:cNvPr id="9220" name="Rectangle 3"/>
           <p:cNvSpPr>
             <a:spLocks noGrp="1" noChangeArrowheads="1"/>
           </p:cNvSpPr>
@@ -1695,7 +2075,7 @@
     </p:spTree>
     <p:extLst>
       <p:ext uri="{BB962C8B-B14F-4D97-AF65-F5344CB8AC3E}">
-        <p14:creationId xmlns:p14="http://schemas.microsoft.com/office/powerpoint/2010/main" val="3901678336"/>
+        <p14:creationId xmlns:p14="http://schemas.microsoft.com/office/powerpoint/2010/main" val="647810713"/>
       </p:ext>
     </p:extLst>
   </p:cSld>
@@ -1724,7 +2104,7 @@
       </p:grpSpPr>
       <p:sp>
         <p:nvSpPr>
-          <p:cNvPr id="15362" name="Rectangle 7"/>
+          <p:cNvPr id="11266" name="Rectangle 7"/>
           <p:cNvSpPr>
             <a:spLocks noGrp="1" noChangeArrowheads="1"/>
           </p:cNvSpPr>
@@ -1836,7 +2216,7 @@
             </a:lvl9pPr>
           </a:lstStyle>
           <a:p>
-            <a:fld id="{79FACE4C-4A2E-42D4-B94F-A62839C2332B}" type="slidenum">
+            <a:fld id="{AA692BD8-D2D9-4239-82DE-7434D24FBD72}" type="slidenum">
               <a:rPr lang="en-US" altLang="en-US" sz="1200"/>
               <a:pPr/>
               <a:t>6</a:t>
@@ -1847,7 +2227,7 @@
       </p:sp>
       <p:sp>
         <p:nvSpPr>
-          <p:cNvPr id="15363" name="Rectangle 2"/>
+          <p:cNvPr id="11267" name="Rectangle 2"/>
           <p:cNvSpPr>
             <a:spLocks noGrp="1" noRot="1" noChangeAspect="1" noChangeArrowheads="1" noTextEdit="1"/>
           </p:cNvSpPr>
@@ -1861,7 +2241,7 @@
       </p:sp>
       <p:sp>
         <p:nvSpPr>
-          <p:cNvPr id="15364" name="Rectangle 3"/>
+          <p:cNvPr id="11268" name="Rectangle 3"/>
           <p:cNvSpPr>
             <a:spLocks noGrp="1" noChangeArrowheads="1"/>
           </p:cNvSpPr>
@@ -1884,7 +2264,7 @@
     </p:spTree>
     <p:extLst>
       <p:ext uri="{BB962C8B-B14F-4D97-AF65-F5344CB8AC3E}">
-        <p14:creationId xmlns:p14="http://schemas.microsoft.com/office/powerpoint/2010/main" val="3101929407"/>
+        <p14:creationId xmlns:p14="http://schemas.microsoft.com/office/powerpoint/2010/main" val="2001156890"/>
       </p:ext>
     </p:extLst>
   </p:cSld>
@@ -1913,7 +2293,7 @@
       </p:grpSpPr>
       <p:sp>
         <p:nvSpPr>
-          <p:cNvPr id="17410" name="Rectangle 7"/>
+          <p:cNvPr id="13314" name="Rectangle 7"/>
           <p:cNvSpPr>
             <a:spLocks noGrp="1" noChangeArrowheads="1"/>
           </p:cNvSpPr>
@@ -2025,7 +2405,7 @@
             </a:lvl9pPr>
           </a:lstStyle>
           <a:p>
-            <a:fld id="{A354F4E6-AD5C-4C2C-A04F-5D47E78D077D}" type="slidenum">
+            <a:fld id="{ED49E9B6-ADB2-4C59-B3C8-7ACAA1974432}" type="slidenum">
               <a:rPr lang="en-US" altLang="en-US" sz="1200"/>
               <a:pPr/>
               <a:t>7</a:t>
@@ -2036,7 +2416,7 @@
       </p:sp>
       <p:sp>
         <p:nvSpPr>
-          <p:cNvPr id="17411" name="Rectangle 2"/>
+          <p:cNvPr id="13315" name="Rectangle 2"/>
           <p:cNvSpPr>
             <a:spLocks noGrp="1" noRot="1" noChangeAspect="1" noChangeArrowheads="1" noTextEdit="1"/>
           </p:cNvSpPr>
@@ -2050,7 +2430,7 @@
       </p:sp>
       <p:sp>
         <p:nvSpPr>
-          <p:cNvPr id="17412" name="Rectangle 3"/>
+          <p:cNvPr id="13316" name="Rectangle 3"/>
           <p:cNvSpPr>
             <a:spLocks noGrp="1" noChangeArrowheads="1"/>
           </p:cNvSpPr>
@@ -2073,7 +2453,7 @@
     </p:spTree>
     <p:extLst>
       <p:ext uri="{BB962C8B-B14F-4D97-AF65-F5344CB8AC3E}">
-        <p14:creationId xmlns:p14="http://schemas.microsoft.com/office/powerpoint/2010/main" val="2945271792"/>
+        <p14:creationId xmlns:p14="http://schemas.microsoft.com/office/powerpoint/2010/main" val="3901678336"/>
       </p:ext>
     </p:extLst>
   </p:cSld>
@@ -2102,7 +2482,7 @@
       </p:grpSpPr>
       <p:sp>
         <p:nvSpPr>
-          <p:cNvPr id="19458" name="Rectangle 7"/>
+          <p:cNvPr id="15362" name="Rectangle 7"/>
           <p:cNvSpPr>
             <a:spLocks noGrp="1" noChangeArrowheads="1"/>
           </p:cNvSpPr>
@@ -2214,7 +2594,7 @@
             </a:lvl9pPr>
           </a:lstStyle>
           <a:p>
-            <a:fld id="{1DCF7481-C510-4DA7-8856-C235BB044AA0}" type="slidenum">
+            <a:fld id="{79FACE4C-4A2E-42D4-B94F-A62839C2332B}" type="slidenum">
               <a:rPr lang="en-US" altLang="en-US" sz="1200"/>
               <a:pPr/>
               <a:t>8</a:t>
@@ -2225,7 +2605,7 @@
       </p:sp>
       <p:sp>
         <p:nvSpPr>
-          <p:cNvPr id="19459" name="Rectangle 2"/>
+          <p:cNvPr id="15363" name="Rectangle 2"/>
           <p:cNvSpPr>
             <a:spLocks noGrp="1" noRot="1" noChangeAspect="1" noChangeArrowheads="1" noTextEdit="1"/>
           </p:cNvSpPr>
@@ -2239,7 +2619,7 @@
       </p:sp>
       <p:sp>
         <p:nvSpPr>
-          <p:cNvPr id="19460" name="Rectangle 3"/>
+          <p:cNvPr id="15364" name="Rectangle 3"/>
           <p:cNvSpPr>
             <a:spLocks noGrp="1" noChangeArrowheads="1"/>
           </p:cNvSpPr>
@@ -2262,7 +2642,7 @@
     </p:spTree>
     <p:extLst>
       <p:ext uri="{BB962C8B-B14F-4D97-AF65-F5344CB8AC3E}">
-        <p14:creationId xmlns:p14="http://schemas.microsoft.com/office/powerpoint/2010/main" val="3469476500"/>
+        <p14:creationId xmlns:p14="http://schemas.microsoft.com/office/powerpoint/2010/main" val="3101929407"/>
       </p:ext>
     </p:extLst>
   </p:cSld>
@@ -2291,7 +2671,7 @@
       </p:grpSpPr>
       <p:sp>
         <p:nvSpPr>
-          <p:cNvPr id="21506" name="Rectangle 7"/>
+          <p:cNvPr id="17410" name="Rectangle 7"/>
           <p:cNvSpPr>
             <a:spLocks noGrp="1" noChangeArrowheads="1"/>
           </p:cNvSpPr>
@@ -2403,7 +2783,7 @@
             </a:lvl9pPr>
           </a:lstStyle>
           <a:p>
-            <a:fld id="{D084F87C-EEC2-4DDB-9372-8EB9FFAA9EB6}" type="slidenum">
+            <a:fld id="{A354F4E6-AD5C-4C2C-A04F-5D47E78D077D}" type="slidenum">
               <a:rPr lang="en-US" altLang="en-US" sz="1200"/>
               <a:pPr/>
               <a:t>9</a:t>
@@ -2414,7 +2794,7 @@
       </p:sp>
       <p:sp>
         <p:nvSpPr>
-          <p:cNvPr id="21507" name="Rectangle 2"/>
+          <p:cNvPr id="17411" name="Rectangle 2"/>
           <p:cNvSpPr>
             <a:spLocks noGrp="1" noRot="1" noChangeAspect="1" noChangeArrowheads="1" noTextEdit="1"/>
           </p:cNvSpPr>
@@ -2428,7 +2808,7 @@
       </p:sp>
       <p:sp>
         <p:nvSpPr>
-          <p:cNvPr id="21508" name="Rectangle 3"/>
+          <p:cNvPr id="17412" name="Rectangle 3"/>
           <p:cNvSpPr>
             <a:spLocks noGrp="1" noChangeArrowheads="1"/>
           </p:cNvSpPr>
@@ -2451,7 +2831,7 @@
     </p:spTree>
     <p:extLst>
       <p:ext uri="{BB962C8B-B14F-4D97-AF65-F5344CB8AC3E}">
-        <p14:creationId xmlns:p14="http://schemas.microsoft.com/office/powerpoint/2010/main" val="280303846"/>
+        <p14:creationId xmlns:p14="http://schemas.microsoft.com/office/powerpoint/2010/main" val="2945271792"/>
       </p:ext>
     </p:extLst>
   </p:cSld>
@@ -6336,7 +6716,6 @@
               <a:rPr lang="en-US" altLang="en-US" dirty="0" smtClean="0"/>
               <a:t>Useful Groupware</a:t>
             </a:r>
-            <a:endParaRPr lang="en-US" altLang="en-US" dirty="0" smtClean="0"/>
           </a:p>
         </p:txBody>
       </p:sp>
@@ -6352,7 +6731,7 @@
         </p:nvSpPr>
         <p:spPr>
           <a:xfrm>
-            <a:off x="5070763" y="3334326"/>
+            <a:off x="6216073" y="3103417"/>
             <a:ext cx="2078182" cy="2964873"/>
           </a:xfrm>
         </p:spPr>
@@ -6429,6 +6808,2502 @@
   <p:clrMapOvr>
     <a:masterClrMapping/>
   </p:clrMapOvr>
+  <p:timing>
+    <p:tnLst>
+      <p:par>
+        <p:cTn id="1" dur="indefinite" restart="never" nodeType="tmRoot"/>
+      </p:par>
+    </p:tnLst>
+  </p:timing>
+</p:sld>
+</file>
+
+<file path=ppt/slides/slide10.xml><?xml version="1.0" encoding="utf-8"?>
+<p:sld xmlns:a="http://schemas.openxmlformats.org/drawingml/2006/main" xmlns:r="http://schemas.openxmlformats.org/officeDocument/2006/relationships" xmlns:p="http://schemas.openxmlformats.org/presentationml/2006/main">
+  <p:cSld>
+    <p:spTree>
+      <p:nvGrpSpPr>
+        <p:cNvPr id="1" name=""/>
+        <p:cNvGrpSpPr/>
+        <p:nvPr/>
+      </p:nvGrpSpPr>
+      <p:grpSpPr>
+        <a:xfrm>
+          <a:off x="0" y="0"/>
+          <a:ext cx="0" cy="0"/>
+          <a:chOff x="0" y="0"/>
+          <a:chExt cx="0" cy="0"/>
+        </a:xfrm>
+      </p:grpSpPr>
+      <p:sp>
+        <p:nvSpPr>
+          <p:cNvPr id="18434" name="Rectangle 2"/>
+          <p:cNvSpPr>
+            <a:spLocks noGrp="1" noChangeArrowheads="1"/>
+          </p:cNvSpPr>
+          <p:nvPr>
+            <p:ph type="title"/>
+          </p:nvPr>
+        </p:nvSpPr>
+        <p:spPr/>
+        <p:txBody>
+          <a:bodyPr/>
+          <a:lstStyle/>
+          <a:p>
+            <a:pPr eaLnBrk="1" hangingPunct="1"/>
+            <a:r>
+              <a:rPr lang="en-GB" altLang="en-US" smtClean="0"/>
+              <a:t>Examples of default styles</a:t>
+            </a:r>
+            <a:endParaRPr lang="en-US" altLang="en-US" smtClean="0"/>
+          </a:p>
+        </p:txBody>
+      </p:sp>
+      <p:sp>
+        <p:nvSpPr>
+          <p:cNvPr id="18435" name="Rectangle 3"/>
+          <p:cNvSpPr>
+            <a:spLocks noGrp="1" noChangeArrowheads="1"/>
+          </p:cNvSpPr>
+          <p:nvPr>
+            <p:ph type="body" sz="half" idx="1"/>
+          </p:nvPr>
+        </p:nvSpPr>
+        <p:spPr>
+          <a:xfrm>
+            <a:off x="685800" y="1981200"/>
+            <a:ext cx="4429125" cy="3886200"/>
+          </a:xfrm>
+          <a:noFill/>
+        </p:spPr>
+        <p:txBody>
+          <a:bodyPr/>
+          <a:lstStyle/>
+          <a:p>
+            <a:pPr eaLnBrk="1" hangingPunct="1"/>
+            <a:r>
+              <a:rPr lang="en-GB" altLang="en-US" sz="2100" smtClean="0"/>
+              <a:t>Text and lines are like this</a:t>
+            </a:r>
+          </a:p>
+          <a:p>
+            <a:pPr eaLnBrk="1" hangingPunct="1"/>
+            <a:r>
+              <a:rPr lang="en-GB" altLang="en-US" sz="2100" u="sng" smtClean="0">
+                <a:solidFill>
+                  <a:schemeClr val="hlink"/>
+                </a:solidFill>
+              </a:rPr>
+              <a:t>Hyperlinks like this</a:t>
+            </a:r>
+          </a:p>
+          <a:p>
+            <a:pPr eaLnBrk="1" hangingPunct="1"/>
+            <a:r>
+              <a:rPr lang="en-GB" altLang="en-US" sz="2100" u="sng" smtClean="0">
+                <a:solidFill>
+                  <a:schemeClr val="folHlink"/>
+                </a:solidFill>
+              </a:rPr>
+              <a:t>Visited hyperlinks like this</a:t>
+            </a:r>
+            <a:endParaRPr lang="en-US" altLang="en-US" sz="2100" u="sng" smtClean="0">
+              <a:solidFill>
+                <a:schemeClr val="folHlink"/>
+              </a:solidFill>
+            </a:endParaRPr>
+          </a:p>
+        </p:txBody>
+      </p:sp>
+      <p:graphicFrame>
+        <p:nvGraphicFramePr>
+          <p:cNvPr id="28676" name="Group 4"/>
+          <p:cNvGraphicFramePr>
+            <a:graphicFrameLocks noGrp="1"/>
+          </p:cNvGraphicFramePr>
+          <p:nvPr>
+            <p:ph sz="half" idx="2"/>
+          </p:nvPr>
+        </p:nvGraphicFramePr>
+        <p:xfrm>
+          <a:off x="5397500" y="2136775"/>
+          <a:ext cx="2995613" cy="1250950"/>
+        </p:xfrm>
+        <a:graphic>
+          <a:graphicData uri="http://schemas.openxmlformats.org/drawingml/2006/table">
+            <a:tbl>
+              <a:tblPr/>
+              <a:tblGrid>
+                <a:gridCol w="1498600">
+                  <a:extLst>
+                    <a:ext uri="{9D8B030D-6E8A-4147-A177-3AD203B41FA5}">
+                      <a16:colId xmlns:a16="http://schemas.microsoft.com/office/drawing/2014/main" val="20000"/>
+                    </a:ext>
+                  </a:extLst>
+                </a:gridCol>
+                <a:gridCol w="1497013">
+                  <a:extLst>
+                    <a:ext uri="{9D8B030D-6E8A-4147-A177-3AD203B41FA5}">
+                      <a16:colId xmlns:a16="http://schemas.microsoft.com/office/drawing/2014/main" val="20001"/>
+                    </a:ext>
+                  </a:extLst>
+                </a:gridCol>
+              </a:tblGrid>
+              <a:tr h="625475">
+                <a:tc>
+                  <a:txBody>
+                    <a:bodyPr/>
+                    <a:lstStyle>
+                      <a:lvl1pPr>
+                        <a:spcBef>
+                          <a:spcPct val="20000"/>
+                        </a:spcBef>
+                        <a:buClr>
+                          <a:schemeClr val="accent1"/>
+                        </a:buClr>
+                        <a:buSzPct val="80000"/>
+                        <a:buFont typeface="Wingdings 2" panose="05020102010507070707" pitchFamily="18" charset="2"/>
+                        <a:defRPr sz="2100">
+                          <a:solidFill>
+                            <a:schemeClr val="tx1"/>
+                          </a:solidFill>
+                          <a:latin typeface="Verdana" panose="020B0604030504040204" pitchFamily="34" charset="0"/>
+                        </a:defRPr>
+                      </a:lvl1pPr>
+                      <a:lvl2pPr>
+                        <a:spcBef>
+                          <a:spcPct val="20000"/>
+                        </a:spcBef>
+                        <a:buClr>
+                          <a:schemeClr val="accent1"/>
+                        </a:buClr>
+                        <a:buSzPct val="125000"/>
+                        <a:defRPr sz="2000">
+                          <a:solidFill>
+                            <a:schemeClr val="tx1"/>
+                          </a:solidFill>
+                          <a:latin typeface="Verdana" panose="020B0604030504040204" pitchFamily="34" charset="0"/>
+                        </a:defRPr>
+                      </a:lvl2pPr>
+                      <a:lvl3pPr>
+                        <a:spcBef>
+                          <a:spcPct val="20000"/>
+                        </a:spcBef>
+                        <a:buClr>
+                          <a:schemeClr val="accent1"/>
+                        </a:buClr>
+                        <a:buSzPct val="60000"/>
+                        <a:defRPr>
+                          <a:solidFill>
+                            <a:schemeClr val="tx1"/>
+                          </a:solidFill>
+                          <a:latin typeface="Verdana" panose="020B0604030504040204" pitchFamily="34" charset="0"/>
+                        </a:defRPr>
+                      </a:lvl3pPr>
+                      <a:lvl4pPr>
+                        <a:spcBef>
+                          <a:spcPct val="20000"/>
+                        </a:spcBef>
+                        <a:defRPr>
+                          <a:solidFill>
+                            <a:schemeClr val="tx1"/>
+                          </a:solidFill>
+                          <a:latin typeface="Comic Sans MS" panose="030F0702030302020204" pitchFamily="66" charset="0"/>
+                        </a:defRPr>
+                      </a:lvl4pPr>
+                      <a:lvl5pPr>
+                        <a:spcBef>
+                          <a:spcPct val="20000"/>
+                        </a:spcBef>
+                        <a:defRPr>
+                          <a:solidFill>
+                            <a:schemeClr val="tx1"/>
+                          </a:solidFill>
+                          <a:latin typeface="Comic Sans MS" panose="030F0702030302020204" pitchFamily="66" charset="0"/>
+                        </a:defRPr>
+                      </a:lvl5pPr>
+                      <a:lvl6pPr fontAlgn="base">
+                        <a:spcBef>
+                          <a:spcPct val="20000"/>
+                        </a:spcBef>
+                        <a:spcAft>
+                          <a:spcPct val="0"/>
+                        </a:spcAft>
+                        <a:defRPr>
+                          <a:solidFill>
+                            <a:schemeClr val="tx1"/>
+                          </a:solidFill>
+                          <a:latin typeface="Comic Sans MS" panose="030F0702030302020204" pitchFamily="66" charset="0"/>
+                        </a:defRPr>
+                      </a:lvl6pPr>
+                      <a:lvl7pPr fontAlgn="base">
+                        <a:spcBef>
+                          <a:spcPct val="20000"/>
+                        </a:spcBef>
+                        <a:spcAft>
+                          <a:spcPct val="0"/>
+                        </a:spcAft>
+                        <a:defRPr>
+                          <a:solidFill>
+                            <a:schemeClr val="tx1"/>
+                          </a:solidFill>
+                          <a:latin typeface="Comic Sans MS" panose="030F0702030302020204" pitchFamily="66" charset="0"/>
+                        </a:defRPr>
+                      </a:lvl7pPr>
+                      <a:lvl8pPr fontAlgn="base">
+                        <a:spcBef>
+                          <a:spcPct val="20000"/>
+                        </a:spcBef>
+                        <a:spcAft>
+                          <a:spcPct val="0"/>
+                        </a:spcAft>
+                        <a:defRPr>
+                          <a:solidFill>
+                            <a:schemeClr val="tx1"/>
+                          </a:solidFill>
+                          <a:latin typeface="Comic Sans MS" panose="030F0702030302020204" pitchFamily="66" charset="0"/>
+                        </a:defRPr>
+                      </a:lvl8pPr>
+                      <a:lvl9pPr fontAlgn="base">
+                        <a:spcBef>
+                          <a:spcPct val="20000"/>
+                        </a:spcBef>
+                        <a:spcAft>
+                          <a:spcPct val="0"/>
+                        </a:spcAft>
+                        <a:defRPr>
+                          <a:solidFill>
+                            <a:schemeClr val="tx1"/>
+                          </a:solidFill>
+                          <a:latin typeface="Comic Sans MS" panose="030F0702030302020204" pitchFamily="66" charset="0"/>
+                        </a:defRPr>
+                      </a:lvl9pPr>
+                    </a:lstStyle>
+                    <a:p>
+                      <a:pPr marL="0" marR="0" lvl="0" indent="0" algn="l" defTabSz="914400" rtl="0" eaLnBrk="1" fontAlgn="base" latinLnBrk="0" hangingPunct="1">
+                        <a:lnSpc>
+                          <a:spcPct val="100000"/>
+                        </a:lnSpc>
+                        <a:spcBef>
+                          <a:spcPct val="20000"/>
+                        </a:spcBef>
+                        <a:spcAft>
+                          <a:spcPct val="0"/>
+                        </a:spcAft>
+                        <a:buClr>
+                          <a:schemeClr val="accent1"/>
+                        </a:buClr>
+                        <a:buSzPct val="80000"/>
+                        <a:buFont typeface="Wingdings 2" panose="05020102010507070707" pitchFamily="18" charset="2"/>
+                        <a:buNone/>
+                        <a:tabLst/>
+                      </a:pPr>
+                      <a:r>
+                        <a:rPr kumimoji="0" lang="en-GB" altLang="en-US" sz="2100" b="0" i="0" u="none" strike="noStrike" cap="none" normalizeH="0" baseline="0" smtClean="0">
+                          <a:ln>
+                            <a:noFill/>
+                          </a:ln>
+                          <a:solidFill>
+                            <a:schemeClr val="tx1"/>
+                          </a:solidFill>
+                          <a:effectLst/>
+                          <a:latin typeface="Verdana" panose="020B0604030504040204" pitchFamily="34" charset="0"/>
+                        </a:rPr>
+                        <a:t>Table</a:t>
+                      </a:r>
+                      <a:endParaRPr kumimoji="0" lang="en-US" altLang="en-US" sz="2100" b="0" i="0" u="none" strike="noStrike" cap="none" normalizeH="0" baseline="0" smtClean="0">
+                        <a:ln>
+                          <a:noFill/>
+                        </a:ln>
+                        <a:solidFill>
+                          <a:schemeClr val="tx1"/>
+                        </a:solidFill>
+                        <a:effectLst/>
+                        <a:latin typeface="Verdana" panose="020B0604030504040204" pitchFamily="34" charset="0"/>
+                      </a:endParaRPr>
+                    </a:p>
+                  </a:txBody>
+                  <a:tcPr horzOverflow="overflow">
+                    <a:lnL w="28575" cap="flat" cmpd="sng" algn="ctr">
+                      <a:solidFill>
+                        <a:schemeClr val="tx1"/>
+                      </a:solidFill>
+                      <a:prstDash val="solid"/>
+                      <a:round/>
+                      <a:headEnd type="none" w="med" len="med"/>
+                      <a:tailEnd type="none" w="med" len="med"/>
+                    </a:lnL>
+                    <a:lnR w="12700" cap="flat" cmpd="sng" algn="ctr">
+                      <a:solidFill>
+                        <a:schemeClr val="tx1"/>
+                      </a:solidFill>
+                      <a:prstDash val="solid"/>
+                      <a:round/>
+                      <a:headEnd type="none" w="med" len="med"/>
+                      <a:tailEnd type="none" w="med" len="med"/>
+                    </a:lnR>
+                    <a:lnT w="28575" cap="flat" cmpd="sng" algn="ctr">
+                      <a:solidFill>
+                        <a:schemeClr val="tx1"/>
+                      </a:solidFill>
+                      <a:prstDash val="solid"/>
+                      <a:round/>
+                      <a:headEnd type="none" w="med" len="med"/>
+                      <a:tailEnd type="none" w="med" len="med"/>
+                    </a:lnT>
+                    <a:lnB w="12700" cap="flat" cmpd="sng" algn="ctr">
+                      <a:solidFill>
+                        <a:schemeClr val="tx1"/>
+                      </a:solidFill>
+                      <a:prstDash val="solid"/>
+                      <a:round/>
+                      <a:headEnd type="none" w="med" len="med"/>
+                      <a:tailEnd type="none" w="med" len="med"/>
+                    </a:lnB>
+                    <a:lnTlToBr>
+                      <a:noFill/>
+                    </a:lnTlToBr>
+                    <a:lnBlToTr>
+                      <a:noFill/>
+                    </a:lnBlToTr>
+                    <a:noFill/>
+                  </a:tcPr>
+                </a:tc>
+                <a:tc>
+                  <a:txBody>
+                    <a:bodyPr/>
+                    <a:lstStyle>
+                      <a:lvl1pPr>
+                        <a:spcBef>
+                          <a:spcPct val="20000"/>
+                        </a:spcBef>
+                        <a:buClr>
+                          <a:schemeClr val="accent1"/>
+                        </a:buClr>
+                        <a:buSzPct val="80000"/>
+                        <a:buFont typeface="Wingdings 2" panose="05020102010507070707" pitchFamily="18" charset="2"/>
+                        <a:defRPr sz="2100">
+                          <a:solidFill>
+                            <a:schemeClr val="tx1"/>
+                          </a:solidFill>
+                          <a:latin typeface="Verdana" panose="020B0604030504040204" pitchFamily="34" charset="0"/>
+                        </a:defRPr>
+                      </a:lvl1pPr>
+                      <a:lvl2pPr>
+                        <a:spcBef>
+                          <a:spcPct val="20000"/>
+                        </a:spcBef>
+                        <a:buClr>
+                          <a:schemeClr val="accent1"/>
+                        </a:buClr>
+                        <a:buSzPct val="125000"/>
+                        <a:defRPr sz="2000">
+                          <a:solidFill>
+                            <a:schemeClr val="tx1"/>
+                          </a:solidFill>
+                          <a:latin typeface="Verdana" panose="020B0604030504040204" pitchFamily="34" charset="0"/>
+                        </a:defRPr>
+                      </a:lvl2pPr>
+                      <a:lvl3pPr>
+                        <a:spcBef>
+                          <a:spcPct val="20000"/>
+                        </a:spcBef>
+                        <a:buClr>
+                          <a:schemeClr val="accent1"/>
+                        </a:buClr>
+                        <a:buSzPct val="60000"/>
+                        <a:defRPr>
+                          <a:solidFill>
+                            <a:schemeClr val="tx1"/>
+                          </a:solidFill>
+                          <a:latin typeface="Verdana" panose="020B0604030504040204" pitchFamily="34" charset="0"/>
+                        </a:defRPr>
+                      </a:lvl3pPr>
+                      <a:lvl4pPr>
+                        <a:spcBef>
+                          <a:spcPct val="20000"/>
+                        </a:spcBef>
+                        <a:defRPr>
+                          <a:solidFill>
+                            <a:schemeClr val="tx1"/>
+                          </a:solidFill>
+                          <a:latin typeface="Comic Sans MS" panose="030F0702030302020204" pitchFamily="66" charset="0"/>
+                        </a:defRPr>
+                      </a:lvl4pPr>
+                      <a:lvl5pPr>
+                        <a:spcBef>
+                          <a:spcPct val="20000"/>
+                        </a:spcBef>
+                        <a:defRPr>
+                          <a:solidFill>
+                            <a:schemeClr val="tx1"/>
+                          </a:solidFill>
+                          <a:latin typeface="Comic Sans MS" panose="030F0702030302020204" pitchFamily="66" charset="0"/>
+                        </a:defRPr>
+                      </a:lvl5pPr>
+                      <a:lvl6pPr fontAlgn="base">
+                        <a:spcBef>
+                          <a:spcPct val="20000"/>
+                        </a:spcBef>
+                        <a:spcAft>
+                          <a:spcPct val="0"/>
+                        </a:spcAft>
+                        <a:defRPr>
+                          <a:solidFill>
+                            <a:schemeClr val="tx1"/>
+                          </a:solidFill>
+                          <a:latin typeface="Comic Sans MS" panose="030F0702030302020204" pitchFamily="66" charset="0"/>
+                        </a:defRPr>
+                      </a:lvl6pPr>
+                      <a:lvl7pPr fontAlgn="base">
+                        <a:spcBef>
+                          <a:spcPct val="20000"/>
+                        </a:spcBef>
+                        <a:spcAft>
+                          <a:spcPct val="0"/>
+                        </a:spcAft>
+                        <a:defRPr>
+                          <a:solidFill>
+                            <a:schemeClr val="tx1"/>
+                          </a:solidFill>
+                          <a:latin typeface="Comic Sans MS" panose="030F0702030302020204" pitchFamily="66" charset="0"/>
+                        </a:defRPr>
+                      </a:lvl7pPr>
+                      <a:lvl8pPr fontAlgn="base">
+                        <a:spcBef>
+                          <a:spcPct val="20000"/>
+                        </a:spcBef>
+                        <a:spcAft>
+                          <a:spcPct val="0"/>
+                        </a:spcAft>
+                        <a:defRPr>
+                          <a:solidFill>
+                            <a:schemeClr val="tx1"/>
+                          </a:solidFill>
+                          <a:latin typeface="Comic Sans MS" panose="030F0702030302020204" pitchFamily="66" charset="0"/>
+                        </a:defRPr>
+                      </a:lvl8pPr>
+                      <a:lvl9pPr fontAlgn="base">
+                        <a:spcBef>
+                          <a:spcPct val="20000"/>
+                        </a:spcBef>
+                        <a:spcAft>
+                          <a:spcPct val="0"/>
+                        </a:spcAft>
+                        <a:defRPr>
+                          <a:solidFill>
+                            <a:schemeClr val="tx1"/>
+                          </a:solidFill>
+                          <a:latin typeface="Comic Sans MS" panose="030F0702030302020204" pitchFamily="66" charset="0"/>
+                        </a:defRPr>
+                      </a:lvl9pPr>
+                    </a:lstStyle>
+                    <a:p>
+                      <a:pPr marL="0" marR="0" lvl="0" indent="0" algn="l" defTabSz="914400" rtl="0" eaLnBrk="1" fontAlgn="base" latinLnBrk="0" hangingPunct="1">
+                        <a:lnSpc>
+                          <a:spcPct val="100000"/>
+                        </a:lnSpc>
+                        <a:spcBef>
+                          <a:spcPct val="20000"/>
+                        </a:spcBef>
+                        <a:spcAft>
+                          <a:spcPct val="0"/>
+                        </a:spcAft>
+                        <a:buClr>
+                          <a:schemeClr val="accent1"/>
+                        </a:buClr>
+                        <a:buSzPct val="80000"/>
+                        <a:buFont typeface="Wingdings 2" panose="05020102010507070707" pitchFamily="18" charset="2"/>
+                        <a:buNone/>
+                        <a:tabLst/>
+                      </a:pPr>
+                      <a:endParaRPr kumimoji="0" lang="en-GB" altLang="en-US" sz="2100" b="0" i="0" u="none" strike="noStrike" cap="none" normalizeH="0" baseline="0" smtClean="0">
+                        <a:ln>
+                          <a:noFill/>
+                        </a:ln>
+                        <a:solidFill>
+                          <a:schemeClr val="tx1"/>
+                        </a:solidFill>
+                        <a:effectLst/>
+                        <a:latin typeface="Verdana" panose="020B0604030504040204" pitchFamily="34" charset="0"/>
+                      </a:endParaRPr>
+                    </a:p>
+                  </a:txBody>
+                  <a:tcPr horzOverflow="overflow">
+                    <a:lnL w="12700" cap="flat" cmpd="sng" algn="ctr">
+                      <a:solidFill>
+                        <a:schemeClr val="tx1"/>
+                      </a:solidFill>
+                      <a:prstDash val="solid"/>
+                      <a:round/>
+                      <a:headEnd type="none" w="med" len="med"/>
+                      <a:tailEnd type="none" w="med" len="med"/>
+                    </a:lnL>
+                    <a:lnR w="28575" cap="flat" cmpd="sng" algn="ctr">
+                      <a:solidFill>
+                        <a:schemeClr val="tx1"/>
+                      </a:solidFill>
+                      <a:prstDash val="solid"/>
+                      <a:round/>
+                      <a:headEnd type="none" w="med" len="med"/>
+                      <a:tailEnd type="none" w="med" len="med"/>
+                    </a:lnR>
+                    <a:lnT w="28575" cap="flat" cmpd="sng" algn="ctr">
+                      <a:solidFill>
+                        <a:schemeClr val="tx1"/>
+                      </a:solidFill>
+                      <a:prstDash val="solid"/>
+                      <a:round/>
+                      <a:headEnd type="none" w="med" len="med"/>
+                      <a:tailEnd type="none" w="med" len="med"/>
+                    </a:lnT>
+                    <a:lnB w="12700" cap="flat" cmpd="sng" algn="ctr">
+                      <a:solidFill>
+                        <a:schemeClr val="tx1"/>
+                      </a:solidFill>
+                      <a:prstDash val="solid"/>
+                      <a:round/>
+                      <a:headEnd type="none" w="med" len="med"/>
+                      <a:tailEnd type="none" w="med" len="med"/>
+                    </a:lnB>
+                    <a:lnTlToBr>
+                      <a:noFill/>
+                    </a:lnTlToBr>
+                    <a:lnBlToTr>
+                      <a:noFill/>
+                    </a:lnBlToTr>
+                    <a:noFill/>
+                  </a:tcPr>
+                </a:tc>
+                <a:extLst>
+                  <a:ext uri="{0D108BD9-81ED-4DB2-BD59-A6C34878D82A}">
+                    <a16:rowId xmlns:a16="http://schemas.microsoft.com/office/drawing/2014/main" val="10000"/>
+                  </a:ext>
+                </a:extLst>
+              </a:tr>
+              <a:tr h="625475">
+                <a:tc>
+                  <a:txBody>
+                    <a:bodyPr/>
+                    <a:lstStyle>
+                      <a:lvl1pPr>
+                        <a:spcBef>
+                          <a:spcPct val="20000"/>
+                        </a:spcBef>
+                        <a:buClr>
+                          <a:schemeClr val="accent1"/>
+                        </a:buClr>
+                        <a:buSzPct val="80000"/>
+                        <a:buFont typeface="Wingdings 2" panose="05020102010507070707" pitchFamily="18" charset="2"/>
+                        <a:defRPr sz="2100">
+                          <a:solidFill>
+                            <a:schemeClr val="tx1"/>
+                          </a:solidFill>
+                          <a:latin typeface="Verdana" panose="020B0604030504040204" pitchFamily="34" charset="0"/>
+                        </a:defRPr>
+                      </a:lvl1pPr>
+                      <a:lvl2pPr>
+                        <a:spcBef>
+                          <a:spcPct val="20000"/>
+                        </a:spcBef>
+                        <a:buClr>
+                          <a:schemeClr val="accent1"/>
+                        </a:buClr>
+                        <a:buSzPct val="125000"/>
+                        <a:defRPr sz="2000">
+                          <a:solidFill>
+                            <a:schemeClr val="tx1"/>
+                          </a:solidFill>
+                          <a:latin typeface="Verdana" panose="020B0604030504040204" pitchFamily="34" charset="0"/>
+                        </a:defRPr>
+                      </a:lvl2pPr>
+                      <a:lvl3pPr>
+                        <a:spcBef>
+                          <a:spcPct val="20000"/>
+                        </a:spcBef>
+                        <a:buClr>
+                          <a:schemeClr val="accent1"/>
+                        </a:buClr>
+                        <a:buSzPct val="60000"/>
+                        <a:defRPr>
+                          <a:solidFill>
+                            <a:schemeClr val="tx1"/>
+                          </a:solidFill>
+                          <a:latin typeface="Verdana" panose="020B0604030504040204" pitchFamily="34" charset="0"/>
+                        </a:defRPr>
+                      </a:lvl3pPr>
+                      <a:lvl4pPr>
+                        <a:spcBef>
+                          <a:spcPct val="20000"/>
+                        </a:spcBef>
+                        <a:defRPr>
+                          <a:solidFill>
+                            <a:schemeClr val="tx1"/>
+                          </a:solidFill>
+                          <a:latin typeface="Comic Sans MS" panose="030F0702030302020204" pitchFamily="66" charset="0"/>
+                        </a:defRPr>
+                      </a:lvl4pPr>
+                      <a:lvl5pPr>
+                        <a:spcBef>
+                          <a:spcPct val="20000"/>
+                        </a:spcBef>
+                        <a:defRPr>
+                          <a:solidFill>
+                            <a:schemeClr val="tx1"/>
+                          </a:solidFill>
+                          <a:latin typeface="Comic Sans MS" panose="030F0702030302020204" pitchFamily="66" charset="0"/>
+                        </a:defRPr>
+                      </a:lvl5pPr>
+                      <a:lvl6pPr fontAlgn="base">
+                        <a:spcBef>
+                          <a:spcPct val="20000"/>
+                        </a:spcBef>
+                        <a:spcAft>
+                          <a:spcPct val="0"/>
+                        </a:spcAft>
+                        <a:defRPr>
+                          <a:solidFill>
+                            <a:schemeClr val="tx1"/>
+                          </a:solidFill>
+                          <a:latin typeface="Comic Sans MS" panose="030F0702030302020204" pitchFamily="66" charset="0"/>
+                        </a:defRPr>
+                      </a:lvl6pPr>
+                      <a:lvl7pPr fontAlgn="base">
+                        <a:spcBef>
+                          <a:spcPct val="20000"/>
+                        </a:spcBef>
+                        <a:spcAft>
+                          <a:spcPct val="0"/>
+                        </a:spcAft>
+                        <a:defRPr>
+                          <a:solidFill>
+                            <a:schemeClr val="tx1"/>
+                          </a:solidFill>
+                          <a:latin typeface="Comic Sans MS" panose="030F0702030302020204" pitchFamily="66" charset="0"/>
+                        </a:defRPr>
+                      </a:lvl7pPr>
+                      <a:lvl8pPr fontAlgn="base">
+                        <a:spcBef>
+                          <a:spcPct val="20000"/>
+                        </a:spcBef>
+                        <a:spcAft>
+                          <a:spcPct val="0"/>
+                        </a:spcAft>
+                        <a:defRPr>
+                          <a:solidFill>
+                            <a:schemeClr val="tx1"/>
+                          </a:solidFill>
+                          <a:latin typeface="Comic Sans MS" panose="030F0702030302020204" pitchFamily="66" charset="0"/>
+                        </a:defRPr>
+                      </a:lvl8pPr>
+                      <a:lvl9pPr fontAlgn="base">
+                        <a:spcBef>
+                          <a:spcPct val="20000"/>
+                        </a:spcBef>
+                        <a:spcAft>
+                          <a:spcPct val="0"/>
+                        </a:spcAft>
+                        <a:defRPr>
+                          <a:solidFill>
+                            <a:schemeClr val="tx1"/>
+                          </a:solidFill>
+                          <a:latin typeface="Comic Sans MS" panose="030F0702030302020204" pitchFamily="66" charset="0"/>
+                        </a:defRPr>
+                      </a:lvl9pPr>
+                    </a:lstStyle>
+                    <a:p>
+                      <a:pPr marL="0" marR="0" lvl="0" indent="0" algn="l" defTabSz="914400" rtl="0" eaLnBrk="1" fontAlgn="base" latinLnBrk="0" hangingPunct="1">
+                        <a:lnSpc>
+                          <a:spcPct val="100000"/>
+                        </a:lnSpc>
+                        <a:spcBef>
+                          <a:spcPct val="20000"/>
+                        </a:spcBef>
+                        <a:spcAft>
+                          <a:spcPct val="0"/>
+                        </a:spcAft>
+                        <a:buClr>
+                          <a:schemeClr val="accent1"/>
+                        </a:buClr>
+                        <a:buSzPct val="80000"/>
+                        <a:buFont typeface="Wingdings 2" panose="05020102010507070707" pitchFamily="18" charset="2"/>
+                        <a:buNone/>
+                        <a:tabLst/>
+                      </a:pPr>
+                      <a:endParaRPr kumimoji="0" lang="en-GB" altLang="en-US" sz="2100" b="0" i="0" u="none" strike="noStrike" cap="none" normalizeH="0" baseline="0" smtClean="0">
+                        <a:ln>
+                          <a:noFill/>
+                        </a:ln>
+                        <a:solidFill>
+                          <a:schemeClr val="tx1"/>
+                        </a:solidFill>
+                        <a:effectLst/>
+                        <a:latin typeface="Verdana" panose="020B0604030504040204" pitchFamily="34" charset="0"/>
+                      </a:endParaRPr>
+                    </a:p>
+                  </a:txBody>
+                  <a:tcPr horzOverflow="overflow">
+                    <a:lnL w="28575" cap="flat" cmpd="sng" algn="ctr">
+                      <a:solidFill>
+                        <a:schemeClr val="tx1"/>
+                      </a:solidFill>
+                      <a:prstDash val="solid"/>
+                      <a:round/>
+                      <a:headEnd type="none" w="med" len="med"/>
+                      <a:tailEnd type="none" w="med" len="med"/>
+                    </a:lnL>
+                    <a:lnR w="12700" cap="flat" cmpd="sng" algn="ctr">
+                      <a:solidFill>
+                        <a:schemeClr val="tx1"/>
+                      </a:solidFill>
+                      <a:prstDash val="solid"/>
+                      <a:round/>
+                      <a:headEnd type="none" w="med" len="med"/>
+                      <a:tailEnd type="none" w="med" len="med"/>
+                    </a:lnR>
+                    <a:lnT w="12700" cap="flat" cmpd="sng" algn="ctr">
+                      <a:solidFill>
+                        <a:schemeClr val="tx1"/>
+                      </a:solidFill>
+                      <a:prstDash val="solid"/>
+                      <a:round/>
+                      <a:headEnd type="none" w="med" len="med"/>
+                      <a:tailEnd type="none" w="med" len="med"/>
+                    </a:lnT>
+                    <a:lnB w="28575" cap="flat" cmpd="sng" algn="ctr">
+                      <a:solidFill>
+                        <a:schemeClr val="tx1"/>
+                      </a:solidFill>
+                      <a:prstDash val="solid"/>
+                      <a:round/>
+                      <a:headEnd type="none" w="med" len="med"/>
+                      <a:tailEnd type="none" w="med" len="med"/>
+                    </a:lnB>
+                    <a:lnTlToBr>
+                      <a:noFill/>
+                    </a:lnTlToBr>
+                    <a:lnBlToTr>
+                      <a:noFill/>
+                    </a:lnBlToTr>
+                    <a:noFill/>
+                  </a:tcPr>
+                </a:tc>
+                <a:tc>
+                  <a:txBody>
+                    <a:bodyPr/>
+                    <a:lstStyle>
+                      <a:lvl1pPr>
+                        <a:spcBef>
+                          <a:spcPct val="20000"/>
+                        </a:spcBef>
+                        <a:buClr>
+                          <a:schemeClr val="accent1"/>
+                        </a:buClr>
+                        <a:buSzPct val="80000"/>
+                        <a:buFont typeface="Wingdings 2" panose="05020102010507070707" pitchFamily="18" charset="2"/>
+                        <a:defRPr sz="2100">
+                          <a:solidFill>
+                            <a:schemeClr val="tx1"/>
+                          </a:solidFill>
+                          <a:latin typeface="Verdana" panose="020B0604030504040204" pitchFamily="34" charset="0"/>
+                        </a:defRPr>
+                      </a:lvl1pPr>
+                      <a:lvl2pPr>
+                        <a:spcBef>
+                          <a:spcPct val="20000"/>
+                        </a:spcBef>
+                        <a:buClr>
+                          <a:schemeClr val="accent1"/>
+                        </a:buClr>
+                        <a:buSzPct val="125000"/>
+                        <a:defRPr sz="2000">
+                          <a:solidFill>
+                            <a:schemeClr val="tx1"/>
+                          </a:solidFill>
+                          <a:latin typeface="Verdana" panose="020B0604030504040204" pitchFamily="34" charset="0"/>
+                        </a:defRPr>
+                      </a:lvl2pPr>
+                      <a:lvl3pPr>
+                        <a:spcBef>
+                          <a:spcPct val="20000"/>
+                        </a:spcBef>
+                        <a:buClr>
+                          <a:schemeClr val="accent1"/>
+                        </a:buClr>
+                        <a:buSzPct val="60000"/>
+                        <a:defRPr>
+                          <a:solidFill>
+                            <a:schemeClr val="tx1"/>
+                          </a:solidFill>
+                          <a:latin typeface="Verdana" panose="020B0604030504040204" pitchFamily="34" charset="0"/>
+                        </a:defRPr>
+                      </a:lvl3pPr>
+                      <a:lvl4pPr>
+                        <a:spcBef>
+                          <a:spcPct val="20000"/>
+                        </a:spcBef>
+                        <a:defRPr>
+                          <a:solidFill>
+                            <a:schemeClr val="tx1"/>
+                          </a:solidFill>
+                          <a:latin typeface="Comic Sans MS" panose="030F0702030302020204" pitchFamily="66" charset="0"/>
+                        </a:defRPr>
+                      </a:lvl4pPr>
+                      <a:lvl5pPr>
+                        <a:spcBef>
+                          <a:spcPct val="20000"/>
+                        </a:spcBef>
+                        <a:defRPr>
+                          <a:solidFill>
+                            <a:schemeClr val="tx1"/>
+                          </a:solidFill>
+                          <a:latin typeface="Comic Sans MS" panose="030F0702030302020204" pitchFamily="66" charset="0"/>
+                        </a:defRPr>
+                      </a:lvl5pPr>
+                      <a:lvl6pPr fontAlgn="base">
+                        <a:spcBef>
+                          <a:spcPct val="20000"/>
+                        </a:spcBef>
+                        <a:spcAft>
+                          <a:spcPct val="0"/>
+                        </a:spcAft>
+                        <a:defRPr>
+                          <a:solidFill>
+                            <a:schemeClr val="tx1"/>
+                          </a:solidFill>
+                          <a:latin typeface="Comic Sans MS" panose="030F0702030302020204" pitchFamily="66" charset="0"/>
+                        </a:defRPr>
+                      </a:lvl6pPr>
+                      <a:lvl7pPr fontAlgn="base">
+                        <a:spcBef>
+                          <a:spcPct val="20000"/>
+                        </a:spcBef>
+                        <a:spcAft>
+                          <a:spcPct val="0"/>
+                        </a:spcAft>
+                        <a:defRPr>
+                          <a:solidFill>
+                            <a:schemeClr val="tx1"/>
+                          </a:solidFill>
+                          <a:latin typeface="Comic Sans MS" panose="030F0702030302020204" pitchFamily="66" charset="0"/>
+                        </a:defRPr>
+                      </a:lvl7pPr>
+                      <a:lvl8pPr fontAlgn="base">
+                        <a:spcBef>
+                          <a:spcPct val="20000"/>
+                        </a:spcBef>
+                        <a:spcAft>
+                          <a:spcPct val="0"/>
+                        </a:spcAft>
+                        <a:defRPr>
+                          <a:solidFill>
+                            <a:schemeClr val="tx1"/>
+                          </a:solidFill>
+                          <a:latin typeface="Comic Sans MS" panose="030F0702030302020204" pitchFamily="66" charset="0"/>
+                        </a:defRPr>
+                      </a:lvl8pPr>
+                      <a:lvl9pPr fontAlgn="base">
+                        <a:spcBef>
+                          <a:spcPct val="20000"/>
+                        </a:spcBef>
+                        <a:spcAft>
+                          <a:spcPct val="0"/>
+                        </a:spcAft>
+                        <a:defRPr>
+                          <a:solidFill>
+                            <a:schemeClr val="tx1"/>
+                          </a:solidFill>
+                          <a:latin typeface="Comic Sans MS" panose="030F0702030302020204" pitchFamily="66" charset="0"/>
+                        </a:defRPr>
+                      </a:lvl9pPr>
+                    </a:lstStyle>
+                    <a:p>
+                      <a:pPr marL="0" marR="0" lvl="0" indent="0" algn="l" defTabSz="914400" rtl="0" eaLnBrk="1" fontAlgn="base" latinLnBrk="0" hangingPunct="1">
+                        <a:lnSpc>
+                          <a:spcPct val="100000"/>
+                        </a:lnSpc>
+                        <a:spcBef>
+                          <a:spcPct val="20000"/>
+                        </a:spcBef>
+                        <a:spcAft>
+                          <a:spcPct val="0"/>
+                        </a:spcAft>
+                        <a:buClr>
+                          <a:schemeClr val="accent1"/>
+                        </a:buClr>
+                        <a:buSzPct val="80000"/>
+                        <a:buFont typeface="Wingdings 2" panose="05020102010507070707" pitchFamily="18" charset="2"/>
+                        <a:buNone/>
+                        <a:tabLst/>
+                      </a:pPr>
+                      <a:endParaRPr kumimoji="0" lang="en-GB" altLang="en-US" sz="2100" b="0" i="0" u="none" strike="noStrike" cap="none" normalizeH="0" baseline="0" smtClean="0">
+                        <a:ln>
+                          <a:noFill/>
+                        </a:ln>
+                        <a:solidFill>
+                          <a:schemeClr val="tx1"/>
+                        </a:solidFill>
+                        <a:effectLst/>
+                        <a:latin typeface="Verdana" panose="020B0604030504040204" pitchFamily="34" charset="0"/>
+                      </a:endParaRPr>
+                    </a:p>
+                  </a:txBody>
+                  <a:tcPr horzOverflow="overflow">
+                    <a:lnL w="12700" cap="flat" cmpd="sng" algn="ctr">
+                      <a:solidFill>
+                        <a:schemeClr val="tx1"/>
+                      </a:solidFill>
+                      <a:prstDash val="solid"/>
+                      <a:round/>
+                      <a:headEnd type="none" w="med" len="med"/>
+                      <a:tailEnd type="none" w="med" len="med"/>
+                    </a:lnL>
+                    <a:lnR w="28575" cap="flat" cmpd="sng" algn="ctr">
+                      <a:solidFill>
+                        <a:schemeClr val="tx1"/>
+                      </a:solidFill>
+                      <a:prstDash val="solid"/>
+                      <a:round/>
+                      <a:headEnd type="none" w="med" len="med"/>
+                      <a:tailEnd type="none" w="med" len="med"/>
+                    </a:lnR>
+                    <a:lnT w="12700" cap="flat" cmpd="sng" algn="ctr">
+                      <a:solidFill>
+                        <a:schemeClr val="tx1"/>
+                      </a:solidFill>
+                      <a:prstDash val="solid"/>
+                      <a:round/>
+                      <a:headEnd type="none" w="med" len="med"/>
+                      <a:tailEnd type="none" w="med" len="med"/>
+                    </a:lnT>
+                    <a:lnB w="28575" cap="flat" cmpd="sng" algn="ctr">
+                      <a:solidFill>
+                        <a:schemeClr val="tx1"/>
+                      </a:solidFill>
+                      <a:prstDash val="solid"/>
+                      <a:round/>
+                      <a:headEnd type="none" w="med" len="med"/>
+                      <a:tailEnd type="none" w="med" len="med"/>
+                    </a:lnB>
+                    <a:lnTlToBr>
+                      <a:noFill/>
+                    </a:lnTlToBr>
+                    <a:lnBlToTr>
+                      <a:noFill/>
+                    </a:lnBlToTr>
+                    <a:noFill/>
+                  </a:tcPr>
+                </a:tc>
+                <a:extLst>
+                  <a:ext uri="{0D108BD9-81ED-4DB2-BD59-A6C34878D82A}">
+                    <a16:rowId xmlns:a16="http://schemas.microsoft.com/office/drawing/2014/main" val="10001"/>
+                  </a:ext>
+                </a:extLst>
+              </a:tr>
+            </a:tbl>
+          </a:graphicData>
+        </a:graphic>
+      </p:graphicFrame>
+      <p:sp>
+        <p:nvSpPr>
+          <p:cNvPr id="18447" name="Rectangle 15"/>
+          <p:cNvSpPr>
+            <a:spLocks noChangeArrowheads="1"/>
+          </p:cNvSpPr>
+          <p:nvPr/>
+        </p:nvSpPr>
+        <p:spPr bwMode="auto">
+          <a:xfrm>
+            <a:off x="792163" y="4568825"/>
+            <a:ext cx="2232025" cy="1368425"/>
+          </a:xfrm>
+          <a:prstGeom prst="rect">
+            <a:avLst/>
+          </a:prstGeom>
+          <a:solidFill>
+            <a:schemeClr val="accent1"/>
+          </a:solidFill>
+          <a:ln w="9525">
+            <a:solidFill>
+              <a:schemeClr val="tx1"/>
+            </a:solidFill>
+            <a:miter lim="800000"/>
+            <a:headEnd/>
+            <a:tailEnd/>
+          </a:ln>
+          <a:effectLst/>
+          <a:extLst>
+            <a:ext uri="{AF507438-7753-43E0-B8FC-AC1667EBCBE1}">
+              <a14:hiddenEffects xmlns:a14="http://schemas.microsoft.com/office/drawing/2010/main">
+                <a:effectLst>
+                  <a:outerShdw dist="35921" dir="2700000" algn="ctr" rotWithShape="0">
+                    <a:schemeClr val="bg2"/>
+                  </a:outerShdw>
+                </a:effectLst>
+              </a14:hiddenEffects>
+            </a:ext>
+          </a:extLst>
+        </p:spPr>
+        <p:txBody>
+          <a:bodyPr wrap="none" anchor="ctr"/>
+          <a:lstStyle>
+            <a:lvl1pPr>
+              <a:defRPr sz="2400">
+                <a:solidFill>
+                  <a:schemeClr val="tx1"/>
+                </a:solidFill>
+                <a:latin typeface="Times New Roman" panose="02020603050405020304" pitchFamily="18" charset="0"/>
+              </a:defRPr>
+            </a:lvl1pPr>
+            <a:lvl2pPr marL="742950" indent="-285750">
+              <a:defRPr sz="2400">
+                <a:solidFill>
+                  <a:schemeClr val="tx1"/>
+                </a:solidFill>
+                <a:latin typeface="Times New Roman" panose="02020603050405020304" pitchFamily="18" charset="0"/>
+              </a:defRPr>
+            </a:lvl2pPr>
+            <a:lvl3pPr marL="1143000" indent="-228600">
+              <a:defRPr sz="2400">
+                <a:solidFill>
+                  <a:schemeClr val="tx1"/>
+                </a:solidFill>
+                <a:latin typeface="Times New Roman" panose="02020603050405020304" pitchFamily="18" charset="0"/>
+              </a:defRPr>
+            </a:lvl3pPr>
+            <a:lvl4pPr marL="1600200" indent="-228600">
+              <a:defRPr sz="2400">
+                <a:solidFill>
+                  <a:schemeClr val="tx1"/>
+                </a:solidFill>
+                <a:latin typeface="Times New Roman" panose="02020603050405020304" pitchFamily="18" charset="0"/>
+              </a:defRPr>
+            </a:lvl4pPr>
+            <a:lvl5pPr marL="2057400" indent="-228600">
+              <a:defRPr sz="2400">
+                <a:solidFill>
+                  <a:schemeClr val="tx1"/>
+                </a:solidFill>
+                <a:latin typeface="Times New Roman" panose="02020603050405020304" pitchFamily="18" charset="0"/>
+              </a:defRPr>
+            </a:lvl5pPr>
+            <a:lvl6pPr marL="2514600" indent="-228600" eaLnBrk="0" fontAlgn="base" hangingPunct="0">
+              <a:spcBef>
+                <a:spcPct val="0"/>
+              </a:spcBef>
+              <a:spcAft>
+                <a:spcPct val="0"/>
+              </a:spcAft>
+              <a:defRPr sz="2400">
+                <a:solidFill>
+                  <a:schemeClr val="tx1"/>
+                </a:solidFill>
+                <a:latin typeface="Times New Roman" panose="02020603050405020304" pitchFamily="18" charset="0"/>
+              </a:defRPr>
+            </a:lvl6pPr>
+            <a:lvl7pPr marL="2971800" indent="-228600" eaLnBrk="0" fontAlgn="base" hangingPunct="0">
+              <a:spcBef>
+                <a:spcPct val="0"/>
+              </a:spcBef>
+              <a:spcAft>
+                <a:spcPct val="0"/>
+              </a:spcAft>
+              <a:defRPr sz="2400">
+                <a:solidFill>
+                  <a:schemeClr val="tx1"/>
+                </a:solidFill>
+                <a:latin typeface="Times New Roman" panose="02020603050405020304" pitchFamily="18" charset="0"/>
+              </a:defRPr>
+            </a:lvl7pPr>
+            <a:lvl8pPr marL="3429000" indent="-228600" eaLnBrk="0" fontAlgn="base" hangingPunct="0">
+              <a:spcBef>
+                <a:spcPct val="0"/>
+              </a:spcBef>
+              <a:spcAft>
+                <a:spcPct val="0"/>
+              </a:spcAft>
+              <a:defRPr sz="2400">
+                <a:solidFill>
+                  <a:schemeClr val="tx1"/>
+                </a:solidFill>
+                <a:latin typeface="Times New Roman" panose="02020603050405020304" pitchFamily="18" charset="0"/>
+              </a:defRPr>
+            </a:lvl8pPr>
+            <a:lvl9pPr marL="3886200" indent="-228600" eaLnBrk="0" fontAlgn="base" hangingPunct="0">
+              <a:spcBef>
+                <a:spcPct val="0"/>
+              </a:spcBef>
+              <a:spcAft>
+                <a:spcPct val="0"/>
+              </a:spcAft>
+              <a:defRPr sz="2400">
+                <a:solidFill>
+                  <a:schemeClr val="tx1"/>
+                </a:solidFill>
+                <a:latin typeface="Times New Roman" panose="02020603050405020304" pitchFamily="18" charset="0"/>
+              </a:defRPr>
+            </a:lvl9pPr>
+          </a:lstStyle>
+          <a:p>
+            <a:pPr algn="ctr" eaLnBrk="1" hangingPunct="1"/>
+            <a:r>
+              <a:rPr lang="en-GB" altLang="en-US" sz="1800">
+                <a:latin typeface="Arial" panose="020B0604020202020204" pitchFamily="34" charset="0"/>
+                <a:cs typeface="Arial" panose="020B0604020202020204" pitchFamily="34" charset="0"/>
+              </a:rPr>
+              <a:t>Text box</a:t>
+            </a:r>
+            <a:endParaRPr lang="en-US" altLang="en-US" sz="1800">
+              <a:latin typeface="Arial" panose="020B0604020202020204" pitchFamily="34" charset="0"/>
+              <a:cs typeface="Arial" panose="020B0604020202020204" pitchFamily="34" charset="0"/>
+            </a:endParaRPr>
+          </a:p>
+        </p:txBody>
+      </p:sp>
+      <p:sp>
+        <p:nvSpPr>
+          <p:cNvPr id="18448" name="Rectangle 16"/>
+          <p:cNvSpPr>
+            <a:spLocks noChangeArrowheads="1"/>
+          </p:cNvSpPr>
+          <p:nvPr/>
+        </p:nvSpPr>
+        <p:spPr bwMode="auto">
+          <a:xfrm>
+            <a:off x="3671888" y="4568825"/>
+            <a:ext cx="2232025" cy="1368425"/>
+          </a:xfrm>
+          <a:prstGeom prst="rect">
+            <a:avLst/>
+          </a:prstGeom>
+          <a:solidFill>
+            <a:schemeClr val="accent1"/>
+          </a:solidFill>
+          <a:ln w="9525">
+            <a:solidFill>
+              <a:schemeClr val="tx1"/>
+            </a:solidFill>
+            <a:miter lim="800000"/>
+            <a:headEnd/>
+            <a:tailEnd/>
+          </a:ln>
+          <a:effectLst>
+            <a:outerShdw dist="107763" dir="2700000" algn="ctr" rotWithShape="0">
+              <a:schemeClr val="bg2">
+                <a:alpha val="50000"/>
+              </a:schemeClr>
+            </a:outerShdw>
+          </a:effectLst>
+        </p:spPr>
+        <p:txBody>
+          <a:bodyPr wrap="none" anchor="ctr"/>
+          <a:lstStyle>
+            <a:lvl1pPr>
+              <a:defRPr sz="2400">
+                <a:solidFill>
+                  <a:schemeClr val="tx1"/>
+                </a:solidFill>
+                <a:latin typeface="Times New Roman" panose="02020603050405020304" pitchFamily="18" charset="0"/>
+              </a:defRPr>
+            </a:lvl1pPr>
+            <a:lvl2pPr marL="742950" indent="-285750">
+              <a:defRPr sz="2400">
+                <a:solidFill>
+                  <a:schemeClr val="tx1"/>
+                </a:solidFill>
+                <a:latin typeface="Times New Roman" panose="02020603050405020304" pitchFamily="18" charset="0"/>
+              </a:defRPr>
+            </a:lvl2pPr>
+            <a:lvl3pPr marL="1143000" indent="-228600">
+              <a:defRPr sz="2400">
+                <a:solidFill>
+                  <a:schemeClr val="tx1"/>
+                </a:solidFill>
+                <a:latin typeface="Times New Roman" panose="02020603050405020304" pitchFamily="18" charset="0"/>
+              </a:defRPr>
+            </a:lvl3pPr>
+            <a:lvl4pPr marL="1600200" indent="-228600">
+              <a:defRPr sz="2400">
+                <a:solidFill>
+                  <a:schemeClr val="tx1"/>
+                </a:solidFill>
+                <a:latin typeface="Times New Roman" panose="02020603050405020304" pitchFamily="18" charset="0"/>
+              </a:defRPr>
+            </a:lvl4pPr>
+            <a:lvl5pPr marL="2057400" indent="-228600">
+              <a:defRPr sz="2400">
+                <a:solidFill>
+                  <a:schemeClr val="tx1"/>
+                </a:solidFill>
+                <a:latin typeface="Times New Roman" panose="02020603050405020304" pitchFamily="18" charset="0"/>
+              </a:defRPr>
+            </a:lvl5pPr>
+            <a:lvl6pPr marL="2514600" indent="-228600" eaLnBrk="0" fontAlgn="base" hangingPunct="0">
+              <a:spcBef>
+                <a:spcPct val="0"/>
+              </a:spcBef>
+              <a:spcAft>
+                <a:spcPct val="0"/>
+              </a:spcAft>
+              <a:defRPr sz="2400">
+                <a:solidFill>
+                  <a:schemeClr val="tx1"/>
+                </a:solidFill>
+                <a:latin typeface="Times New Roman" panose="02020603050405020304" pitchFamily="18" charset="0"/>
+              </a:defRPr>
+            </a:lvl6pPr>
+            <a:lvl7pPr marL="2971800" indent="-228600" eaLnBrk="0" fontAlgn="base" hangingPunct="0">
+              <a:spcBef>
+                <a:spcPct val="0"/>
+              </a:spcBef>
+              <a:spcAft>
+                <a:spcPct val="0"/>
+              </a:spcAft>
+              <a:defRPr sz="2400">
+                <a:solidFill>
+                  <a:schemeClr val="tx1"/>
+                </a:solidFill>
+                <a:latin typeface="Times New Roman" panose="02020603050405020304" pitchFamily="18" charset="0"/>
+              </a:defRPr>
+            </a:lvl7pPr>
+            <a:lvl8pPr marL="3429000" indent="-228600" eaLnBrk="0" fontAlgn="base" hangingPunct="0">
+              <a:spcBef>
+                <a:spcPct val="0"/>
+              </a:spcBef>
+              <a:spcAft>
+                <a:spcPct val="0"/>
+              </a:spcAft>
+              <a:defRPr sz="2400">
+                <a:solidFill>
+                  <a:schemeClr val="tx1"/>
+                </a:solidFill>
+                <a:latin typeface="Times New Roman" panose="02020603050405020304" pitchFamily="18" charset="0"/>
+              </a:defRPr>
+            </a:lvl8pPr>
+            <a:lvl9pPr marL="3886200" indent="-228600" eaLnBrk="0" fontAlgn="base" hangingPunct="0">
+              <a:spcBef>
+                <a:spcPct val="0"/>
+              </a:spcBef>
+              <a:spcAft>
+                <a:spcPct val="0"/>
+              </a:spcAft>
+              <a:defRPr sz="2400">
+                <a:solidFill>
+                  <a:schemeClr val="tx1"/>
+                </a:solidFill>
+                <a:latin typeface="Times New Roman" panose="02020603050405020304" pitchFamily="18" charset="0"/>
+              </a:defRPr>
+            </a:lvl9pPr>
+          </a:lstStyle>
+          <a:p>
+            <a:pPr algn="ctr" eaLnBrk="1" hangingPunct="1"/>
+            <a:r>
+              <a:rPr lang="en-GB" altLang="en-US" sz="1800">
+                <a:latin typeface="Arial" panose="020B0604020202020204" pitchFamily="34" charset="0"/>
+                <a:cs typeface="Arial" panose="020B0604020202020204" pitchFamily="34" charset="0"/>
+              </a:rPr>
+              <a:t>Text box</a:t>
+            </a:r>
+          </a:p>
+          <a:p>
+            <a:pPr algn="ctr" eaLnBrk="1" hangingPunct="1"/>
+            <a:r>
+              <a:rPr lang="en-GB" altLang="en-US" sz="1800">
+                <a:latin typeface="Arial" panose="020B0604020202020204" pitchFamily="34" charset="0"/>
+                <a:cs typeface="Arial" panose="020B0604020202020204" pitchFamily="34" charset="0"/>
+              </a:rPr>
+              <a:t>With shadow</a:t>
+            </a:r>
+            <a:endParaRPr lang="en-US" altLang="en-US" sz="1800">
+              <a:latin typeface="Arial" panose="020B0604020202020204" pitchFamily="34" charset="0"/>
+              <a:cs typeface="Arial" panose="020B0604020202020204" pitchFamily="34" charset="0"/>
+            </a:endParaRPr>
+          </a:p>
+        </p:txBody>
+      </p:sp>
+    </p:spTree>
+  </p:cSld>
+  <p:clrMapOvr>
+    <a:masterClrMapping/>
+  </p:clrMapOvr>
+  <p:transition/>
+  <p:timing>
+    <p:tnLst>
+      <p:par>
+        <p:cTn id="1" dur="indefinite" restart="never" nodeType="tmRoot"/>
+      </p:par>
+    </p:tnLst>
+  </p:timing>
+</p:sld>
+</file>
+
+<file path=ppt/slides/slide11.xml><?xml version="1.0" encoding="utf-8"?>
+<p:sld xmlns:a="http://schemas.openxmlformats.org/drawingml/2006/main" xmlns:r="http://schemas.openxmlformats.org/officeDocument/2006/relationships" xmlns:p="http://schemas.openxmlformats.org/presentationml/2006/main">
+  <p:cSld>
+    <p:spTree>
+      <p:nvGrpSpPr>
+        <p:cNvPr id="1" name=""/>
+        <p:cNvGrpSpPr/>
+        <p:nvPr/>
+      </p:nvGrpSpPr>
+      <p:grpSpPr>
+        <a:xfrm>
+          <a:off x="0" y="0"/>
+          <a:ext cx="0" cy="0"/>
+          <a:chOff x="0" y="0"/>
+          <a:chExt cx="0" cy="0"/>
+        </a:xfrm>
+      </p:grpSpPr>
+      <p:sp>
+        <p:nvSpPr>
+          <p:cNvPr id="20482" name="Rectangle 2"/>
+          <p:cNvSpPr>
+            <a:spLocks noChangeArrowheads="1"/>
+          </p:cNvSpPr>
+          <p:nvPr/>
+        </p:nvSpPr>
+        <p:spPr bwMode="auto">
+          <a:xfrm>
+            <a:off x="539750" y="1268413"/>
+            <a:ext cx="8208963" cy="5329237"/>
+          </a:xfrm>
+          <a:prstGeom prst="rect">
+            <a:avLst/>
+          </a:prstGeom>
+          <a:noFill/>
+          <a:ln>
+            <a:noFill/>
+          </a:ln>
+          <a:effectLst/>
+          <a:extLst>
+            <a:ext uri="{909E8E84-426E-40DD-AFC4-6F175D3DCCD1}">
+              <a14:hiddenFill xmlns:a14="http://schemas.microsoft.com/office/drawing/2010/main">
+                <a:solidFill>
+                  <a:srgbClr val="7FD7FC">
+                    <a:alpha val="50195"/>
+                  </a:srgbClr>
+                </a:solidFill>
+              </a14:hiddenFill>
+            </a:ext>
+            <a:ext uri="{91240B29-F687-4F45-9708-019B960494DF}">
+              <a14:hiddenLine xmlns:a14="http://schemas.microsoft.com/office/drawing/2010/main" w="9525">
+                <a:solidFill>
+                  <a:schemeClr val="tx1"/>
+                </a:solidFill>
+                <a:miter lim="800000"/>
+                <a:headEnd/>
+                <a:tailEnd/>
+              </a14:hiddenLine>
+            </a:ext>
+            <a:ext uri="{AF507438-7753-43E0-B8FC-AC1667EBCBE1}">
+              <a14:hiddenEffects xmlns:a14="http://schemas.microsoft.com/office/drawing/2010/main">
+                <a:effectLst>
+                  <a:outerShdw dist="35921" dir="2700000" algn="ctr" rotWithShape="0">
+                    <a:schemeClr val="bg2"/>
+                  </a:outerShdw>
+                </a:effectLst>
+              </a14:hiddenEffects>
+            </a:ext>
+          </a:extLst>
+        </p:spPr>
+        <p:txBody>
+          <a:bodyPr wrap="none" anchor="ctr"/>
+          <a:lstStyle>
+            <a:lvl1pPr>
+              <a:defRPr sz="2400">
+                <a:solidFill>
+                  <a:schemeClr val="tx1"/>
+                </a:solidFill>
+                <a:latin typeface="Times New Roman" panose="02020603050405020304" pitchFamily="18" charset="0"/>
+              </a:defRPr>
+            </a:lvl1pPr>
+            <a:lvl2pPr marL="742950" indent="-285750">
+              <a:defRPr sz="2400">
+                <a:solidFill>
+                  <a:schemeClr val="tx1"/>
+                </a:solidFill>
+                <a:latin typeface="Times New Roman" panose="02020603050405020304" pitchFamily="18" charset="0"/>
+              </a:defRPr>
+            </a:lvl2pPr>
+            <a:lvl3pPr marL="1143000" indent="-228600">
+              <a:defRPr sz="2400">
+                <a:solidFill>
+                  <a:schemeClr val="tx1"/>
+                </a:solidFill>
+                <a:latin typeface="Times New Roman" panose="02020603050405020304" pitchFamily="18" charset="0"/>
+              </a:defRPr>
+            </a:lvl3pPr>
+            <a:lvl4pPr marL="1600200" indent="-228600">
+              <a:defRPr sz="2400">
+                <a:solidFill>
+                  <a:schemeClr val="tx1"/>
+                </a:solidFill>
+                <a:latin typeface="Times New Roman" panose="02020603050405020304" pitchFamily="18" charset="0"/>
+              </a:defRPr>
+            </a:lvl4pPr>
+            <a:lvl5pPr marL="2057400" indent="-228600">
+              <a:defRPr sz="2400">
+                <a:solidFill>
+                  <a:schemeClr val="tx1"/>
+                </a:solidFill>
+                <a:latin typeface="Times New Roman" panose="02020603050405020304" pitchFamily="18" charset="0"/>
+              </a:defRPr>
+            </a:lvl5pPr>
+            <a:lvl6pPr marL="2514600" indent="-228600" eaLnBrk="0" fontAlgn="base" hangingPunct="0">
+              <a:spcBef>
+                <a:spcPct val="0"/>
+              </a:spcBef>
+              <a:spcAft>
+                <a:spcPct val="0"/>
+              </a:spcAft>
+              <a:defRPr sz="2400">
+                <a:solidFill>
+                  <a:schemeClr val="tx1"/>
+                </a:solidFill>
+                <a:latin typeface="Times New Roman" panose="02020603050405020304" pitchFamily="18" charset="0"/>
+              </a:defRPr>
+            </a:lvl6pPr>
+            <a:lvl7pPr marL="2971800" indent="-228600" eaLnBrk="0" fontAlgn="base" hangingPunct="0">
+              <a:spcBef>
+                <a:spcPct val="0"/>
+              </a:spcBef>
+              <a:spcAft>
+                <a:spcPct val="0"/>
+              </a:spcAft>
+              <a:defRPr sz="2400">
+                <a:solidFill>
+                  <a:schemeClr val="tx1"/>
+                </a:solidFill>
+                <a:latin typeface="Times New Roman" panose="02020603050405020304" pitchFamily="18" charset="0"/>
+              </a:defRPr>
+            </a:lvl7pPr>
+            <a:lvl8pPr marL="3429000" indent="-228600" eaLnBrk="0" fontAlgn="base" hangingPunct="0">
+              <a:spcBef>
+                <a:spcPct val="0"/>
+              </a:spcBef>
+              <a:spcAft>
+                <a:spcPct val="0"/>
+              </a:spcAft>
+              <a:defRPr sz="2400">
+                <a:solidFill>
+                  <a:schemeClr val="tx1"/>
+                </a:solidFill>
+                <a:latin typeface="Times New Roman" panose="02020603050405020304" pitchFamily="18" charset="0"/>
+              </a:defRPr>
+            </a:lvl8pPr>
+            <a:lvl9pPr marL="3886200" indent="-228600" eaLnBrk="0" fontAlgn="base" hangingPunct="0">
+              <a:spcBef>
+                <a:spcPct val="0"/>
+              </a:spcBef>
+              <a:spcAft>
+                <a:spcPct val="0"/>
+              </a:spcAft>
+              <a:defRPr sz="2400">
+                <a:solidFill>
+                  <a:schemeClr val="tx1"/>
+                </a:solidFill>
+                <a:latin typeface="Times New Roman" panose="02020603050405020304" pitchFamily="18" charset="0"/>
+              </a:defRPr>
+            </a:lvl9pPr>
+          </a:lstStyle>
+          <a:p>
+            <a:pPr eaLnBrk="1" hangingPunct="1"/>
+            <a:endParaRPr lang="en-GB" altLang="en-US"/>
+          </a:p>
+        </p:txBody>
+      </p:sp>
+      <p:sp>
+        <p:nvSpPr>
+          <p:cNvPr id="20483" name="Rectangle 3"/>
+          <p:cNvSpPr>
+            <a:spLocks noGrp="1" noChangeArrowheads="1"/>
+          </p:cNvSpPr>
+          <p:nvPr>
+            <p:ph type="title"/>
+          </p:nvPr>
+        </p:nvSpPr>
+        <p:spPr/>
+        <p:txBody>
+          <a:bodyPr/>
+          <a:lstStyle/>
+          <a:p>
+            <a:pPr eaLnBrk="1" hangingPunct="1"/>
+            <a:r>
+              <a:rPr lang="en-GB" altLang="en-US" smtClean="0"/>
+              <a:t>Use of templates</a:t>
+            </a:r>
+            <a:endParaRPr lang="en-US" altLang="en-US" smtClean="0"/>
+          </a:p>
+        </p:txBody>
+      </p:sp>
+      <p:sp>
+        <p:nvSpPr>
+          <p:cNvPr id="20484" name="Text Box 4"/>
+          <p:cNvSpPr txBox="1">
+            <a:spLocks noChangeArrowheads="1"/>
+          </p:cNvSpPr>
+          <p:nvPr/>
+        </p:nvSpPr>
+        <p:spPr bwMode="auto">
+          <a:xfrm>
+            <a:off x="1150938" y="1463675"/>
+            <a:ext cx="6950075" cy="701675"/>
+          </a:xfrm>
+          <a:prstGeom prst="rect">
+            <a:avLst/>
+          </a:prstGeom>
+          <a:noFill/>
+          <a:ln>
+            <a:noFill/>
+          </a:ln>
+          <a:effectLst/>
+          <a:extLst>
+            <a:ext uri="{909E8E84-426E-40DD-AFC4-6F175D3DCCD1}">
+              <a14:hiddenFill xmlns:a14="http://schemas.microsoft.com/office/drawing/2010/main">
+                <a:solidFill>
+                  <a:schemeClr val="accent1"/>
+                </a:solidFill>
+              </a14:hiddenFill>
+            </a:ext>
+            <a:ext uri="{91240B29-F687-4F45-9708-019B960494DF}">
+              <a14:hiddenLine xmlns:a14="http://schemas.microsoft.com/office/drawing/2010/main" w="9525">
+                <a:solidFill>
+                  <a:schemeClr val="tx1"/>
+                </a:solidFill>
+                <a:miter lim="800000"/>
+                <a:headEnd/>
+                <a:tailEnd/>
+              </a14:hiddenLine>
+            </a:ext>
+            <a:ext uri="{AF507438-7753-43E0-B8FC-AC1667EBCBE1}">
+              <a14:hiddenEffects xmlns:a14="http://schemas.microsoft.com/office/drawing/2010/main">
+                <a:effectLst>
+                  <a:outerShdw dist="35921" dir="2700000" algn="ctr" rotWithShape="0">
+                    <a:schemeClr val="bg2"/>
+                  </a:outerShdw>
+                </a:effectLst>
+              </a14:hiddenEffects>
+            </a:ext>
+          </a:extLst>
+        </p:spPr>
+        <p:txBody>
+          <a:bodyPr>
+            <a:spAutoFit/>
+          </a:bodyPr>
+          <a:lstStyle>
+            <a:lvl1pPr>
+              <a:defRPr sz="2400">
+                <a:solidFill>
+                  <a:schemeClr val="tx1"/>
+                </a:solidFill>
+                <a:latin typeface="Times New Roman" panose="02020603050405020304" pitchFamily="18" charset="0"/>
+              </a:defRPr>
+            </a:lvl1pPr>
+            <a:lvl2pPr marL="742950" indent="-285750">
+              <a:defRPr sz="2400">
+                <a:solidFill>
+                  <a:schemeClr val="tx1"/>
+                </a:solidFill>
+                <a:latin typeface="Times New Roman" panose="02020603050405020304" pitchFamily="18" charset="0"/>
+              </a:defRPr>
+            </a:lvl2pPr>
+            <a:lvl3pPr marL="1143000" indent="-228600">
+              <a:defRPr sz="2400">
+                <a:solidFill>
+                  <a:schemeClr val="tx1"/>
+                </a:solidFill>
+                <a:latin typeface="Times New Roman" panose="02020603050405020304" pitchFamily="18" charset="0"/>
+              </a:defRPr>
+            </a:lvl3pPr>
+            <a:lvl4pPr marL="1600200" indent="-228600">
+              <a:defRPr sz="2400">
+                <a:solidFill>
+                  <a:schemeClr val="tx1"/>
+                </a:solidFill>
+                <a:latin typeface="Times New Roman" panose="02020603050405020304" pitchFamily="18" charset="0"/>
+              </a:defRPr>
+            </a:lvl4pPr>
+            <a:lvl5pPr marL="2057400" indent="-228600">
+              <a:defRPr sz="2400">
+                <a:solidFill>
+                  <a:schemeClr val="tx1"/>
+                </a:solidFill>
+                <a:latin typeface="Times New Roman" panose="02020603050405020304" pitchFamily="18" charset="0"/>
+              </a:defRPr>
+            </a:lvl5pPr>
+            <a:lvl6pPr marL="2514600" indent="-228600" eaLnBrk="0" fontAlgn="base" hangingPunct="0">
+              <a:spcBef>
+                <a:spcPct val="0"/>
+              </a:spcBef>
+              <a:spcAft>
+                <a:spcPct val="0"/>
+              </a:spcAft>
+              <a:defRPr sz="2400">
+                <a:solidFill>
+                  <a:schemeClr val="tx1"/>
+                </a:solidFill>
+                <a:latin typeface="Times New Roman" panose="02020603050405020304" pitchFamily="18" charset="0"/>
+              </a:defRPr>
+            </a:lvl6pPr>
+            <a:lvl7pPr marL="2971800" indent="-228600" eaLnBrk="0" fontAlgn="base" hangingPunct="0">
+              <a:spcBef>
+                <a:spcPct val="0"/>
+              </a:spcBef>
+              <a:spcAft>
+                <a:spcPct val="0"/>
+              </a:spcAft>
+              <a:defRPr sz="2400">
+                <a:solidFill>
+                  <a:schemeClr val="tx1"/>
+                </a:solidFill>
+                <a:latin typeface="Times New Roman" panose="02020603050405020304" pitchFamily="18" charset="0"/>
+              </a:defRPr>
+            </a:lvl7pPr>
+            <a:lvl8pPr marL="3429000" indent="-228600" eaLnBrk="0" fontAlgn="base" hangingPunct="0">
+              <a:spcBef>
+                <a:spcPct val="0"/>
+              </a:spcBef>
+              <a:spcAft>
+                <a:spcPct val="0"/>
+              </a:spcAft>
+              <a:defRPr sz="2400">
+                <a:solidFill>
+                  <a:schemeClr val="tx1"/>
+                </a:solidFill>
+                <a:latin typeface="Times New Roman" panose="02020603050405020304" pitchFamily="18" charset="0"/>
+              </a:defRPr>
+            </a:lvl8pPr>
+            <a:lvl9pPr marL="3886200" indent="-228600" eaLnBrk="0" fontAlgn="base" hangingPunct="0">
+              <a:spcBef>
+                <a:spcPct val="0"/>
+              </a:spcBef>
+              <a:spcAft>
+                <a:spcPct val="0"/>
+              </a:spcAft>
+              <a:defRPr sz="2400">
+                <a:solidFill>
+                  <a:schemeClr val="tx1"/>
+                </a:solidFill>
+                <a:latin typeface="Times New Roman" panose="02020603050405020304" pitchFamily="18" charset="0"/>
+              </a:defRPr>
+            </a:lvl9pPr>
+          </a:lstStyle>
+          <a:p>
+            <a:pPr eaLnBrk="1" hangingPunct="1">
+              <a:spcBef>
+                <a:spcPct val="50000"/>
+              </a:spcBef>
+            </a:pPr>
+            <a:r>
+              <a:rPr lang="en-GB" altLang="en-US" sz="2000" b="1">
+                <a:latin typeface="Arial" panose="020B0604020202020204" pitchFamily="34" charset="0"/>
+                <a:cs typeface="Arial" panose="020B0604020202020204" pitchFamily="34" charset="0"/>
+              </a:rPr>
+              <a:t>You are free to use these templates for your personal and business presentations.</a:t>
+            </a:r>
+          </a:p>
+        </p:txBody>
+      </p:sp>
+      <p:sp>
+        <p:nvSpPr>
+          <p:cNvPr id="20485" name="Text Box 5"/>
+          <p:cNvSpPr txBox="1">
+            <a:spLocks noChangeArrowheads="1"/>
+          </p:cNvSpPr>
+          <p:nvPr/>
+        </p:nvSpPr>
+        <p:spPr bwMode="auto">
+          <a:xfrm>
+            <a:off x="1150938" y="3140075"/>
+            <a:ext cx="3409950" cy="2251075"/>
+          </a:xfrm>
+          <a:prstGeom prst="rect">
+            <a:avLst/>
+          </a:prstGeom>
+          <a:noFill/>
+          <a:ln>
+            <a:noFill/>
+          </a:ln>
+          <a:effectLst/>
+          <a:extLst>
+            <a:ext uri="{909E8E84-426E-40DD-AFC4-6F175D3DCCD1}">
+              <a14:hiddenFill xmlns:a14="http://schemas.microsoft.com/office/drawing/2010/main">
+                <a:solidFill>
+                  <a:schemeClr val="accent1"/>
+                </a:solidFill>
+              </a14:hiddenFill>
+            </a:ext>
+            <a:ext uri="{91240B29-F687-4F45-9708-019B960494DF}">
+              <a14:hiddenLine xmlns:a14="http://schemas.microsoft.com/office/drawing/2010/main" w="9525">
+                <a:solidFill>
+                  <a:schemeClr val="tx1"/>
+                </a:solidFill>
+                <a:miter lim="800000"/>
+                <a:headEnd/>
+                <a:tailEnd/>
+              </a14:hiddenLine>
+            </a:ext>
+            <a:ext uri="{AF507438-7753-43E0-B8FC-AC1667EBCBE1}">
+              <a14:hiddenEffects xmlns:a14="http://schemas.microsoft.com/office/drawing/2010/main">
+                <a:effectLst>
+                  <a:outerShdw dist="35921" dir="2700000" algn="ctr" rotWithShape="0">
+                    <a:schemeClr val="bg2"/>
+                  </a:outerShdw>
+                </a:effectLst>
+              </a14:hiddenEffects>
+            </a:ext>
+          </a:extLst>
+        </p:spPr>
+        <p:txBody>
+          <a:bodyPr>
+            <a:spAutoFit/>
+          </a:bodyPr>
+          <a:lstStyle>
+            <a:lvl1pPr marL="265113" indent="-265113">
+              <a:defRPr sz="2400">
+                <a:solidFill>
+                  <a:schemeClr val="tx1"/>
+                </a:solidFill>
+                <a:latin typeface="Times New Roman" panose="02020603050405020304" pitchFamily="18" charset="0"/>
+              </a:defRPr>
+            </a:lvl1pPr>
+            <a:lvl2pPr marL="742950" indent="-285750">
+              <a:defRPr sz="2400">
+                <a:solidFill>
+                  <a:schemeClr val="tx1"/>
+                </a:solidFill>
+                <a:latin typeface="Times New Roman" panose="02020603050405020304" pitchFamily="18" charset="0"/>
+              </a:defRPr>
+            </a:lvl2pPr>
+            <a:lvl3pPr marL="1143000" indent="-228600">
+              <a:defRPr sz="2400">
+                <a:solidFill>
+                  <a:schemeClr val="tx1"/>
+                </a:solidFill>
+                <a:latin typeface="Times New Roman" panose="02020603050405020304" pitchFamily="18" charset="0"/>
+              </a:defRPr>
+            </a:lvl3pPr>
+            <a:lvl4pPr marL="1600200" indent="-228600">
+              <a:defRPr sz="2400">
+                <a:solidFill>
+                  <a:schemeClr val="tx1"/>
+                </a:solidFill>
+                <a:latin typeface="Times New Roman" panose="02020603050405020304" pitchFamily="18" charset="0"/>
+              </a:defRPr>
+            </a:lvl4pPr>
+            <a:lvl5pPr marL="2057400" indent="-228600">
+              <a:defRPr sz="2400">
+                <a:solidFill>
+                  <a:schemeClr val="tx1"/>
+                </a:solidFill>
+                <a:latin typeface="Times New Roman" panose="02020603050405020304" pitchFamily="18" charset="0"/>
+              </a:defRPr>
+            </a:lvl5pPr>
+            <a:lvl6pPr marL="2514600" indent="-228600" eaLnBrk="0" fontAlgn="base" hangingPunct="0">
+              <a:spcBef>
+                <a:spcPct val="0"/>
+              </a:spcBef>
+              <a:spcAft>
+                <a:spcPct val="0"/>
+              </a:spcAft>
+              <a:defRPr sz="2400">
+                <a:solidFill>
+                  <a:schemeClr val="tx1"/>
+                </a:solidFill>
+                <a:latin typeface="Times New Roman" panose="02020603050405020304" pitchFamily="18" charset="0"/>
+              </a:defRPr>
+            </a:lvl6pPr>
+            <a:lvl7pPr marL="2971800" indent="-228600" eaLnBrk="0" fontAlgn="base" hangingPunct="0">
+              <a:spcBef>
+                <a:spcPct val="0"/>
+              </a:spcBef>
+              <a:spcAft>
+                <a:spcPct val="0"/>
+              </a:spcAft>
+              <a:defRPr sz="2400">
+                <a:solidFill>
+                  <a:schemeClr val="tx1"/>
+                </a:solidFill>
+                <a:latin typeface="Times New Roman" panose="02020603050405020304" pitchFamily="18" charset="0"/>
+              </a:defRPr>
+            </a:lvl7pPr>
+            <a:lvl8pPr marL="3429000" indent="-228600" eaLnBrk="0" fontAlgn="base" hangingPunct="0">
+              <a:spcBef>
+                <a:spcPct val="0"/>
+              </a:spcBef>
+              <a:spcAft>
+                <a:spcPct val="0"/>
+              </a:spcAft>
+              <a:defRPr sz="2400">
+                <a:solidFill>
+                  <a:schemeClr val="tx1"/>
+                </a:solidFill>
+                <a:latin typeface="Times New Roman" panose="02020603050405020304" pitchFamily="18" charset="0"/>
+              </a:defRPr>
+            </a:lvl8pPr>
+            <a:lvl9pPr marL="3886200" indent="-228600" eaLnBrk="0" fontAlgn="base" hangingPunct="0">
+              <a:spcBef>
+                <a:spcPct val="0"/>
+              </a:spcBef>
+              <a:spcAft>
+                <a:spcPct val="0"/>
+              </a:spcAft>
+              <a:defRPr sz="2400">
+                <a:solidFill>
+                  <a:schemeClr val="tx1"/>
+                </a:solidFill>
+                <a:latin typeface="Times New Roman" panose="02020603050405020304" pitchFamily="18" charset="0"/>
+              </a:defRPr>
+            </a:lvl9pPr>
+          </a:lstStyle>
+          <a:p>
+            <a:pPr eaLnBrk="1" hangingPunct="1"/>
+            <a:r>
+              <a:rPr lang="en-GB" altLang="en-US" sz="1600" b="1" u="sng" dirty="0">
+                <a:latin typeface="Arial" panose="020B0604020202020204" pitchFamily="34" charset="0"/>
+                <a:cs typeface="Arial" panose="020B0604020202020204" pitchFamily="34" charset="0"/>
+              </a:rPr>
+              <a:t>Do</a:t>
+            </a:r>
+          </a:p>
+          <a:p>
+            <a:pPr eaLnBrk="1" hangingPunct="1">
+              <a:buFont typeface="Wingdings" panose="05000000000000000000" pitchFamily="2" charset="2"/>
+              <a:buChar char="ü"/>
+            </a:pPr>
+            <a:r>
+              <a:rPr lang="en-GB" altLang="en-US" sz="1400" dirty="0">
+                <a:latin typeface="Arial" panose="020B0604020202020204" pitchFamily="34" charset="0"/>
+                <a:cs typeface="Arial" panose="020B0604020202020204" pitchFamily="34" charset="0"/>
+              </a:rPr>
+              <a:t>Use these templates for your presentations</a:t>
+            </a:r>
+          </a:p>
+          <a:p>
+            <a:pPr eaLnBrk="1" hangingPunct="1">
+              <a:buFont typeface="Wingdings" panose="05000000000000000000" pitchFamily="2" charset="2"/>
+              <a:buChar char="ü"/>
+            </a:pPr>
+            <a:r>
+              <a:rPr lang="en-GB" altLang="en-US" sz="1400" dirty="0">
+                <a:latin typeface="Arial" panose="020B0604020202020204" pitchFamily="34" charset="0"/>
+                <a:cs typeface="Arial" panose="020B0604020202020204" pitchFamily="34" charset="0"/>
+              </a:rPr>
+              <a:t>Display your presentation on a web site provided that it is not for the purpose of downloading the template.</a:t>
+            </a:r>
+          </a:p>
+          <a:p>
+            <a:pPr eaLnBrk="1" hangingPunct="1">
+              <a:buFont typeface="Wingdings" panose="05000000000000000000" pitchFamily="2" charset="2"/>
+              <a:buChar char="ü"/>
+            </a:pPr>
+            <a:r>
+              <a:rPr lang="en-US" altLang="en-US" sz="1400" dirty="0">
+                <a:latin typeface="Arial" panose="020B0604020202020204" pitchFamily="34" charset="0"/>
+                <a:cs typeface="Arial" panose="020B0604020202020204" pitchFamily="34" charset="0"/>
+              </a:rPr>
+              <a:t>If you like these templates, we would always appreciate a link back to our website.  Many thanks.</a:t>
+            </a:r>
+          </a:p>
+          <a:p>
+            <a:pPr eaLnBrk="1" hangingPunct="1">
+              <a:buFont typeface="Wingdings" panose="05000000000000000000" pitchFamily="2" charset="2"/>
+              <a:buChar char="ü"/>
+            </a:pPr>
+            <a:endParaRPr lang="en-US" altLang="en-US" sz="1400" dirty="0">
+              <a:latin typeface="Arial" panose="020B0604020202020204" pitchFamily="34" charset="0"/>
+              <a:cs typeface="Arial" panose="020B0604020202020204" pitchFamily="34" charset="0"/>
+            </a:endParaRPr>
+          </a:p>
+        </p:txBody>
+      </p:sp>
+      <p:sp>
+        <p:nvSpPr>
+          <p:cNvPr id="20486" name="Text Box 6"/>
+          <p:cNvSpPr txBox="1">
+            <a:spLocks noChangeArrowheads="1"/>
+          </p:cNvSpPr>
+          <p:nvPr/>
+        </p:nvSpPr>
+        <p:spPr bwMode="auto">
+          <a:xfrm>
+            <a:off x="4495800" y="3140075"/>
+            <a:ext cx="3640138" cy="2038350"/>
+          </a:xfrm>
+          <a:prstGeom prst="rect">
+            <a:avLst/>
+          </a:prstGeom>
+          <a:noFill/>
+          <a:ln>
+            <a:noFill/>
+          </a:ln>
+          <a:effectLst/>
+          <a:extLst>
+            <a:ext uri="{909E8E84-426E-40DD-AFC4-6F175D3DCCD1}">
+              <a14:hiddenFill xmlns:a14="http://schemas.microsoft.com/office/drawing/2010/main">
+                <a:solidFill>
+                  <a:schemeClr val="accent1"/>
+                </a:solidFill>
+              </a14:hiddenFill>
+            </a:ext>
+            <a:ext uri="{91240B29-F687-4F45-9708-019B960494DF}">
+              <a14:hiddenLine xmlns:a14="http://schemas.microsoft.com/office/drawing/2010/main" w="9525">
+                <a:solidFill>
+                  <a:schemeClr val="tx1"/>
+                </a:solidFill>
+                <a:miter lim="800000"/>
+                <a:headEnd/>
+                <a:tailEnd/>
+              </a14:hiddenLine>
+            </a:ext>
+            <a:ext uri="{AF507438-7753-43E0-B8FC-AC1667EBCBE1}">
+              <a14:hiddenEffects xmlns:a14="http://schemas.microsoft.com/office/drawing/2010/main">
+                <a:effectLst>
+                  <a:outerShdw dist="35921" dir="2700000" algn="ctr" rotWithShape="0">
+                    <a:schemeClr val="bg2"/>
+                  </a:outerShdw>
+                </a:effectLst>
+              </a14:hiddenEffects>
+            </a:ext>
+          </a:extLst>
+        </p:spPr>
+        <p:txBody>
+          <a:bodyPr>
+            <a:spAutoFit/>
+          </a:bodyPr>
+          <a:lstStyle>
+            <a:lvl1pPr marL="265113" indent="-265113">
+              <a:defRPr sz="2400">
+                <a:solidFill>
+                  <a:schemeClr val="tx1"/>
+                </a:solidFill>
+                <a:latin typeface="Times New Roman" panose="02020603050405020304" pitchFamily="18" charset="0"/>
+              </a:defRPr>
+            </a:lvl1pPr>
+            <a:lvl2pPr marL="742950" indent="-285750">
+              <a:defRPr sz="2400">
+                <a:solidFill>
+                  <a:schemeClr val="tx1"/>
+                </a:solidFill>
+                <a:latin typeface="Times New Roman" panose="02020603050405020304" pitchFamily="18" charset="0"/>
+              </a:defRPr>
+            </a:lvl2pPr>
+            <a:lvl3pPr marL="1143000" indent="-228600">
+              <a:defRPr sz="2400">
+                <a:solidFill>
+                  <a:schemeClr val="tx1"/>
+                </a:solidFill>
+                <a:latin typeface="Times New Roman" panose="02020603050405020304" pitchFamily="18" charset="0"/>
+              </a:defRPr>
+            </a:lvl3pPr>
+            <a:lvl4pPr marL="1600200" indent="-228600">
+              <a:defRPr sz="2400">
+                <a:solidFill>
+                  <a:schemeClr val="tx1"/>
+                </a:solidFill>
+                <a:latin typeface="Times New Roman" panose="02020603050405020304" pitchFamily="18" charset="0"/>
+              </a:defRPr>
+            </a:lvl4pPr>
+            <a:lvl5pPr marL="2057400" indent="-228600">
+              <a:defRPr sz="2400">
+                <a:solidFill>
+                  <a:schemeClr val="tx1"/>
+                </a:solidFill>
+                <a:latin typeface="Times New Roman" panose="02020603050405020304" pitchFamily="18" charset="0"/>
+              </a:defRPr>
+            </a:lvl5pPr>
+            <a:lvl6pPr marL="2514600" indent="-228600" eaLnBrk="0" fontAlgn="base" hangingPunct="0">
+              <a:spcBef>
+                <a:spcPct val="0"/>
+              </a:spcBef>
+              <a:spcAft>
+                <a:spcPct val="0"/>
+              </a:spcAft>
+              <a:defRPr sz="2400">
+                <a:solidFill>
+                  <a:schemeClr val="tx1"/>
+                </a:solidFill>
+                <a:latin typeface="Times New Roman" panose="02020603050405020304" pitchFamily="18" charset="0"/>
+              </a:defRPr>
+            </a:lvl6pPr>
+            <a:lvl7pPr marL="2971800" indent="-228600" eaLnBrk="0" fontAlgn="base" hangingPunct="0">
+              <a:spcBef>
+                <a:spcPct val="0"/>
+              </a:spcBef>
+              <a:spcAft>
+                <a:spcPct val="0"/>
+              </a:spcAft>
+              <a:defRPr sz="2400">
+                <a:solidFill>
+                  <a:schemeClr val="tx1"/>
+                </a:solidFill>
+                <a:latin typeface="Times New Roman" panose="02020603050405020304" pitchFamily="18" charset="0"/>
+              </a:defRPr>
+            </a:lvl7pPr>
+            <a:lvl8pPr marL="3429000" indent="-228600" eaLnBrk="0" fontAlgn="base" hangingPunct="0">
+              <a:spcBef>
+                <a:spcPct val="0"/>
+              </a:spcBef>
+              <a:spcAft>
+                <a:spcPct val="0"/>
+              </a:spcAft>
+              <a:defRPr sz="2400">
+                <a:solidFill>
+                  <a:schemeClr val="tx1"/>
+                </a:solidFill>
+                <a:latin typeface="Times New Roman" panose="02020603050405020304" pitchFamily="18" charset="0"/>
+              </a:defRPr>
+            </a:lvl8pPr>
+            <a:lvl9pPr marL="3886200" indent="-228600" eaLnBrk="0" fontAlgn="base" hangingPunct="0">
+              <a:spcBef>
+                <a:spcPct val="0"/>
+              </a:spcBef>
+              <a:spcAft>
+                <a:spcPct val="0"/>
+              </a:spcAft>
+              <a:defRPr sz="2400">
+                <a:solidFill>
+                  <a:schemeClr val="tx1"/>
+                </a:solidFill>
+                <a:latin typeface="Times New Roman" panose="02020603050405020304" pitchFamily="18" charset="0"/>
+              </a:defRPr>
+            </a:lvl9pPr>
+          </a:lstStyle>
+          <a:p>
+            <a:pPr eaLnBrk="1" hangingPunct="1"/>
+            <a:r>
+              <a:rPr lang="en-GB" altLang="en-US" sz="1600" b="1" u="sng">
+                <a:latin typeface="Arial" panose="020B0604020202020204" pitchFamily="34" charset="0"/>
+                <a:cs typeface="Arial" panose="020B0604020202020204" pitchFamily="34" charset="0"/>
+              </a:rPr>
+              <a:t>Don’t</a:t>
+            </a:r>
+          </a:p>
+          <a:p>
+            <a:pPr eaLnBrk="1" hangingPunct="1">
+              <a:buFont typeface="Wingdings" panose="05000000000000000000" pitchFamily="2" charset="2"/>
+              <a:buChar char="û"/>
+            </a:pPr>
+            <a:r>
+              <a:rPr lang="en-GB" altLang="en-US" sz="1400">
+                <a:latin typeface="Arial" panose="020B0604020202020204" pitchFamily="34" charset="0"/>
+                <a:cs typeface="Arial" panose="020B0604020202020204" pitchFamily="34" charset="0"/>
+              </a:rPr>
+              <a:t>Resell or distribute these templates</a:t>
+            </a:r>
+          </a:p>
+          <a:p>
+            <a:pPr eaLnBrk="1" hangingPunct="1">
+              <a:buFont typeface="Wingdings" panose="05000000000000000000" pitchFamily="2" charset="2"/>
+              <a:buChar char="û"/>
+            </a:pPr>
+            <a:r>
+              <a:rPr lang="en-GB" altLang="en-US" sz="1400">
+                <a:latin typeface="Arial" panose="020B0604020202020204" pitchFamily="34" charset="0"/>
+                <a:cs typeface="Arial" panose="020B0604020202020204" pitchFamily="34" charset="0"/>
+              </a:rPr>
+              <a:t>Put these templates on a website for download.  This includes uploading them onto file sharing networks like Slideshare, Myspace, Facebook, bit torrent etc</a:t>
+            </a:r>
+          </a:p>
+          <a:p>
+            <a:pPr eaLnBrk="1" hangingPunct="1">
+              <a:buFont typeface="Wingdings" panose="05000000000000000000" pitchFamily="2" charset="2"/>
+              <a:buChar char="û"/>
+            </a:pPr>
+            <a:r>
+              <a:rPr lang="en-GB" altLang="en-US" sz="1400">
+                <a:latin typeface="Arial" panose="020B0604020202020204" pitchFamily="34" charset="0"/>
+                <a:cs typeface="Arial" panose="020B0604020202020204" pitchFamily="34" charset="0"/>
+              </a:rPr>
+              <a:t>Pass off any of our created content as your own work</a:t>
+            </a:r>
+            <a:endParaRPr lang="en-US" altLang="en-US" sz="1400">
+              <a:latin typeface="Arial" panose="020B0604020202020204" pitchFamily="34" charset="0"/>
+              <a:cs typeface="Arial" panose="020B0604020202020204" pitchFamily="34" charset="0"/>
+            </a:endParaRPr>
+          </a:p>
+        </p:txBody>
+      </p:sp>
+      <p:sp>
+        <p:nvSpPr>
+          <p:cNvPr id="20487" name="Text Box 7"/>
+          <p:cNvSpPr txBox="1">
+            <a:spLocks noChangeArrowheads="1"/>
+          </p:cNvSpPr>
+          <p:nvPr/>
+        </p:nvSpPr>
+        <p:spPr bwMode="auto">
+          <a:xfrm>
+            <a:off x="1042988" y="5422900"/>
+            <a:ext cx="7164387" cy="915988"/>
+          </a:xfrm>
+          <a:prstGeom prst="rect">
+            <a:avLst/>
+          </a:prstGeom>
+          <a:noFill/>
+          <a:ln>
+            <a:noFill/>
+          </a:ln>
+          <a:effectLst/>
+          <a:extLst>
+            <a:ext uri="{909E8E84-426E-40DD-AFC4-6F175D3DCCD1}">
+              <a14:hiddenFill xmlns:a14="http://schemas.microsoft.com/office/drawing/2010/main">
+                <a:solidFill>
+                  <a:srgbClr val="FFFFFF">
+                    <a:alpha val="74901"/>
+                  </a:srgbClr>
+                </a:solidFill>
+              </a14:hiddenFill>
+            </a:ext>
+            <a:ext uri="{91240B29-F687-4F45-9708-019B960494DF}">
+              <a14:hiddenLine xmlns:a14="http://schemas.microsoft.com/office/drawing/2010/main" w="9525">
+                <a:solidFill>
+                  <a:schemeClr val="tx1"/>
+                </a:solidFill>
+                <a:miter lim="800000"/>
+                <a:headEnd/>
+                <a:tailEnd/>
+              </a14:hiddenLine>
+            </a:ext>
+            <a:ext uri="{AF507438-7753-43E0-B8FC-AC1667EBCBE1}">
+              <a14:hiddenEffects xmlns:a14="http://schemas.microsoft.com/office/drawing/2010/main">
+                <a:effectLst>
+                  <a:outerShdw dist="35921" dir="2700000" algn="ctr" rotWithShape="0">
+                    <a:schemeClr val="bg2"/>
+                  </a:outerShdw>
+                </a:effectLst>
+              </a14:hiddenEffects>
+            </a:ext>
+          </a:extLst>
+        </p:spPr>
+        <p:txBody>
+          <a:bodyPr>
+            <a:spAutoFit/>
+          </a:bodyPr>
+          <a:lstStyle>
+            <a:lvl1pPr marL="342900" indent="-342900">
+              <a:defRPr sz="2400">
+                <a:solidFill>
+                  <a:schemeClr val="tx1"/>
+                </a:solidFill>
+                <a:latin typeface="Times New Roman" panose="02020603050405020304" pitchFamily="18" charset="0"/>
+              </a:defRPr>
+            </a:lvl1pPr>
+            <a:lvl2pPr>
+              <a:defRPr sz="2400">
+                <a:solidFill>
+                  <a:schemeClr val="tx1"/>
+                </a:solidFill>
+                <a:latin typeface="Times New Roman" panose="02020603050405020304" pitchFamily="18" charset="0"/>
+              </a:defRPr>
+            </a:lvl2pPr>
+            <a:lvl3pPr marL="1143000" indent="-228600">
+              <a:defRPr sz="2400">
+                <a:solidFill>
+                  <a:schemeClr val="tx1"/>
+                </a:solidFill>
+                <a:latin typeface="Times New Roman" panose="02020603050405020304" pitchFamily="18" charset="0"/>
+              </a:defRPr>
+            </a:lvl3pPr>
+            <a:lvl4pPr marL="1600200" indent="-228600">
+              <a:defRPr sz="2400">
+                <a:solidFill>
+                  <a:schemeClr val="tx1"/>
+                </a:solidFill>
+                <a:latin typeface="Times New Roman" panose="02020603050405020304" pitchFamily="18" charset="0"/>
+              </a:defRPr>
+            </a:lvl4pPr>
+            <a:lvl5pPr marL="2057400" indent="-228600">
+              <a:defRPr sz="2400">
+                <a:solidFill>
+                  <a:schemeClr val="tx1"/>
+                </a:solidFill>
+                <a:latin typeface="Times New Roman" panose="02020603050405020304" pitchFamily="18" charset="0"/>
+              </a:defRPr>
+            </a:lvl5pPr>
+            <a:lvl6pPr marL="2514600" indent="-228600" eaLnBrk="0" fontAlgn="base" hangingPunct="0">
+              <a:spcBef>
+                <a:spcPct val="0"/>
+              </a:spcBef>
+              <a:spcAft>
+                <a:spcPct val="0"/>
+              </a:spcAft>
+              <a:defRPr sz="2400">
+                <a:solidFill>
+                  <a:schemeClr val="tx1"/>
+                </a:solidFill>
+                <a:latin typeface="Times New Roman" panose="02020603050405020304" pitchFamily="18" charset="0"/>
+              </a:defRPr>
+            </a:lvl6pPr>
+            <a:lvl7pPr marL="2971800" indent="-228600" eaLnBrk="0" fontAlgn="base" hangingPunct="0">
+              <a:spcBef>
+                <a:spcPct val="0"/>
+              </a:spcBef>
+              <a:spcAft>
+                <a:spcPct val="0"/>
+              </a:spcAft>
+              <a:defRPr sz="2400">
+                <a:solidFill>
+                  <a:schemeClr val="tx1"/>
+                </a:solidFill>
+                <a:latin typeface="Times New Roman" panose="02020603050405020304" pitchFamily="18" charset="0"/>
+              </a:defRPr>
+            </a:lvl7pPr>
+            <a:lvl8pPr marL="3429000" indent="-228600" eaLnBrk="0" fontAlgn="base" hangingPunct="0">
+              <a:spcBef>
+                <a:spcPct val="0"/>
+              </a:spcBef>
+              <a:spcAft>
+                <a:spcPct val="0"/>
+              </a:spcAft>
+              <a:defRPr sz="2400">
+                <a:solidFill>
+                  <a:schemeClr val="tx1"/>
+                </a:solidFill>
+                <a:latin typeface="Times New Roman" panose="02020603050405020304" pitchFamily="18" charset="0"/>
+              </a:defRPr>
+            </a:lvl8pPr>
+            <a:lvl9pPr marL="3886200" indent="-228600" eaLnBrk="0" fontAlgn="base" hangingPunct="0">
+              <a:spcBef>
+                <a:spcPct val="0"/>
+              </a:spcBef>
+              <a:spcAft>
+                <a:spcPct val="0"/>
+              </a:spcAft>
+              <a:defRPr sz="2400">
+                <a:solidFill>
+                  <a:schemeClr val="tx1"/>
+                </a:solidFill>
+                <a:latin typeface="Times New Roman" panose="02020603050405020304" pitchFamily="18" charset="0"/>
+              </a:defRPr>
+            </a:lvl9pPr>
+          </a:lstStyle>
+          <a:p>
+            <a:pPr lvl="1" algn="ctr" eaLnBrk="1" hangingPunct="1">
+              <a:lnSpc>
+                <a:spcPct val="90000"/>
+              </a:lnSpc>
+              <a:spcBef>
+                <a:spcPct val="20000"/>
+              </a:spcBef>
+              <a:buClr>
+                <a:schemeClr val="accent1"/>
+              </a:buClr>
+            </a:pPr>
+            <a:r>
+              <a:rPr lang="en-GB" altLang="en-US" sz="2000" b="1">
+                <a:latin typeface="Arial" panose="020B0604020202020204" pitchFamily="34" charset="0"/>
+                <a:cs typeface="Arial" panose="020B0604020202020204" pitchFamily="34" charset="0"/>
+              </a:rPr>
+              <a:t>You can find many more free templates on the Presentation Magazine website </a:t>
+            </a:r>
+            <a:r>
+              <a:rPr lang="en-GB" altLang="en-US" sz="2000" b="1">
+                <a:latin typeface="Arial" panose="020B0604020202020204" pitchFamily="34" charset="0"/>
+                <a:cs typeface="Arial" panose="020B0604020202020204" pitchFamily="34" charset="0"/>
+                <a:hlinkClick r:id="rId3"/>
+              </a:rPr>
+              <a:t>www.presentationmagazine.com</a:t>
+            </a:r>
+            <a:r>
+              <a:rPr lang="en-GB" altLang="en-US" sz="2000" b="1">
+                <a:latin typeface="Arial" panose="020B0604020202020204" pitchFamily="34" charset="0"/>
+                <a:cs typeface="Arial" panose="020B0604020202020204" pitchFamily="34" charset="0"/>
+              </a:rPr>
+              <a:t>  </a:t>
+            </a:r>
+            <a:endParaRPr lang="en-US" altLang="en-US" sz="2000" b="1">
+              <a:latin typeface="Arial" panose="020B0604020202020204" pitchFamily="34" charset="0"/>
+              <a:cs typeface="Arial" panose="020B0604020202020204" pitchFamily="34" charset="0"/>
+            </a:endParaRPr>
+          </a:p>
+        </p:txBody>
+      </p:sp>
+      <p:sp>
+        <p:nvSpPr>
+          <p:cNvPr id="20488" name="Text Box 8"/>
+          <p:cNvSpPr txBox="1">
+            <a:spLocks noChangeArrowheads="1"/>
+          </p:cNvSpPr>
+          <p:nvPr/>
+        </p:nvSpPr>
+        <p:spPr bwMode="auto">
+          <a:xfrm>
+            <a:off x="1150938" y="2360613"/>
+            <a:ext cx="6926262" cy="730250"/>
+          </a:xfrm>
+          <a:prstGeom prst="rect">
+            <a:avLst/>
+          </a:prstGeom>
+          <a:noFill/>
+          <a:ln>
+            <a:noFill/>
+          </a:ln>
+          <a:effectLst/>
+          <a:extLst>
+            <a:ext uri="{909E8E84-426E-40DD-AFC4-6F175D3DCCD1}">
+              <a14:hiddenFill xmlns:a14="http://schemas.microsoft.com/office/drawing/2010/main">
+                <a:solidFill>
+                  <a:schemeClr val="accent1"/>
+                </a:solidFill>
+              </a14:hiddenFill>
+            </a:ext>
+            <a:ext uri="{91240B29-F687-4F45-9708-019B960494DF}">
+              <a14:hiddenLine xmlns:a14="http://schemas.microsoft.com/office/drawing/2010/main" w="9525">
+                <a:solidFill>
+                  <a:schemeClr val="tx1"/>
+                </a:solidFill>
+                <a:miter lim="800000"/>
+                <a:headEnd/>
+                <a:tailEnd/>
+              </a14:hiddenLine>
+            </a:ext>
+            <a:ext uri="{AF507438-7753-43E0-B8FC-AC1667EBCBE1}">
+              <a14:hiddenEffects xmlns:a14="http://schemas.microsoft.com/office/drawing/2010/main">
+                <a:effectLst>
+                  <a:outerShdw dist="35921" dir="2700000" algn="ctr" rotWithShape="0">
+                    <a:schemeClr val="bg2"/>
+                  </a:outerShdw>
+                </a:effectLst>
+              </a14:hiddenEffects>
+            </a:ext>
+          </a:extLst>
+        </p:spPr>
+        <p:txBody>
+          <a:bodyPr>
+            <a:spAutoFit/>
+          </a:bodyPr>
+          <a:lstStyle>
+            <a:lvl1pPr>
+              <a:defRPr sz="2400">
+                <a:solidFill>
+                  <a:schemeClr val="tx1"/>
+                </a:solidFill>
+                <a:latin typeface="Times New Roman" panose="02020603050405020304" pitchFamily="18" charset="0"/>
+              </a:defRPr>
+            </a:lvl1pPr>
+            <a:lvl2pPr marL="742950" indent="-285750">
+              <a:defRPr sz="2400">
+                <a:solidFill>
+                  <a:schemeClr val="tx1"/>
+                </a:solidFill>
+                <a:latin typeface="Times New Roman" panose="02020603050405020304" pitchFamily="18" charset="0"/>
+              </a:defRPr>
+            </a:lvl2pPr>
+            <a:lvl3pPr marL="1143000" indent="-228600">
+              <a:defRPr sz="2400">
+                <a:solidFill>
+                  <a:schemeClr val="tx1"/>
+                </a:solidFill>
+                <a:latin typeface="Times New Roman" panose="02020603050405020304" pitchFamily="18" charset="0"/>
+              </a:defRPr>
+            </a:lvl3pPr>
+            <a:lvl4pPr marL="1600200" indent="-228600">
+              <a:defRPr sz="2400">
+                <a:solidFill>
+                  <a:schemeClr val="tx1"/>
+                </a:solidFill>
+                <a:latin typeface="Times New Roman" panose="02020603050405020304" pitchFamily="18" charset="0"/>
+              </a:defRPr>
+            </a:lvl4pPr>
+            <a:lvl5pPr marL="2057400" indent="-228600">
+              <a:defRPr sz="2400">
+                <a:solidFill>
+                  <a:schemeClr val="tx1"/>
+                </a:solidFill>
+                <a:latin typeface="Times New Roman" panose="02020603050405020304" pitchFamily="18" charset="0"/>
+              </a:defRPr>
+            </a:lvl5pPr>
+            <a:lvl6pPr marL="2514600" indent="-228600" eaLnBrk="0" fontAlgn="base" hangingPunct="0">
+              <a:spcBef>
+                <a:spcPct val="0"/>
+              </a:spcBef>
+              <a:spcAft>
+                <a:spcPct val="0"/>
+              </a:spcAft>
+              <a:defRPr sz="2400">
+                <a:solidFill>
+                  <a:schemeClr val="tx1"/>
+                </a:solidFill>
+                <a:latin typeface="Times New Roman" panose="02020603050405020304" pitchFamily="18" charset="0"/>
+              </a:defRPr>
+            </a:lvl6pPr>
+            <a:lvl7pPr marL="2971800" indent="-228600" eaLnBrk="0" fontAlgn="base" hangingPunct="0">
+              <a:spcBef>
+                <a:spcPct val="0"/>
+              </a:spcBef>
+              <a:spcAft>
+                <a:spcPct val="0"/>
+              </a:spcAft>
+              <a:defRPr sz="2400">
+                <a:solidFill>
+                  <a:schemeClr val="tx1"/>
+                </a:solidFill>
+                <a:latin typeface="Times New Roman" panose="02020603050405020304" pitchFamily="18" charset="0"/>
+              </a:defRPr>
+            </a:lvl7pPr>
+            <a:lvl8pPr marL="3429000" indent="-228600" eaLnBrk="0" fontAlgn="base" hangingPunct="0">
+              <a:spcBef>
+                <a:spcPct val="0"/>
+              </a:spcBef>
+              <a:spcAft>
+                <a:spcPct val="0"/>
+              </a:spcAft>
+              <a:defRPr sz="2400">
+                <a:solidFill>
+                  <a:schemeClr val="tx1"/>
+                </a:solidFill>
+                <a:latin typeface="Times New Roman" panose="02020603050405020304" pitchFamily="18" charset="0"/>
+              </a:defRPr>
+            </a:lvl8pPr>
+            <a:lvl9pPr marL="3886200" indent="-228600" eaLnBrk="0" fontAlgn="base" hangingPunct="0">
+              <a:spcBef>
+                <a:spcPct val="0"/>
+              </a:spcBef>
+              <a:spcAft>
+                <a:spcPct val="0"/>
+              </a:spcAft>
+              <a:defRPr sz="2400">
+                <a:solidFill>
+                  <a:schemeClr val="tx1"/>
+                </a:solidFill>
+                <a:latin typeface="Times New Roman" panose="02020603050405020304" pitchFamily="18" charset="0"/>
+              </a:defRPr>
+            </a:lvl9pPr>
+          </a:lstStyle>
+          <a:p>
+            <a:pPr eaLnBrk="1" hangingPunct="1">
+              <a:spcBef>
+                <a:spcPct val="50000"/>
+              </a:spcBef>
+            </a:pPr>
+            <a:r>
+              <a:rPr lang="en-GB" altLang="en-US" sz="1400" dirty="0">
+                <a:latin typeface="Arial" panose="020B0604020202020204" pitchFamily="34" charset="0"/>
+                <a:cs typeface="Arial" panose="020B0604020202020204" pitchFamily="34" charset="0"/>
+              </a:rPr>
+              <a:t>We have put a lot of work into developing all these templates and retain the copyright in them.  They are not Open Source templates.  You can use them freely providing that you do not redistribute or sell them.</a:t>
+            </a:r>
+            <a:endParaRPr lang="en-US" altLang="en-US" sz="1400" dirty="0">
+              <a:latin typeface="Arial" panose="020B0604020202020204" pitchFamily="34" charset="0"/>
+              <a:cs typeface="Arial" panose="020B0604020202020204" pitchFamily="34" charset="0"/>
+            </a:endParaRPr>
+          </a:p>
+        </p:txBody>
+      </p:sp>
+    </p:spTree>
+  </p:cSld>
+  <p:clrMapOvr>
+    <a:masterClrMapping/>
+  </p:clrMapOvr>
+  <p:transition/>
+  <p:timing>
+    <p:tnLst>
+      <p:par>
+        <p:cTn id="1" dur="indefinite" restart="never" nodeType="tmRoot"/>
+      </p:par>
+    </p:tnLst>
+  </p:timing>
 </p:sld>
 </file>
 
@@ -6572,7 +9447,7 @@
             <a:pPr lvl="1" eaLnBrk="1" hangingPunct="1"/>
             <a:r>
               <a:rPr lang="ko-KR" altLang="en-US" dirty="0" err="1" smtClean="0"/>
-              <a:t>진행일정</a:t>
+              <a:t>개발일정</a:t>
             </a:r>
             <a:endParaRPr lang="en-US" altLang="ko-KR" dirty="0" smtClean="0"/>
           </a:p>
@@ -6930,6 +9805,2926 @@
       </p:grpSpPr>
       <p:sp>
         <p:nvSpPr>
+          <p:cNvPr id="6146" name="Rectangle 2"/>
+          <p:cNvSpPr>
+            <a:spLocks noGrp="1" noChangeArrowheads="1"/>
+          </p:cNvSpPr>
+          <p:nvPr>
+            <p:ph type="title"/>
+          </p:nvPr>
+        </p:nvSpPr>
+        <p:spPr/>
+        <p:txBody>
+          <a:bodyPr/>
+          <a:lstStyle/>
+          <a:p>
+            <a:pPr eaLnBrk="1" hangingPunct="1"/>
+            <a:r>
+              <a:rPr lang="ko-KR" altLang="en-US" dirty="0" smtClean="0"/>
+              <a:t>시스템 </a:t>
+            </a:r>
+            <a:r>
+              <a:rPr lang="ko-KR" altLang="en-US" dirty="0" err="1" smtClean="0"/>
+              <a:t>아키텍쳐</a:t>
+            </a:r>
+            <a:endParaRPr lang="en-US" altLang="en-US" dirty="0" smtClean="0"/>
+          </a:p>
+        </p:txBody>
+      </p:sp>
+      <p:sp>
+        <p:nvSpPr>
+          <p:cNvPr id="113" name="직사각형 112"/>
+          <p:cNvSpPr/>
+          <p:nvPr/>
+        </p:nvSpPr>
+        <p:spPr>
+          <a:xfrm>
+            <a:off x="7301021" y="2260685"/>
+            <a:ext cx="1131781" cy="544631"/>
+          </a:xfrm>
+          <a:prstGeom prst="rect">
+            <a:avLst/>
+          </a:prstGeom>
+        </p:spPr>
+        <p:style>
+          <a:lnRef idx="2">
+            <a:schemeClr val="accent1">
+              <a:shade val="50000"/>
+            </a:schemeClr>
+          </a:lnRef>
+          <a:fillRef idx="1">
+            <a:schemeClr val="accent1"/>
+          </a:fillRef>
+          <a:effectRef idx="0">
+            <a:schemeClr val="accent1"/>
+          </a:effectRef>
+          <a:fontRef idx="minor">
+            <a:schemeClr val="lt1"/>
+          </a:fontRef>
+        </p:style>
+        <p:txBody>
+          <a:bodyPr rtlCol="0" anchor="ctr"/>
+          <a:lstStyle/>
+          <a:p>
+            <a:pPr algn="ctr"/>
+            <a:r>
+              <a:rPr lang="ko-KR" altLang="en-US" sz="1100" dirty="0" smtClean="0">
+                <a:solidFill>
+                  <a:schemeClr val="bg2"/>
+                </a:solidFill>
+              </a:rPr>
+              <a:t>데이터레이어</a:t>
+            </a:r>
+            <a:endParaRPr lang="ko-KR" altLang="en-US" sz="1100" dirty="0">
+              <a:solidFill>
+                <a:schemeClr val="bg2"/>
+              </a:solidFill>
+            </a:endParaRPr>
+          </a:p>
+        </p:txBody>
+      </p:sp>
+      <p:sp>
+        <p:nvSpPr>
+          <p:cNvPr id="114" name="모서리가 둥근 직사각형 113"/>
+          <p:cNvSpPr/>
+          <p:nvPr/>
+        </p:nvSpPr>
+        <p:spPr>
+          <a:xfrm>
+            <a:off x="7301021" y="2969313"/>
+            <a:ext cx="1131781" cy="2958018"/>
+          </a:xfrm>
+          <a:prstGeom prst="roundRect">
+            <a:avLst/>
+          </a:prstGeom>
+        </p:spPr>
+        <p:style>
+          <a:lnRef idx="2">
+            <a:schemeClr val="accent1">
+              <a:shade val="50000"/>
+            </a:schemeClr>
+          </a:lnRef>
+          <a:fillRef idx="1">
+            <a:schemeClr val="accent1"/>
+          </a:fillRef>
+          <a:effectRef idx="0">
+            <a:schemeClr val="accent1"/>
+          </a:effectRef>
+          <a:fontRef idx="minor">
+            <a:schemeClr val="lt1"/>
+          </a:fontRef>
+        </p:style>
+        <p:txBody>
+          <a:bodyPr rtlCol="0" anchor="ctr"/>
+          <a:lstStyle/>
+          <a:p>
+            <a:pPr algn="ctr"/>
+            <a:endParaRPr lang="ko-KR" altLang="en-US" sz="1100">
+              <a:solidFill>
+                <a:schemeClr val="bg2"/>
+              </a:solidFill>
+            </a:endParaRPr>
+          </a:p>
+        </p:txBody>
+      </p:sp>
+      <p:sp>
+        <p:nvSpPr>
+          <p:cNvPr id="115" name="직사각형 114"/>
+          <p:cNvSpPr/>
+          <p:nvPr/>
+        </p:nvSpPr>
+        <p:spPr>
+          <a:xfrm>
+            <a:off x="627764" y="2260685"/>
+            <a:ext cx="1099384" cy="544631"/>
+          </a:xfrm>
+          <a:prstGeom prst="rect">
+            <a:avLst/>
+          </a:prstGeom>
+        </p:spPr>
+        <p:style>
+          <a:lnRef idx="2">
+            <a:schemeClr val="accent1">
+              <a:shade val="50000"/>
+            </a:schemeClr>
+          </a:lnRef>
+          <a:fillRef idx="1">
+            <a:schemeClr val="accent1"/>
+          </a:fillRef>
+          <a:effectRef idx="0">
+            <a:schemeClr val="accent1"/>
+          </a:effectRef>
+          <a:fontRef idx="minor">
+            <a:schemeClr val="lt1"/>
+          </a:fontRef>
+        </p:style>
+        <p:txBody>
+          <a:bodyPr rtlCol="0" anchor="ctr"/>
+          <a:lstStyle/>
+          <a:p>
+            <a:pPr algn="ctr"/>
+            <a:r>
+              <a:rPr lang="en-US" altLang="ko-KR" sz="1100" dirty="0" smtClean="0">
+                <a:solidFill>
+                  <a:schemeClr val="bg2"/>
+                </a:solidFill>
+              </a:rPr>
+              <a:t>UI </a:t>
+            </a:r>
+            <a:r>
+              <a:rPr lang="ko-KR" altLang="en-US" sz="1100" dirty="0" smtClean="0">
+                <a:solidFill>
+                  <a:schemeClr val="bg2"/>
+                </a:solidFill>
+              </a:rPr>
+              <a:t>레이어</a:t>
+            </a:r>
+            <a:endParaRPr lang="ko-KR" altLang="en-US" sz="1100" dirty="0">
+              <a:solidFill>
+                <a:schemeClr val="bg2"/>
+              </a:solidFill>
+            </a:endParaRPr>
+          </a:p>
+        </p:txBody>
+      </p:sp>
+      <p:sp>
+        <p:nvSpPr>
+          <p:cNvPr id="116" name="모서리가 둥근 직사각형 115"/>
+          <p:cNvSpPr/>
+          <p:nvPr/>
+        </p:nvSpPr>
+        <p:spPr>
+          <a:xfrm>
+            <a:off x="627764" y="2969313"/>
+            <a:ext cx="1099384" cy="2958018"/>
+          </a:xfrm>
+          <a:prstGeom prst="roundRect">
+            <a:avLst/>
+          </a:prstGeom>
+        </p:spPr>
+        <p:style>
+          <a:lnRef idx="2">
+            <a:schemeClr val="accent1">
+              <a:shade val="50000"/>
+            </a:schemeClr>
+          </a:lnRef>
+          <a:fillRef idx="1">
+            <a:schemeClr val="accent1"/>
+          </a:fillRef>
+          <a:effectRef idx="0">
+            <a:schemeClr val="accent1"/>
+          </a:effectRef>
+          <a:fontRef idx="minor">
+            <a:schemeClr val="lt1"/>
+          </a:fontRef>
+        </p:style>
+        <p:txBody>
+          <a:bodyPr rtlCol="0" anchor="ctr"/>
+          <a:lstStyle/>
+          <a:p>
+            <a:pPr algn="ctr"/>
+            <a:endParaRPr lang="ko-KR" altLang="en-US" sz="900">
+              <a:solidFill>
+                <a:schemeClr val="bg2"/>
+              </a:solidFill>
+            </a:endParaRPr>
+          </a:p>
+        </p:txBody>
+      </p:sp>
+      <p:sp>
+        <p:nvSpPr>
+          <p:cNvPr id="117" name="직사각형 116"/>
+          <p:cNvSpPr/>
+          <p:nvPr/>
+        </p:nvSpPr>
+        <p:spPr>
+          <a:xfrm>
+            <a:off x="651363" y="3479525"/>
+            <a:ext cx="1044316" cy="287496"/>
+          </a:xfrm>
+          <a:prstGeom prst="rect">
+            <a:avLst/>
+          </a:prstGeom>
+        </p:spPr>
+        <p:style>
+          <a:lnRef idx="1">
+            <a:schemeClr val="accent1"/>
+          </a:lnRef>
+          <a:fillRef idx="2">
+            <a:schemeClr val="accent1"/>
+          </a:fillRef>
+          <a:effectRef idx="1">
+            <a:schemeClr val="accent1"/>
+          </a:effectRef>
+          <a:fontRef idx="minor">
+            <a:schemeClr val="dk1"/>
+          </a:fontRef>
+        </p:style>
+        <p:txBody>
+          <a:bodyPr rtlCol="0" anchor="ctr"/>
+          <a:lstStyle/>
+          <a:p>
+            <a:pPr algn="ctr"/>
+            <a:r>
+              <a:rPr lang="en-US" altLang="ko-KR" sz="900" dirty="0" smtClean="0">
+                <a:solidFill>
+                  <a:schemeClr val="bg2"/>
+                </a:solidFill>
+              </a:rPr>
+              <a:t>HTML</a:t>
+            </a:r>
+            <a:endParaRPr lang="ko-KR" altLang="en-US" sz="900" dirty="0">
+              <a:solidFill>
+                <a:schemeClr val="bg2"/>
+              </a:solidFill>
+            </a:endParaRPr>
+          </a:p>
+        </p:txBody>
+      </p:sp>
+      <p:sp>
+        <p:nvSpPr>
+          <p:cNvPr id="118" name="직사각형 117"/>
+          <p:cNvSpPr/>
+          <p:nvPr/>
+        </p:nvSpPr>
+        <p:spPr>
+          <a:xfrm>
+            <a:off x="653329" y="3894580"/>
+            <a:ext cx="1044316" cy="287496"/>
+          </a:xfrm>
+          <a:prstGeom prst="rect">
+            <a:avLst/>
+          </a:prstGeom>
+        </p:spPr>
+        <p:style>
+          <a:lnRef idx="1">
+            <a:schemeClr val="accent1"/>
+          </a:lnRef>
+          <a:fillRef idx="2">
+            <a:schemeClr val="accent1"/>
+          </a:fillRef>
+          <a:effectRef idx="1">
+            <a:schemeClr val="accent1"/>
+          </a:effectRef>
+          <a:fontRef idx="minor">
+            <a:schemeClr val="dk1"/>
+          </a:fontRef>
+        </p:style>
+        <p:txBody>
+          <a:bodyPr rtlCol="0" anchor="ctr"/>
+          <a:lstStyle/>
+          <a:p>
+            <a:pPr algn="ctr"/>
+            <a:r>
+              <a:rPr lang="en-US" altLang="ko-KR" sz="900" dirty="0" smtClean="0">
+                <a:solidFill>
+                  <a:schemeClr val="bg2"/>
+                </a:solidFill>
+              </a:rPr>
+              <a:t>CSS</a:t>
+            </a:r>
+            <a:endParaRPr lang="ko-KR" altLang="en-US" sz="900" dirty="0">
+              <a:solidFill>
+                <a:schemeClr val="bg2"/>
+              </a:solidFill>
+            </a:endParaRPr>
+          </a:p>
+        </p:txBody>
+      </p:sp>
+      <p:sp>
+        <p:nvSpPr>
+          <p:cNvPr id="119" name="직사각형 118"/>
+          <p:cNvSpPr/>
+          <p:nvPr/>
+        </p:nvSpPr>
+        <p:spPr>
+          <a:xfrm>
+            <a:off x="649399" y="4315709"/>
+            <a:ext cx="1044316" cy="287496"/>
+          </a:xfrm>
+          <a:prstGeom prst="rect">
+            <a:avLst/>
+          </a:prstGeom>
+        </p:spPr>
+        <p:style>
+          <a:lnRef idx="1">
+            <a:schemeClr val="accent1"/>
+          </a:lnRef>
+          <a:fillRef idx="2">
+            <a:schemeClr val="accent1"/>
+          </a:fillRef>
+          <a:effectRef idx="1">
+            <a:schemeClr val="accent1"/>
+          </a:effectRef>
+          <a:fontRef idx="minor">
+            <a:schemeClr val="dk1"/>
+          </a:fontRef>
+        </p:style>
+        <p:txBody>
+          <a:bodyPr rtlCol="0" anchor="ctr"/>
+          <a:lstStyle/>
+          <a:p>
+            <a:pPr algn="ctr"/>
+            <a:r>
+              <a:rPr lang="en-US" altLang="ko-KR" sz="900" dirty="0" smtClean="0">
+                <a:solidFill>
+                  <a:schemeClr val="bg2"/>
+                </a:solidFill>
+              </a:rPr>
+              <a:t>JavaScript</a:t>
+            </a:r>
+            <a:endParaRPr lang="ko-KR" altLang="en-US" sz="900" dirty="0">
+              <a:solidFill>
+                <a:schemeClr val="bg2"/>
+              </a:solidFill>
+            </a:endParaRPr>
+          </a:p>
+        </p:txBody>
+      </p:sp>
+      <p:sp>
+        <p:nvSpPr>
+          <p:cNvPr id="120" name="직사각형 119"/>
+          <p:cNvSpPr/>
+          <p:nvPr/>
+        </p:nvSpPr>
+        <p:spPr>
+          <a:xfrm>
+            <a:off x="651365" y="4724690"/>
+            <a:ext cx="1044316" cy="287496"/>
+          </a:xfrm>
+          <a:prstGeom prst="rect">
+            <a:avLst/>
+          </a:prstGeom>
+        </p:spPr>
+        <p:style>
+          <a:lnRef idx="1">
+            <a:schemeClr val="accent1"/>
+          </a:lnRef>
+          <a:fillRef idx="2">
+            <a:schemeClr val="accent1"/>
+          </a:fillRef>
+          <a:effectRef idx="1">
+            <a:schemeClr val="accent1"/>
+          </a:effectRef>
+          <a:fontRef idx="minor">
+            <a:schemeClr val="dk1"/>
+          </a:fontRef>
+        </p:style>
+        <p:txBody>
+          <a:bodyPr rtlCol="0" anchor="ctr"/>
+          <a:lstStyle/>
+          <a:p>
+            <a:pPr algn="ctr"/>
+            <a:r>
+              <a:rPr lang="en-US" altLang="ko-KR" sz="900" dirty="0" smtClean="0">
+                <a:solidFill>
+                  <a:schemeClr val="bg2"/>
+                </a:solidFill>
+              </a:rPr>
+              <a:t>jQuery</a:t>
+            </a:r>
+          </a:p>
+        </p:txBody>
+      </p:sp>
+      <p:sp>
+        <p:nvSpPr>
+          <p:cNvPr id="121" name="직사각형 120"/>
+          <p:cNvSpPr/>
+          <p:nvPr/>
+        </p:nvSpPr>
+        <p:spPr>
+          <a:xfrm>
+            <a:off x="653332" y="5115448"/>
+            <a:ext cx="1044316" cy="287496"/>
+          </a:xfrm>
+          <a:prstGeom prst="rect">
+            <a:avLst/>
+          </a:prstGeom>
+        </p:spPr>
+        <p:style>
+          <a:lnRef idx="1">
+            <a:schemeClr val="accent1"/>
+          </a:lnRef>
+          <a:fillRef idx="2">
+            <a:schemeClr val="accent1"/>
+          </a:fillRef>
+          <a:effectRef idx="1">
+            <a:schemeClr val="accent1"/>
+          </a:effectRef>
+          <a:fontRef idx="minor">
+            <a:schemeClr val="dk1"/>
+          </a:fontRef>
+        </p:style>
+        <p:txBody>
+          <a:bodyPr rtlCol="0" anchor="ctr"/>
+          <a:lstStyle/>
+          <a:p>
+            <a:pPr algn="ctr"/>
+            <a:r>
+              <a:rPr lang="en-US" altLang="ko-KR" sz="900" dirty="0" smtClean="0">
+                <a:solidFill>
+                  <a:schemeClr val="bg2"/>
+                </a:solidFill>
+              </a:rPr>
+              <a:t>Ajax</a:t>
+            </a:r>
+          </a:p>
+        </p:txBody>
+      </p:sp>
+      <p:sp>
+        <p:nvSpPr>
+          <p:cNvPr id="122" name="직사각형 121"/>
+          <p:cNvSpPr/>
+          <p:nvPr/>
+        </p:nvSpPr>
+        <p:spPr>
+          <a:xfrm>
+            <a:off x="655299" y="5494059"/>
+            <a:ext cx="1044316" cy="287496"/>
+          </a:xfrm>
+          <a:prstGeom prst="rect">
+            <a:avLst/>
+          </a:prstGeom>
+        </p:spPr>
+        <p:style>
+          <a:lnRef idx="1">
+            <a:schemeClr val="accent1"/>
+          </a:lnRef>
+          <a:fillRef idx="2">
+            <a:schemeClr val="accent1"/>
+          </a:fillRef>
+          <a:effectRef idx="1">
+            <a:schemeClr val="accent1"/>
+          </a:effectRef>
+          <a:fontRef idx="minor">
+            <a:schemeClr val="dk1"/>
+          </a:fontRef>
+        </p:style>
+        <p:txBody>
+          <a:bodyPr rtlCol="0" anchor="ctr"/>
+          <a:lstStyle/>
+          <a:p>
+            <a:pPr algn="ctr"/>
+            <a:r>
+              <a:rPr lang="en-US" altLang="ko-KR" sz="900" dirty="0" err="1" smtClean="0">
+                <a:solidFill>
+                  <a:schemeClr val="bg2"/>
+                </a:solidFill>
+              </a:rPr>
+              <a:t>jqGrid</a:t>
+            </a:r>
+            <a:endParaRPr lang="en-US" altLang="ko-KR" sz="900" dirty="0" smtClean="0">
+              <a:solidFill>
+                <a:schemeClr val="bg2"/>
+              </a:solidFill>
+            </a:endParaRPr>
+          </a:p>
+        </p:txBody>
+      </p:sp>
+      <p:sp>
+        <p:nvSpPr>
+          <p:cNvPr id="123" name="TextBox 122"/>
+          <p:cNvSpPr txBox="1"/>
+          <p:nvPr/>
+        </p:nvSpPr>
+        <p:spPr>
+          <a:xfrm>
+            <a:off x="655299" y="3102940"/>
+            <a:ext cx="1038415" cy="246221"/>
+          </a:xfrm>
+          <a:prstGeom prst="rect">
+            <a:avLst/>
+          </a:prstGeom>
+          <a:noFill/>
+        </p:spPr>
+        <p:txBody>
+          <a:bodyPr wrap="square" rtlCol="0">
+            <a:spAutoFit/>
+          </a:bodyPr>
+          <a:lstStyle/>
+          <a:p>
+            <a:pPr algn="ctr"/>
+            <a:r>
+              <a:rPr lang="en-US" altLang="ko-KR" sz="1000" dirty="0" smtClean="0">
+                <a:solidFill>
+                  <a:schemeClr val="bg2"/>
+                </a:solidFill>
+              </a:rPr>
+              <a:t>Web Browser</a:t>
+            </a:r>
+            <a:endParaRPr lang="ko-KR" altLang="en-US" sz="1000" dirty="0">
+              <a:solidFill>
+                <a:schemeClr val="bg2"/>
+              </a:solidFill>
+            </a:endParaRPr>
+          </a:p>
+        </p:txBody>
+      </p:sp>
+      <p:sp>
+        <p:nvSpPr>
+          <p:cNvPr id="124" name="TextBox 123"/>
+          <p:cNvSpPr txBox="1"/>
+          <p:nvPr/>
+        </p:nvSpPr>
+        <p:spPr>
+          <a:xfrm>
+            <a:off x="7332403" y="3150701"/>
+            <a:ext cx="1069016" cy="246221"/>
+          </a:xfrm>
+          <a:prstGeom prst="rect">
+            <a:avLst/>
+          </a:prstGeom>
+          <a:noFill/>
+        </p:spPr>
+        <p:txBody>
+          <a:bodyPr wrap="square" rtlCol="0">
+            <a:spAutoFit/>
+          </a:bodyPr>
+          <a:lstStyle/>
+          <a:p>
+            <a:pPr algn="ctr"/>
+            <a:r>
+              <a:rPr lang="en-US" altLang="ko-KR" sz="1000" dirty="0" smtClean="0">
+                <a:solidFill>
+                  <a:schemeClr val="bg2"/>
+                </a:solidFill>
+              </a:rPr>
+              <a:t>DBMS</a:t>
+            </a:r>
+            <a:endParaRPr lang="ko-KR" altLang="en-US" sz="1000" dirty="0">
+              <a:solidFill>
+                <a:schemeClr val="bg2"/>
+              </a:solidFill>
+            </a:endParaRPr>
+          </a:p>
+        </p:txBody>
+      </p:sp>
+      <p:sp>
+        <p:nvSpPr>
+          <p:cNvPr id="125" name="원통 124"/>
+          <p:cNvSpPr/>
+          <p:nvPr/>
+        </p:nvSpPr>
+        <p:spPr>
+          <a:xfrm>
+            <a:off x="7453882" y="3403148"/>
+            <a:ext cx="826058" cy="2261534"/>
+          </a:xfrm>
+          <a:prstGeom prst="can">
+            <a:avLst/>
+          </a:prstGeom>
+        </p:spPr>
+        <p:style>
+          <a:lnRef idx="2">
+            <a:schemeClr val="accent1">
+              <a:shade val="50000"/>
+            </a:schemeClr>
+          </a:lnRef>
+          <a:fillRef idx="1">
+            <a:schemeClr val="accent1"/>
+          </a:fillRef>
+          <a:effectRef idx="0">
+            <a:schemeClr val="accent1"/>
+          </a:effectRef>
+          <a:fontRef idx="minor">
+            <a:schemeClr val="lt1"/>
+          </a:fontRef>
+        </p:style>
+        <p:txBody>
+          <a:bodyPr rtlCol="0" anchor="ctr"/>
+          <a:lstStyle/>
+          <a:p>
+            <a:pPr algn="ctr"/>
+            <a:r>
+              <a:rPr lang="en-US" altLang="ko-KR" sz="1100" dirty="0" smtClean="0">
+                <a:solidFill>
+                  <a:schemeClr val="bg2"/>
+                </a:solidFill>
+              </a:rPr>
+              <a:t>DB</a:t>
+            </a:r>
+          </a:p>
+          <a:p>
+            <a:pPr algn="ctr"/>
+            <a:r>
+              <a:rPr lang="en-US" altLang="ko-KR" sz="1100" dirty="0" smtClean="0">
+                <a:solidFill>
+                  <a:schemeClr val="bg2"/>
+                </a:solidFill>
+              </a:rPr>
+              <a:t>(Oracle)</a:t>
+            </a:r>
+            <a:endParaRPr lang="ko-KR" altLang="en-US" sz="1100" dirty="0">
+              <a:solidFill>
+                <a:schemeClr val="bg2"/>
+              </a:solidFill>
+            </a:endParaRPr>
+          </a:p>
+        </p:txBody>
+      </p:sp>
+      <p:sp>
+        <p:nvSpPr>
+          <p:cNvPr id="126" name="직사각형 125"/>
+          <p:cNvSpPr/>
+          <p:nvPr/>
+        </p:nvSpPr>
+        <p:spPr>
+          <a:xfrm>
+            <a:off x="3308455" y="2260685"/>
+            <a:ext cx="1097309" cy="544631"/>
+          </a:xfrm>
+          <a:prstGeom prst="rect">
+            <a:avLst/>
+          </a:prstGeom>
+        </p:spPr>
+        <p:style>
+          <a:lnRef idx="2">
+            <a:schemeClr val="accent4">
+              <a:shade val="50000"/>
+            </a:schemeClr>
+          </a:lnRef>
+          <a:fillRef idx="1">
+            <a:schemeClr val="accent4"/>
+          </a:fillRef>
+          <a:effectRef idx="0">
+            <a:schemeClr val="accent4"/>
+          </a:effectRef>
+          <a:fontRef idx="minor">
+            <a:schemeClr val="lt1"/>
+          </a:fontRef>
+        </p:style>
+        <p:txBody>
+          <a:bodyPr rtlCol="0" anchor="ctr"/>
+          <a:lstStyle/>
+          <a:p>
+            <a:pPr algn="ctr"/>
+            <a:r>
+              <a:rPr lang="ko-KR" altLang="en-US" sz="1100" dirty="0" smtClean="0">
+                <a:solidFill>
+                  <a:schemeClr val="bg2"/>
+                </a:solidFill>
+              </a:rPr>
+              <a:t>서비스 발행</a:t>
+            </a:r>
+            <a:endParaRPr lang="en-US" altLang="ko-KR" sz="1100" dirty="0" smtClean="0">
+              <a:solidFill>
+                <a:schemeClr val="bg2"/>
+              </a:solidFill>
+            </a:endParaRPr>
+          </a:p>
+          <a:p>
+            <a:pPr algn="ctr"/>
+            <a:r>
+              <a:rPr lang="ko-KR" altLang="en-US" sz="1100" dirty="0" smtClean="0">
+                <a:solidFill>
+                  <a:schemeClr val="bg2"/>
+                </a:solidFill>
+              </a:rPr>
+              <a:t>레이어</a:t>
+            </a:r>
+            <a:endParaRPr lang="ko-KR" altLang="en-US" sz="1100" dirty="0">
+              <a:solidFill>
+                <a:schemeClr val="bg2"/>
+              </a:solidFill>
+            </a:endParaRPr>
+          </a:p>
+        </p:txBody>
+      </p:sp>
+      <p:sp>
+        <p:nvSpPr>
+          <p:cNvPr id="127" name="직사각형 126"/>
+          <p:cNvSpPr/>
+          <p:nvPr/>
+        </p:nvSpPr>
+        <p:spPr>
+          <a:xfrm>
+            <a:off x="1987289" y="2260685"/>
+            <a:ext cx="1097309" cy="544631"/>
+          </a:xfrm>
+          <a:prstGeom prst="rect">
+            <a:avLst/>
+          </a:prstGeom>
+        </p:spPr>
+        <p:style>
+          <a:lnRef idx="2">
+            <a:schemeClr val="accent4">
+              <a:shade val="50000"/>
+            </a:schemeClr>
+          </a:lnRef>
+          <a:fillRef idx="1">
+            <a:schemeClr val="accent4"/>
+          </a:fillRef>
+          <a:effectRef idx="0">
+            <a:schemeClr val="accent4"/>
+          </a:effectRef>
+          <a:fontRef idx="minor">
+            <a:schemeClr val="lt1"/>
+          </a:fontRef>
+        </p:style>
+        <p:txBody>
+          <a:bodyPr rtlCol="0" anchor="ctr"/>
+          <a:lstStyle/>
+          <a:p>
+            <a:pPr algn="ctr"/>
+            <a:r>
+              <a:rPr lang="ko-KR" altLang="en-US" sz="1100" dirty="0" err="1" smtClean="0">
+                <a:solidFill>
+                  <a:schemeClr val="bg2"/>
+                </a:solidFill>
+              </a:rPr>
+              <a:t>프리젠테이션</a:t>
+            </a:r>
+            <a:endParaRPr lang="en-US" altLang="ko-KR" sz="1100" dirty="0" smtClean="0">
+              <a:solidFill>
+                <a:schemeClr val="bg2"/>
+              </a:solidFill>
+            </a:endParaRPr>
+          </a:p>
+          <a:p>
+            <a:pPr algn="ctr"/>
+            <a:r>
+              <a:rPr lang="ko-KR" altLang="en-US" sz="1100" dirty="0" smtClean="0">
+                <a:solidFill>
+                  <a:schemeClr val="bg2"/>
+                </a:solidFill>
+              </a:rPr>
+              <a:t>레이어</a:t>
+            </a:r>
+            <a:endParaRPr lang="ko-KR" altLang="en-US" sz="1100" dirty="0">
+              <a:solidFill>
+                <a:schemeClr val="bg2"/>
+              </a:solidFill>
+            </a:endParaRPr>
+          </a:p>
+        </p:txBody>
+      </p:sp>
+      <p:sp>
+        <p:nvSpPr>
+          <p:cNvPr id="128" name="모서리가 둥근 직사각형 127"/>
+          <p:cNvSpPr/>
+          <p:nvPr/>
+        </p:nvSpPr>
+        <p:spPr>
+          <a:xfrm>
+            <a:off x="1987289" y="2969313"/>
+            <a:ext cx="2406619" cy="2958018"/>
+          </a:xfrm>
+          <a:prstGeom prst="roundRect">
+            <a:avLst/>
+          </a:prstGeom>
+        </p:spPr>
+        <p:style>
+          <a:lnRef idx="2">
+            <a:schemeClr val="accent4">
+              <a:shade val="50000"/>
+            </a:schemeClr>
+          </a:lnRef>
+          <a:fillRef idx="1">
+            <a:schemeClr val="accent4"/>
+          </a:fillRef>
+          <a:effectRef idx="0">
+            <a:schemeClr val="accent4"/>
+          </a:effectRef>
+          <a:fontRef idx="minor">
+            <a:schemeClr val="lt1"/>
+          </a:fontRef>
+        </p:style>
+        <p:txBody>
+          <a:bodyPr rtlCol="0" anchor="ctr"/>
+          <a:lstStyle/>
+          <a:p>
+            <a:pPr algn="ctr"/>
+            <a:endParaRPr lang="ko-KR" altLang="en-US" sz="1100">
+              <a:solidFill>
+                <a:schemeClr val="bg2"/>
+              </a:solidFill>
+            </a:endParaRPr>
+          </a:p>
+        </p:txBody>
+      </p:sp>
+      <p:sp>
+        <p:nvSpPr>
+          <p:cNvPr id="129" name="모서리가 둥근 직사각형 128"/>
+          <p:cNvSpPr/>
+          <p:nvPr/>
+        </p:nvSpPr>
+        <p:spPr>
+          <a:xfrm>
+            <a:off x="2040773" y="3395050"/>
+            <a:ext cx="1114974" cy="2343985"/>
+          </a:xfrm>
+          <a:prstGeom prst="roundRect">
+            <a:avLst/>
+          </a:prstGeom>
+        </p:spPr>
+        <p:style>
+          <a:lnRef idx="1">
+            <a:schemeClr val="accent4"/>
+          </a:lnRef>
+          <a:fillRef idx="2">
+            <a:schemeClr val="accent4"/>
+          </a:fillRef>
+          <a:effectRef idx="1">
+            <a:schemeClr val="accent4"/>
+          </a:effectRef>
+          <a:fontRef idx="minor">
+            <a:schemeClr val="dk1"/>
+          </a:fontRef>
+        </p:style>
+        <p:txBody>
+          <a:bodyPr rtlCol="0" anchor="ctr"/>
+          <a:lstStyle/>
+          <a:p>
+            <a:pPr algn="ctr"/>
+            <a:endParaRPr lang="ko-KR" altLang="en-US" sz="1100">
+              <a:solidFill>
+                <a:schemeClr val="bg2"/>
+              </a:solidFill>
+            </a:endParaRPr>
+          </a:p>
+        </p:txBody>
+      </p:sp>
+      <p:sp>
+        <p:nvSpPr>
+          <p:cNvPr id="130" name="모서리가 둥근 직사각형 129"/>
+          <p:cNvSpPr/>
+          <p:nvPr/>
+        </p:nvSpPr>
+        <p:spPr>
+          <a:xfrm>
+            <a:off x="3231206" y="3403149"/>
+            <a:ext cx="1114974" cy="2343985"/>
+          </a:xfrm>
+          <a:prstGeom prst="roundRect">
+            <a:avLst/>
+          </a:prstGeom>
+        </p:spPr>
+        <p:style>
+          <a:lnRef idx="1">
+            <a:schemeClr val="accent4"/>
+          </a:lnRef>
+          <a:fillRef idx="2">
+            <a:schemeClr val="accent4"/>
+          </a:fillRef>
+          <a:effectRef idx="1">
+            <a:schemeClr val="accent4"/>
+          </a:effectRef>
+          <a:fontRef idx="minor">
+            <a:schemeClr val="dk1"/>
+          </a:fontRef>
+        </p:style>
+        <p:txBody>
+          <a:bodyPr rtlCol="0" anchor="ctr"/>
+          <a:lstStyle/>
+          <a:p>
+            <a:pPr algn="ctr"/>
+            <a:endParaRPr lang="ko-KR" altLang="en-US" sz="1100">
+              <a:solidFill>
+                <a:schemeClr val="bg2"/>
+              </a:solidFill>
+            </a:endParaRPr>
+          </a:p>
+        </p:txBody>
+      </p:sp>
+      <p:sp>
+        <p:nvSpPr>
+          <p:cNvPr id="131" name="TextBox 130"/>
+          <p:cNvSpPr txBox="1"/>
+          <p:nvPr/>
+        </p:nvSpPr>
+        <p:spPr>
+          <a:xfrm>
+            <a:off x="2326001" y="3098894"/>
+            <a:ext cx="1749019" cy="246221"/>
+          </a:xfrm>
+          <a:prstGeom prst="rect">
+            <a:avLst/>
+          </a:prstGeom>
+          <a:noFill/>
+        </p:spPr>
+        <p:txBody>
+          <a:bodyPr wrap="square" rtlCol="0">
+            <a:spAutoFit/>
+          </a:bodyPr>
+          <a:lstStyle/>
+          <a:p>
+            <a:pPr algn="ctr"/>
+            <a:r>
+              <a:rPr lang="en-US" altLang="ko-KR" sz="1000" dirty="0" smtClean="0">
+                <a:solidFill>
+                  <a:schemeClr val="bg2"/>
+                </a:solidFill>
+              </a:rPr>
+              <a:t>Web Application Server</a:t>
+            </a:r>
+            <a:endParaRPr lang="ko-KR" altLang="en-US" sz="1000" dirty="0">
+              <a:solidFill>
+                <a:schemeClr val="bg2"/>
+              </a:solidFill>
+            </a:endParaRPr>
+          </a:p>
+        </p:txBody>
+      </p:sp>
+      <p:sp>
+        <p:nvSpPr>
+          <p:cNvPr id="132" name="TextBox 131"/>
+          <p:cNvSpPr txBox="1"/>
+          <p:nvPr/>
+        </p:nvSpPr>
+        <p:spPr>
+          <a:xfrm>
+            <a:off x="2143770" y="3475603"/>
+            <a:ext cx="865677" cy="367480"/>
+          </a:xfrm>
+          <a:prstGeom prst="rect">
+            <a:avLst/>
+          </a:prstGeom>
+          <a:noFill/>
+        </p:spPr>
+        <p:txBody>
+          <a:bodyPr wrap="square" rtlCol="0">
+            <a:spAutoFit/>
+          </a:bodyPr>
+          <a:lstStyle/>
+          <a:p>
+            <a:pPr algn="ctr"/>
+            <a:r>
+              <a:rPr lang="en-US" altLang="ko-KR" sz="900" dirty="0" smtClean="0">
+                <a:solidFill>
+                  <a:schemeClr val="bg2"/>
+                </a:solidFill>
+              </a:rPr>
+              <a:t>Web</a:t>
+            </a:r>
+          </a:p>
+          <a:p>
+            <a:pPr algn="ctr"/>
+            <a:r>
+              <a:rPr lang="en-US" altLang="ko-KR" sz="900" dirty="0" smtClean="0">
+                <a:solidFill>
+                  <a:schemeClr val="bg2"/>
+                </a:solidFill>
+              </a:rPr>
+              <a:t>Container</a:t>
+            </a:r>
+            <a:endParaRPr lang="ko-KR" altLang="en-US" sz="900" dirty="0">
+              <a:solidFill>
+                <a:schemeClr val="bg2"/>
+              </a:solidFill>
+            </a:endParaRPr>
+          </a:p>
+        </p:txBody>
+      </p:sp>
+      <p:sp>
+        <p:nvSpPr>
+          <p:cNvPr id="133" name="TextBox 132"/>
+          <p:cNvSpPr txBox="1"/>
+          <p:nvPr/>
+        </p:nvSpPr>
+        <p:spPr>
+          <a:xfrm>
+            <a:off x="3356983" y="3475602"/>
+            <a:ext cx="865677" cy="367480"/>
+          </a:xfrm>
+          <a:prstGeom prst="rect">
+            <a:avLst/>
+          </a:prstGeom>
+          <a:noFill/>
+        </p:spPr>
+        <p:txBody>
+          <a:bodyPr wrap="square" rtlCol="0">
+            <a:spAutoFit/>
+          </a:bodyPr>
+          <a:lstStyle/>
+          <a:p>
+            <a:pPr algn="ctr"/>
+            <a:r>
+              <a:rPr lang="en-US" altLang="ko-KR" sz="900" dirty="0" smtClean="0">
+                <a:solidFill>
+                  <a:schemeClr val="bg2"/>
+                </a:solidFill>
+              </a:rPr>
+              <a:t>Spring</a:t>
+            </a:r>
+          </a:p>
+          <a:p>
+            <a:pPr algn="ctr"/>
+            <a:r>
+              <a:rPr lang="en-US" altLang="ko-KR" sz="900" dirty="0" smtClean="0">
+                <a:solidFill>
+                  <a:schemeClr val="bg2"/>
+                </a:solidFill>
+              </a:rPr>
+              <a:t>Container</a:t>
+            </a:r>
+            <a:endParaRPr lang="ko-KR" altLang="en-US" sz="900" dirty="0">
+              <a:solidFill>
+                <a:schemeClr val="bg2"/>
+              </a:solidFill>
+            </a:endParaRPr>
+          </a:p>
+        </p:txBody>
+      </p:sp>
+      <p:sp>
+        <p:nvSpPr>
+          <p:cNvPr id="134" name="순서도: 다중 문서 133"/>
+          <p:cNvSpPr/>
+          <p:nvPr/>
+        </p:nvSpPr>
+        <p:spPr>
+          <a:xfrm>
+            <a:off x="2108118" y="3881887"/>
+            <a:ext cx="987377" cy="542614"/>
+          </a:xfrm>
+          <a:prstGeom prst="flowChartMultidocument">
+            <a:avLst/>
+          </a:prstGeom>
+          <a:gradFill flip="none" rotWithShape="1">
+            <a:gsLst>
+              <a:gs pos="0">
+                <a:schemeClr val="accent4">
+                  <a:lumMod val="67000"/>
+                </a:schemeClr>
+              </a:gs>
+              <a:gs pos="48000">
+                <a:schemeClr val="accent4">
+                  <a:lumMod val="97000"/>
+                  <a:lumOff val="3000"/>
+                </a:schemeClr>
+              </a:gs>
+              <a:gs pos="100000">
+                <a:schemeClr val="accent4">
+                  <a:lumMod val="60000"/>
+                  <a:lumOff val="40000"/>
+                </a:schemeClr>
+              </a:gs>
+            </a:gsLst>
+            <a:lin ang="16200000" scaled="1"/>
+            <a:tileRect/>
+          </a:gradFill>
+          <a:ln>
+            <a:noFill/>
+          </a:ln>
+        </p:spPr>
+        <p:style>
+          <a:lnRef idx="0">
+            <a:scrgbClr r="0" g="0" b="0"/>
+          </a:lnRef>
+          <a:fillRef idx="0">
+            <a:scrgbClr r="0" g="0" b="0"/>
+          </a:fillRef>
+          <a:effectRef idx="0">
+            <a:scrgbClr r="0" g="0" b="0"/>
+          </a:effectRef>
+          <a:fontRef idx="minor">
+            <a:schemeClr val="lt1"/>
+          </a:fontRef>
+        </p:style>
+        <p:txBody>
+          <a:bodyPr rtlCol="0" anchor="ctr"/>
+          <a:lstStyle/>
+          <a:p>
+            <a:pPr algn="ctr"/>
+            <a:r>
+              <a:rPr lang="en-US" altLang="ko-KR" sz="900" dirty="0" smtClean="0">
+                <a:solidFill>
+                  <a:schemeClr val="bg2"/>
+                </a:solidFill>
+              </a:rPr>
+              <a:t>Servlet</a:t>
+            </a:r>
+            <a:endParaRPr lang="ko-KR" altLang="en-US" sz="900" dirty="0">
+              <a:solidFill>
+                <a:schemeClr val="bg2"/>
+              </a:solidFill>
+            </a:endParaRPr>
+          </a:p>
+        </p:txBody>
+      </p:sp>
+      <p:sp>
+        <p:nvSpPr>
+          <p:cNvPr id="135" name="순서도: 다중 문서 134"/>
+          <p:cNvSpPr/>
+          <p:nvPr/>
+        </p:nvSpPr>
+        <p:spPr>
+          <a:xfrm>
+            <a:off x="3311426" y="3872766"/>
+            <a:ext cx="987377" cy="542614"/>
+          </a:xfrm>
+          <a:prstGeom prst="flowChartMultidocument">
+            <a:avLst/>
+          </a:prstGeom>
+          <a:gradFill flip="none" rotWithShape="1">
+            <a:gsLst>
+              <a:gs pos="0">
+                <a:schemeClr val="accent4">
+                  <a:lumMod val="67000"/>
+                </a:schemeClr>
+              </a:gs>
+              <a:gs pos="48000">
+                <a:schemeClr val="accent4">
+                  <a:lumMod val="97000"/>
+                  <a:lumOff val="3000"/>
+                </a:schemeClr>
+              </a:gs>
+              <a:gs pos="100000">
+                <a:schemeClr val="accent4">
+                  <a:lumMod val="60000"/>
+                  <a:lumOff val="40000"/>
+                </a:schemeClr>
+              </a:gs>
+            </a:gsLst>
+            <a:lin ang="16200000" scaled="1"/>
+            <a:tileRect/>
+          </a:gradFill>
+          <a:ln>
+            <a:noFill/>
+          </a:ln>
+        </p:spPr>
+        <p:style>
+          <a:lnRef idx="0">
+            <a:scrgbClr r="0" g="0" b="0"/>
+          </a:lnRef>
+          <a:fillRef idx="0">
+            <a:scrgbClr r="0" g="0" b="0"/>
+          </a:fillRef>
+          <a:effectRef idx="0">
+            <a:scrgbClr r="0" g="0" b="0"/>
+          </a:effectRef>
+          <a:fontRef idx="minor">
+            <a:schemeClr val="lt1"/>
+          </a:fontRef>
+        </p:style>
+        <p:txBody>
+          <a:bodyPr rtlCol="0" anchor="ctr"/>
+          <a:lstStyle/>
+          <a:p>
+            <a:pPr algn="ctr"/>
+            <a:r>
+              <a:rPr lang="en-US" altLang="ko-KR" sz="900" dirty="0" smtClean="0">
+                <a:solidFill>
+                  <a:schemeClr val="bg2"/>
+                </a:solidFill>
+              </a:rPr>
+              <a:t>Control</a:t>
+            </a:r>
+            <a:endParaRPr lang="ko-KR" altLang="en-US" sz="900" dirty="0">
+              <a:solidFill>
+                <a:schemeClr val="bg2"/>
+              </a:solidFill>
+            </a:endParaRPr>
+          </a:p>
+        </p:txBody>
+      </p:sp>
+      <p:sp>
+        <p:nvSpPr>
+          <p:cNvPr id="136" name="순서도: 다중 문서 135"/>
+          <p:cNvSpPr/>
+          <p:nvPr/>
+        </p:nvSpPr>
+        <p:spPr>
+          <a:xfrm>
+            <a:off x="2119511" y="5019261"/>
+            <a:ext cx="987377" cy="542614"/>
+          </a:xfrm>
+          <a:prstGeom prst="flowChartMultidocument">
+            <a:avLst/>
+          </a:prstGeom>
+          <a:gradFill flip="none" rotWithShape="1">
+            <a:gsLst>
+              <a:gs pos="0">
+                <a:schemeClr val="accent4">
+                  <a:lumMod val="67000"/>
+                </a:schemeClr>
+              </a:gs>
+              <a:gs pos="48000">
+                <a:schemeClr val="accent4">
+                  <a:lumMod val="97000"/>
+                  <a:lumOff val="3000"/>
+                </a:schemeClr>
+              </a:gs>
+              <a:gs pos="100000">
+                <a:schemeClr val="accent4">
+                  <a:lumMod val="60000"/>
+                  <a:lumOff val="40000"/>
+                </a:schemeClr>
+              </a:gs>
+            </a:gsLst>
+            <a:lin ang="16200000" scaled="1"/>
+            <a:tileRect/>
+          </a:gradFill>
+          <a:ln>
+            <a:noFill/>
+          </a:ln>
+        </p:spPr>
+        <p:style>
+          <a:lnRef idx="0">
+            <a:scrgbClr r="0" g="0" b="0"/>
+          </a:lnRef>
+          <a:fillRef idx="0">
+            <a:scrgbClr r="0" g="0" b="0"/>
+          </a:fillRef>
+          <a:effectRef idx="0">
+            <a:scrgbClr r="0" g="0" b="0"/>
+          </a:effectRef>
+          <a:fontRef idx="minor">
+            <a:schemeClr val="lt1"/>
+          </a:fontRef>
+        </p:style>
+        <p:txBody>
+          <a:bodyPr rtlCol="0" anchor="ctr"/>
+          <a:lstStyle/>
+          <a:p>
+            <a:pPr algn="ctr"/>
+            <a:r>
+              <a:rPr lang="en-US" altLang="ko-KR" sz="900" dirty="0" err="1" smtClean="0">
+                <a:solidFill>
+                  <a:schemeClr val="bg2"/>
+                </a:solidFill>
+              </a:rPr>
+              <a:t>jsp</a:t>
+            </a:r>
+            <a:endParaRPr lang="ko-KR" altLang="en-US" sz="900" dirty="0">
+              <a:solidFill>
+                <a:schemeClr val="bg2"/>
+              </a:solidFill>
+            </a:endParaRPr>
+          </a:p>
+        </p:txBody>
+      </p:sp>
+      <p:sp>
+        <p:nvSpPr>
+          <p:cNvPr id="137" name="순서도: 다중 문서 136"/>
+          <p:cNvSpPr/>
+          <p:nvPr/>
+        </p:nvSpPr>
+        <p:spPr>
+          <a:xfrm>
+            <a:off x="3304003" y="4616366"/>
+            <a:ext cx="987377" cy="542614"/>
+          </a:xfrm>
+          <a:prstGeom prst="flowChartMultidocument">
+            <a:avLst/>
+          </a:prstGeom>
+          <a:gradFill flip="none" rotWithShape="1">
+            <a:gsLst>
+              <a:gs pos="0">
+                <a:schemeClr val="accent4">
+                  <a:lumMod val="67000"/>
+                </a:schemeClr>
+              </a:gs>
+              <a:gs pos="48000">
+                <a:schemeClr val="accent4">
+                  <a:lumMod val="97000"/>
+                  <a:lumOff val="3000"/>
+                </a:schemeClr>
+              </a:gs>
+              <a:gs pos="100000">
+                <a:schemeClr val="accent4">
+                  <a:lumMod val="60000"/>
+                  <a:lumOff val="40000"/>
+                </a:schemeClr>
+              </a:gs>
+            </a:gsLst>
+            <a:lin ang="16200000" scaled="1"/>
+            <a:tileRect/>
+          </a:gradFill>
+          <a:ln>
+            <a:noFill/>
+          </a:ln>
+        </p:spPr>
+        <p:style>
+          <a:lnRef idx="0">
+            <a:scrgbClr r="0" g="0" b="0"/>
+          </a:lnRef>
+          <a:fillRef idx="0">
+            <a:scrgbClr r="0" g="0" b="0"/>
+          </a:fillRef>
+          <a:effectRef idx="0">
+            <a:scrgbClr r="0" g="0" b="0"/>
+          </a:effectRef>
+          <a:fontRef idx="minor">
+            <a:schemeClr val="lt1"/>
+          </a:fontRef>
+        </p:style>
+        <p:txBody>
+          <a:bodyPr rtlCol="0" anchor="ctr"/>
+          <a:lstStyle/>
+          <a:p>
+            <a:pPr algn="ctr"/>
+            <a:r>
+              <a:rPr lang="en-US" altLang="ko-KR" sz="900" dirty="0" smtClean="0">
+                <a:solidFill>
+                  <a:schemeClr val="bg2"/>
+                </a:solidFill>
+              </a:rPr>
+              <a:t>Rest</a:t>
+            </a:r>
+          </a:p>
+          <a:p>
+            <a:pPr algn="ctr"/>
+            <a:r>
+              <a:rPr lang="en-US" altLang="ko-KR" sz="900" dirty="0" smtClean="0">
+                <a:solidFill>
+                  <a:schemeClr val="bg2"/>
+                </a:solidFill>
+              </a:rPr>
+              <a:t>Controller</a:t>
+            </a:r>
+            <a:endParaRPr lang="ko-KR" altLang="en-US" sz="900" dirty="0">
+              <a:solidFill>
+                <a:schemeClr val="bg2"/>
+              </a:solidFill>
+            </a:endParaRPr>
+          </a:p>
+        </p:txBody>
+      </p:sp>
+      <p:sp>
+        <p:nvSpPr>
+          <p:cNvPr id="138" name="모서리가 둥근 직사각형 137"/>
+          <p:cNvSpPr/>
+          <p:nvPr/>
+        </p:nvSpPr>
+        <p:spPr>
+          <a:xfrm>
+            <a:off x="3308455" y="5290568"/>
+            <a:ext cx="990323" cy="347239"/>
+          </a:xfrm>
+          <a:prstGeom prst="roundRect">
+            <a:avLst/>
+          </a:prstGeom>
+          <a:gradFill flip="none" rotWithShape="1">
+            <a:gsLst>
+              <a:gs pos="0">
+                <a:schemeClr val="accent4">
+                  <a:lumMod val="67000"/>
+                </a:schemeClr>
+              </a:gs>
+              <a:gs pos="48000">
+                <a:schemeClr val="accent4">
+                  <a:lumMod val="97000"/>
+                  <a:lumOff val="3000"/>
+                </a:schemeClr>
+              </a:gs>
+              <a:gs pos="100000">
+                <a:schemeClr val="accent4">
+                  <a:lumMod val="60000"/>
+                  <a:lumOff val="40000"/>
+                </a:schemeClr>
+              </a:gs>
+            </a:gsLst>
+            <a:lin ang="16200000" scaled="1"/>
+            <a:tileRect/>
+          </a:gradFill>
+          <a:ln>
+            <a:noFill/>
+          </a:ln>
+        </p:spPr>
+        <p:style>
+          <a:lnRef idx="0">
+            <a:scrgbClr r="0" g="0" b="0"/>
+          </a:lnRef>
+          <a:fillRef idx="0">
+            <a:scrgbClr r="0" g="0" b="0"/>
+          </a:fillRef>
+          <a:effectRef idx="0">
+            <a:scrgbClr r="0" g="0" b="0"/>
+          </a:effectRef>
+          <a:fontRef idx="minor">
+            <a:schemeClr val="lt1"/>
+          </a:fontRef>
+        </p:style>
+        <p:txBody>
+          <a:bodyPr rtlCol="0" anchor="ctr"/>
+          <a:lstStyle/>
+          <a:p>
+            <a:pPr algn="ctr"/>
+            <a:r>
+              <a:rPr lang="en-US" altLang="ko-KR" sz="1100" dirty="0" smtClean="0">
+                <a:solidFill>
+                  <a:schemeClr val="bg2"/>
+                </a:solidFill>
+              </a:rPr>
+              <a:t>POJO</a:t>
+            </a:r>
+            <a:endParaRPr lang="ko-KR" altLang="en-US" sz="1100" dirty="0">
+              <a:solidFill>
+                <a:schemeClr val="bg2"/>
+              </a:solidFill>
+            </a:endParaRPr>
+          </a:p>
+        </p:txBody>
+      </p:sp>
+      <p:sp>
+        <p:nvSpPr>
+          <p:cNvPr id="139" name="직사각형 138"/>
+          <p:cNvSpPr/>
+          <p:nvPr/>
+        </p:nvSpPr>
+        <p:spPr>
+          <a:xfrm>
+            <a:off x="4634261" y="2260685"/>
+            <a:ext cx="1088691" cy="544631"/>
+          </a:xfrm>
+          <a:prstGeom prst="rect">
+            <a:avLst/>
+          </a:prstGeom>
+        </p:spPr>
+        <p:style>
+          <a:lnRef idx="2">
+            <a:schemeClr val="accent6">
+              <a:shade val="50000"/>
+            </a:schemeClr>
+          </a:lnRef>
+          <a:fillRef idx="1">
+            <a:schemeClr val="accent6"/>
+          </a:fillRef>
+          <a:effectRef idx="0">
+            <a:schemeClr val="accent6"/>
+          </a:effectRef>
+          <a:fontRef idx="minor">
+            <a:schemeClr val="lt1"/>
+          </a:fontRef>
+        </p:style>
+        <p:txBody>
+          <a:bodyPr rtlCol="0" anchor="ctr"/>
+          <a:lstStyle/>
+          <a:p>
+            <a:pPr algn="ctr"/>
+            <a:r>
+              <a:rPr lang="ko-KR" altLang="en-US" sz="1100" dirty="0" smtClean="0">
+                <a:solidFill>
+                  <a:schemeClr val="bg2"/>
+                </a:solidFill>
+              </a:rPr>
+              <a:t>비지니스로직</a:t>
+            </a:r>
+            <a:endParaRPr lang="en-US" altLang="ko-KR" sz="1100" dirty="0" smtClean="0">
+              <a:solidFill>
+                <a:schemeClr val="bg2"/>
+              </a:solidFill>
+            </a:endParaRPr>
+          </a:p>
+          <a:p>
+            <a:pPr algn="ctr"/>
+            <a:r>
+              <a:rPr lang="ko-KR" altLang="en-US" sz="1100" dirty="0" smtClean="0">
+                <a:solidFill>
+                  <a:schemeClr val="bg2"/>
+                </a:solidFill>
+              </a:rPr>
+              <a:t>레이어</a:t>
+            </a:r>
+            <a:endParaRPr lang="ko-KR" altLang="en-US" sz="1100" dirty="0">
+              <a:solidFill>
+                <a:schemeClr val="bg2"/>
+              </a:solidFill>
+            </a:endParaRPr>
+          </a:p>
+        </p:txBody>
+      </p:sp>
+      <p:sp>
+        <p:nvSpPr>
+          <p:cNvPr id="140" name="직사각형 139"/>
+          <p:cNvSpPr/>
+          <p:nvPr/>
+        </p:nvSpPr>
+        <p:spPr>
+          <a:xfrm>
+            <a:off x="5925501" y="2260685"/>
+            <a:ext cx="1088691" cy="544631"/>
+          </a:xfrm>
+          <a:prstGeom prst="rect">
+            <a:avLst/>
+          </a:prstGeom>
+        </p:spPr>
+        <p:style>
+          <a:lnRef idx="2">
+            <a:schemeClr val="accent6">
+              <a:shade val="50000"/>
+            </a:schemeClr>
+          </a:lnRef>
+          <a:fillRef idx="1">
+            <a:schemeClr val="accent6"/>
+          </a:fillRef>
+          <a:effectRef idx="0">
+            <a:schemeClr val="accent6"/>
+          </a:effectRef>
+          <a:fontRef idx="minor">
+            <a:schemeClr val="lt1"/>
+          </a:fontRef>
+        </p:style>
+        <p:txBody>
+          <a:bodyPr rtlCol="0" anchor="ctr"/>
+          <a:lstStyle/>
+          <a:p>
+            <a:pPr algn="ctr"/>
+            <a:r>
+              <a:rPr lang="ko-KR" altLang="en-US" sz="1100" dirty="0" err="1" smtClean="0">
+                <a:solidFill>
+                  <a:schemeClr val="bg2"/>
+                </a:solidFill>
+              </a:rPr>
+              <a:t>데이터접근</a:t>
+            </a:r>
+            <a:endParaRPr lang="en-US" altLang="ko-KR" sz="1100" dirty="0" smtClean="0">
+              <a:solidFill>
+                <a:schemeClr val="bg2"/>
+              </a:solidFill>
+            </a:endParaRPr>
+          </a:p>
+          <a:p>
+            <a:pPr algn="ctr"/>
+            <a:r>
+              <a:rPr lang="ko-KR" altLang="en-US" sz="1100" dirty="0" smtClean="0">
+                <a:solidFill>
+                  <a:schemeClr val="bg2"/>
+                </a:solidFill>
+              </a:rPr>
+              <a:t>레이어</a:t>
+            </a:r>
+            <a:endParaRPr lang="ko-KR" altLang="en-US" sz="1100" dirty="0">
+              <a:solidFill>
+                <a:schemeClr val="bg2"/>
+              </a:solidFill>
+            </a:endParaRPr>
+          </a:p>
+        </p:txBody>
+      </p:sp>
+      <p:sp>
+        <p:nvSpPr>
+          <p:cNvPr id="141" name="모서리가 둥근 직사각형 140"/>
+          <p:cNvSpPr/>
+          <p:nvPr/>
+        </p:nvSpPr>
+        <p:spPr>
+          <a:xfrm>
+            <a:off x="4634261" y="2969313"/>
+            <a:ext cx="2407198" cy="2958018"/>
+          </a:xfrm>
+          <a:prstGeom prst="roundRect">
+            <a:avLst/>
+          </a:prstGeom>
+        </p:spPr>
+        <p:style>
+          <a:lnRef idx="2">
+            <a:schemeClr val="accent6">
+              <a:shade val="50000"/>
+            </a:schemeClr>
+          </a:lnRef>
+          <a:fillRef idx="1">
+            <a:schemeClr val="accent6"/>
+          </a:fillRef>
+          <a:effectRef idx="0">
+            <a:schemeClr val="accent6"/>
+          </a:effectRef>
+          <a:fontRef idx="minor">
+            <a:schemeClr val="lt1"/>
+          </a:fontRef>
+        </p:style>
+        <p:txBody>
+          <a:bodyPr rtlCol="0" anchor="ctr"/>
+          <a:lstStyle/>
+          <a:p>
+            <a:pPr algn="ctr"/>
+            <a:endParaRPr lang="ko-KR" altLang="en-US" sz="1100">
+              <a:solidFill>
+                <a:schemeClr val="bg2"/>
+              </a:solidFill>
+            </a:endParaRPr>
+          </a:p>
+        </p:txBody>
+      </p:sp>
+      <p:sp>
+        <p:nvSpPr>
+          <p:cNvPr id="142" name="모서리가 둥근 직사각형 141"/>
+          <p:cNvSpPr/>
+          <p:nvPr/>
+        </p:nvSpPr>
+        <p:spPr>
+          <a:xfrm>
+            <a:off x="4704372" y="3395050"/>
+            <a:ext cx="2247495" cy="2343985"/>
+          </a:xfrm>
+          <a:prstGeom prst="roundRect">
+            <a:avLst/>
+          </a:prstGeom>
+        </p:spPr>
+        <p:style>
+          <a:lnRef idx="1">
+            <a:schemeClr val="accent6"/>
+          </a:lnRef>
+          <a:fillRef idx="2">
+            <a:schemeClr val="accent6"/>
+          </a:fillRef>
+          <a:effectRef idx="1">
+            <a:schemeClr val="accent6"/>
+          </a:effectRef>
+          <a:fontRef idx="minor">
+            <a:schemeClr val="dk1"/>
+          </a:fontRef>
+        </p:style>
+        <p:txBody>
+          <a:bodyPr rtlCol="0" anchor="ctr"/>
+          <a:lstStyle/>
+          <a:p>
+            <a:pPr algn="ctr"/>
+            <a:endParaRPr lang="ko-KR" altLang="en-US" sz="1100">
+              <a:solidFill>
+                <a:schemeClr val="bg2"/>
+              </a:solidFill>
+            </a:endParaRPr>
+          </a:p>
+        </p:txBody>
+      </p:sp>
+      <p:sp>
+        <p:nvSpPr>
+          <p:cNvPr id="143" name="TextBox 142"/>
+          <p:cNvSpPr txBox="1"/>
+          <p:nvPr/>
+        </p:nvSpPr>
+        <p:spPr>
+          <a:xfrm>
+            <a:off x="4990664" y="3106992"/>
+            <a:ext cx="1735284" cy="246221"/>
+          </a:xfrm>
+          <a:prstGeom prst="rect">
+            <a:avLst/>
+          </a:prstGeom>
+          <a:noFill/>
+        </p:spPr>
+        <p:txBody>
+          <a:bodyPr wrap="square" rtlCol="0">
+            <a:spAutoFit/>
+          </a:bodyPr>
+          <a:lstStyle/>
+          <a:p>
+            <a:pPr algn="ctr"/>
+            <a:r>
+              <a:rPr lang="en-US" altLang="ko-KR" sz="1000" dirty="0" smtClean="0">
+                <a:solidFill>
+                  <a:schemeClr val="bg2"/>
+                </a:solidFill>
+              </a:rPr>
+              <a:t>Spring Framework</a:t>
+            </a:r>
+            <a:endParaRPr lang="ko-KR" altLang="en-US" sz="1000" dirty="0">
+              <a:solidFill>
+                <a:schemeClr val="bg2"/>
+              </a:solidFill>
+            </a:endParaRPr>
+          </a:p>
+        </p:txBody>
+      </p:sp>
+      <p:sp>
+        <p:nvSpPr>
+          <p:cNvPr id="144" name="TextBox 143"/>
+          <p:cNvSpPr txBox="1"/>
+          <p:nvPr/>
+        </p:nvSpPr>
+        <p:spPr>
+          <a:xfrm>
+            <a:off x="4986770" y="3507335"/>
+            <a:ext cx="1735284" cy="230832"/>
+          </a:xfrm>
+          <a:prstGeom prst="rect">
+            <a:avLst/>
+          </a:prstGeom>
+          <a:noFill/>
+        </p:spPr>
+        <p:txBody>
+          <a:bodyPr wrap="square" rtlCol="0">
+            <a:spAutoFit/>
+          </a:bodyPr>
+          <a:lstStyle/>
+          <a:p>
+            <a:pPr algn="ctr"/>
+            <a:r>
+              <a:rPr lang="en-US" altLang="ko-KR" sz="900" dirty="0" smtClean="0">
+                <a:solidFill>
+                  <a:schemeClr val="bg2"/>
+                </a:solidFill>
+              </a:rPr>
+              <a:t>Spring Container</a:t>
+            </a:r>
+            <a:endParaRPr lang="ko-KR" altLang="en-US" sz="900" dirty="0">
+              <a:solidFill>
+                <a:schemeClr val="bg2"/>
+              </a:solidFill>
+            </a:endParaRPr>
+          </a:p>
+        </p:txBody>
+      </p:sp>
+      <p:sp>
+        <p:nvSpPr>
+          <p:cNvPr id="145" name="순서도: 다중 문서 144"/>
+          <p:cNvSpPr/>
+          <p:nvPr/>
+        </p:nvSpPr>
+        <p:spPr>
+          <a:xfrm>
+            <a:off x="4743325" y="3865747"/>
+            <a:ext cx="979624" cy="542614"/>
+          </a:xfrm>
+          <a:prstGeom prst="flowChartMultidocument">
+            <a:avLst/>
+          </a:prstGeom>
+          <a:gradFill flip="none" rotWithShape="1">
+            <a:gsLst>
+              <a:gs pos="0">
+                <a:schemeClr val="accent6">
+                  <a:lumMod val="67000"/>
+                </a:schemeClr>
+              </a:gs>
+              <a:gs pos="48000">
+                <a:schemeClr val="accent6">
+                  <a:lumMod val="97000"/>
+                  <a:lumOff val="3000"/>
+                </a:schemeClr>
+              </a:gs>
+              <a:gs pos="100000">
+                <a:schemeClr val="accent6">
+                  <a:lumMod val="60000"/>
+                  <a:lumOff val="40000"/>
+                </a:schemeClr>
+              </a:gs>
+            </a:gsLst>
+            <a:lin ang="16200000" scaled="1"/>
+            <a:tileRect/>
+          </a:gradFill>
+          <a:ln>
+            <a:noFill/>
+          </a:ln>
+        </p:spPr>
+        <p:style>
+          <a:lnRef idx="0">
+            <a:scrgbClr r="0" g="0" b="0"/>
+          </a:lnRef>
+          <a:fillRef idx="0">
+            <a:scrgbClr r="0" g="0" b="0"/>
+          </a:fillRef>
+          <a:effectRef idx="0">
+            <a:scrgbClr r="0" g="0" b="0"/>
+          </a:effectRef>
+          <a:fontRef idx="minor">
+            <a:schemeClr val="lt1"/>
+          </a:fontRef>
+        </p:style>
+        <p:txBody>
+          <a:bodyPr rtlCol="0" anchor="ctr"/>
+          <a:lstStyle/>
+          <a:p>
+            <a:pPr algn="ctr"/>
+            <a:r>
+              <a:rPr lang="en-US" altLang="ko-KR" sz="900" dirty="0" smtClean="0">
+                <a:solidFill>
+                  <a:schemeClr val="bg2"/>
+                </a:solidFill>
+              </a:rPr>
+              <a:t>Service</a:t>
+            </a:r>
+            <a:endParaRPr lang="ko-KR" altLang="en-US" sz="900" dirty="0">
+              <a:solidFill>
+                <a:schemeClr val="bg2"/>
+              </a:solidFill>
+            </a:endParaRPr>
+          </a:p>
+        </p:txBody>
+      </p:sp>
+      <p:sp>
+        <p:nvSpPr>
+          <p:cNvPr id="146" name="순서도: 다중 문서 145"/>
+          <p:cNvSpPr/>
+          <p:nvPr/>
+        </p:nvSpPr>
+        <p:spPr>
+          <a:xfrm>
+            <a:off x="5905636" y="3862218"/>
+            <a:ext cx="999489" cy="542614"/>
+          </a:xfrm>
+          <a:prstGeom prst="flowChartMultidocument">
+            <a:avLst/>
+          </a:prstGeom>
+          <a:gradFill flip="none" rotWithShape="1">
+            <a:gsLst>
+              <a:gs pos="0">
+                <a:schemeClr val="accent6">
+                  <a:lumMod val="67000"/>
+                </a:schemeClr>
+              </a:gs>
+              <a:gs pos="48000">
+                <a:schemeClr val="accent6">
+                  <a:lumMod val="97000"/>
+                  <a:lumOff val="3000"/>
+                </a:schemeClr>
+              </a:gs>
+              <a:gs pos="100000">
+                <a:schemeClr val="accent6">
+                  <a:lumMod val="60000"/>
+                  <a:lumOff val="40000"/>
+                </a:schemeClr>
+              </a:gs>
+            </a:gsLst>
+            <a:lin ang="16200000" scaled="1"/>
+            <a:tileRect/>
+          </a:gradFill>
+          <a:ln>
+            <a:noFill/>
+          </a:ln>
+        </p:spPr>
+        <p:style>
+          <a:lnRef idx="0">
+            <a:scrgbClr r="0" g="0" b="0"/>
+          </a:lnRef>
+          <a:fillRef idx="0">
+            <a:scrgbClr r="0" g="0" b="0"/>
+          </a:fillRef>
+          <a:effectRef idx="0">
+            <a:scrgbClr r="0" g="0" b="0"/>
+          </a:effectRef>
+          <a:fontRef idx="minor">
+            <a:schemeClr val="lt1"/>
+          </a:fontRef>
+        </p:style>
+        <p:txBody>
+          <a:bodyPr rtlCol="0" anchor="ctr"/>
+          <a:lstStyle/>
+          <a:p>
+            <a:pPr algn="ctr"/>
+            <a:r>
+              <a:rPr lang="en-US" altLang="ko-KR" sz="900" dirty="0" smtClean="0">
+                <a:solidFill>
+                  <a:schemeClr val="bg2"/>
+                </a:solidFill>
+              </a:rPr>
+              <a:t>DAO</a:t>
+            </a:r>
+            <a:endParaRPr lang="ko-KR" altLang="en-US" sz="900" dirty="0">
+              <a:solidFill>
+                <a:schemeClr val="bg2"/>
+              </a:solidFill>
+            </a:endParaRPr>
+          </a:p>
+        </p:txBody>
+      </p:sp>
+      <p:sp>
+        <p:nvSpPr>
+          <p:cNvPr id="147" name="순서도: 다중 문서 146"/>
+          <p:cNvSpPr/>
+          <p:nvPr/>
+        </p:nvSpPr>
+        <p:spPr>
+          <a:xfrm>
+            <a:off x="4743325" y="4992954"/>
+            <a:ext cx="979624" cy="542614"/>
+          </a:xfrm>
+          <a:prstGeom prst="flowChartMultidocument">
+            <a:avLst/>
+          </a:prstGeom>
+          <a:gradFill flip="none" rotWithShape="1">
+            <a:gsLst>
+              <a:gs pos="0">
+                <a:schemeClr val="accent6">
+                  <a:lumMod val="67000"/>
+                </a:schemeClr>
+              </a:gs>
+              <a:gs pos="48000">
+                <a:schemeClr val="accent6">
+                  <a:lumMod val="97000"/>
+                  <a:lumOff val="3000"/>
+                </a:schemeClr>
+              </a:gs>
+              <a:gs pos="100000">
+                <a:schemeClr val="accent6">
+                  <a:lumMod val="60000"/>
+                  <a:lumOff val="40000"/>
+                </a:schemeClr>
+              </a:gs>
+            </a:gsLst>
+            <a:lin ang="16200000" scaled="1"/>
+            <a:tileRect/>
+          </a:gradFill>
+          <a:ln>
+            <a:noFill/>
+          </a:ln>
+        </p:spPr>
+        <p:style>
+          <a:lnRef idx="0">
+            <a:scrgbClr r="0" g="0" b="0"/>
+          </a:lnRef>
+          <a:fillRef idx="0">
+            <a:scrgbClr r="0" g="0" b="0"/>
+          </a:fillRef>
+          <a:effectRef idx="0">
+            <a:scrgbClr r="0" g="0" b="0"/>
+          </a:effectRef>
+          <a:fontRef idx="minor">
+            <a:schemeClr val="lt1"/>
+          </a:fontRef>
+        </p:style>
+        <p:txBody>
+          <a:bodyPr rtlCol="0" anchor="ctr"/>
+          <a:lstStyle/>
+          <a:p>
+            <a:pPr algn="ctr"/>
+            <a:r>
+              <a:rPr lang="en-US" altLang="ko-KR" sz="900" dirty="0" smtClean="0">
+                <a:solidFill>
+                  <a:schemeClr val="bg2"/>
+                </a:solidFill>
+              </a:rPr>
+              <a:t>POJO</a:t>
+            </a:r>
+            <a:endParaRPr lang="ko-KR" altLang="en-US" sz="900" dirty="0">
+              <a:solidFill>
+                <a:schemeClr val="bg2"/>
+              </a:solidFill>
+            </a:endParaRPr>
+          </a:p>
+        </p:txBody>
+      </p:sp>
+      <p:sp>
+        <p:nvSpPr>
+          <p:cNvPr id="148" name="모서리가 둥근 직사각형 147"/>
+          <p:cNvSpPr/>
+          <p:nvPr/>
+        </p:nvSpPr>
+        <p:spPr>
+          <a:xfrm>
+            <a:off x="5894333" y="4636454"/>
+            <a:ext cx="1010792" cy="995611"/>
+          </a:xfrm>
+          <a:prstGeom prst="roundRect">
+            <a:avLst/>
+          </a:prstGeom>
+          <a:gradFill flip="none" rotWithShape="1">
+            <a:gsLst>
+              <a:gs pos="0">
+                <a:schemeClr val="accent6">
+                  <a:lumMod val="67000"/>
+                </a:schemeClr>
+              </a:gs>
+              <a:gs pos="48000">
+                <a:schemeClr val="accent6">
+                  <a:lumMod val="97000"/>
+                  <a:lumOff val="3000"/>
+                </a:schemeClr>
+              </a:gs>
+              <a:gs pos="100000">
+                <a:schemeClr val="accent6">
+                  <a:lumMod val="60000"/>
+                  <a:lumOff val="40000"/>
+                </a:schemeClr>
+              </a:gs>
+            </a:gsLst>
+            <a:lin ang="16200000" scaled="1"/>
+            <a:tileRect/>
+          </a:gradFill>
+          <a:ln>
+            <a:noFill/>
+          </a:ln>
+        </p:spPr>
+        <p:style>
+          <a:lnRef idx="0">
+            <a:scrgbClr r="0" g="0" b="0"/>
+          </a:lnRef>
+          <a:fillRef idx="0">
+            <a:scrgbClr r="0" g="0" b="0"/>
+          </a:fillRef>
+          <a:effectRef idx="0">
+            <a:scrgbClr r="0" g="0" b="0"/>
+          </a:effectRef>
+          <a:fontRef idx="minor">
+            <a:schemeClr val="lt1"/>
+          </a:fontRef>
+        </p:style>
+        <p:txBody>
+          <a:bodyPr rtlCol="0" anchor="ctr"/>
+          <a:lstStyle/>
+          <a:p>
+            <a:pPr algn="ctr"/>
+            <a:endParaRPr lang="ko-KR" altLang="en-US" sz="1100">
+              <a:solidFill>
+                <a:schemeClr val="bg2"/>
+              </a:solidFill>
+            </a:endParaRPr>
+          </a:p>
+        </p:txBody>
+      </p:sp>
+      <p:sp>
+        <p:nvSpPr>
+          <p:cNvPr id="149" name="TextBox 148"/>
+          <p:cNvSpPr txBox="1"/>
+          <p:nvPr/>
+        </p:nvSpPr>
+        <p:spPr>
+          <a:xfrm>
+            <a:off x="5925501" y="4631355"/>
+            <a:ext cx="914383" cy="230832"/>
+          </a:xfrm>
+          <a:prstGeom prst="rect">
+            <a:avLst/>
+          </a:prstGeom>
+          <a:noFill/>
+        </p:spPr>
+        <p:txBody>
+          <a:bodyPr wrap="square" rtlCol="0">
+            <a:spAutoFit/>
+          </a:bodyPr>
+          <a:lstStyle/>
+          <a:p>
+            <a:pPr algn="ctr"/>
+            <a:r>
+              <a:rPr lang="en-US" altLang="ko-KR" sz="900" dirty="0" err="1" smtClean="0">
+                <a:solidFill>
+                  <a:schemeClr val="bg2"/>
+                </a:solidFill>
+              </a:rPr>
+              <a:t>MyBatis</a:t>
+            </a:r>
+            <a:endParaRPr lang="ko-KR" altLang="en-US" sz="900" dirty="0">
+              <a:solidFill>
+                <a:schemeClr val="bg2"/>
+              </a:solidFill>
+            </a:endParaRPr>
+          </a:p>
+        </p:txBody>
+      </p:sp>
+      <p:sp>
+        <p:nvSpPr>
+          <p:cNvPr id="150" name="직사각형 149"/>
+          <p:cNvSpPr/>
+          <p:nvPr/>
+        </p:nvSpPr>
+        <p:spPr>
+          <a:xfrm>
+            <a:off x="5917708" y="4888025"/>
+            <a:ext cx="922177" cy="268258"/>
+          </a:xfrm>
+          <a:prstGeom prst="rect">
+            <a:avLst/>
+          </a:prstGeom>
+        </p:spPr>
+        <p:style>
+          <a:lnRef idx="1">
+            <a:schemeClr val="accent6"/>
+          </a:lnRef>
+          <a:fillRef idx="2">
+            <a:schemeClr val="accent6"/>
+          </a:fillRef>
+          <a:effectRef idx="1">
+            <a:schemeClr val="accent6"/>
+          </a:effectRef>
+          <a:fontRef idx="minor">
+            <a:schemeClr val="dk1"/>
+          </a:fontRef>
+        </p:style>
+        <p:txBody>
+          <a:bodyPr rtlCol="0" anchor="ctr"/>
+          <a:lstStyle/>
+          <a:p>
+            <a:pPr algn="ctr"/>
+            <a:r>
+              <a:rPr lang="en-US" altLang="ko-KR" sz="800" dirty="0" err="1" smtClean="0">
+                <a:solidFill>
+                  <a:schemeClr val="bg2"/>
+                </a:solidFill>
+              </a:rPr>
+              <a:t>SqlSession</a:t>
+            </a:r>
+            <a:endParaRPr lang="en-US" altLang="ko-KR" sz="800" dirty="0" smtClean="0">
+              <a:solidFill>
+                <a:schemeClr val="bg2"/>
+              </a:solidFill>
+            </a:endParaRPr>
+          </a:p>
+          <a:p>
+            <a:pPr algn="ctr"/>
+            <a:r>
+              <a:rPr lang="en-US" altLang="ko-KR" sz="800" dirty="0" smtClean="0">
+                <a:solidFill>
+                  <a:schemeClr val="bg2"/>
+                </a:solidFill>
+              </a:rPr>
+              <a:t>Factory</a:t>
+            </a:r>
+            <a:endParaRPr lang="ko-KR" altLang="en-US" sz="800" dirty="0">
+              <a:solidFill>
+                <a:schemeClr val="bg2"/>
+              </a:solidFill>
+            </a:endParaRPr>
+          </a:p>
+        </p:txBody>
+      </p:sp>
+      <p:sp>
+        <p:nvSpPr>
+          <p:cNvPr id="151" name="직사각형 150"/>
+          <p:cNvSpPr/>
+          <p:nvPr/>
+        </p:nvSpPr>
+        <p:spPr>
+          <a:xfrm>
+            <a:off x="5925499" y="5191713"/>
+            <a:ext cx="922177" cy="136663"/>
+          </a:xfrm>
+          <a:prstGeom prst="rect">
+            <a:avLst/>
+          </a:prstGeom>
+        </p:spPr>
+        <p:style>
+          <a:lnRef idx="1">
+            <a:schemeClr val="accent6"/>
+          </a:lnRef>
+          <a:fillRef idx="2">
+            <a:schemeClr val="accent6"/>
+          </a:fillRef>
+          <a:effectRef idx="1">
+            <a:schemeClr val="accent6"/>
+          </a:effectRef>
+          <a:fontRef idx="minor">
+            <a:schemeClr val="dk1"/>
+          </a:fontRef>
+        </p:style>
+        <p:txBody>
+          <a:bodyPr rtlCol="0" anchor="ctr"/>
+          <a:lstStyle/>
+          <a:p>
+            <a:pPr algn="ctr"/>
+            <a:r>
+              <a:rPr lang="en-US" altLang="ko-KR" sz="800" dirty="0" err="1" smtClean="0">
+                <a:solidFill>
+                  <a:schemeClr val="bg2"/>
+                </a:solidFill>
+              </a:rPr>
+              <a:t>sqlSession</a:t>
+            </a:r>
+            <a:endParaRPr lang="ko-KR" altLang="en-US" sz="800" dirty="0">
+              <a:solidFill>
+                <a:schemeClr val="bg2"/>
+              </a:solidFill>
+            </a:endParaRPr>
+          </a:p>
+        </p:txBody>
+      </p:sp>
+      <p:sp>
+        <p:nvSpPr>
+          <p:cNvPr id="152" name="직사각형 151"/>
+          <p:cNvSpPr/>
+          <p:nvPr/>
+        </p:nvSpPr>
+        <p:spPr>
+          <a:xfrm>
+            <a:off x="5921604" y="5363811"/>
+            <a:ext cx="922177" cy="136663"/>
+          </a:xfrm>
+          <a:prstGeom prst="rect">
+            <a:avLst/>
+          </a:prstGeom>
+        </p:spPr>
+        <p:style>
+          <a:lnRef idx="1">
+            <a:schemeClr val="accent6"/>
+          </a:lnRef>
+          <a:fillRef idx="2">
+            <a:schemeClr val="accent6"/>
+          </a:fillRef>
+          <a:effectRef idx="1">
+            <a:schemeClr val="accent6"/>
+          </a:effectRef>
+          <a:fontRef idx="minor">
+            <a:schemeClr val="dk1"/>
+          </a:fontRef>
+        </p:style>
+        <p:txBody>
+          <a:bodyPr rtlCol="0" anchor="ctr"/>
+          <a:lstStyle/>
+          <a:p>
+            <a:pPr algn="ctr"/>
+            <a:r>
+              <a:rPr lang="en-US" altLang="ko-KR" sz="800" dirty="0" err="1" smtClean="0">
+                <a:solidFill>
+                  <a:schemeClr val="bg2"/>
+                </a:solidFill>
+              </a:rPr>
+              <a:t>Sql</a:t>
+            </a:r>
+            <a:r>
+              <a:rPr lang="en-US" altLang="ko-KR" sz="800" dirty="0" smtClean="0">
+                <a:solidFill>
+                  <a:schemeClr val="bg2"/>
+                </a:solidFill>
+              </a:rPr>
+              <a:t>-mapper</a:t>
+            </a:r>
+            <a:endParaRPr lang="ko-KR" altLang="en-US" sz="800" dirty="0">
+              <a:solidFill>
+                <a:schemeClr val="bg2"/>
+              </a:solidFill>
+            </a:endParaRPr>
+          </a:p>
+        </p:txBody>
+      </p:sp>
+      <p:sp>
+        <p:nvSpPr>
+          <p:cNvPr id="153" name="아래쪽 화살표 152"/>
+          <p:cNvSpPr/>
+          <p:nvPr/>
+        </p:nvSpPr>
+        <p:spPr>
+          <a:xfrm>
+            <a:off x="2458185" y="4509434"/>
+            <a:ext cx="192554" cy="442532"/>
+          </a:xfrm>
+          <a:prstGeom prst="downArrow">
+            <a:avLst/>
+          </a:prstGeom>
+        </p:spPr>
+        <p:style>
+          <a:lnRef idx="2">
+            <a:schemeClr val="dk1">
+              <a:shade val="50000"/>
+            </a:schemeClr>
+          </a:lnRef>
+          <a:fillRef idx="1">
+            <a:schemeClr val="dk1"/>
+          </a:fillRef>
+          <a:effectRef idx="0">
+            <a:schemeClr val="dk1"/>
+          </a:effectRef>
+          <a:fontRef idx="minor">
+            <a:schemeClr val="lt1"/>
+          </a:fontRef>
+        </p:style>
+        <p:txBody>
+          <a:bodyPr rtlCol="0" anchor="ctr"/>
+          <a:lstStyle/>
+          <a:p>
+            <a:pPr algn="ctr"/>
+            <a:endParaRPr lang="ko-KR" altLang="en-US" sz="1100">
+              <a:solidFill>
+                <a:schemeClr val="bg2"/>
+              </a:solidFill>
+            </a:endParaRPr>
+          </a:p>
+        </p:txBody>
+      </p:sp>
+      <p:sp>
+        <p:nvSpPr>
+          <p:cNvPr id="154" name="왼쪽/오른쪽 화살표 153"/>
+          <p:cNvSpPr/>
+          <p:nvPr/>
+        </p:nvSpPr>
+        <p:spPr>
+          <a:xfrm rot="18972750">
+            <a:off x="3056974" y="5139708"/>
+            <a:ext cx="281524" cy="153397"/>
+          </a:xfrm>
+          <a:prstGeom prst="leftRightArrow">
+            <a:avLst/>
+          </a:prstGeom>
+        </p:spPr>
+        <p:style>
+          <a:lnRef idx="2">
+            <a:schemeClr val="dk1">
+              <a:shade val="50000"/>
+            </a:schemeClr>
+          </a:lnRef>
+          <a:fillRef idx="1">
+            <a:schemeClr val="dk1"/>
+          </a:fillRef>
+          <a:effectRef idx="0">
+            <a:schemeClr val="dk1"/>
+          </a:effectRef>
+          <a:fontRef idx="minor">
+            <a:schemeClr val="lt1"/>
+          </a:fontRef>
+        </p:style>
+        <p:txBody>
+          <a:bodyPr rtlCol="0" anchor="ctr"/>
+          <a:lstStyle/>
+          <a:p>
+            <a:pPr algn="ctr"/>
+            <a:endParaRPr lang="ko-KR" altLang="en-US" sz="1100">
+              <a:solidFill>
+                <a:schemeClr val="bg2"/>
+              </a:solidFill>
+            </a:endParaRPr>
+          </a:p>
+        </p:txBody>
+      </p:sp>
+      <p:sp>
+        <p:nvSpPr>
+          <p:cNvPr id="155" name="왼쪽/오른쪽 화살표 154"/>
+          <p:cNvSpPr/>
+          <p:nvPr/>
+        </p:nvSpPr>
+        <p:spPr>
+          <a:xfrm rot="3103277">
+            <a:off x="2666809" y="4736936"/>
+            <a:ext cx="1094327" cy="158965"/>
+          </a:xfrm>
+          <a:prstGeom prst="leftRightArrow">
+            <a:avLst/>
+          </a:prstGeom>
+        </p:spPr>
+        <p:style>
+          <a:lnRef idx="2">
+            <a:schemeClr val="dk1">
+              <a:shade val="50000"/>
+            </a:schemeClr>
+          </a:lnRef>
+          <a:fillRef idx="1">
+            <a:schemeClr val="dk1"/>
+          </a:fillRef>
+          <a:effectRef idx="0">
+            <a:schemeClr val="dk1"/>
+          </a:effectRef>
+          <a:fontRef idx="minor">
+            <a:schemeClr val="lt1"/>
+          </a:fontRef>
+        </p:style>
+        <p:txBody>
+          <a:bodyPr rtlCol="0" anchor="ctr"/>
+          <a:lstStyle/>
+          <a:p>
+            <a:pPr algn="ctr"/>
+            <a:endParaRPr lang="ko-KR" altLang="en-US" sz="1100">
+              <a:solidFill>
+                <a:schemeClr val="bg2"/>
+              </a:solidFill>
+            </a:endParaRPr>
+          </a:p>
+        </p:txBody>
+      </p:sp>
+      <p:sp>
+        <p:nvSpPr>
+          <p:cNvPr id="156" name="오른쪽 화살표 155"/>
+          <p:cNvSpPr/>
+          <p:nvPr/>
+        </p:nvSpPr>
+        <p:spPr>
+          <a:xfrm rot="10800000">
+            <a:off x="1727617" y="5258188"/>
+            <a:ext cx="343035" cy="212859"/>
+          </a:xfrm>
+          <a:prstGeom prst="rightArrow">
+            <a:avLst/>
+          </a:prstGeom>
+        </p:spPr>
+        <p:style>
+          <a:lnRef idx="2">
+            <a:schemeClr val="dk1">
+              <a:shade val="50000"/>
+            </a:schemeClr>
+          </a:lnRef>
+          <a:fillRef idx="1">
+            <a:schemeClr val="dk1"/>
+          </a:fillRef>
+          <a:effectRef idx="0">
+            <a:schemeClr val="dk1"/>
+          </a:effectRef>
+          <a:fontRef idx="minor">
+            <a:schemeClr val="lt1"/>
+          </a:fontRef>
+        </p:style>
+        <p:txBody>
+          <a:bodyPr rtlCol="0" anchor="ctr"/>
+          <a:lstStyle/>
+          <a:p>
+            <a:pPr algn="ctr"/>
+            <a:endParaRPr lang="ko-KR" altLang="en-US" sz="1100">
+              <a:solidFill>
+                <a:schemeClr val="bg2"/>
+              </a:solidFill>
+            </a:endParaRPr>
+          </a:p>
+        </p:txBody>
+      </p:sp>
+      <p:sp>
+        <p:nvSpPr>
+          <p:cNvPr id="157" name="오른쪽 화살표 156"/>
+          <p:cNvSpPr/>
+          <p:nvPr/>
+        </p:nvSpPr>
+        <p:spPr>
+          <a:xfrm>
+            <a:off x="1732668" y="4078926"/>
+            <a:ext cx="343035" cy="212859"/>
+          </a:xfrm>
+          <a:prstGeom prst="rightArrow">
+            <a:avLst/>
+          </a:prstGeom>
+        </p:spPr>
+        <p:style>
+          <a:lnRef idx="2">
+            <a:schemeClr val="dk1">
+              <a:shade val="50000"/>
+            </a:schemeClr>
+          </a:lnRef>
+          <a:fillRef idx="1">
+            <a:schemeClr val="dk1"/>
+          </a:fillRef>
+          <a:effectRef idx="0">
+            <a:schemeClr val="dk1"/>
+          </a:effectRef>
+          <a:fontRef idx="minor">
+            <a:schemeClr val="lt1"/>
+          </a:fontRef>
+        </p:style>
+        <p:txBody>
+          <a:bodyPr rtlCol="0" anchor="ctr"/>
+          <a:lstStyle/>
+          <a:p>
+            <a:pPr algn="ctr"/>
+            <a:endParaRPr lang="ko-KR" altLang="en-US" sz="1100">
+              <a:solidFill>
+                <a:schemeClr val="bg2"/>
+              </a:solidFill>
+            </a:endParaRPr>
+          </a:p>
+        </p:txBody>
+      </p:sp>
+      <p:sp>
+        <p:nvSpPr>
+          <p:cNvPr id="158" name="왼쪽/오른쪽 화살표 157"/>
+          <p:cNvSpPr/>
+          <p:nvPr/>
+        </p:nvSpPr>
+        <p:spPr>
+          <a:xfrm>
+            <a:off x="4314056" y="4102666"/>
+            <a:ext cx="390316" cy="167691"/>
+          </a:xfrm>
+          <a:prstGeom prst="leftRightArrow">
+            <a:avLst/>
+          </a:prstGeom>
+        </p:spPr>
+        <p:style>
+          <a:lnRef idx="2">
+            <a:schemeClr val="dk1">
+              <a:shade val="50000"/>
+            </a:schemeClr>
+          </a:lnRef>
+          <a:fillRef idx="1">
+            <a:schemeClr val="dk1"/>
+          </a:fillRef>
+          <a:effectRef idx="0">
+            <a:schemeClr val="dk1"/>
+          </a:effectRef>
+          <a:fontRef idx="minor">
+            <a:schemeClr val="lt1"/>
+          </a:fontRef>
+        </p:style>
+        <p:txBody>
+          <a:bodyPr rtlCol="0" anchor="ctr"/>
+          <a:lstStyle/>
+          <a:p>
+            <a:pPr algn="ctr"/>
+            <a:endParaRPr lang="ko-KR" altLang="en-US" sz="1100">
+              <a:solidFill>
+                <a:schemeClr val="bg2"/>
+              </a:solidFill>
+            </a:endParaRPr>
+          </a:p>
+        </p:txBody>
+      </p:sp>
+      <p:sp>
+        <p:nvSpPr>
+          <p:cNvPr id="159" name="왼쪽/오른쪽 화살표 158"/>
+          <p:cNvSpPr/>
+          <p:nvPr/>
+        </p:nvSpPr>
+        <p:spPr>
+          <a:xfrm rot="19563324">
+            <a:off x="4272571" y="4579312"/>
+            <a:ext cx="483088" cy="175032"/>
+          </a:xfrm>
+          <a:prstGeom prst="leftRightArrow">
+            <a:avLst/>
+          </a:prstGeom>
+        </p:spPr>
+        <p:style>
+          <a:lnRef idx="2">
+            <a:schemeClr val="dk1">
+              <a:shade val="50000"/>
+            </a:schemeClr>
+          </a:lnRef>
+          <a:fillRef idx="1">
+            <a:schemeClr val="dk1"/>
+          </a:fillRef>
+          <a:effectRef idx="0">
+            <a:schemeClr val="dk1"/>
+          </a:effectRef>
+          <a:fontRef idx="minor">
+            <a:schemeClr val="lt1"/>
+          </a:fontRef>
+        </p:style>
+        <p:txBody>
+          <a:bodyPr rtlCol="0" anchor="ctr"/>
+          <a:lstStyle/>
+          <a:p>
+            <a:pPr algn="ctr"/>
+            <a:endParaRPr lang="ko-KR" altLang="en-US" sz="1100">
+              <a:solidFill>
+                <a:schemeClr val="bg2"/>
+              </a:solidFill>
+            </a:endParaRPr>
+          </a:p>
+        </p:txBody>
+      </p:sp>
+      <p:sp>
+        <p:nvSpPr>
+          <p:cNvPr id="160" name="왼쪽/오른쪽 화살표 159"/>
+          <p:cNvSpPr/>
+          <p:nvPr/>
+        </p:nvSpPr>
+        <p:spPr>
+          <a:xfrm>
+            <a:off x="5721391" y="4110377"/>
+            <a:ext cx="204107" cy="159980"/>
+          </a:xfrm>
+          <a:prstGeom prst="leftRightArrow">
+            <a:avLst/>
+          </a:prstGeom>
+        </p:spPr>
+        <p:style>
+          <a:lnRef idx="2">
+            <a:schemeClr val="dk1">
+              <a:shade val="50000"/>
+            </a:schemeClr>
+          </a:lnRef>
+          <a:fillRef idx="1">
+            <a:schemeClr val="dk1"/>
+          </a:fillRef>
+          <a:effectRef idx="0">
+            <a:schemeClr val="dk1"/>
+          </a:effectRef>
+          <a:fontRef idx="minor">
+            <a:schemeClr val="lt1"/>
+          </a:fontRef>
+        </p:style>
+        <p:txBody>
+          <a:bodyPr rtlCol="0" anchor="ctr"/>
+          <a:lstStyle/>
+          <a:p>
+            <a:pPr algn="ctr"/>
+            <a:endParaRPr lang="ko-KR" altLang="en-US" sz="1100">
+              <a:solidFill>
+                <a:schemeClr val="bg2"/>
+              </a:solidFill>
+            </a:endParaRPr>
+          </a:p>
+        </p:txBody>
+      </p:sp>
+      <p:sp>
+        <p:nvSpPr>
+          <p:cNvPr id="161" name="왼쪽/오른쪽 화살표 160"/>
+          <p:cNvSpPr/>
+          <p:nvPr/>
+        </p:nvSpPr>
+        <p:spPr>
+          <a:xfrm>
+            <a:off x="3071073" y="4098230"/>
+            <a:ext cx="237381" cy="169929"/>
+          </a:xfrm>
+          <a:prstGeom prst="leftRightArrow">
+            <a:avLst/>
+          </a:prstGeom>
+        </p:spPr>
+        <p:style>
+          <a:lnRef idx="2">
+            <a:schemeClr val="dk1">
+              <a:shade val="50000"/>
+            </a:schemeClr>
+          </a:lnRef>
+          <a:fillRef idx="1">
+            <a:schemeClr val="dk1"/>
+          </a:fillRef>
+          <a:effectRef idx="0">
+            <a:schemeClr val="dk1"/>
+          </a:effectRef>
+          <a:fontRef idx="minor">
+            <a:schemeClr val="lt1"/>
+          </a:fontRef>
+        </p:style>
+        <p:txBody>
+          <a:bodyPr rtlCol="0" anchor="ctr"/>
+          <a:lstStyle/>
+          <a:p>
+            <a:pPr algn="ctr"/>
+            <a:endParaRPr lang="ko-KR" altLang="en-US" sz="1100">
+              <a:solidFill>
+                <a:schemeClr val="bg2"/>
+              </a:solidFill>
+            </a:endParaRPr>
+          </a:p>
+        </p:txBody>
+      </p:sp>
+      <p:sp>
+        <p:nvSpPr>
+          <p:cNvPr id="162" name="왼쪽/오른쪽 화살표 161"/>
+          <p:cNvSpPr/>
+          <p:nvPr/>
+        </p:nvSpPr>
+        <p:spPr>
+          <a:xfrm rot="16200000">
+            <a:off x="6194073" y="4382631"/>
+            <a:ext cx="285548" cy="173914"/>
+          </a:xfrm>
+          <a:prstGeom prst="leftRightArrow">
+            <a:avLst/>
+          </a:prstGeom>
+        </p:spPr>
+        <p:style>
+          <a:lnRef idx="2">
+            <a:schemeClr val="dk1">
+              <a:shade val="50000"/>
+            </a:schemeClr>
+          </a:lnRef>
+          <a:fillRef idx="1">
+            <a:schemeClr val="dk1"/>
+          </a:fillRef>
+          <a:effectRef idx="0">
+            <a:schemeClr val="dk1"/>
+          </a:effectRef>
+          <a:fontRef idx="minor">
+            <a:schemeClr val="lt1"/>
+          </a:fontRef>
+        </p:style>
+        <p:txBody>
+          <a:bodyPr rtlCol="0" anchor="ctr"/>
+          <a:lstStyle/>
+          <a:p>
+            <a:pPr algn="ctr"/>
+            <a:endParaRPr lang="ko-KR" altLang="en-US" sz="1100">
+              <a:solidFill>
+                <a:schemeClr val="bg2"/>
+              </a:solidFill>
+            </a:endParaRPr>
+          </a:p>
+        </p:txBody>
+      </p:sp>
+      <p:sp>
+        <p:nvSpPr>
+          <p:cNvPr id="163" name="왼쪽/오른쪽 화살표 162"/>
+          <p:cNvSpPr/>
+          <p:nvPr/>
+        </p:nvSpPr>
+        <p:spPr>
+          <a:xfrm rot="16200000">
+            <a:off x="4948455" y="4613442"/>
+            <a:ext cx="483088" cy="175032"/>
+          </a:xfrm>
+          <a:prstGeom prst="leftRightArrow">
+            <a:avLst/>
+          </a:prstGeom>
+        </p:spPr>
+        <p:style>
+          <a:lnRef idx="2">
+            <a:schemeClr val="dk1">
+              <a:shade val="50000"/>
+            </a:schemeClr>
+          </a:lnRef>
+          <a:fillRef idx="1">
+            <a:schemeClr val="dk1"/>
+          </a:fillRef>
+          <a:effectRef idx="0">
+            <a:schemeClr val="dk1"/>
+          </a:effectRef>
+          <a:fontRef idx="minor">
+            <a:schemeClr val="lt1"/>
+          </a:fontRef>
+        </p:style>
+        <p:txBody>
+          <a:bodyPr rtlCol="0" anchor="ctr"/>
+          <a:lstStyle/>
+          <a:p>
+            <a:pPr algn="ctr"/>
+            <a:endParaRPr lang="ko-KR" altLang="en-US" sz="1100">
+              <a:solidFill>
+                <a:schemeClr val="bg2"/>
+              </a:solidFill>
+            </a:endParaRPr>
+          </a:p>
+        </p:txBody>
+      </p:sp>
+      <p:sp>
+        <p:nvSpPr>
+          <p:cNvPr id="164" name="왼쪽/오른쪽 화살표 163"/>
+          <p:cNvSpPr/>
+          <p:nvPr/>
+        </p:nvSpPr>
+        <p:spPr>
+          <a:xfrm rot="1916624">
+            <a:off x="6878165" y="4321501"/>
+            <a:ext cx="628722" cy="166663"/>
+          </a:xfrm>
+          <a:prstGeom prst="leftRightArrow">
+            <a:avLst/>
+          </a:prstGeom>
+        </p:spPr>
+        <p:style>
+          <a:lnRef idx="2">
+            <a:schemeClr val="dk1">
+              <a:shade val="50000"/>
+            </a:schemeClr>
+          </a:lnRef>
+          <a:fillRef idx="1">
+            <a:schemeClr val="dk1"/>
+          </a:fillRef>
+          <a:effectRef idx="0">
+            <a:schemeClr val="dk1"/>
+          </a:effectRef>
+          <a:fontRef idx="minor">
+            <a:schemeClr val="lt1"/>
+          </a:fontRef>
+        </p:style>
+        <p:txBody>
+          <a:bodyPr rtlCol="0" anchor="ctr"/>
+          <a:lstStyle/>
+          <a:p>
+            <a:pPr algn="ctr"/>
+            <a:endParaRPr lang="ko-KR" altLang="en-US" sz="1100">
+              <a:solidFill>
+                <a:schemeClr val="bg2"/>
+              </a:solidFill>
+            </a:endParaRPr>
+          </a:p>
+        </p:txBody>
+      </p:sp>
+    </p:spTree>
+    <p:extLst>
+      <p:ext uri="{BB962C8B-B14F-4D97-AF65-F5344CB8AC3E}">
+        <p14:creationId xmlns:p14="http://schemas.microsoft.com/office/powerpoint/2010/main" val="495014868"/>
+      </p:ext>
+    </p:extLst>
+  </p:cSld>
+  <p:clrMapOvr>
+    <a:masterClrMapping/>
+  </p:clrMapOvr>
+  <p:transition/>
+  <p:timing>
+    <p:tnLst>
+      <p:par>
+        <p:cTn id="1" dur="indefinite" restart="never" nodeType="tmRoot"/>
+      </p:par>
+    </p:tnLst>
+  </p:timing>
+</p:sld>
+</file>
+
+<file path=ppt/slides/slide4.xml><?xml version="1.0" encoding="utf-8"?>
+<p:sld xmlns:a="http://schemas.openxmlformats.org/drawingml/2006/main" xmlns:r="http://schemas.openxmlformats.org/officeDocument/2006/relationships" xmlns:p="http://schemas.openxmlformats.org/presentationml/2006/main">
+  <p:cSld>
+    <p:spTree>
+      <p:nvGrpSpPr>
+        <p:cNvPr id="1" name=""/>
+        <p:cNvGrpSpPr/>
+        <p:nvPr/>
+      </p:nvGrpSpPr>
+      <p:grpSpPr>
+        <a:xfrm>
+          <a:off x="0" y="0"/>
+          <a:ext cx="0" cy="0"/>
+          <a:chOff x="0" y="0"/>
+          <a:chExt cx="0" cy="0"/>
+        </a:xfrm>
+      </p:grpSpPr>
+      <p:sp>
+        <p:nvSpPr>
+          <p:cNvPr id="6146" name="Rectangle 2"/>
+          <p:cNvSpPr>
+            <a:spLocks noGrp="1" noChangeArrowheads="1"/>
+          </p:cNvSpPr>
+          <p:nvPr>
+            <p:ph type="title"/>
+          </p:nvPr>
+        </p:nvSpPr>
+        <p:spPr/>
+        <p:txBody>
+          <a:bodyPr/>
+          <a:lstStyle/>
+          <a:p>
+            <a:pPr eaLnBrk="1" hangingPunct="1"/>
+            <a:r>
+              <a:rPr lang="ko-KR" altLang="en-US" dirty="0" err="1" smtClean="0"/>
+              <a:t>개발일정</a:t>
+            </a:r>
+            <a:endParaRPr lang="en-US" altLang="en-US" dirty="0" smtClean="0"/>
+          </a:p>
+        </p:txBody>
+      </p:sp>
+      <p:pic>
+        <p:nvPicPr>
+          <p:cNvPr id="2" name="그림 1"/>
+          <p:cNvPicPr>
+            <a:picLocks noChangeAspect="1"/>
+          </p:cNvPicPr>
+          <p:nvPr/>
+        </p:nvPicPr>
+        <p:blipFill>
+          <a:blip r:embed="rId3">
+            <a:extLst>
+              <a:ext uri="{28A0092B-C50C-407E-A947-70E740481C1C}">
+                <a14:useLocalDpi xmlns:a14="http://schemas.microsoft.com/office/drawing/2010/main" val="0"/>
+              </a:ext>
+            </a:extLst>
+          </a:blip>
+          <a:stretch>
+            <a:fillRect/>
+          </a:stretch>
+        </p:blipFill>
+        <p:spPr>
+          <a:xfrm>
+            <a:off x="452579" y="2169726"/>
+            <a:ext cx="8181111" cy="3876425"/>
+          </a:xfrm>
+          <a:prstGeom prst="rect">
+            <a:avLst/>
+          </a:prstGeom>
+        </p:spPr>
+      </p:pic>
+    </p:spTree>
+    <p:extLst>
+      <p:ext uri="{BB962C8B-B14F-4D97-AF65-F5344CB8AC3E}">
+        <p14:creationId xmlns:p14="http://schemas.microsoft.com/office/powerpoint/2010/main" val="2572725863"/>
+      </p:ext>
+    </p:extLst>
+  </p:cSld>
+  <p:clrMapOvr>
+    <a:masterClrMapping/>
+  </p:clrMapOvr>
+  <p:transition/>
+  <p:timing>
+    <p:tnLst>
+      <p:par>
+        <p:cTn id="1" dur="indefinite" restart="never" nodeType="tmRoot"/>
+      </p:par>
+    </p:tnLst>
+  </p:timing>
+</p:sld>
+</file>
+
+<file path=ppt/slides/slide5.xml><?xml version="1.0" encoding="utf-8"?>
+<p:sld xmlns:a="http://schemas.openxmlformats.org/drawingml/2006/main" xmlns:r="http://schemas.openxmlformats.org/officeDocument/2006/relationships" xmlns:p="http://schemas.openxmlformats.org/presentationml/2006/main">
+  <p:cSld>
+    <p:spTree>
+      <p:nvGrpSpPr>
+        <p:cNvPr id="1" name=""/>
+        <p:cNvGrpSpPr/>
+        <p:nvPr/>
+      </p:nvGrpSpPr>
+      <p:grpSpPr>
+        <a:xfrm>
+          <a:off x="0" y="0"/>
+          <a:ext cx="0" cy="0"/>
+          <a:chOff x="0" y="0"/>
+          <a:chExt cx="0" cy="0"/>
+        </a:xfrm>
+      </p:grpSpPr>
+      <p:sp>
+        <p:nvSpPr>
           <p:cNvPr id="8194" name="Rectangle 2"/>
           <p:cNvSpPr>
             <a:spLocks noGrp="1" noChangeArrowheads="1"/>
@@ -6945,10 +12740,10 @@
           <a:p>
             <a:pPr eaLnBrk="1" hangingPunct="1"/>
             <a:r>
-              <a:rPr lang="en-GB" altLang="en-US" smtClean="0"/>
+              <a:rPr lang="en-GB" altLang="en-US" dirty="0" smtClean="0"/>
               <a:t>Colour scheme</a:t>
             </a:r>
-            <a:endParaRPr lang="en-US" altLang="en-US" smtClean="0"/>
+            <a:endParaRPr lang="en-US" altLang="en-US" dirty="0" smtClean="0"/>
           </a:p>
         </p:txBody>
       </p:sp>
@@ -9523,7 +15318,7 @@
 </p:sld>
 </file>
 
-<file path=ppt/slides/slide4.xml><?xml version="1.0" encoding="utf-8"?>
+<file path=ppt/slides/slide6.xml><?xml version="1.0" encoding="utf-8"?>
 <p:sld xmlns:a="http://schemas.openxmlformats.org/drawingml/2006/main" xmlns:r="http://schemas.openxmlformats.org/officeDocument/2006/relationships" xmlns:p="http://schemas.openxmlformats.org/presentationml/2006/main">
   <p:cSld>
     <p:spTree>
@@ -9658,7 +15453,7 @@
 </p:sld>
 </file>
 
-<file path=ppt/slides/slide5.xml><?xml version="1.0" encoding="utf-8"?>
+<file path=ppt/slides/slide7.xml><?xml version="1.0" encoding="utf-8"?>
 <p:sld xmlns:a="http://schemas.openxmlformats.org/drawingml/2006/main" xmlns:r="http://schemas.openxmlformats.org/officeDocument/2006/relationships" xmlns:p="http://schemas.openxmlformats.org/presentationml/2006/main">
   <p:cSld>
     <p:spTree>
@@ -9715,12 +15510,12 @@
           <a:graphicData uri="http://schemas.openxmlformats.org/presentationml/2006/ole">
             <mc:AlternateContent xmlns:mc="http://schemas.openxmlformats.org/markup-compatibility/2006">
               <mc:Choice xmlns:v="urn:schemas-microsoft-com:vml" Requires="v">
-                <p:oleObj spid="_x0000_s12294" name="Chart" r:id="rId4" imgW="8296351" imgH="4610100" progId="MSGraph.Chart.8">
+                <p:oleObj spid="_x0000_s12299" name="Chart" r:id="rId4" imgW="10370091" imgH="5762841" progId="MSGraph.Chart.8">
                   <p:embed followColorScheme="full"/>
                 </p:oleObj>
               </mc:Choice>
               <mc:Fallback>
-                <p:oleObj name="Chart" r:id="rId4" imgW="8296351" imgH="4610100" progId="MSGraph.Chart.8">
+                <p:oleObj name="Chart" r:id="rId4" imgW="10370091" imgH="5762841" progId="MSGraph.Chart.8">
                   <p:embed followColorScheme="full"/>
                   <p:pic>
                     <p:nvPicPr>
@@ -9731,13 +15526,7 @@
                       <p:nvPr/>
                     </p:nvPicPr>
                     <p:blipFill>
-                      <a:blip r:embed="rId5">
-                        <a:extLst>
-                          <a:ext uri="{28A0092B-C50C-407E-A947-70E740481C1C}">
-                            <a14:useLocalDpi xmlns:a14="http://schemas.microsoft.com/office/drawing/2010/main" val="0"/>
-                          </a:ext>
-                        </a:extLst>
-                      </a:blip>
+                      <a:blip r:embed="rId5"/>
                       <a:srcRect/>
                       <a:stretch>
                         <a:fillRect/>
@@ -9808,7 +15597,7 @@
 </p:sld>
 </file>
 
-<file path=ppt/slides/slide6.xml><?xml version="1.0" encoding="utf-8"?>
+<file path=ppt/slides/slide8.xml><?xml version="1.0" encoding="utf-8"?>
 <p:sld xmlns:a="http://schemas.openxmlformats.org/drawingml/2006/main" xmlns:r="http://schemas.openxmlformats.org/officeDocument/2006/relationships" xmlns:p="http://schemas.openxmlformats.org/presentationml/2006/main">
   <p:cSld>
     <p:spTree>
@@ -9874,7 +15663,7 @@
         </p:nvGraphicFramePr>
         <p:xfrm>
           <a:off x="431800" y="2044700"/>
-          <a:ext cx="6229350" cy="3168650"/>
+          <a:ext cx="6229350" cy="3168653"/>
         </p:xfrm>
         <a:graphic>
           <a:graphicData uri="http://schemas.openxmlformats.org/drawingml/2006/table">
@@ -13106,1440 +18895,6 @@
 </p:sld>
 </file>
 
-<file path=ppt/slides/slide7.xml><?xml version="1.0" encoding="utf-8"?>
-<p:sld xmlns:a="http://schemas.openxmlformats.org/drawingml/2006/main" xmlns:r="http://schemas.openxmlformats.org/officeDocument/2006/relationships" xmlns:p="http://schemas.openxmlformats.org/presentationml/2006/main">
-  <p:cSld>
-    <p:spTree>
-      <p:nvGrpSpPr>
-        <p:cNvPr id="1" name=""/>
-        <p:cNvGrpSpPr/>
-        <p:nvPr/>
-      </p:nvGrpSpPr>
-      <p:grpSpPr>
-        <a:xfrm>
-          <a:off x="0" y="0"/>
-          <a:ext cx="0" cy="0"/>
-          <a:chOff x="0" y="0"/>
-          <a:chExt cx="0" cy="0"/>
-        </a:xfrm>
-      </p:grpSpPr>
-      <p:sp>
-        <p:nvSpPr>
-          <p:cNvPr id="16386" name="Rectangle 2"/>
-          <p:cNvSpPr>
-            <a:spLocks noGrp="1" noChangeArrowheads="1"/>
-          </p:cNvSpPr>
-          <p:nvPr>
-            <p:ph type="title"/>
-          </p:nvPr>
-        </p:nvSpPr>
-        <p:spPr/>
-        <p:txBody>
-          <a:bodyPr/>
-          <a:lstStyle/>
-          <a:p>
-            <a:pPr eaLnBrk="1" hangingPunct="1"/>
-            <a:r>
-              <a:rPr lang="en-GB" altLang="en-US" smtClean="0"/>
-              <a:t>Two column bullet points</a:t>
-            </a:r>
-            <a:endParaRPr lang="en-US" altLang="en-US" smtClean="0"/>
-          </a:p>
-        </p:txBody>
-      </p:sp>
-      <p:sp>
-        <p:nvSpPr>
-          <p:cNvPr id="16387" name="Rectangle 3"/>
-          <p:cNvSpPr>
-            <a:spLocks noGrp="1" noChangeArrowheads="1"/>
-          </p:cNvSpPr>
-          <p:nvPr>
-            <p:ph type="body" sz="half" idx="1"/>
-          </p:nvPr>
-        </p:nvSpPr>
-        <p:spPr>
-          <a:xfrm>
-            <a:off x="685800" y="1981200"/>
-            <a:ext cx="3813175" cy="3886200"/>
-          </a:xfrm>
-        </p:spPr>
-        <p:txBody>
-          <a:bodyPr/>
-          <a:lstStyle/>
-          <a:p>
-            <a:pPr eaLnBrk="1" hangingPunct="1"/>
-            <a:r>
-              <a:rPr lang="en-GB" altLang="en-US" sz="2100" smtClean="0"/>
-              <a:t>Bullets go in here</a:t>
-            </a:r>
-            <a:endParaRPr lang="en-US" altLang="en-US" sz="2100" smtClean="0"/>
-          </a:p>
-        </p:txBody>
-      </p:sp>
-      <p:sp>
-        <p:nvSpPr>
-          <p:cNvPr id="16388" name="Rectangle 4"/>
-          <p:cNvSpPr>
-            <a:spLocks noGrp="1" noChangeArrowheads="1"/>
-          </p:cNvSpPr>
-          <p:nvPr>
-            <p:ph type="body" sz="half" idx="2"/>
-          </p:nvPr>
-        </p:nvSpPr>
-        <p:spPr>
-          <a:xfrm>
-            <a:off x="4643438" y="1981200"/>
-            <a:ext cx="3814762" cy="3886200"/>
-          </a:xfrm>
-        </p:spPr>
-        <p:txBody>
-          <a:bodyPr/>
-          <a:lstStyle/>
-          <a:p>
-            <a:pPr eaLnBrk="1" hangingPunct="1"/>
-            <a:r>
-              <a:rPr lang="en-GB" altLang="en-US" sz="2100" smtClean="0"/>
-              <a:t>And also in here</a:t>
-            </a:r>
-            <a:endParaRPr lang="en-US" altLang="en-US" sz="2100" smtClean="0"/>
-          </a:p>
-        </p:txBody>
-      </p:sp>
-    </p:spTree>
-  </p:cSld>
-  <p:clrMapOvr>
-    <a:masterClrMapping/>
-  </p:clrMapOvr>
-  <p:transition/>
-  <p:timing>
-    <p:tnLst>
-      <p:par>
-        <p:cTn id="1" dur="indefinite" restart="never" nodeType="tmRoot"/>
-      </p:par>
-    </p:tnLst>
-  </p:timing>
-</p:sld>
-</file>
-
-<file path=ppt/slides/slide8.xml><?xml version="1.0" encoding="utf-8"?>
-<p:sld xmlns:a="http://schemas.openxmlformats.org/drawingml/2006/main" xmlns:r="http://schemas.openxmlformats.org/officeDocument/2006/relationships" xmlns:p="http://schemas.openxmlformats.org/presentationml/2006/main">
-  <p:cSld>
-    <p:spTree>
-      <p:nvGrpSpPr>
-        <p:cNvPr id="1" name=""/>
-        <p:cNvGrpSpPr/>
-        <p:nvPr/>
-      </p:nvGrpSpPr>
-      <p:grpSpPr>
-        <a:xfrm>
-          <a:off x="0" y="0"/>
-          <a:ext cx="0" cy="0"/>
-          <a:chOff x="0" y="0"/>
-          <a:chExt cx="0" cy="0"/>
-        </a:xfrm>
-      </p:grpSpPr>
-      <p:sp>
-        <p:nvSpPr>
-          <p:cNvPr id="18434" name="Rectangle 2"/>
-          <p:cNvSpPr>
-            <a:spLocks noGrp="1" noChangeArrowheads="1"/>
-          </p:cNvSpPr>
-          <p:nvPr>
-            <p:ph type="title"/>
-          </p:nvPr>
-        </p:nvSpPr>
-        <p:spPr/>
-        <p:txBody>
-          <a:bodyPr/>
-          <a:lstStyle/>
-          <a:p>
-            <a:pPr eaLnBrk="1" hangingPunct="1"/>
-            <a:r>
-              <a:rPr lang="en-GB" altLang="en-US" smtClean="0"/>
-              <a:t>Examples of default styles</a:t>
-            </a:r>
-            <a:endParaRPr lang="en-US" altLang="en-US" smtClean="0"/>
-          </a:p>
-        </p:txBody>
-      </p:sp>
-      <p:sp>
-        <p:nvSpPr>
-          <p:cNvPr id="18435" name="Rectangle 3"/>
-          <p:cNvSpPr>
-            <a:spLocks noGrp="1" noChangeArrowheads="1"/>
-          </p:cNvSpPr>
-          <p:nvPr>
-            <p:ph type="body" sz="half" idx="1"/>
-          </p:nvPr>
-        </p:nvSpPr>
-        <p:spPr>
-          <a:xfrm>
-            <a:off x="685800" y="1981200"/>
-            <a:ext cx="4429125" cy="3886200"/>
-          </a:xfrm>
-          <a:noFill/>
-        </p:spPr>
-        <p:txBody>
-          <a:bodyPr/>
-          <a:lstStyle/>
-          <a:p>
-            <a:pPr eaLnBrk="1" hangingPunct="1"/>
-            <a:r>
-              <a:rPr lang="en-GB" altLang="en-US" sz="2100" smtClean="0"/>
-              <a:t>Text and lines are like this</a:t>
-            </a:r>
-          </a:p>
-          <a:p>
-            <a:pPr eaLnBrk="1" hangingPunct="1"/>
-            <a:r>
-              <a:rPr lang="en-GB" altLang="en-US" sz="2100" u="sng" smtClean="0">
-                <a:solidFill>
-                  <a:schemeClr val="hlink"/>
-                </a:solidFill>
-              </a:rPr>
-              <a:t>Hyperlinks like this</a:t>
-            </a:r>
-          </a:p>
-          <a:p>
-            <a:pPr eaLnBrk="1" hangingPunct="1"/>
-            <a:r>
-              <a:rPr lang="en-GB" altLang="en-US" sz="2100" u="sng" smtClean="0">
-                <a:solidFill>
-                  <a:schemeClr val="folHlink"/>
-                </a:solidFill>
-              </a:rPr>
-              <a:t>Visited hyperlinks like this</a:t>
-            </a:r>
-            <a:endParaRPr lang="en-US" altLang="en-US" sz="2100" u="sng" smtClean="0">
-              <a:solidFill>
-                <a:schemeClr val="folHlink"/>
-              </a:solidFill>
-            </a:endParaRPr>
-          </a:p>
-        </p:txBody>
-      </p:sp>
-      <p:graphicFrame>
-        <p:nvGraphicFramePr>
-          <p:cNvPr id="28676" name="Group 4"/>
-          <p:cNvGraphicFramePr>
-            <a:graphicFrameLocks noGrp="1"/>
-          </p:cNvGraphicFramePr>
-          <p:nvPr>
-            <p:ph sz="half" idx="2"/>
-          </p:nvPr>
-        </p:nvGraphicFramePr>
-        <p:xfrm>
-          <a:off x="5397500" y="2136775"/>
-          <a:ext cx="2995613" cy="1250950"/>
-        </p:xfrm>
-        <a:graphic>
-          <a:graphicData uri="http://schemas.openxmlformats.org/drawingml/2006/table">
-            <a:tbl>
-              <a:tblPr/>
-              <a:tblGrid>
-                <a:gridCol w="1498600">
-                  <a:extLst>
-                    <a:ext uri="{9D8B030D-6E8A-4147-A177-3AD203B41FA5}">
-                      <a16:colId xmlns:a16="http://schemas.microsoft.com/office/drawing/2014/main" val="20000"/>
-                    </a:ext>
-                  </a:extLst>
-                </a:gridCol>
-                <a:gridCol w="1497013">
-                  <a:extLst>
-                    <a:ext uri="{9D8B030D-6E8A-4147-A177-3AD203B41FA5}">
-                      <a16:colId xmlns:a16="http://schemas.microsoft.com/office/drawing/2014/main" val="20001"/>
-                    </a:ext>
-                  </a:extLst>
-                </a:gridCol>
-              </a:tblGrid>
-              <a:tr h="625475">
-                <a:tc>
-                  <a:txBody>
-                    <a:bodyPr/>
-                    <a:lstStyle>
-                      <a:lvl1pPr>
-                        <a:spcBef>
-                          <a:spcPct val="20000"/>
-                        </a:spcBef>
-                        <a:buClr>
-                          <a:schemeClr val="accent1"/>
-                        </a:buClr>
-                        <a:buSzPct val="80000"/>
-                        <a:buFont typeface="Wingdings 2" panose="05020102010507070707" pitchFamily="18" charset="2"/>
-                        <a:defRPr sz="2100">
-                          <a:solidFill>
-                            <a:schemeClr val="tx1"/>
-                          </a:solidFill>
-                          <a:latin typeface="Verdana" panose="020B0604030504040204" pitchFamily="34" charset="0"/>
-                        </a:defRPr>
-                      </a:lvl1pPr>
-                      <a:lvl2pPr>
-                        <a:spcBef>
-                          <a:spcPct val="20000"/>
-                        </a:spcBef>
-                        <a:buClr>
-                          <a:schemeClr val="accent1"/>
-                        </a:buClr>
-                        <a:buSzPct val="125000"/>
-                        <a:defRPr sz="2000">
-                          <a:solidFill>
-                            <a:schemeClr val="tx1"/>
-                          </a:solidFill>
-                          <a:latin typeface="Verdana" panose="020B0604030504040204" pitchFamily="34" charset="0"/>
-                        </a:defRPr>
-                      </a:lvl2pPr>
-                      <a:lvl3pPr>
-                        <a:spcBef>
-                          <a:spcPct val="20000"/>
-                        </a:spcBef>
-                        <a:buClr>
-                          <a:schemeClr val="accent1"/>
-                        </a:buClr>
-                        <a:buSzPct val="60000"/>
-                        <a:defRPr>
-                          <a:solidFill>
-                            <a:schemeClr val="tx1"/>
-                          </a:solidFill>
-                          <a:latin typeface="Verdana" panose="020B0604030504040204" pitchFamily="34" charset="0"/>
-                        </a:defRPr>
-                      </a:lvl3pPr>
-                      <a:lvl4pPr>
-                        <a:spcBef>
-                          <a:spcPct val="20000"/>
-                        </a:spcBef>
-                        <a:defRPr>
-                          <a:solidFill>
-                            <a:schemeClr val="tx1"/>
-                          </a:solidFill>
-                          <a:latin typeface="Comic Sans MS" panose="030F0702030302020204" pitchFamily="66" charset="0"/>
-                        </a:defRPr>
-                      </a:lvl4pPr>
-                      <a:lvl5pPr>
-                        <a:spcBef>
-                          <a:spcPct val="20000"/>
-                        </a:spcBef>
-                        <a:defRPr>
-                          <a:solidFill>
-                            <a:schemeClr val="tx1"/>
-                          </a:solidFill>
-                          <a:latin typeface="Comic Sans MS" panose="030F0702030302020204" pitchFamily="66" charset="0"/>
-                        </a:defRPr>
-                      </a:lvl5pPr>
-                      <a:lvl6pPr fontAlgn="base">
-                        <a:spcBef>
-                          <a:spcPct val="20000"/>
-                        </a:spcBef>
-                        <a:spcAft>
-                          <a:spcPct val="0"/>
-                        </a:spcAft>
-                        <a:defRPr>
-                          <a:solidFill>
-                            <a:schemeClr val="tx1"/>
-                          </a:solidFill>
-                          <a:latin typeface="Comic Sans MS" panose="030F0702030302020204" pitchFamily="66" charset="0"/>
-                        </a:defRPr>
-                      </a:lvl6pPr>
-                      <a:lvl7pPr fontAlgn="base">
-                        <a:spcBef>
-                          <a:spcPct val="20000"/>
-                        </a:spcBef>
-                        <a:spcAft>
-                          <a:spcPct val="0"/>
-                        </a:spcAft>
-                        <a:defRPr>
-                          <a:solidFill>
-                            <a:schemeClr val="tx1"/>
-                          </a:solidFill>
-                          <a:latin typeface="Comic Sans MS" panose="030F0702030302020204" pitchFamily="66" charset="0"/>
-                        </a:defRPr>
-                      </a:lvl7pPr>
-                      <a:lvl8pPr fontAlgn="base">
-                        <a:spcBef>
-                          <a:spcPct val="20000"/>
-                        </a:spcBef>
-                        <a:spcAft>
-                          <a:spcPct val="0"/>
-                        </a:spcAft>
-                        <a:defRPr>
-                          <a:solidFill>
-                            <a:schemeClr val="tx1"/>
-                          </a:solidFill>
-                          <a:latin typeface="Comic Sans MS" panose="030F0702030302020204" pitchFamily="66" charset="0"/>
-                        </a:defRPr>
-                      </a:lvl8pPr>
-                      <a:lvl9pPr fontAlgn="base">
-                        <a:spcBef>
-                          <a:spcPct val="20000"/>
-                        </a:spcBef>
-                        <a:spcAft>
-                          <a:spcPct val="0"/>
-                        </a:spcAft>
-                        <a:defRPr>
-                          <a:solidFill>
-                            <a:schemeClr val="tx1"/>
-                          </a:solidFill>
-                          <a:latin typeface="Comic Sans MS" panose="030F0702030302020204" pitchFamily="66" charset="0"/>
-                        </a:defRPr>
-                      </a:lvl9pPr>
-                    </a:lstStyle>
-                    <a:p>
-                      <a:pPr marL="0" marR="0" lvl="0" indent="0" algn="l" defTabSz="914400" rtl="0" eaLnBrk="1" fontAlgn="base" latinLnBrk="0" hangingPunct="1">
-                        <a:lnSpc>
-                          <a:spcPct val="100000"/>
-                        </a:lnSpc>
-                        <a:spcBef>
-                          <a:spcPct val="20000"/>
-                        </a:spcBef>
-                        <a:spcAft>
-                          <a:spcPct val="0"/>
-                        </a:spcAft>
-                        <a:buClr>
-                          <a:schemeClr val="accent1"/>
-                        </a:buClr>
-                        <a:buSzPct val="80000"/>
-                        <a:buFont typeface="Wingdings 2" panose="05020102010507070707" pitchFamily="18" charset="2"/>
-                        <a:buNone/>
-                        <a:tabLst/>
-                      </a:pPr>
-                      <a:r>
-                        <a:rPr kumimoji="0" lang="en-GB" altLang="en-US" sz="2100" b="0" i="0" u="none" strike="noStrike" cap="none" normalizeH="0" baseline="0" smtClean="0">
-                          <a:ln>
-                            <a:noFill/>
-                          </a:ln>
-                          <a:solidFill>
-                            <a:schemeClr val="tx1"/>
-                          </a:solidFill>
-                          <a:effectLst/>
-                          <a:latin typeface="Verdana" panose="020B0604030504040204" pitchFamily="34" charset="0"/>
-                        </a:rPr>
-                        <a:t>Table</a:t>
-                      </a:r>
-                      <a:endParaRPr kumimoji="0" lang="en-US" altLang="en-US" sz="2100" b="0" i="0" u="none" strike="noStrike" cap="none" normalizeH="0" baseline="0" smtClean="0">
-                        <a:ln>
-                          <a:noFill/>
-                        </a:ln>
-                        <a:solidFill>
-                          <a:schemeClr val="tx1"/>
-                        </a:solidFill>
-                        <a:effectLst/>
-                        <a:latin typeface="Verdana" panose="020B0604030504040204" pitchFamily="34" charset="0"/>
-                      </a:endParaRPr>
-                    </a:p>
-                  </a:txBody>
-                  <a:tcPr horzOverflow="overflow">
-                    <a:lnL w="28575" cap="flat" cmpd="sng" algn="ctr">
-                      <a:solidFill>
-                        <a:schemeClr val="tx1"/>
-                      </a:solidFill>
-                      <a:prstDash val="solid"/>
-                      <a:round/>
-                      <a:headEnd type="none" w="med" len="med"/>
-                      <a:tailEnd type="none" w="med" len="med"/>
-                    </a:lnL>
-                    <a:lnR w="12700" cap="flat" cmpd="sng" algn="ctr">
-                      <a:solidFill>
-                        <a:schemeClr val="tx1"/>
-                      </a:solidFill>
-                      <a:prstDash val="solid"/>
-                      <a:round/>
-                      <a:headEnd type="none" w="med" len="med"/>
-                      <a:tailEnd type="none" w="med" len="med"/>
-                    </a:lnR>
-                    <a:lnT w="28575" cap="flat" cmpd="sng" algn="ctr">
-                      <a:solidFill>
-                        <a:schemeClr val="tx1"/>
-                      </a:solidFill>
-                      <a:prstDash val="solid"/>
-                      <a:round/>
-                      <a:headEnd type="none" w="med" len="med"/>
-                      <a:tailEnd type="none" w="med" len="med"/>
-                    </a:lnT>
-                    <a:lnB w="12700" cap="flat" cmpd="sng" algn="ctr">
-                      <a:solidFill>
-                        <a:schemeClr val="tx1"/>
-                      </a:solidFill>
-                      <a:prstDash val="solid"/>
-                      <a:round/>
-                      <a:headEnd type="none" w="med" len="med"/>
-                      <a:tailEnd type="none" w="med" len="med"/>
-                    </a:lnB>
-                    <a:lnTlToBr>
-                      <a:noFill/>
-                    </a:lnTlToBr>
-                    <a:lnBlToTr>
-                      <a:noFill/>
-                    </a:lnBlToTr>
-                    <a:noFill/>
-                  </a:tcPr>
-                </a:tc>
-                <a:tc>
-                  <a:txBody>
-                    <a:bodyPr/>
-                    <a:lstStyle>
-                      <a:lvl1pPr>
-                        <a:spcBef>
-                          <a:spcPct val="20000"/>
-                        </a:spcBef>
-                        <a:buClr>
-                          <a:schemeClr val="accent1"/>
-                        </a:buClr>
-                        <a:buSzPct val="80000"/>
-                        <a:buFont typeface="Wingdings 2" panose="05020102010507070707" pitchFamily="18" charset="2"/>
-                        <a:defRPr sz="2100">
-                          <a:solidFill>
-                            <a:schemeClr val="tx1"/>
-                          </a:solidFill>
-                          <a:latin typeface="Verdana" panose="020B0604030504040204" pitchFamily="34" charset="0"/>
-                        </a:defRPr>
-                      </a:lvl1pPr>
-                      <a:lvl2pPr>
-                        <a:spcBef>
-                          <a:spcPct val="20000"/>
-                        </a:spcBef>
-                        <a:buClr>
-                          <a:schemeClr val="accent1"/>
-                        </a:buClr>
-                        <a:buSzPct val="125000"/>
-                        <a:defRPr sz="2000">
-                          <a:solidFill>
-                            <a:schemeClr val="tx1"/>
-                          </a:solidFill>
-                          <a:latin typeface="Verdana" panose="020B0604030504040204" pitchFamily="34" charset="0"/>
-                        </a:defRPr>
-                      </a:lvl2pPr>
-                      <a:lvl3pPr>
-                        <a:spcBef>
-                          <a:spcPct val="20000"/>
-                        </a:spcBef>
-                        <a:buClr>
-                          <a:schemeClr val="accent1"/>
-                        </a:buClr>
-                        <a:buSzPct val="60000"/>
-                        <a:defRPr>
-                          <a:solidFill>
-                            <a:schemeClr val="tx1"/>
-                          </a:solidFill>
-                          <a:latin typeface="Verdana" panose="020B0604030504040204" pitchFamily="34" charset="0"/>
-                        </a:defRPr>
-                      </a:lvl3pPr>
-                      <a:lvl4pPr>
-                        <a:spcBef>
-                          <a:spcPct val="20000"/>
-                        </a:spcBef>
-                        <a:defRPr>
-                          <a:solidFill>
-                            <a:schemeClr val="tx1"/>
-                          </a:solidFill>
-                          <a:latin typeface="Comic Sans MS" panose="030F0702030302020204" pitchFamily="66" charset="0"/>
-                        </a:defRPr>
-                      </a:lvl4pPr>
-                      <a:lvl5pPr>
-                        <a:spcBef>
-                          <a:spcPct val="20000"/>
-                        </a:spcBef>
-                        <a:defRPr>
-                          <a:solidFill>
-                            <a:schemeClr val="tx1"/>
-                          </a:solidFill>
-                          <a:latin typeface="Comic Sans MS" panose="030F0702030302020204" pitchFamily="66" charset="0"/>
-                        </a:defRPr>
-                      </a:lvl5pPr>
-                      <a:lvl6pPr fontAlgn="base">
-                        <a:spcBef>
-                          <a:spcPct val="20000"/>
-                        </a:spcBef>
-                        <a:spcAft>
-                          <a:spcPct val="0"/>
-                        </a:spcAft>
-                        <a:defRPr>
-                          <a:solidFill>
-                            <a:schemeClr val="tx1"/>
-                          </a:solidFill>
-                          <a:latin typeface="Comic Sans MS" panose="030F0702030302020204" pitchFamily="66" charset="0"/>
-                        </a:defRPr>
-                      </a:lvl6pPr>
-                      <a:lvl7pPr fontAlgn="base">
-                        <a:spcBef>
-                          <a:spcPct val="20000"/>
-                        </a:spcBef>
-                        <a:spcAft>
-                          <a:spcPct val="0"/>
-                        </a:spcAft>
-                        <a:defRPr>
-                          <a:solidFill>
-                            <a:schemeClr val="tx1"/>
-                          </a:solidFill>
-                          <a:latin typeface="Comic Sans MS" panose="030F0702030302020204" pitchFamily="66" charset="0"/>
-                        </a:defRPr>
-                      </a:lvl7pPr>
-                      <a:lvl8pPr fontAlgn="base">
-                        <a:spcBef>
-                          <a:spcPct val="20000"/>
-                        </a:spcBef>
-                        <a:spcAft>
-                          <a:spcPct val="0"/>
-                        </a:spcAft>
-                        <a:defRPr>
-                          <a:solidFill>
-                            <a:schemeClr val="tx1"/>
-                          </a:solidFill>
-                          <a:latin typeface="Comic Sans MS" panose="030F0702030302020204" pitchFamily="66" charset="0"/>
-                        </a:defRPr>
-                      </a:lvl8pPr>
-                      <a:lvl9pPr fontAlgn="base">
-                        <a:spcBef>
-                          <a:spcPct val="20000"/>
-                        </a:spcBef>
-                        <a:spcAft>
-                          <a:spcPct val="0"/>
-                        </a:spcAft>
-                        <a:defRPr>
-                          <a:solidFill>
-                            <a:schemeClr val="tx1"/>
-                          </a:solidFill>
-                          <a:latin typeface="Comic Sans MS" panose="030F0702030302020204" pitchFamily="66" charset="0"/>
-                        </a:defRPr>
-                      </a:lvl9pPr>
-                    </a:lstStyle>
-                    <a:p>
-                      <a:pPr marL="0" marR="0" lvl="0" indent="0" algn="l" defTabSz="914400" rtl="0" eaLnBrk="1" fontAlgn="base" latinLnBrk="0" hangingPunct="1">
-                        <a:lnSpc>
-                          <a:spcPct val="100000"/>
-                        </a:lnSpc>
-                        <a:spcBef>
-                          <a:spcPct val="20000"/>
-                        </a:spcBef>
-                        <a:spcAft>
-                          <a:spcPct val="0"/>
-                        </a:spcAft>
-                        <a:buClr>
-                          <a:schemeClr val="accent1"/>
-                        </a:buClr>
-                        <a:buSzPct val="80000"/>
-                        <a:buFont typeface="Wingdings 2" panose="05020102010507070707" pitchFamily="18" charset="2"/>
-                        <a:buNone/>
-                        <a:tabLst/>
-                      </a:pPr>
-                      <a:endParaRPr kumimoji="0" lang="en-GB" altLang="en-US" sz="2100" b="0" i="0" u="none" strike="noStrike" cap="none" normalizeH="0" baseline="0" smtClean="0">
-                        <a:ln>
-                          <a:noFill/>
-                        </a:ln>
-                        <a:solidFill>
-                          <a:schemeClr val="tx1"/>
-                        </a:solidFill>
-                        <a:effectLst/>
-                        <a:latin typeface="Verdana" panose="020B0604030504040204" pitchFamily="34" charset="0"/>
-                      </a:endParaRPr>
-                    </a:p>
-                  </a:txBody>
-                  <a:tcPr horzOverflow="overflow">
-                    <a:lnL w="12700" cap="flat" cmpd="sng" algn="ctr">
-                      <a:solidFill>
-                        <a:schemeClr val="tx1"/>
-                      </a:solidFill>
-                      <a:prstDash val="solid"/>
-                      <a:round/>
-                      <a:headEnd type="none" w="med" len="med"/>
-                      <a:tailEnd type="none" w="med" len="med"/>
-                    </a:lnL>
-                    <a:lnR w="28575" cap="flat" cmpd="sng" algn="ctr">
-                      <a:solidFill>
-                        <a:schemeClr val="tx1"/>
-                      </a:solidFill>
-                      <a:prstDash val="solid"/>
-                      <a:round/>
-                      <a:headEnd type="none" w="med" len="med"/>
-                      <a:tailEnd type="none" w="med" len="med"/>
-                    </a:lnR>
-                    <a:lnT w="28575" cap="flat" cmpd="sng" algn="ctr">
-                      <a:solidFill>
-                        <a:schemeClr val="tx1"/>
-                      </a:solidFill>
-                      <a:prstDash val="solid"/>
-                      <a:round/>
-                      <a:headEnd type="none" w="med" len="med"/>
-                      <a:tailEnd type="none" w="med" len="med"/>
-                    </a:lnT>
-                    <a:lnB w="12700" cap="flat" cmpd="sng" algn="ctr">
-                      <a:solidFill>
-                        <a:schemeClr val="tx1"/>
-                      </a:solidFill>
-                      <a:prstDash val="solid"/>
-                      <a:round/>
-                      <a:headEnd type="none" w="med" len="med"/>
-                      <a:tailEnd type="none" w="med" len="med"/>
-                    </a:lnB>
-                    <a:lnTlToBr>
-                      <a:noFill/>
-                    </a:lnTlToBr>
-                    <a:lnBlToTr>
-                      <a:noFill/>
-                    </a:lnBlToTr>
-                    <a:noFill/>
-                  </a:tcPr>
-                </a:tc>
-                <a:extLst>
-                  <a:ext uri="{0D108BD9-81ED-4DB2-BD59-A6C34878D82A}">
-                    <a16:rowId xmlns:a16="http://schemas.microsoft.com/office/drawing/2014/main" val="10000"/>
-                  </a:ext>
-                </a:extLst>
-              </a:tr>
-              <a:tr h="625475">
-                <a:tc>
-                  <a:txBody>
-                    <a:bodyPr/>
-                    <a:lstStyle>
-                      <a:lvl1pPr>
-                        <a:spcBef>
-                          <a:spcPct val="20000"/>
-                        </a:spcBef>
-                        <a:buClr>
-                          <a:schemeClr val="accent1"/>
-                        </a:buClr>
-                        <a:buSzPct val="80000"/>
-                        <a:buFont typeface="Wingdings 2" panose="05020102010507070707" pitchFamily="18" charset="2"/>
-                        <a:defRPr sz="2100">
-                          <a:solidFill>
-                            <a:schemeClr val="tx1"/>
-                          </a:solidFill>
-                          <a:latin typeface="Verdana" panose="020B0604030504040204" pitchFamily="34" charset="0"/>
-                        </a:defRPr>
-                      </a:lvl1pPr>
-                      <a:lvl2pPr>
-                        <a:spcBef>
-                          <a:spcPct val="20000"/>
-                        </a:spcBef>
-                        <a:buClr>
-                          <a:schemeClr val="accent1"/>
-                        </a:buClr>
-                        <a:buSzPct val="125000"/>
-                        <a:defRPr sz="2000">
-                          <a:solidFill>
-                            <a:schemeClr val="tx1"/>
-                          </a:solidFill>
-                          <a:latin typeface="Verdana" panose="020B0604030504040204" pitchFamily="34" charset="0"/>
-                        </a:defRPr>
-                      </a:lvl2pPr>
-                      <a:lvl3pPr>
-                        <a:spcBef>
-                          <a:spcPct val="20000"/>
-                        </a:spcBef>
-                        <a:buClr>
-                          <a:schemeClr val="accent1"/>
-                        </a:buClr>
-                        <a:buSzPct val="60000"/>
-                        <a:defRPr>
-                          <a:solidFill>
-                            <a:schemeClr val="tx1"/>
-                          </a:solidFill>
-                          <a:latin typeface="Verdana" panose="020B0604030504040204" pitchFamily="34" charset="0"/>
-                        </a:defRPr>
-                      </a:lvl3pPr>
-                      <a:lvl4pPr>
-                        <a:spcBef>
-                          <a:spcPct val="20000"/>
-                        </a:spcBef>
-                        <a:defRPr>
-                          <a:solidFill>
-                            <a:schemeClr val="tx1"/>
-                          </a:solidFill>
-                          <a:latin typeface="Comic Sans MS" panose="030F0702030302020204" pitchFamily="66" charset="0"/>
-                        </a:defRPr>
-                      </a:lvl4pPr>
-                      <a:lvl5pPr>
-                        <a:spcBef>
-                          <a:spcPct val="20000"/>
-                        </a:spcBef>
-                        <a:defRPr>
-                          <a:solidFill>
-                            <a:schemeClr val="tx1"/>
-                          </a:solidFill>
-                          <a:latin typeface="Comic Sans MS" panose="030F0702030302020204" pitchFamily="66" charset="0"/>
-                        </a:defRPr>
-                      </a:lvl5pPr>
-                      <a:lvl6pPr fontAlgn="base">
-                        <a:spcBef>
-                          <a:spcPct val="20000"/>
-                        </a:spcBef>
-                        <a:spcAft>
-                          <a:spcPct val="0"/>
-                        </a:spcAft>
-                        <a:defRPr>
-                          <a:solidFill>
-                            <a:schemeClr val="tx1"/>
-                          </a:solidFill>
-                          <a:latin typeface="Comic Sans MS" panose="030F0702030302020204" pitchFamily="66" charset="0"/>
-                        </a:defRPr>
-                      </a:lvl6pPr>
-                      <a:lvl7pPr fontAlgn="base">
-                        <a:spcBef>
-                          <a:spcPct val="20000"/>
-                        </a:spcBef>
-                        <a:spcAft>
-                          <a:spcPct val="0"/>
-                        </a:spcAft>
-                        <a:defRPr>
-                          <a:solidFill>
-                            <a:schemeClr val="tx1"/>
-                          </a:solidFill>
-                          <a:latin typeface="Comic Sans MS" panose="030F0702030302020204" pitchFamily="66" charset="0"/>
-                        </a:defRPr>
-                      </a:lvl7pPr>
-                      <a:lvl8pPr fontAlgn="base">
-                        <a:spcBef>
-                          <a:spcPct val="20000"/>
-                        </a:spcBef>
-                        <a:spcAft>
-                          <a:spcPct val="0"/>
-                        </a:spcAft>
-                        <a:defRPr>
-                          <a:solidFill>
-                            <a:schemeClr val="tx1"/>
-                          </a:solidFill>
-                          <a:latin typeface="Comic Sans MS" panose="030F0702030302020204" pitchFamily="66" charset="0"/>
-                        </a:defRPr>
-                      </a:lvl8pPr>
-                      <a:lvl9pPr fontAlgn="base">
-                        <a:spcBef>
-                          <a:spcPct val="20000"/>
-                        </a:spcBef>
-                        <a:spcAft>
-                          <a:spcPct val="0"/>
-                        </a:spcAft>
-                        <a:defRPr>
-                          <a:solidFill>
-                            <a:schemeClr val="tx1"/>
-                          </a:solidFill>
-                          <a:latin typeface="Comic Sans MS" panose="030F0702030302020204" pitchFamily="66" charset="0"/>
-                        </a:defRPr>
-                      </a:lvl9pPr>
-                    </a:lstStyle>
-                    <a:p>
-                      <a:pPr marL="0" marR="0" lvl="0" indent="0" algn="l" defTabSz="914400" rtl="0" eaLnBrk="1" fontAlgn="base" latinLnBrk="0" hangingPunct="1">
-                        <a:lnSpc>
-                          <a:spcPct val="100000"/>
-                        </a:lnSpc>
-                        <a:spcBef>
-                          <a:spcPct val="20000"/>
-                        </a:spcBef>
-                        <a:spcAft>
-                          <a:spcPct val="0"/>
-                        </a:spcAft>
-                        <a:buClr>
-                          <a:schemeClr val="accent1"/>
-                        </a:buClr>
-                        <a:buSzPct val="80000"/>
-                        <a:buFont typeface="Wingdings 2" panose="05020102010507070707" pitchFamily="18" charset="2"/>
-                        <a:buNone/>
-                        <a:tabLst/>
-                      </a:pPr>
-                      <a:endParaRPr kumimoji="0" lang="en-GB" altLang="en-US" sz="2100" b="0" i="0" u="none" strike="noStrike" cap="none" normalizeH="0" baseline="0" smtClean="0">
-                        <a:ln>
-                          <a:noFill/>
-                        </a:ln>
-                        <a:solidFill>
-                          <a:schemeClr val="tx1"/>
-                        </a:solidFill>
-                        <a:effectLst/>
-                        <a:latin typeface="Verdana" panose="020B0604030504040204" pitchFamily="34" charset="0"/>
-                      </a:endParaRPr>
-                    </a:p>
-                  </a:txBody>
-                  <a:tcPr horzOverflow="overflow">
-                    <a:lnL w="28575" cap="flat" cmpd="sng" algn="ctr">
-                      <a:solidFill>
-                        <a:schemeClr val="tx1"/>
-                      </a:solidFill>
-                      <a:prstDash val="solid"/>
-                      <a:round/>
-                      <a:headEnd type="none" w="med" len="med"/>
-                      <a:tailEnd type="none" w="med" len="med"/>
-                    </a:lnL>
-                    <a:lnR w="12700" cap="flat" cmpd="sng" algn="ctr">
-                      <a:solidFill>
-                        <a:schemeClr val="tx1"/>
-                      </a:solidFill>
-                      <a:prstDash val="solid"/>
-                      <a:round/>
-                      <a:headEnd type="none" w="med" len="med"/>
-                      <a:tailEnd type="none" w="med" len="med"/>
-                    </a:lnR>
-                    <a:lnT w="12700" cap="flat" cmpd="sng" algn="ctr">
-                      <a:solidFill>
-                        <a:schemeClr val="tx1"/>
-                      </a:solidFill>
-                      <a:prstDash val="solid"/>
-                      <a:round/>
-                      <a:headEnd type="none" w="med" len="med"/>
-                      <a:tailEnd type="none" w="med" len="med"/>
-                    </a:lnT>
-                    <a:lnB w="28575" cap="flat" cmpd="sng" algn="ctr">
-                      <a:solidFill>
-                        <a:schemeClr val="tx1"/>
-                      </a:solidFill>
-                      <a:prstDash val="solid"/>
-                      <a:round/>
-                      <a:headEnd type="none" w="med" len="med"/>
-                      <a:tailEnd type="none" w="med" len="med"/>
-                    </a:lnB>
-                    <a:lnTlToBr>
-                      <a:noFill/>
-                    </a:lnTlToBr>
-                    <a:lnBlToTr>
-                      <a:noFill/>
-                    </a:lnBlToTr>
-                    <a:noFill/>
-                  </a:tcPr>
-                </a:tc>
-                <a:tc>
-                  <a:txBody>
-                    <a:bodyPr/>
-                    <a:lstStyle>
-                      <a:lvl1pPr>
-                        <a:spcBef>
-                          <a:spcPct val="20000"/>
-                        </a:spcBef>
-                        <a:buClr>
-                          <a:schemeClr val="accent1"/>
-                        </a:buClr>
-                        <a:buSzPct val="80000"/>
-                        <a:buFont typeface="Wingdings 2" panose="05020102010507070707" pitchFamily="18" charset="2"/>
-                        <a:defRPr sz="2100">
-                          <a:solidFill>
-                            <a:schemeClr val="tx1"/>
-                          </a:solidFill>
-                          <a:latin typeface="Verdana" panose="020B0604030504040204" pitchFamily="34" charset="0"/>
-                        </a:defRPr>
-                      </a:lvl1pPr>
-                      <a:lvl2pPr>
-                        <a:spcBef>
-                          <a:spcPct val="20000"/>
-                        </a:spcBef>
-                        <a:buClr>
-                          <a:schemeClr val="accent1"/>
-                        </a:buClr>
-                        <a:buSzPct val="125000"/>
-                        <a:defRPr sz="2000">
-                          <a:solidFill>
-                            <a:schemeClr val="tx1"/>
-                          </a:solidFill>
-                          <a:latin typeface="Verdana" panose="020B0604030504040204" pitchFamily="34" charset="0"/>
-                        </a:defRPr>
-                      </a:lvl2pPr>
-                      <a:lvl3pPr>
-                        <a:spcBef>
-                          <a:spcPct val="20000"/>
-                        </a:spcBef>
-                        <a:buClr>
-                          <a:schemeClr val="accent1"/>
-                        </a:buClr>
-                        <a:buSzPct val="60000"/>
-                        <a:defRPr>
-                          <a:solidFill>
-                            <a:schemeClr val="tx1"/>
-                          </a:solidFill>
-                          <a:latin typeface="Verdana" panose="020B0604030504040204" pitchFamily="34" charset="0"/>
-                        </a:defRPr>
-                      </a:lvl3pPr>
-                      <a:lvl4pPr>
-                        <a:spcBef>
-                          <a:spcPct val="20000"/>
-                        </a:spcBef>
-                        <a:defRPr>
-                          <a:solidFill>
-                            <a:schemeClr val="tx1"/>
-                          </a:solidFill>
-                          <a:latin typeface="Comic Sans MS" panose="030F0702030302020204" pitchFamily="66" charset="0"/>
-                        </a:defRPr>
-                      </a:lvl4pPr>
-                      <a:lvl5pPr>
-                        <a:spcBef>
-                          <a:spcPct val="20000"/>
-                        </a:spcBef>
-                        <a:defRPr>
-                          <a:solidFill>
-                            <a:schemeClr val="tx1"/>
-                          </a:solidFill>
-                          <a:latin typeface="Comic Sans MS" panose="030F0702030302020204" pitchFamily="66" charset="0"/>
-                        </a:defRPr>
-                      </a:lvl5pPr>
-                      <a:lvl6pPr fontAlgn="base">
-                        <a:spcBef>
-                          <a:spcPct val="20000"/>
-                        </a:spcBef>
-                        <a:spcAft>
-                          <a:spcPct val="0"/>
-                        </a:spcAft>
-                        <a:defRPr>
-                          <a:solidFill>
-                            <a:schemeClr val="tx1"/>
-                          </a:solidFill>
-                          <a:latin typeface="Comic Sans MS" panose="030F0702030302020204" pitchFamily="66" charset="0"/>
-                        </a:defRPr>
-                      </a:lvl6pPr>
-                      <a:lvl7pPr fontAlgn="base">
-                        <a:spcBef>
-                          <a:spcPct val="20000"/>
-                        </a:spcBef>
-                        <a:spcAft>
-                          <a:spcPct val="0"/>
-                        </a:spcAft>
-                        <a:defRPr>
-                          <a:solidFill>
-                            <a:schemeClr val="tx1"/>
-                          </a:solidFill>
-                          <a:latin typeface="Comic Sans MS" panose="030F0702030302020204" pitchFamily="66" charset="0"/>
-                        </a:defRPr>
-                      </a:lvl7pPr>
-                      <a:lvl8pPr fontAlgn="base">
-                        <a:spcBef>
-                          <a:spcPct val="20000"/>
-                        </a:spcBef>
-                        <a:spcAft>
-                          <a:spcPct val="0"/>
-                        </a:spcAft>
-                        <a:defRPr>
-                          <a:solidFill>
-                            <a:schemeClr val="tx1"/>
-                          </a:solidFill>
-                          <a:latin typeface="Comic Sans MS" panose="030F0702030302020204" pitchFamily="66" charset="0"/>
-                        </a:defRPr>
-                      </a:lvl8pPr>
-                      <a:lvl9pPr fontAlgn="base">
-                        <a:spcBef>
-                          <a:spcPct val="20000"/>
-                        </a:spcBef>
-                        <a:spcAft>
-                          <a:spcPct val="0"/>
-                        </a:spcAft>
-                        <a:defRPr>
-                          <a:solidFill>
-                            <a:schemeClr val="tx1"/>
-                          </a:solidFill>
-                          <a:latin typeface="Comic Sans MS" panose="030F0702030302020204" pitchFamily="66" charset="0"/>
-                        </a:defRPr>
-                      </a:lvl9pPr>
-                    </a:lstStyle>
-                    <a:p>
-                      <a:pPr marL="0" marR="0" lvl="0" indent="0" algn="l" defTabSz="914400" rtl="0" eaLnBrk="1" fontAlgn="base" latinLnBrk="0" hangingPunct="1">
-                        <a:lnSpc>
-                          <a:spcPct val="100000"/>
-                        </a:lnSpc>
-                        <a:spcBef>
-                          <a:spcPct val="20000"/>
-                        </a:spcBef>
-                        <a:spcAft>
-                          <a:spcPct val="0"/>
-                        </a:spcAft>
-                        <a:buClr>
-                          <a:schemeClr val="accent1"/>
-                        </a:buClr>
-                        <a:buSzPct val="80000"/>
-                        <a:buFont typeface="Wingdings 2" panose="05020102010507070707" pitchFamily="18" charset="2"/>
-                        <a:buNone/>
-                        <a:tabLst/>
-                      </a:pPr>
-                      <a:endParaRPr kumimoji="0" lang="en-GB" altLang="en-US" sz="2100" b="0" i="0" u="none" strike="noStrike" cap="none" normalizeH="0" baseline="0" smtClean="0">
-                        <a:ln>
-                          <a:noFill/>
-                        </a:ln>
-                        <a:solidFill>
-                          <a:schemeClr val="tx1"/>
-                        </a:solidFill>
-                        <a:effectLst/>
-                        <a:latin typeface="Verdana" panose="020B0604030504040204" pitchFamily="34" charset="0"/>
-                      </a:endParaRPr>
-                    </a:p>
-                  </a:txBody>
-                  <a:tcPr horzOverflow="overflow">
-                    <a:lnL w="12700" cap="flat" cmpd="sng" algn="ctr">
-                      <a:solidFill>
-                        <a:schemeClr val="tx1"/>
-                      </a:solidFill>
-                      <a:prstDash val="solid"/>
-                      <a:round/>
-                      <a:headEnd type="none" w="med" len="med"/>
-                      <a:tailEnd type="none" w="med" len="med"/>
-                    </a:lnL>
-                    <a:lnR w="28575" cap="flat" cmpd="sng" algn="ctr">
-                      <a:solidFill>
-                        <a:schemeClr val="tx1"/>
-                      </a:solidFill>
-                      <a:prstDash val="solid"/>
-                      <a:round/>
-                      <a:headEnd type="none" w="med" len="med"/>
-                      <a:tailEnd type="none" w="med" len="med"/>
-                    </a:lnR>
-                    <a:lnT w="12700" cap="flat" cmpd="sng" algn="ctr">
-                      <a:solidFill>
-                        <a:schemeClr val="tx1"/>
-                      </a:solidFill>
-                      <a:prstDash val="solid"/>
-                      <a:round/>
-                      <a:headEnd type="none" w="med" len="med"/>
-                      <a:tailEnd type="none" w="med" len="med"/>
-                    </a:lnT>
-                    <a:lnB w="28575" cap="flat" cmpd="sng" algn="ctr">
-                      <a:solidFill>
-                        <a:schemeClr val="tx1"/>
-                      </a:solidFill>
-                      <a:prstDash val="solid"/>
-                      <a:round/>
-                      <a:headEnd type="none" w="med" len="med"/>
-                      <a:tailEnd type="none" w="med" len="med"/>
-                    </a:lnB>
-                    <a:lnTlToBr>
-                      <a:noFill/>
-                    </a:lnTlToBr>
-                    <a:lnBlToTr>
-                      <a:noFill/>
-                    </a:lnBlToTr>
-                    <a:noFill/>
-                  </a:tcPr>
-                </a:tc>
-                <a:extLst>
-                  <a:ext uri="{0D108BD9-81ED-4DB2-BD59-A6C34878D82A}">
-                    <a16:rowId xmlns:a16="http://schemas.microsoft.com/office/drawing/2014/main" val="10001"/>
-                  </a:ext>
-                </a:extLst>
-              </a:tr>
-            </a:tbl>
-          </a:graphicData>
-        </a:graphic>
-      </p:graphicFrame>
-      <p:sp>
-        <p:nvSpPr>
-          <p:cNvPr id="18447" name="Rectangle 15"/>
-          <p:cNvSpPr>
-            <a:spLocks noChangeArrowheads="1"/>
-          </p:cNvSpPr>
-          <p:nvPr/>
-        </p:nvSpPr>
-        <p:spPr bwMode="auto">
-          <a:xfrm>
-            <a:off x="792163" y="4568825"/>
-            <a:ext cx="2232025" cy="1368425"/>
-          </a:xfrm>
-          <a:prstGeom prst="rect">
-            <a:avLst/>
-          </a:prstGeom>
-          <a:solidFill>
-            <a:schemeClr val="accent1"/>
-          </a:solidFill>
-          <a:ln w="9525">
-            <a:solidFill>
-              <a:schemeClr val="tx1"/>
-            </a:solidFill>
-            <a:miter lim="800000"/>
-            <a:headEnd/>
-            <a:tailEnd/>
-          </a:ln>
-          <a:effectLst/>
-          <a:extLst>
-            <a:ext uri="{AF507438-7753-43E0-B8FC-AC1667EBCBE1}">
-              <a14:hiddenEffects xmlns:a14="http://schemas.microsoft.com/office/drawing/2010/main">
-                <a:effectLst>
-                  <a:outerShdw dist="35921" dir="2700000" algn="ctr" rotWithShape="0">
-                    <a:schemeClr val="bg2"/>
-                  </a:outerShdw>
-                </a:effectLst>
-              </a14:hiddenEffects>
-            </a:ext>
-          </a:extLst>
-        </p:spPr>
-        <p:txBody>
-          <a:bodyPr wrap="none" anchor="ctr"/>
-          <a:lstStyle>
-            <a:lvl1pPr>
-              <a:defRPr sz="2400">
-                <a:solidFill>
-                  <a:schemeClr val="tx1"/>
-                </a:solidFill>
-                <a:latin typeface="Times New Roman" panose="02020603050405020304" pitchFamily="18" charset="0"/>
-              </a:defRPr>
-            </a:lvl1pPr>
-            <a:lvl2pPr marL="742950" indent="-285750">
-              <a:defRPr sz="2400">
-                <a:solidFill>
-                  <a:schemeClr val="tx1"/>
-                </a:solidFill>
-                <a:latin typeface="Times New Roman" panose="02020603050405020304" pitchFamily="18" charset="0"/>
-              </a:defRPr>
-            </a:lvl2pPr>
-            <a:lvl3pPr marL="1143000" indent="-228600">
-              <a:defRPr sz="2400">
-                <a:solidFill>
-                  <a:schemeClr val="tx1"/>
-                </a:solidFill>
-                <a:latin typeface="Times New Roman" panose="02020603050405020304" pitchFamily="18" charset="0"/>
-              </a:defRPr>
-            </a:lvl3pPr>
-            <a:lvl4pPr marL="1600200" indent="-228600">
-              <a:defRPr sz="2400">
-                <a:solidFill>
-                  <a:schemeClr val="tx1"/>
-                </a:solidFill>
-                <a:latin typeface="Times New Roman" panose="02020603050405020304" pitchFamily="18" charset="0"/>
-              </a:defRPr>
-            </a:lvl4pPr>
-            <a:lvl5pPr marL="2057400" indent="-228600">
-              <a:defRPr sz="2400">
-                <a:solidFill>
-                  <a:schemeClr val="tx1"/>
-                </a:solidFill>
-                <a:latin typeface="Times New Roman" panose="02020603050405020304" pitchFamily="18" charset="0"/>
-              </a:defRPr>
-            </a:lvl5pPr>
-            <a:lvl6pPr marL="2514600" indent="-228600" eaLnBrk="0" fontAlgn="base" hangingPunct="0">
-              <a:spcBef>
-                <a:spcPct val="0"/>
-              </a:spcBef>
-              <a:spcAft>
-                <a:spcPct val="0"/>
-              </a:spcAft>
-              <a:defRPr sz="2400">
-                <a:solidFill>
-                  <a:schemeClr val="tx1"/>
-                </a:solidFill>
-                <a:latin typeface="Times New Roman" panose="02020603050405020304" pitchFamily="18" charset="0"/>
-              </a:defRPr>
-            </a:lvl6pPr>
-            <a:lvl7pPr marL="2971800" indent="-228600" eaLnBrk="0" fontAlgn="base" hangingPunct="0">
-              <a:spcBef>
-                <a:spcPct val="0"/>
-              </a:spcBef>
-              <a:spcAft>
-                <a:spcPct val="0"/>
-              </a:spcAft>
-              <a:defRPr sz="2400">
-                <a:solidFill>
-                  <a:schemeClr val="tx1"/>
-                </a:solidFill>
-                <a:latin typeface="Times New Roman" panose="02020603050405020304" pitchFamily="18" charset="0"/>
-              </a:defRPr>
-            </a:lvl7pPr>
-            <a:lvl8pPr marL="3429000" indent="-228600" eaLnBrk="0" fontAlgn="base" hangingPunct="0">
-              <a:spcBef>
-                <a:spcPct val="0"/>
-              </a:spcBef>
-              <a:spcAft>
-                <a:spcPct val="0"/>
-              </a:spcAft>
-              <a:defRPr sz="2400">
-                <a:solidFill>
-                  <a:schemeClr val="tx1"/>
-                </a:solidFill>
-                <a:latin typeface="Times New Roman" panose="02020603050405020304" pitchFamily="18" charset="0"/>
-              </a:defRPr>
-            </a:lvl8pPr>
-            <a:lvl9pPr marL="3886200" indent="-228600" eaLnBrk="0" fontAlgn="base" hangingPunct="0">
-              <a:spcBef>
-                <a:spcPct val="0"/>
-              </a:spcBef>
-              <a:spcAft>
-                <a:spcPct val="0"/>
-              </a:spcAft>
-              <a:defRPr sz="2400">
-                <a:solidFill>
-                  <a:schemeClr val="tx1"/>
-                </a:solidFill>
-                <a:latin typeface="Times New Roman" panose="02020603050405020304" pitchFamily="18" charset="0"/>
-              </a:defRPr>
-            </a:lvl9pPr>
-          </a:lstStyle>
-          <a:p>
-            <a:pPr algn="ctr" eaLnBrk="1" hangingPunct="1"/>
-            <a:r>
-              <a:rPr lang="en-GB" altLang="en-US" sz="1800">
-                <a:latin typeface="Arial" panose="020B0604020202020204" pitchFamily="34" charset="0"/>
-                <a:cs typeface="Arial" panose="020B0604020202020204" pitchFamily="34" charset="0"/>
-              </a:rPr>
-              <a:t>Text box</a:t>
-            </a:r>
-            <a:endParaRPr lang="en-US" altLang="en-US" sz="1800">
-              <a:latin typeface="Arial" panose="020B0604020202020204" pitchFamily="34" charset="0"/>
-              <a:cs typeface="Arial" panose="020B0604020202020204" pitchFamily="34" charset="0"/>
-            </a:endParaRPr>
-          </a:p>
-        </p:txBody>
-      </p:sp>
-      <p:sp>
-        <p:nvSpPr>
-          <p:cNvPr id="18448" name="Rectangle 16"/>
-          <p:cNvSpPr>
-            <a:spLocks noChangeArrowheads="1"/>
-          </p:cNvSpPr>
-          <p:nvPr/>
-        </p:nvSpPr>
-        <p:spPr bwMode="auto">
-          <a:xfrm>
-            <a:off x="3671888" y="4568825"/>
-            <a:ext cx="2232025" cy="1368425"/>
-          </a:xfrm>
-          <a:prstGeom prst="rect">
-            <a:avLst/>
-          </a:prstGeom>
-          <a:solidFill>
-            <a:schemeClr val="accent1"/>
-          </a:solidFill>
-          <a:ln w="9525">
-            <a:solidFill>
-              <a:schemeClr val="tx1"/>
-            </a:solidFill>
-            <a:miter lim="800000"/>
-            <a:headEnd/>
-            <a:tailEnd/>
-          </a:ln>
-          <a:effectLst>
-            <a:outerShdw dist="107763" dir="2700000" algn="ctr" rotWithShape="0">
-              <a:schemeClr val="bg2">
-                <a:alpha val="50000"/>
-              </a:schemeClr>
-            </a:outerShdw>
-          </a:effectLst>
-        </p:spPr>
-        <p:txBody>
-          <a:bodyPr wrap="none" anchor="ctr"/>
-          <a:lstStyle>
-            <a:lvl1pPr>
-              <a:defRPr sz="2400">
-                <a:solidFill>
-                  <a:schemeClr val="tx1"/>
-                </a:solidFill>
-                <a:latin typeface="Times New Roman" panose="02020603050405020304" pitchFamily="18" charset="0"/>
-              </a:defRPr>
-            </a:lvl1pPr>
-            <a:lvl2pPr marL="742950" indent="-285750">
-              <a:defRPr sz="2400">
-                <a:solidFill>
-                  <a:schemeClr val="tx1"/>
-                </a:solidFill>
-                <a:latin typeface="Times New Roman" panose="02020603050405020304" pitchFamily="18" charset="0"/>
-              </a:defRPr>
-            </a:lvl2pPr>
-            <a:lvl3pPr marL="1143000" indent="-228600">
-              <a:defRPr sz="2400">
-                <a:solidFill>
-                  <a:schemeClr val="tx1"/>
-                </a:solidFill>
-                <a:latin typeface="Times New Roman" panose="02020603050405020304" pitchFamily="18" charset="0"/>
-              </a:defRPr>
-            </a:lvl3pPr>
-            <a:lvl4pPr marL="1600200" indent="-228600">
-              <a:defRPr sz="2400">
-                <a:solidFill>
-                  <a:schemeClr val="tx1"/>
-                </a:solidFill>
-                <a:latin typeface="Times New Roman" panose="02020603050405020304" pitchFamily="18" charset="0"/>
-              </a:defRPr>
-            </a:lvl4pPr>
-            <a:lvl5pPr marL="2057400" indent="-228600">
-              <a:defRPr sz="2400">
-                <a:solidFill>
-                  <a:schemeClr val="tx1"/>
-                </a:solidFill>
-                <a:latin typeface="Times New Roman" panose="02020603050405020304" pitchFamily="18" charset="0"/>
-              </a:defRPr>
-            </a:lvl5pPr>
-            <a:lvl6pPr marL="2514600" indent="-228600" eaLnBrk="0" fontAlgn="base" hangingPunct="0">
-              <a:spcBef>
-                <a:spcPct val="0"/>
-              </a:spcBef>
-              <a:spcAft>
-                <a:spcPct val="0"/>
-              </a:spcAft>
-              <a:defRPr sz="2400">
-                <a:solidFill>
-                  <a:schemeClr val="tx1"/>
-                </a:solidFill>
-                <a:latin typeface="Times New Roman" panose="02020603050405020304" pitchFamily="18" charset="0"/>
-              </a:defRPr>
-            </a:lvl6pPr>
-            <a:lvl7pPr marL="2971800" indent="-228600" eaLnBrk="0" fontAlgn="base" hangingPunct="0">
-              <a:spcBef>
-                <a:spcPct val="0"/>
-              </a:spcBef>
-              <a:spcAft>
-                <a:spcPct val="0"/>
-              </a:spcAft>
-              <a:defRPr sz="2400">
-                <a:solidFill>
-                  <a:schemeClr val="tx1"/>
-                </a:solidFill>
-                <a:latin typeface="Times New Roman" panose="02020603050405020304" pitchFamily="18" charset="0"/>
-              </a:defRPr>
-            </a:lvl7pPr>
-            <a:lvl8pPr marL="3429000" indent="-228600" eaLnBrk="0" fontAlgn="base" hangingPunct="0">
-              <a:spcBef>
-                <a:spcPct val="0"/>
-              </a:spcBef>
-              <a:spcAft>
-                <a:spcPct val="0"/>
-              </a:spcAft>
-              <a:defRPr sz="2400">
-                <a:solidFill>
-                  <a:schemeClr val="tx1"/>
-                </a:solidFill>
-                <a:latin typeface="Times New Roman" panose="02020603050405020304" pitchFamily="18" charset="0"/>
-              </a:defRPr>
-            </a:lvl8pPr>
-            <a:lvl9pPr marL="3886200" indent="-228600" eaLnBrk="0" fontAlgn="base" hangingPunct="0">
-              <a:spcBef>
-                <a:spcPct val="0"/>
-              </a:spcBef>
-              <a:spcAft>
-                <a:spcPct val="0"/>
-              </a:spcAft>
-              <a:defRPr sz="2400">
-                <a:solidFill>
-                  <a:schemeClr val="tx1"/>
-                </a:solidFill>
-                <a:latin typeface="Times New Roman" panose="02020603050405020304" pitchFamily="18" charset="0"/>
-              </a:defRPr>
-            </a:lvl9pPr>
-          </a:lstStyle>
-          <a:p>
-            <a:pPr algn="ctr" eaLnBrk="1" hangingPunct="1"/>
-            <a:r>
-              <a:rPr lang="en-GB" altLang="en-US" sz="1800">
-                <a:latin typeface="Arial" panose="020B0604020202020204" pitchFamily="34" charset="0"/>
-                <a:cs typeface="Arial" panose="020B0604020202020204" pitchFamily="34" charset="0"/>
-              </a:rPr>
-              <a:t>Text box</a:t>
-            </a:r>
-          </a:p>
-          <a:p>
-            <a:pPr algn="ctr" eaLnBrk="1" hangingPunct="1"/>
-            <a:r>
-              <a:rPr lang="en-GB" altLang="en-US" sz="1800">
-                <a:latin typeface="Arial" panose="020B0604020202020204" pitchFamily="34" charset="0"/>
-                <a:cs typeface="Arial" panose="020B0604020202020204" pitchFamily="34" charset="0"/>
-              </a:rPr>
-              <a:t>With shadow</a:t>
-            </a:r>
-            <a:endParaRPr lang="en-US" altLang="en-US" sz="1800">
-              <a:latin typeface="Arial" panose="020B0604020202020204" pitchFamily="34" charset="0"/>
-              <a:cs typeface="Arial" panose="020B0604020202020204" pitchFamily="34" charset="0"/>
-            </a:endParaRPr>
-          </a:p>
-        </p:txBody>
-      </p:sp>
-    </p:spTree>
-  </p:cSld>
-  <p:clrMapOvr>
-    <a:masterClrMapping/>
-  </p:clrMapOvr>
-  <p:transition/>
-  <p:timing>
-    <p:tnLst>
-      <p:par>
-        <p:cTn id="1" dur="indefinite" restart="never" nodeType="tmRoot"/>
-      </p:par>
-    </p:tnLst>
-  </p:timing>
-</p:sld>
-</file>
-
 <file path=ppt/slides/slide9.xml><?xml version="1.0" encoding="utf-8"?>
 <p:sld xmlns:a="http://schemas.openxmlformats.org/drawingml/2006/main" xmlns:r="http://schemas.openxmlformats.org/officeDocument/2006/relationships" xmlns:p="http://schemas.openxmlformats.org/presentationml/2006/main">
   <p:cSld>
@@ -14559,165 +18914,7 @@
       </p:grpSpPr>
       <p:sp>
         <p:nvSpPr>
-          <p:cNvPr id="20482" name="Rectangle 2"/>
-          <p:cNvSpPr>
-            <a:spLocks noChangeArrowheads="1"/>
-          </p:cNvSpPr>
-          <p:nvPr/>
-        </p:nvSpPr>
-        <p:spPr bwMode="auto">
-          <a:xfrm>
-            <a:off x="539750" y="1268413"/>
-            <a:ext cx="8208963" cy="5329237"/>
-          </a:xfrm>
-          <a:prstGeom prst="rect">
-            <a:avLst/>
-          </a:prstGeom>
-          <a:noFill/>
-          <a:ln>
-            <a:noFill/>
-          </a:ln>
-          <a:effectLst/>
-          <a:extLst>
-            <a:ext uri="{909E8E84-426E-40DD-AFC4-6F175D3DCCD1}">
-              <a14:hiddenFill xmlns:a14="http://schemas.microsoft.com/office/drawing/2010/main">
-                <a:solidFill>
-                  <a:srgbClr val="7FD7FC">
-                    <a:alpha val="50195"/>
-                  </a:srgbClr>
-                </a:solidFill>
-              </a14:hiddenFill>
-            </a:ext>
-            <a:ext uri="{91240B29-F687-4F45-9708-019B960494DF}">
-              <a14:hiddenLine xmlns:a14="http://schemas.microsoft.com/office/drawing/2010/main" w="9525">
-                <a:solidFill>
-                  <a:schemeClr val="tx1"/>
-                </a:solidFill>
-                <a:miter lim="800000"/>
-                <a:headEnd/>
-                <a:tailEnd/>
-              </a14:hiddenLine>
-            </a:ext>
-            <a:ext uri="{AF507438-7753-43E0-B8FC-AC1667EBCBE1}">
-              <a14:hiddenEffects xmlns:a14="http://schemas.microsoft.com/office/drawing/2010/main">
-                <a:effectLst>
-                  <a:outerShdw dist="35921" dir="2700000" algn="ctr" rotWithShape="0">
-                    <a:schemeClr val="bg2"/>
-                  </a:outerShdw>
-                </a:effectLst>
-              </a14:hiddenEffects>
-            </a:ext>
-          </a:extLst>
-        </p:spPr>
-        <p:txBody>
-          <a:bodyPr wrap="none" anchor="ctr"/>
-          <a:lstStyle>
-            <a:lvl1pPr>
-              <a:defRPr sz="2400">
-                <a:solidFill>
-                  <a:schemeClr val="tx1"/>
-                </a:solidFill>
-                <a:latin typeface="Times New Roman" panose="02020603050405020304" pitchFamily="18" charset="0"/>
-              </a:defRPr>
-            </a:lvl1pPr>
-            <a:lvl2pPr marL="742950" indent="-285750">
-              <a:defRPr sz="2400">
-                <a:solidFill>
-                  <a:schemeClr val="tx1"/>
-                </a:solidFill>
-                <a:latin typeface="Times New Roman" panose="02020603050405020304" pitchFamily="18" charset="0"/>
-              </a:defRPr>
-            </a:lvl2pPr>
-            <a:lvl3pPr marL="1143000" indent="-228600">
-              <a:defRPr sz="2400">
-                <a:solidFill>
-                  <a:schemeClr val="tx1"/>
-                </a:solidFill>
-                <a:latin typeface="Times New Roman" panose="02020603050405020304" pitchFamily="18" charset="0"/>
-              </a:defRPr>
-            </a:lvl3pPr>
-            <a:lvl4pPr marL="1600200" indent="-228600">
-              <a:defRPr sz="2400">
-                <a:solidFill>
-                  <a:schemeClr val="tx1"/>
-                </a:solidFill>
-                <a:latin typeface="Times New Roman" panose="02020603050405020304" pitchFamily="18" charset="0"/>
-              </a:defRPr>
-            </a:lvl4pPr>
-            <a:lvl5pPr marL="2057400" indent="-228600">
-              <a:defRPr sz="2400">
-                <a:solidFill>
-                  <a:schemeClr val="tx1"/>
-                </a:solidFill>
-                <a:latin typeface="Times New Roman" panose="02020603050405020304" pitchFamily="18" charset="0"/>
-              </a:defRPr>
-            </a:lvl5pPr>
-            <a:lvl6pPr marL="2514600" indent="-228600" eaLnBrk="0" fontAlgn="base" hangingPunct="0">
-              <a:spcBef>
-                <a:spcPct val="0"/>
-              </a:spcBef>
-              <a:spcAft>
-                <a:spcPct val="0"/>
-              </a:spcAft>
-              <a:defRPr sz="2400">
-                <a:solidFill>
-                  <a:schemeClr val="tx1"/>
-                </a:solidFill>
-                <a:latin typeface="Times New Roman" panose="02020603050405020304" pitchFamily="18" charset="0"/>
-              </a:defRPr>
-            </a:lvl6pPr>
-            <a:lvl7pPr marL="2971800" indent="-228600" eaLnBrk="0" fontAlgn="base" hangingPunct="0">
-              <a:spcBef>
-                <a:spcPct val="0"/>
-              </a:spcBef>
-              <a:spcAft>
-                <a:spcPct val="0"/>
-              </a:spcAft>
-              <a:defRPr sz="2400">
-                <a:solidFill>
-                  <a:schemeClr val="tx1"/>
-                </a:solidFill>
-                <a:latin typeface="Times New Roman" panose="02020603050405020304" pitchFamily="18" charset="0"/>
-              </a:defRPr>
-            </a:lvl7pPr>
-            <a:lvl8pPr marL="3429000" indent="-228600" eaLnBrk="0" fontAlgn="base" hangingPunct="0">
-              <a:spcBef>
-                <a:spcPct val="0"/>
-              </a:spcBef>
-              <a:spcAft>
-                <a:spcPct val="0"/>
-              </a:spcAft>
-              <a:defRPr sz="2400">
-                <a:solidFill>
-                  <a:schemeClr val="tx1"/>
-                </a:solidFill>
-                <a:latin typeface="Times New Roman" panose="02020603050405020304" pitchFamily="18" charset="0"/>
-              </a:defRPr>
-            </a:lvl8pPr>
-            <a:lvl9pPr marL="3886200" indent="-228600" eaLnBrk="0" fontAlgn="base" hangingPunct="0">
-              <a:spcBef>
-                <a:spcPct val="0"/>
-              </a:spcBef>
-              <a:spcAft>
-                <a:spcPct val="0"/>
-              </a:spcAft>
-              <a:defRPr sz="2400">
-                <a:solidFill>
-                  <a:schemeClr val="tx1"/>
-                </a:solidFill>
-                <a:latin typeface="Times New Roman" panose="02020603050405020304" pitchFamily="18" charset="0"/>
-              </a:defRPr>
-            </a:lvl9pPr>
-          </a:lstStyle>
-          <a:p>
-            <a:pPr eaLnBrk="1" hangingPunct="1"/>
-            <a:endParaRPr lang="en-GB" altLang="en-US"/>
-          </a:p>
-        </p:txBody>
-      </p:sp>
-      <p:sp>
-        <p:nvSpPr>
-          <p:cNvPr id="20483" name="Rectangle 3"/>
+          <p:cNvPr id="16386" name="Rectangle 2"/>
           <p:cNvSpPr>
             <a:spLocks noGrp="1" noChangeArrowheads="1"/>
           </p:cNvSpPr>
@@ -14733,7 +18930,7 @@
             <a:pPr eaLnBrk="1" hangingPunct="1"/>
             <a:r>
               <a:rPr lang="en-GB" altLang="en-US" smtClean="0"/>
-              <a:t>Use of templates</a:t>
+              <a:t>Two column bullet points</a:t>
             </a:r>
             <a:endParaRPr lang="en-US" altLang="en-US" smtClean="0"/>
           </a:p>
@@ -14741,956 +18938,59 @@
       </p:sp>
       <p:sp>
         <p:nvSpPr>
-          <p:cNvPr id="20484" name="Text Box 4"/>
-          <p:cNvSpPr txBox="1">
-            <a:spLocks noChangeArrowheads="1"/>
+          <p:cNvPr id="16387" name="Rectangle 3"/>
+          <p:cNvSpPr>
+            <a:spLocks noGrp="1" noChangeArrowheads="1"/>
           </p:cNvSpPr>
-          <p:nvPr/>
-        </p:nvSpPr>
-        <p:spPr bwMode="auto">
+          <p:nvPr>
+            <p:ph type="body" sz="half" idx="1"/>
+          </p:nvPr>
+        </p:nvSpPr>
+        <p:spPr>
           <a:xfrm>
-            <a:off x="1150938" y="1463675"/>
-            <a:ext cx="6950075" cy="701675"/>
+            <a:off x="685800" y="1981200"/>
+            <a:ext cx="3813175" cy="3886200"/>
           </a:xfrm>
-          <a:prstGeom prst="rect">
-            <a:avLst/>
-          </a:prstGeom>
-          <a:noFill/>
-          <a:ln>
-            <a:noFill/>
-          </a:ln>
-          <a:effectLst/>
-          <a:extLst>
-            <a:ext uri="{909E8E84-426E-40DD-AFC4-6F175D3DCCD1}">
-              <a14:hiddenFill xmlns:a14="http://schemas.microsoft.com/office/drawing/2010/main">
-                <a:solidFill>
-                  <a:schemeClr val="accent1"/>
-                </a:solidFill>
-              </a14:hiddenFill>
-            </a:ext>
-            <a:ext uri="{91240B29-F687-4F45-9708-019B960494DF}">
-              <a14:hiddenLine xmlns:a14="http://schemas.microsoft.com/office/drawing/2010/main" w="9525">
-                <a:solidFill>
-                  <a:schemeClr val="tx1"/>
-                </a:solidFill>
-                <a:miter lim="800000"/>
-                <a:headEnd/>
-                <a:tailEnd/>
-              </a14:hiddenLine>
-            </a:ext>
-            <a:ext uri="{AF507438-7753-43E0-B8FC-AC1667EBCBE1}">
-              <a14:hiddenEffects xmlns:a14="http://schemas.microsoft.com/office/drawing/2010/main">
-                <a:effectLst>
-                  <a:outerShdw dist="35921" dir="2700000" algn="ctr" rotWithShape="0">
-                    <a:schemeClr val="bg2"/>
-                  </a:outerShdw>
-                </a:effectLst>
-              </a14:hiddenEffects>
-            </a:ext>
-          </a:extLst>
         </p:spPr>
         <p:txBody>
-          <a:bodyPr>
-            <a:spAutoFit/>
-          </a:bodyPr>
-          <a:lstStyle>
-            <a:lvl1pPr>
-              <a:defRPr sz="2400">
-                <a:solidFill>
-                  <a:schemeClr val="tx1"/>
-                </a:solidFill>
-                <a:latin typeface="Times New Roman" panose="02020603050405020304" pitchFamily="18" charset="0"/>
-              </a:defRPr>
-            </a:lvl1pPr>
-            <a:lvl2pPr marL="742950" indent="-285750">
-              <a:defRPr sz="2400">
-                <a:solidFill>
-                  <a:schemeClr val="tx1"/>
-                </a:solidFill>
-                <a:latin typeface="Times New Roman" panose="02020603050405020304" pitchFamily="18" charset="0"/>
-              </a:defRPr>
-            </a:lvl2pPr>
-            <a:lvl3pPr marL="1143000" indent="-228600">
-              <a:defRPr sz="2400">
-                <a:solidFill>
-                  <a:schemeClr val="tx1"/>
-                </a:solidFill>
-                <a:latin typeface="Times New Roman" panose="02020603050405020304" pitchFamily="18" charset="0"/>
-              </a:defRPr>
-            </a:lvl3pPr>
-            <a:lvl4pPr marL="1600200" indent="-228600">
-              <a:defRPr sz="2400">
-                <a:solidFill>
-                  <a:schemeClr val="tx1"/>
-                </a:solidFill>
-                <a:latin typeface="Times New Roman" panose="02020603050405020304" pitchFamily="18" charset="0"/>
-              </a:defRPr>
-            </a:lvl4pPr>
-            <a:lvl5pPr marL="2057400" indent="-228600">
-              <a:defRPr sz="2400">
-                <a:solidFill>
-                  <a:schemeClr val="tx1"/>
-                </a:solidFill>
-                <a:latin typeface="Times New Roman" panose="02020603050405020304" pitchFamily="18" charset="0"/>
-              </a:defRPr>
-            </a:lvl5pPr>
-            <a:lvl6pPr marL="2514600" indent="-228600" eaLnBrk="0" fontAlgn="base" hangingPunct="0">
-              <a:spcBef>
-                <a:spcPct val="0"/>
-              </a:spcBef>
-              <a:spcAft>
-                <a:spcPct val="0"/>
-              </a:spcAft>
-              <a:defRPr sz="2400">
-                <a:solidFill>
-                  <a:schemeClr val="tx1"/>
-                </a:solidFill>
-                <a:latin typeface="Times New Roman" panose="02020603050405020304" pitchFamily="18" charset="0"/>
-              </a:defRPr>
-            </a:lvl6pPr>
-            <a:lvl7pPr marL="2971800" indent="-228600" eaLnBrk="0" fontAlgn="base" hangingPunct="0">
-              <a:spcBef>
-                <a:spcPct val="0"/>
-              </a:spcBef>
-              <a:spcAft>
-                <a:spcPct val="0"/>
-              </a:spcAft>
-              <a:defRPr sz="2400">
-                <a:solidFill>
-                  <a:schemeClr val="tx1"/>
-                </a:solidFill>
-                <a:latin typeface="Times New Roman" panose="02020603050405020304" pitchFamily="18" charset="0"/>
-              </a:defRPr>
-            </a:lvl7pPr>
-            <a:lvl8pPr marL="3429000" indent="-228600" eaLnBrk="0" fontAlgn="base" hangingPunct="0">
-              <a:spcBef>
-                <a:spcPct val="0"/>
-              </a:spcBef>
-              <a:spcAft>
-                <a:spcPct val="0"/>
-              </a:spcAft>
-              <a:defRPr sz="2400">
-                <a:solidFill>
-                  <a:schemeClr val="tx1"/>
-                </a:solidFill>
-                <a:latin typeface="Times New Roman" panose="02020603050405020304" pitchFamily="18" charset="0"/>
-              </a:defRPr>
-            </a:lvl8pPr>
-            <a:lvl9pPr marL="3886200" indent="-228600" eaLnBrk="0" fontAlgn="base" hangingPunct="0">
-              <a:spcBef>
-                <a:spcPct val="0"/>
-              </a:spcBef>
-              <a:spcAft>
-                <a:spcPct val="0"/>
-              </a:spcAft>
-              <a:defRPr sz="2400">
-                <a:solidFill>
-                  <a:schemeClr val="tx1"/>
-                </a:solidFill>
-                <a:latin typeface="Times New Roman" panose="02020603050405020304" pitchFamily="18" charset="0"/>
-              </a:defRPr>
-            </a:lvl9pPr>
-          </a:lstStyle>
-          <a:p>
-            <a:pPr eaLnBrk="1" hangingPunct="1">
-              <a:spcBef>
-                <a:spcPct val="50000"/>
-              </a:spcBef>
-            </a:pPr>
-            <a:r>
-              <a:rPr lang="en-GB" altLang="en-US" sz="2000" b="1">
-                <a:latin typeface="Arial" panose="020B0604020202020204" pitchFamily="34" charset="0"/>
-                <a:cs typeface="Arial" panose="020B0604020202020204" pitchFamily="34" charset="0"/>
-              </a:rPr>
-              <a:t>You are free to use these templates for your personal and business presentations.</a:t>
-            </a:r>
+          <a:bodyPr/>
+          <a:lstStyle/>
+          <a:p>
+            <a:pPr eaLnBrk="1" hangingPunct="1"/>
+            <a:r>
+              <a:rPr lang="en-GB" altLang="en-US" sz="2100" dirty="0" smtClean="0"/>
+              <a:t>Bullets go in here</a:t>
+            </a:r>
+            <a:endParaRPr lang="en-US" altLang="en-US" sz="2100" dirty="0" smtClean="0"/>
           </a:p>
         </p:txBody>
       </p:sp>
       <p:sp>
         <p:nvSpPr>
-          <p:cNvPr id="20485" name="Text Box 5"/>
-          <p:cNvSpPr txBox="1">
-            <a:spLocks noChangeArrowheads="1"/>
+          <p:cNvPr id="16388" name="Rectangle 4"/>
+          <p:cNvSpPr>
+            <a:spLocks noGrp="1" noChangeArrowheads="1"/>
           </p:cNvSpPr>
-          <p:nvPr/>
-        </p:nvSpPr>
-        <p:spPr bwMode="auto">
+          <p:nvPr>
+            <p:ph type="body" sz="half" idx="2"/>
+          </p:nvPr>
+        </p:nvSpPr>
+        <p:spPr>
           <a:xfrm>
-            <a:off x="1150938" y="3140075"/>
-            <a:ext cx="3409950" cy="2251075"/>
+            <a:off x="4643438" y="1981200"/>
+            <a:ext cx="3814762" cy="3886200"/>
           </a:xfrm>
-          <a:prstGeom prst="rect">
-            <a:avLst/>
-          </a:prstGeom>
-          <a:noFill/>
-          <a:ln>
-            <a:noFill/>
-          </a:ln>
-          <a:effectLst/>
-          <a:extLst>
-            <a:ext uri="{909E8E84-426E-40DD-AFC4-6F175D3DCCD1}">
-              <a14:hiddenFill xmlns:a14="http://schemas.microsoft.com/office/drawing/2010/main">
-                <a:solidFill>
-                  <a:schemeClr val="accent1"/>
-                </a:solidFill>
-              </a14:hiddenFill>
-            </a:ext>
-            <a:ext uri="{91240B29-F687-4F45-9708-019B960494DF}">
-              <a14:hiddenLine xmlns:a14="http://schemas.microsoft.com/office/drawing/2010/main" w="9525">
-                <a:solidFill>
-                  <a:schemeClr val="tx1"/>
-                </a:solidFill>
-                <a:miter lim="800000"/>
-                <a:headEnd/>
-                <a:tailEnd/>
-              </a14:hiddenLine>
-            </a:ext>
-            <a:ext uri="{AF507438-7753-43E0-B8FC-AC1667EBCBE1}">
-              <a14:hiddenEffects xmlns:a14="http://schemas.microsoft.com/office/drawing/2010/main">
-                <a:effectLst>
-                  <a:outerShdw dist="35921" dir="2700000" algn="ctr" rotWithShape="0">
-                    <a:schemeClr val="bg2"/>
-                  </a:outerShdw>
-                </a:effectLst>
-              </a14:hiddenEffects>
-            </a:ext>
-          </a:extLst>
         </p:spPr>
         <p:txBody>
-          <a:bodyPr>
-            <a:spAutoFit/>
-          </a:bodyPr>
-          <a:lstStyle>
-            <a:lvl1pPr marL="265113" indent="-265113">
-              <a:defRPr sz="2400">
-                <a:solidFill>
-                  <a:schemeClr val="tx1"/>
-                </a:solidFill>
-                <a:latin typeface="Times New Roman" panose="02020603050405020304" pitchFamily="18" charset="0"/>
-              </a:defRPr>
-            </a:lvl1pPr>
-            <a:lvl2pPr marL="742950" indent="-285750">
-              <a:defRPr sz="2400">
-                <a:solidFill>
-                  <a:schemeClr val="tx1"/>
-                </a:solidFill>
-                <a:latin typeface="Times New Roman" panose="02020603050405020304" pitchFamily="18" charset="0"/>
-              </a:defRPr>
-            </a:lvl2pPr>
-            <a:lvl3pPr marL="1143000" indent="-228600">
-              <a:defRPr sz="2400">
-                <a:solidFill>
-                  <a:schemeClr val="tx1"/>
-                </a:solidFill>
-                <a:latin typeface="Times New Roman" panose="02020603050405020304" pitchFamily="18" charset="0"/>
-              </a:defRPr>
-            </a:lvl3pPr>
-            <a:lvl4pPr marL="1600200" indent="-228600">
-              <a:defRPr sz="2400">
-                <a:solidFill>
-                  <a:schemeClr val="tx1"/>
-                </a:solidFill>
-                <a:latin typeface="Times New Roman" panose="02020603050405020304" pitchFamily="18" charset="0"/>
-              </a:defRPr>
-            </a:lvl4pPr>
-            <a:lvl5pPr marL="2057400" indent="-228600">
-              <a:defRPr sz="2400">
-                <a:solidFill>
-                  <a:schemeClr val="tx1"/>
-                </a:solidFill>
-                <a:latin typeface="Times New Roman" panose="02020603050405020304" pitchFamily="18" charset="0"/>
-              </a:defRPr>
-            </a:lvl5pPr>
-            <a:lvl6pPr marL="2514600" indent="-228600" eaLnBrk="0" fontAlgn="base" hangingPunct="0">
-              <a:spcBef>
-                <a:spcPct val="0"/>
-              </a:spcBef>
-              <a:spcAft>
-                <a:spcPct val="0"/>
-              </a:spcAft>
-              <a:defRPr sz="2400">
-                <a:solidFill>
-                  <a:schemeClr val="tx1"/>
-                </a:solidFill>
-                <a:latin typeface="Times New Roman" panose="02020603050405020304" pitchFamily="18" charset="0"/>
-              </a:defRPr>
-            </a:lvl6pPr>
-            <a:lvl7pPr marL="2971800" indent="-228600" eaLnBrk="0" fontAlgn="base" hangingPunct="0">
-              <a:spcBef>
-                <a:spcPct val="0"/>
-              </a:spcBef>
-              <a:spcAft>
-                <a:spcPct val="0"/>
-              </a:spcAft>
-              <a:defRPr sz="2400">
-                <a:solidFill>
-                  <a:schemeClr val="tx1"/>
-                </a:solidFill>
-                <a:latin typeface="Times New Roman" panose="02020603050405020304" pitchFamily="18" charset="0"/>
-              </a:defRPr>
-            </a:lvl7pPr>
-            <a:lvl8pPr marL="3429000" indent="-228600" eaLnBrk="0" fontAlgn="base" hangingPunct="0">
-              <a:spcBef>
-                <a:spcPct val="0"/>
-              </a:spcBef>
-              <a:spcAft>
-                <a:spcPct val="0"/>
-              </a:spcAft>
-              <a:defRPr sz="2400">
-                <a:solidFill>
-                  <a:schemeClr val="tx1"/>
-                </a:solidFill>
-                <a:latin typeface="Times New Roman" panose="02020603050405020304" pitchFamily="18" charset="0"/>
-              </a:defRPr>
-            </a:lvl8pPr>
-            <a:lvl9pPr marL="3886200" indent="-228600" eaLnBrk="0" fontAlgn="base" hangingPunct="0">
-              <a:spcBef>
-                <a:spcPct val="0"/>
-              </a:spcBef>
-              <a:spcAft>
-                <a:spcPct val="0"/>
-              </a:spcAft>
-              <a:defRPr sz="2400">
-                <a:solidFill>
-                  <a:schemeClr val="tx1"/>
-                </a:solidFill>
-                <a:latin typeface="Times New Roman" panose="02020603050405020304" pitchFamily="18" charset="0"/>
-              </a:defRPr>
-            </a:lvl9pPr>
-          </a:lstStyle>
+          <a:bodyPr/>
+          <a:lstStyle/>
           <a:p>
             <a:pPr eaLnBrk="1" hangingPunct="1"/>
             <a:r>
-              <a:rPr lang="en-GB" altLang="en-US" sz="1600" b="1" u="sng">
-                <a:latin typeface="Arial" panose="020B0604020202020204" pitchFamily="34" charset="0"/>
-                <a:cs typeface="Arial" panose="020B0604020202020204" pitchFamily="34" charset="0"/>
-              </a:rPr>
-              <a:t>Do</a:t>
-            </a:r>
-          </a:p>
-          <a:p>
-            <a:pPr eaLnBrk="1" hangingPunct="1">
-              <a:buFont typeface="Wingdings" panose="05000000000000000000" pitchFamily="2" charset="2"/>
-              <a:buChar char="ü"/>
-            </a:pPr>
-            <a:r>
-              <a:rPr lang="en-GB" altLang="en-US" sz="1400">
-                <a:latin typeface="Arial" panose="020B0604020202020204" pitchFamily="34" charset="0"/>
-                <a:cs typeface="Arial" panose="020B0604020202020204" pitchFamily="34" charset="0"/>
-              </a:rPr>
-              <a:t>Use these templates for your presentations</a:t>
-            </a:r>
-          </a:p>
-          <a:p>
-            <a:pPr eaLnBrk="1" hangingPunct="1">
-              <a:buFont typeface="Wingdings" panose="05000000000000000000" pitchFamily="2" charset="2"/>
-              <a:buChar char="ü"/>
-            </a:pPr>
-            <a:r>
-              <a:rPr lang="en-GB" altLang="en-US" sz="1400">
-                <a:latin typeface="Arial" panose="020B0604020202020204" pitchFamily="34" charset="0"/>
-                <a:cs typeface="Arial" panose="020B0604020202020204" pitchFamily="34" charset="0"/>
-              </a:rPr>
-              <a:t>Display your presentation on a web site provided that it is not for the purpose of downloading the template.</a:t>
-            </a:r>
-          </a:p>
-          <a:p>
-            <a:pPr eaLnBrk="1" hangingPunct="1">
-              <a:buFont typeface="Wingdings" panose="05000000000000000000" pitchFamily="2" charset="2"/>
-              <a:buChar char="ü"/>
-            </a:pPr>
-            <a:r>
-              <a:rPr lang="en-US" altLang="en-US" sz="1400">
-                <a:latin typeface="Arial" panose="020B0604020202020204" pitchFamily="34" charset="0"/>
-                <a:cs typeface="Arial" panose="020B0604020202020204" pitchFamily="34" charset="0"/>
-              </a:rPr>
-              <a:t>If you like these templates, we would always appreciate a link back to our website.  Many thanks.</a:t>
-            </a:r>
-          </a:p>
-          <a:p>
-            <a:pPr eaLnBrk="1" hangingPunct="1">
-              <a:buFont typeface="Wingdings" panose="05000000000000000000" pitchFamily="2" charset="2"/>
-              <a:buChar char="ü"/>
-            </a:pPr>
-            <a:endParaRPr lang="en-US" altLang="en-US" sz="1400">
-              <a:latin typeface="Arial" panose="020B0604020202020204" pitchFamily="34" charset="0"/>
-              <a:cs typeface="Arial" panose="020B0604020202020204" pitchFamily="34" charset="0"/>
-            </a:endParaRPr>
-          </a:p>
-        </p:txBody>
-      </p:sp>
-      <p:sp>
-        <p:nvSpPr>
-          <p:cNvPr id="20486" name="Text Box 6"/>
-          <p:cNvSpPr txBox="1">
-            <a:spLocks noChangeArrowheads="1"/>
-          </p:cNvSpPr>
-          <p:nvPr/>
-        </p:nvSpPr>
-        <p:spPr bwMode="auto">
-          <a:xfrm>
-            <a:off x="4495800" y="3140075"/>
-            <a:ext cx="3640138" cy="2038350"/>
-          </a:xfrm>
-          <a:prstGeom prst="rect">
-            <a:avLst/>
-          </a:prstGeom>
-          <a:noFill/>
-          <a:ln>
-            <a:noFill/>
-          </a:ln>
-          <a:effectLst/>
-          <a:extLst>
-            <a:ext uri="{909E8E84-426E-40DD-AFC4-6F175D3DCCD1}">
-              <a14:hiddenFill xmlns:a14="http://schemas.microsoft.com/office/drawing/2010/main">
-                <a:solidFill>
-                  <a:schemeClr val="accent1"/>
-                </a:solidFill>
-              </a14:hiddenFill>
-            </a:ext>
-            <a:ext uri="{91240B29-F687-4F45-9708-019B960494DF}">
-              <a14:hiddenLine xmlns:a14="http://schemas.microsoft.com/office/drawing/2010/main" w="9525">
-                <a:solidFill>
-                  <a:schemeClr val="tx1"/>
-                </a:solidFill>
-                <a:miter lim="800000"/>
-                <a:headEnd/>
-                <a:tailEnd/>
-              </a14:hiddenLine>
-            </a:ext>
-            <a:ext uri="{AF507438-7753-43E0-B8FC-AC1667EBCBE1}">
-              <a14:hiddenEffects xmlns:a14="http://schemas.microsoft.com/office/drawing/2010/main">
-                <a:effectLst>
-                  <a:outerShdw dist="35921" dir="2700000" algn="ctr" rotWithShape="0">
-                    <a:schemeClr val="bg2"/>
-                  </a:outerShdw>
-                </a:effectLst>
-              </a14:hiddenEffects>
-            </a:ext>
-          </a:extLst>
-        </p:spPr>
-        <p:txBody>
-          <a:bodyPr>
-            <a:spAutoFit/>
-          </a:bodyPr>
-          <a:lstStyle>
-            <a:lvl1pPr marL="265113" indent="-265113">
-              <a:defRPr sz="2400">
-                <a:solidFill>
-                  <a:schemeClr val="tx1"/>
-                </a:solidFill>
-                <a:latin typeface="Times New Roman" panose="02020603050405020304" pitchFamily="18" charset="0"/>
-              </a:defRPr>
-            </a:lvl1pPr>
-            <a:lvl2pPr marL="742950" indent="-285750">
-              <a:defRPr sz="2400">
-                <a:solidFill>
-                  <a:schemeClr val="tx1"/>
-                </a:solidFill>
-                <a:latin typeface="Times New Roman" panose="02020603050405020304" pitchFamily="18" charset="0"/>
-              </a:defRPr>
-            </a:lvl2pPr>
-            <a:lvl3pPr marL="1143000" indent="-228600">
-              <a:defRPr sz="2400">
-                <a:solidFill>
-                  <a:schemeClr val="tx1"/>
-                </a:solidFill>
-                <a:latin typeface="Times New Roman" panose="02020603050405020304" pitchFamily="18" charset="0"/>
-              </a:defRPr>
-            </a:lvl3pPr>
-            <a:lvl4pPr marL="1600200" indent="-228600">
-              <a:defRPr sz="2400">
-                <a:solidFill>
-                  <a:schemeClr val="tx1"/>
-                </a:solidFill>
-                <a:latin typeface="Times New Roman" panose="02020603050405020304" pitchFamily="18" charset="0"/>
-              </a:defRPr>
-            </a:lvl4pPr>
-            <a:lvl5pPr marL="2057400" indent="-228600">
-              <a:defRPr sz="2400">
-                <a:solidFill>
-                  <a:schemeClr val="tx1"/>
-                </a:solidFill>
-                <a:latin typeface="Times New Roman" panose="02020603050405020304" pitchFamily="18" charset="0"/>
-              </a:defRPr>
-            </a:lvl5pPr>
-            <a:lvl6pPr marL="2514600" indent="-228600" eaLnBrk="0" fontAlgn="base" hangingPunct="0">
-              <a:spcBef>
-                <a:spcPct val="0"/>
-              </a:spcBef>
-              <a:spcAft>
-                <a:spcPct val="0"/>
-              </a:spcAft>
-              <a:defRPr sz="2400">
-                <a:solidFill>
-                  <a:schemeClr val="tx1"/>
-                </a:solidFill>
-                <a:latin typeface="Times New Roman" panose="02020603050405020304" pitchFamily="18" charset="0"/>
-              </a:defRPr>
-            </a:lvl6pPr>
-            <a:lvl7pPr marL="2971800" indent="-228600" eaLnBrk="0" fontAlgn="base" hangingPunct="0">
-              <a:spcBef>
-                <a:spcPct val="0"/>
-              </a:spcBef>
-              <a:spcAft>
-                <a:spcPct val="0"/>
-              </a:spcAft>
-              <a:defRPr sz="2400">
-                <a:solidFill>
-                  <a:schemeClr val="tx1"/>
-                </a:solidFill>
-                <a:latin typeface="Times New Roman" panose="02020603050405020304" pitchFamily="18" charset="0"/>
-              </a:defRPr>
-            </a:lvl7pPr>
-            <a:lvl8pPr marL="3429000" indent="-228600" eaLnBrk="0" fontAlgn="base" hangingPunct="0">
-              <a:spcBef>
-                <a:spcPct val="0"/>
-              </a:spcBef>
-              <a:spcAft>
-                <a:spcPct val="0"/>
-              </a:spcAft>
-              <a:defRPr sz="2400">
-                <a:solidFill>
-                  <a:schemeClr val="tx1"/>
-                </a:solidFill>
-                <a:latin typeface="Times New Roman" panose="02020603050405020304" pitchFamily="18" charset="0"/>
-              </a:defRPr>
-            </a:lvl8pPr>
-            <a:lvl9pPr marL="3886200" indent="-228600" eaLnBrk="0" fontAlgn="base" hangingPunct="0">
-              <a:spcBef>
-                <a:spcPct val="0"/>
-              </a:spcBef>
-              <a:spcAft>
-                <a:spcPct val="0"/>
-              </a:spcAft>
-              <a:defRPr sz="2400">
-                <a:solidFill>
-                  <a:schemeClr val="tx1"/>
-                </a:solidFill>
-                <a:latin typeface="Times New Roman" panose="02020603050405020304" pitchFamily="18" charset="0"/>
-              </a:defRPr>
-            </a:lvl9pPr>
-          </a:lstStyle>
-          <a:p>
-            <a:pPr eaLnBrk="1" hangingPunct="1"/>
-            <a:r>
-              <a:rPr lang="en-GB" altLang="en-US" sz="1600" b="1" u="sng">
-                <a:latin typeface="Arial" panose="020B0604020202020204" pitchFamily="34" charset="0"/>
-                <a:cs typeface="Arial" panose="020B0604020202020204" pitchFamily="34" charset="0"/>
-              </a:rPr>
-              <a:t>Don’t</a:t>
-            </a:r>
-          </a:p>
-          <a:p>
-            <a:pPr eaLnBrk="1" hangingPunct="1">
-              <a:buFont typeface="Wingdings" panose="05000000000000000000" pitchFamily="2" charset="2"/>
-              <a:buChar char="û"/>
-            </a:pPr>
-            <a:r>
-              <a:rPr lang="en-GB" altLang="en-US" sz="1400">
-                <a:latin typeface="Arial" panose="020B0604020202020204" pitchFamily="34" charset="0"/>
-                <a:cs typeface="Arial" panose="020B0604020202020204" pitchFamily="34" charset="0"/>
-              </a:rPr>
-              <a:t>Resell or distribute these templates</a:t>
-            </a:r>
-          </a:p>
-          <a:p>
-            <a:pPr eaLnBrk="1" hangingPunct="1">
-              <a:buFont typeface="Wingdings" panose="05000000000000000000" pitchFamily="2" charset="2"/>
-              <a:buChar char="û"/>
-            </a:pPr>
-            <a:r>
-              <a:rPr lang="en-GB" altLang="en-US" sz="1400">
-                <a:latin typeface="Arial" panose="020B0604020202020204" pitchFamily="34" charset="0"/>
-                <a:cs typeface="Arial" panose="020B0604020202020204" pitchFamily="34" charset="0"/>
-              </a:rPr>
-              <a:t>Put these templates on a website for download.  This includes uploading them onto file sharing networks like Slideshare, Myspace, Facebook, bit torrent etc</a:t>
-            </a:r>
-          </a:p>
-          <a:p>
-            <a:pPr eaLnBrk="1" hangingPunct="1">
-              <a:buFont typeface="Wingdings" panose="05000000000000000000" pitchFamily="2" charset="2"/>
-              <a:buChar char="û"/>
-            </a:pPr>
-            <a:r>
-              <a:rPr lang="en-GB" altLang="en-US" sz="1400">
-                <a:latin typeface="Arial" panose="020B0604020202020204" pitchFamily="34" charset="0"/>
-                <a:cs typeface="Arial" panose="020B0604020202020204" pitchFamily="34" charset="0"/>
-              </a:rPr>
-              <a:t>Pass off any of our created content as your own work</a:t>
-            </a:r>
-            <a:endParaRPr lang="en-US" altLang="en-US" sz="1400">
-              <a:latin typeface="Arial" panose="020B0604020202020204" pitchFamily="34" charset="0"/>
-              <a:cs typeface="Arial" panose="020B0604020202020204" pitchFamily="34" charset="0"/>
-            </a:endParaRPr>
-          </a:p>
-        </p:txBody>
-      </p:sp>
-      <p:sp>
-        <p:nvSpPr>
-          <p:cNvPr id="20487" name="Text Box 7"/>
-          <p:cNvSpPr txBox="1">
-            <a:spLocks noChangeArrowheads="1"/>
-          </p:cNvSpPr>
-          <p:nvPr/>
-        </p:nvSpPr>
-        <p:spPr bwMode="auto">
-          <a:xfrm>
-            <a:off x="1042988" y="5422900"/>
-            <a:ext cx="7164387" cy="915988"/>
-          </a:xfrm>
-          <a:prstGeom prst="rect">
-            <a:avLst/>
-          </a:prstGeom>
-          <a:noFill/>
-          <a:ln>
-            <a:noFill/>
-          </a:ln>
-          <a:effectLst/>
-          <a:extLst>
-            <a:ext uri="{909E8E84-426E-40DD-AFC4-6F175D3DCCD1}">
-              <a14:hiddenFill xmlns:a14="http://schemas.microsoft.com/office/drawing/2010/main">
-                <a:solidFill>
-                  <a:srgbClr val="FFFFFF">
-                    <a:alpha val="74901"/>
-                  </a:srgbClr>
-                </a:solidFill>
-              </a14:hiddenFill>
-            </a:ext>
-            <a:ext uri="{91240B29-F687-4F45-9708-019B960494DF}">
-              <a14:hiddenLine xmlns:a14="http://schemas.microsoft.com/office/drawing/2010/main" w="9525">
-                <a:solidFill>
-                  <a:schemeClr val="tx1"/>
-                </a:solidFill>
-                <a:miter lim="800000"/>
-                <a:headEnd/>
-                <a:tailEnd/>
-              </a14:hiddenLine>
-            </a:ext>
-            <a:ext uri="{AF507438-7753-43E0-B8FC-AC1667EBCBE1}">
-              <a14:hiddenEffects xmlns:a14="http://schemas.microsoft.com/office/drawing/2010/main">
-                <a:effectLst>
-                  <a:outerShdw dist="35921" dir="2700000" algn="ctr" rotWithShape="0">
-                    <a:schemeClr val="bg2"/>
-                  </a:outerShdw>
-                </a:effectLst>
-              </a14:hiddenEffects>
-            </a:ext>
-          </a:extLst>
-        </p:spPr>
-        <p:txBody>
-          <a:bodyPr>
-            <a:spAutoFit/>
-          </a:bodyPr>
-          <a:lstStyle>
-            <a:lvl1pPr marL="342900" indent="-342900">
-              <a:defRPr sz="2400">
-                <a:solidFill>
-                  <a:schemeClr val="tx1"/>
-                </a:solidFill>
-                <a:latin typeface="Times New Roman" panose="02020603050405020304" pitchFamily="18" charset="0"/>
-              </a:defRPr>
-            </a:lvl1pPr>
-            <a:lvl2pPr>
-              <a:defRPr sz="2400">
-                <a:solidFill>
-                  <a:schemeClr val="tx1"/>
-                </a:solidFill>
-                <a:latin typeface="Times New Roman" panose="02020603050405020304" pitchFamily="18" charset="0"/>
-              </a:defRPr>
-            </a:lvl2pPr>
-            <a:lvl3pPr marL="1143000" indent="-228600">
-              <a:defRPr sz="2400">
-                <a:solidFill>
-                  <a:schemeClr val="tx1"/>
-                </a:solidFill>
-                <a:latin typeface="Times New Roman" panose="02020603050405020304" pitchFamily="18" charset="0"/>
-              </a:defRPr>
-            </a:lvl3pPr>
-            <a:lvl4pPr marL="1600200" indent="-228600">
-              <a:defRPr sz="2400">
-                <a:solidFill>
-                  <a:schemeClr val="tx1"/>
-                </a:solidFill>
-                <a:latin typeface="Times New Roman" panose="02020603050405020304" pitchFamily="18" charset="0"/>
-              </a:defRPr>
-            </a:lvl4pPr>
-            <a:lvl5pPr marL="2057400" indent="-228600">
-              <a:defRPr sz="2400">
-                <a:solidFill>
-                  <a:schemeClr val="tx1"/>
-                </a:solidFill>
-                <a:latin typeface="Times New Roman" panose="02020603050405020304" pitchFamily="18" charset="0"/>
-              </a:defRPr>
-            </a:lvl5pPr>
-            <a:lvl6pPr marL="2514600" indent="-228600" eaLnBrk="0" fontAlgn="base" hangingPunct="0">
-              <a:spcBef>
-                <a:spcPct val="0"/>
-              </a:spcBef>
-              <a:spcAft>
-                <a:spcPct val="0"/>
-              </a:spcAft>
-              <a:defRPr sz="2400">
-                <a:solidFill>
-                  <a:schemeClr val="tx1"/>
-                </a:solidFill>
-                <a:latin typeface="Times New Roman" panose="02020603050405020304" pitchFamily="18" charset="0"/>
-              </a:defRPr>
-            </a:lvl6pPr>
-            <a:lvl7pPr marL="2971800" indent="-228600" eaLnBrk="0" fontAlgn="base" hangingPunct="0">
-              <a:spcBef>
-                <a:spcPct val="0"/>
-              </a:spcBef>
-              <a:spcAft>
-                <a:spcPct val="0"/>
-              </a:spcAft>
-              <a:defRPr sz="2400">
-                <a:solidFill>
-                  <a:schemeClr val="tx1"/>
-                </a:solidFill>
-                <a:latin typeface="Times New Roman" panose="02020603050405020304" pitchFamily="18" charset="0"/>
-              </a:defRPr>
-            </a:lvl7pPr>
-            <a:lvl8pPr marL="3429000" indent="-228600" eaLnBrk="0" fontAlgn="base" hangingPunct="0">
-              <a:spcBef>
-                <a:spcPct val="0"/>
-              </a:spcBef>
-              <a:spcAft>
-                <a:spcPct val="0"/>
-              </a:spcAft>
-              <a:defRPr sz="2400">
-                <a:solidFill>
-                  <a:schemeClr val="tx1"/>
-                </a:solidFill>
-                <a:latin typeface="Times New Roman" panose="02020603050405020304" pitchFamily="18" charset="0"/>
-              </a:defRPr>
-            </a:lvl8pPr>
-            <a:lvl9pPr marL="3886200" indent="-228600" eaLnBrk="0" fontAlgn="base" hangingPunct="0">
-              <a:spcBef>
-                <a:spcPct val="0"/>
-              </a:spcBef>
-              <a:spcAft>
-                <a:spcPct val="0"/>
-              </a:spcAft>
-              <a:defRPr sz="2400">
-                <a:solidFill>
-                  <a:schemeClr val="tx1"/>
-                </a:solidFill>
-                <a:latin typeface="Times New Roman" panose="02020603050405020304" pitchFamily="18" charset="0"/>
-              </a:defRPr>
-            </a:lvl9pPr>
-          </a:lstStyle>
-          <a:p>
-            <a:pPr lvl="1" algn="ctr" eaLnBrk="1" hangingPunct="1">
-              <a:lnSpc>
-                <a:spcPct val="90000"/>
-              </a:lnSpc>
-              <a:spcBef>
-                <a:spcPct val="20000"/>
-              </a:spcBef>
-              <a:buClr>
-                <a:schemeClr val="accent1"/>
-              </a:buClr>
-            </a:pPr>
-            <a:r>
-              <a:rPr lang="en-GB" altLang="en-US" sz="2000" b="1">
-                <a:latin typeface="Arial" panose="020B0604020202020204" pitchFamily="34" charset="0"/>
-                <a:cs typeface="Arial" panose="020B0604020202020204" pitchFamily="34" charset="0"/>
-              </a:rPr>
-              <a:t>You can find many more free templates on the Presentation Magazine website </a:t>
-            </a:r>
-            <a:r>
-              <a:rPr lang="en-GB" altLang="en-US" sz="2000" b="1">
-                <a:latin typeface="Arial" panose="020B0604020202020204" pitchFamily="34" charset="0"/>
-                <a:cs typeface="Arial" panose="020B0604020202020204" pitchFamily="34" charset="0"/>
-                <a:hlinkClick r:id="rId3"/>
-              </a:rPr>
-              <a:t>www.presentationmagazine.com</a:t>
-            </a:r>
-            <a:r>
-              <a:rPr lang="en-GB" altLang="en-US" sz="2000" b="1">
-                <a:latin typeface="Arial" panose="020B0604020202020204" pitchFamily="34" charset="0"/>
-                <a:cs typeface="Arial" panose="020B0604020202020204" pitchFamily="34" charset="0"/>
-              </a:rPr>
-              <a:t>  </a:t>
-            </a:r>
-            <a:endParaRPr lang="en-US" altLang="en-US" sz="2000" b="1">
-              <a:latin typeface="Arial" panose="020B0604020202020204" pitchFamily="34" charset="0"/>
-              <a:cs typeface="Arial" panose="020B0604020202020204" pitchFamily="34" charset="0"/>
-            </a:endParaRPr>
-          </a:p>
-        </p:txBody>
-      </p:sp>
-      <p:sp>
-        <p:nvSpPr>
-          <p:cNvPr id="20488" name="Text Box 8"/>
-          <p:cNvSpPr txBox="1">
-            <a:spLocks noChangeArrowheads="1"/>
-          </p:cNvSpPr>
-          <p:nvPr/>
-        </p:nvSpPr>
-        <p:spPr bwMode="auto">
-          <a:xfrm>
-            <a:off x="1150938" y="2360613"/>
-            <a:ext cx="6926262" cy="730250"/>
-          </a:xfrm>
-          <a:prstGeom prst="rect">
-            <a:avLst/>
-          </a:prstGeom>
-          <a:noFill/>
-          <a:ln>
-            <a:noFill/>
-          </a:ln>
-          <a:effectLst/>
-          <a:extLst>
-            <a:ext uri="{909E8E84-426E-40DD-AFC4-6F175D3DCCD1}">
-              <a14:hiddenFill xmlns:a14="http://schemas.microsoft.com/office/drawing/2010/main">
-                <a:solidFill>
-                  <a:schemeClr val="accent1"/>
-                </a:solidFill>
-              </a14:hiddenFill>
-            </a:ext>
-            <a:ext uri="{91240B29-F687-4F45-9708-019B960494DF}">
-              <a14:hiddenLine xmlns:a14="http://schemas.microsoft.com/office/drawing/2010/main" w="9525">
-                <a:solidFill>
-                  <a:schemeClr val="tx1"/>
-                </a:solidFill>
-                <a:miter lim="800000"/>
-                <a:headEnd/>
-                <a:tailEnd/>
-              </a14:hiddenLine>
-            </a:ext>
-            <a:ext uri="{AF507438-7753-43E0-B8FC-AC1667EBCBE1}">
-              <a14:hiddenEffects xmlns:a14="http://schemas.microsoft.com/office/drawing/2010/main">
-                <a:effectLst>
-                  <a:outerShdw dist="35921" dir="2700000" algn="ctr" rotWithShape="0">
-                    <a:schemeClr val="bg2"/>
-                  </a:outerShdw>
-                </a:effectLst>
-              </a14:hiddenEffects>
-            </a:ext>
-          </a:extLst>
-        </p:spPr>
-        <p:txBody>
-          <a:bodyPr>
-            <a:spAutoFit/>
-          </a:bodyPr>
-          <a:lstStyle>
-            <a:lvl1pPr>
-              <a:defRPr sz="2400">
-                <a:solidFill>
-                  <a:schemeClr val="tx1"/>
-                </a:solidFill>
-                <a:latin typeface="Times New Roman" panose="02020603050405020304" pitchFamily="18" charset="0"/>
-              </a:defRPr>
-            </a:lvl1pPr>
-            <a:lvl2pPr marL="742950" indent="-285750">
-              <a:defRPr sz="2400">
-                <a:solidFill>
-                  <a:schemeClr val="tx1"/>
-                </a:solidFill>
-                <a:latin typeface="Times New Roman" panose="02020603050405020304" pitchFamily="18" charset="0"/>
-              </a:defRPr>
-            </a:lvl2pPr>
-            <a:lvl3pPr marL="1143000" indent="-228600">
-              <a:defRPr sz="2400">
-                <a:solidFill>
-                  <a:schemeClr val="tx1"/>
-                </a:solidFill>
-                <a:latin typeface="Times New Roman" panose="02020603050405020304" pitchFamily="18" charset="0"/>
-              </a:defRPr>
-            </a:lvl3pPr>
-            <a:lvl4pPr marL="1600200" indent="-228600">
-              <a:defRPr sz="2400">
-                <a:solidFill>
-                  <a:schemeClr val="tx1"/>
-                </a:solidFill>
-                <a:latin typeface="Times New Roman" panose="02020603050405020304" pitchFamily="18" charset="0"/>
-              </a:defRPr>
-            </a:lvl4pPr>
-            <a:lvl5pPr marL="2057400" indent="-228600">
-              <a:defRPr sz="2400">
-                <a:solidFill>
-                  <a:schemeClr val="tx1"/>
-                </a:solidFill>
-                <a:latin typeface="Times New Roman" panose="02020603050405020304" pitchFamily="18" charset="0"/>
-              </a:defRPr>
-            </a:lvl5pPr>
-            <a:lvl6pPr marL="2514600" indent="-228600" eaLnBrk="0" fontAlgn="base" hangingPunct="0">
-              <a:spcBef>
-                <a:spcPct val="0"/>
-              </a:spcBef>
-              <a:spcAft>
-                <a:spcPct val="0"/>
-              </a:spcAft>
-              <a:defRPr sz="2400">
-                <a:solidFill>
-                  <a:schemeClr val="tx1"/>
-                </a:solidFill>
-                <a:latin typeface="Times New Roman" panose="02020603050405020304" pitchFamily="18" charset="0"/>
-              </a:defRPr>
-            </a:lvl6pPr>
-            <a:lvl7pPr marL="2971800" indent="-228600" eaLnBrk="0" fontAlgn="base" hangingPunct="0">
-              <a:spcBef>
-                <a:spcPct val="0"/>
-              </a:spcBef>
-              <a:spcAft>
-                <a:spcPct val="0"/>
-              </a:spcAft>
-              <a:defRPr sz="2400">
-                <a:solidFill>
-                  <a:schemeClr val="tx1"/>
-                </a:solidFill>
-                <a:latin typeface="Times New Roman" panose="02020603050405020304" pitchFamily="18" charset="0"/>
-              </a:defRPr>
-            </a:lvl7pPr>
-            <a:lvl8pPr marL="3429000" indent="-228600" eaLnBrk="0" fontAlgn="base" hangingPunct="0">
-              <a:spcBef>
-                <a:spcPct val="0"/>
-              </a:spcBef>
-              <a:spcAft>
-                <a:spcPct val="0"/>
-              </a:spcAft>
-              <a:defRPr sz="2400">
-                <a:solidFill>
-                  <a:schemeClr val="tx1"/>
-                </a:solidFill>
-                <a:latin typeface="Times New Roman" panose="02020603050405020304" pitchFamily="18" charset="0"/>
-              </a:defRPr>
-            </a:lvl8pPr>
-            <a:lvl9pPr marL="3886200" indent="-228600" eaLnBrk="0" fontAlgn="base" hangingPunct="0">
-              <a:spcBef>
-                <a:spcPct val="0"/>
-              </a:spcBef>
-              <a:spcAft>
-                <a:spcPct val="0"/>
-              </a:spcAft>
-              <a:defRPr sz="2400">
-                <a:solidFill>
-                  <a:schemeClr val="tx1"/>
-                </a:solidFill>
-                <a:latin typeface="Times New Roman" panose="02020603050405020304" pitchFamily="18" charset="0"/>
-              </a:defRPr>
-            </a:lvl9pPr>
-          </a:lstStyle>
-          <a:p>
-            <a:pPr eaLnBrk="1" hangingPunct="1">
-              <a:spcBef>
-                <a:spcPct val="50000"/>
-              </a:spcBef>
-            </a:pPr>
-            <a:r>
-              <a:rPr lang="en-GB" altLang="en-US" sz="1400">
-                <a:latin typeface="Arial" panose="020B0604020202020204" pitchFamily="34" charset="0"/>
-                <a:cs typeface="Arial" panose="020B0604020202020204" pitchFamily="34" charset="0"/>
-              </a:rPr>
-              <a:t>We have put a lot of work into developing all these templates and retain the copyright in them.  They are not Open Source templates.  You can use them freely providing that you do not redistribute or sell them.</a:t>
-            </a:r>
-            <a:endParaRPr lang="en-US" altLang="en-US" sz="1400">
-              <a:latin typeface="Arial" panose="020B0604020202020204" pitchFamily="34" charset="0"/>
-              <a:cs typeface="Arial" panose="020B0604020202020204" pitchFamily="34" charset="0"/>
-            </a:endParaRPr>
+              <a:rPr lang="en-GB" altLang="en-US" sz="2100" dirty="0" smtClean="0"/>
+              <a:t>And also in here</a:t>
+            </a:r>
+            <a:endParaRPr lang="en-US" altLang="en-US" sz="2100" dirty="0" smtClean="0"/>
           </a:p>
         </p:txBody>
       </p:sp>
